--- a/05_md_basic/simulation05.pptx
+++ b/05_md_basic/simulation05.pptx
@@ -5,7 +5,7 @@
     <p:sldMasterId id="2147483665" r:id="rId1"/>
   </p:sldMasterIdLst>
   <p:notesMasterIdLst>
-    <p:notesMasterId r:id="rId10"/>
+    <p:notesMasterId r:id="rId15"/>
   </p:notesMasterIdLst>
   <p:sldIdLst>
     <p:sldId id="256" r:id="rId2"/>
@@ -16,6 +16,11 @@
     <p:sldId id="343" r:id="rId7"/>
     <p:sldId id="344" r:id="rId8"/>
     <p:sldId id="345" r:id="rId9"/>
+    <p:sldId id="346" r:id="rId10"/>
+    <p:sldId id="347" r:id="rId11"/>
+    <p:sldId id="348" r:id="rId12"/>
+    <p:sldId id="349" r:id="rId13"/>
+    <p:sldId id="350" r:id="rId14"/>
   </p:sldIdLst>
   <p:sldSz cx="9144000" cy="6858000" type="screen4x3"/>
   <p:notesSz cx="6858000" cy="9144000"/>
@@ -1419,6 +1424,6510 @@
 </p:sld>
 </file>
 
+<file path=ppt/slides/slide10.xml><?xml version="1.0" encoding="utf-8"?>
+<p:sld xmlns:a="http://schemas.openxmlformats.org/drawingml/2006/main" xmlns:r="http://schemas.openxmlformats.org/officeDocument/2006/relationships" xmlns:p="http://schemas.openxmlformats.org/presentationml/2006/main">
+  <p:cSld>
+    <p:spTree>
+      <p:nvGrpSpPr>
+        <p:cNvPr id="1" name=""/>
+        <p:cNvGrpSpPr/>
+        <p:nvPr/>
+      </p:nvGrpSpPr>
+      <p:grpSpPr>
+        <a:xfrm>
+          <a:off x="0" y="0"/>
+          <a:ext cx="0" cy="0"/>
+          <a:chOff x="0" y="0"/>
+          <a:chExt cx="0" cy="0"/>
+        </a:xfrm>
+      </p:grpSpPr>
+      <p:sp>
+        <p:nvSpPr>
+          <p:cNvPr id="2" name="テキスト プレースホルダー 1">
+            <a:extLst>
+              <a:ext uri="{FF2B5EF4-FFF2-40B4-BE49-F238E27FC236}">
+                <a16:creationId xmlns:a16="http://schemas.microsoft.com/office/drawing/2014/main" id="{C93FB3AA-6025-464F-AAA7-972F40CC8D8F}"/>
+              </a:ext>
+            </a:extLst>
+          </p:cNvPr>
+          <p:cNvSpPr>
+            <a:spLocks noGrp="1"/>
+          </p:cNvSpPr>
+          <p:nvPr>
+            <p:ph type="body" sz="quarter" idx="10"/>
+          </p:nvPr>
+        </p:nvSpPr>
+        <p:spPr/>
+        <p:txBody>
+          <a:bodyPr/>
+          <a:lstStyle/>
+          <a:p>
+            <a:r>
+              <a:rPr lang="ja-JP" altLang="en-US"/>
+              <a:t>力学系</a:t>
+            </a:r>
+            <a:endParaRPr kumimoji="1" lang="ja-JP" altLang="en-US"/>
+          </a:p>
+        </p:txBody>
+      </p:sp>
+      <mc:AlternateContent xmlns:mc="http://schemas.openxmlformats.org/markup-compatibility/2006">
+        <mc:Choice xmlns:a14="http://schemas.microsoft.com/office/drawing/2010/main" Requires="a14">
+          <p:sp>
+            <p:nvSpPr>
+              <p:cNvPr id="3" name="テキスト ボックス 2">
+                <a:extLst>
+                  <a:ext uri="{FF2B5EF4-FFF2-40B4-BE49-F238E27FC236}">
+                    <a16:creationId xmlns:a16="http://schemas.microsoft.com/office/drawing/2014/main" id="{FBCDEB62-86D8-4EB3-9A3B-EA63E954977E}"/>
+                  </a:ext>
+                </a:extLst>
+              </p:cNvPr>
+              <p:cNvSpPr txBox="1"/>
+              <p:nvPr/>
+            </p:nvSpPr>
+            <p:spPr>
+              <a:xfrm>
+                <a:off x="3059832" y="1556792"/>
+                <a:ext cx="5616624" cy="954107"/>
+              </a:xfrm>
+              <a:prstGeom prst="rect">
+                <a:avLst/>
+              </a:prstGeom>
+              <a:noFill/>
+            </p:spPr>
+            <p:txBody>
+              <a:bodyPr wrap="square" rtlCol="0">
+                <a:spAutoFit/>
+              </a:bodyPr>
+              <a:lstStyle/>
+              <a:p>
+                <a:r>
+                  <a:rPr kumimoji="1" lang="ja-JP" altLang="en-US" sz="2800"/>
+                  <a:t>変数の組</a:t>
+                </a:r>
+                <a14:m>
+                  <m:oMath xmlns:m="http://schemas.openxmlformats.org/officeDocument/2006/math">
+                    <m:r>
+                      <a:rPr kumimoji="1" lang="en-US" altLang="ja-JP" sz="2800" b="0" i="1" smtClean="0">
+                        <a:latin typeface="Cambria Math" panose="02040503050406030204" pitchFamily="18" charset="0"/>
+                      </a:rPr>
+                      <m:t>(</m:t>
+                    </m:r>
+                    <m:r>
+                      <a:rPr kumimoji="1" lang="en-US" altLang="ja-JP" sz="2800" b="0" i="1" smtClean="0">
+                        <a:latin typeface="Cambria Math" panose="02040503050406030204" pitchFamily="18" charset="0"/>
+                      </a:rPr>
+                      <m:t>𝑣</m:t>
+                    </m:r>
+                    <m:r>
+                      <a:rPr kumimoji="1" lang="en-US" altLang="ja-JP" sz="2800" b="0" i="1" smtClean="0">
+                        <a:latin typeface="Cambria Math" panose="02040503050406030204" pitchFamily="18" charset="0"/>
+                      </a:rPr>
+                      <m:t>,</m:t>
+                    </m:r>
+                    <m:r>
+                      <a:rPr kumimoji="1" lang="en-US" altLang="ja-JP" sz="2800" b="0" i="1" smtClean="0">
+                        <a:latin typeface="Cambria Math" panose="02040503050406030204" pitchFamily="18" charset="0"/>
+                      </a:rPr>
+                      <m:t>𝑟</m:t>
+                    </m:r>
+                    <m:r>
+                      <a:rPr kumimoji="1" lang="en-US" altLang="ja-JP" sz="2800" b="0" i="1" smtClean="0">
+                        <a:latin typeface="Cambria Math" panose="02040503050406030204" pitchFamily="18" charset="0"/>
+                      </a:rPr>
+                      <m:t>)</m:t>
+                    </m:r>
+                    <m:r>
+                      <a:rPr lang="ja-JP" altLang="en-US" sz="2800" i="1">
+                        <a:latin typeface="Cambria Math" panose="02040503050406030204" pitchFamily="18" charset="0"/>
+                      </a:rPr>
+                      <m:t>の</m:t>
+                    </m:r>
+                  </m:oMath>
+                </a14:m>
+                <a:r>
+                  <a:rPr kumimoji="1" lang="ja-JP" altLang="en-US" sz="2800"/>
+                  <a:t>時間微分</a:t>
+                </a:r>
+                <a14:m>
+                  <m:oMath xmlns:m="http://schemas.openxmlformats.org/officeDocument/2006/math">
+                    <m:r>
+                      <a:rPr kumimoji="1" lang="en-US" altLang="ja-JP" sz="2800" b="0" i="1" smtClean="0">
+                        <a:latin typeface="Cambria Math" panose="02040503050406030204" pitchFamily="18" charset="0"/>
+                      </a:rPr>
+                      <m:t>(</m:t>
+                    </m:r>
+                    <m:acc>
+                      <m:accPr>
+                        <m:chr m:val="̇"/>
+                        <m:ctrlPr>
+                          <a:rPr kumimoji="1" lang="en-US" altLang="ja-JP" sz="2800" b="0" i="1" smtClean="0">
+                            <a:latin typeface="Cambria Math" panose="02040503050406030204" pitchFamily="18" charset="0"/>
+                          </a:rPr>
+                        </m:ctrlPr>
+                      </m:accPr>
+                      <m:e>
+                        <m:r>
+                          <a:rPr kumimoji="1" lang="en-US" altLang="ja-JP" sz="2800" b="0" i="1" smtClean="0">
+                            <a:latin typeface="Cambria Math" panose="02040503050406030204" pitchFamily="18" charset="0"/>
+                          </a:rPr>
+                          <m:t>𝑣</m:t>
+                        </m:r>
+                      </m:e>
+                    </m:acc>
+                    <m:r>
+                      <a:rPr kumimoji="1" lang="en-US" altLang="ja-JP" sz="2800" b="0" i="1" smtClean="0">
+                        <a:latin typeface="Cambria Math" panose="02040503050406030204" pitchFamily="18" charset="0"/>
+                      </a:rPr>
+                      <m:t>,</m:t>
+                    </m:r>
+                    <m:acc>
+                      <m:accPr>
+                        <m:chr m:val="̇"/>
+                        <m:ctrlPr>
+                          <a:rPr lang="en-US" altLang="ja-JP" sz="2800" i="1">
+                            <a:latin typeface="Cambria Math" panose="02040503050406030204" pitchFamily="18" charset="0"/>
+                          </a:rPr>
+                        </m:ctrlPr>
+                      </m:accPr>
+                      <m:e>
+                        <m:r>
+                          <a:rPr lang="en-US" altLang="ja-JP" sz="2800" i="1">
+                            <a:latin typeface="Cambria Math" panose="02040503050406030204" pitchFamily="18" charset="0"/>
+                          </a:rPr>
+                          <m:t>𝑟</m:t>
+                        </m:r>
+                      </m:e>
+                    </m:acc>
+                    <m:r>
+                      <a:rPr kumimoji="1" lang="en-US" altLang="ja-JP" sz="2800" b="0" i="1" smtClean="0">
+                        <a:latin typeface="Cambria Math" panose="02040503050406030204" pitchFamily="18" charset="0"/>
+                      </a:rPr>
+                      <m:t>)</m:t>
+                    </m:r>
+                  </m:oMath>
+                </a14:m>
+                <a:r>
+                  <a:rPr kumimoji="1" lang="ja-JP" altLang="en-US" sz="2800"/>
+                  <a:t>が</a:t>
+                </a:r>
+                <a14:m>
+                  <m:oMath xmlns:m="http://schemas.openxmlformats.org/officeDocument/2006/math">
+                    <m:r>
+                      <a:rPr kumimoji="1" lang="en-US" altLang="ja-JP" sz="2800" b="0" i="1" smtClean="0">
+                        <a:latin typeface="Cambria Math" panose="02040503050406030204" pitchFamily="18" charset="0"/>
+                      </a:rPr>
+                      <m:t>(</m:t>
+                    </m:r>
+                    <m:r>
+                      <a:rPr kumimoji="1" lang="en-US" altLang="ja-JP" sz="2800" b="0" i="1" smtClean="0">
+                        <a:latin typeface="Cambria Math" panose="02040503050406030204" pitchFamily="18" charset="0"/>
+                      </a:rPr>
+                      <m:t>𝑣</m:t>
+                    </m:r>
+                    <m:r>
+                      <a:rPr kumimoji="1" lang="en-US" altLang="ja-JP" sz="2800" b="0" i="1" smtClean="0">
+                        <a:latin typeface="Cambria Math" panose="02040503050406030204" pitchFamily="18" charset="0"/>
+                      </a:rPr>
+                      <m:t>,</m:t>
+                    </m:r>
+                    <m:r>
+                      <a:rPr kumimoji="1" lang="en-US" altLang="ja-JP" sz="2800" b="0" i="1" smtClean="0">
+                        <a:latin typeface="Cambria Math" panose="02040503050406030204" pitchFamily="18" charset="0"/>
+                      </a:rPr>
+                      <m:t>𝑟</m:t>
+                    </m:r>
+                    <m:r>
+                      <a:rPr kumimoji="1" lang="en-US" altLang="ja-JP" sz="2800" b="0" i="1" smtClean="0">
+                        <a:latin typeface="Cambria Math" panose="02040503050406030204" pitchFamily="18" charset="0"/>
+                      </a:rPr>
+                      <m:t>)</m:t>
+                    </m:r>
+                    <m:r>
+                      <a:rPr lang="ja-JP" altLang="en-US" sz="2800" i="1">
+                        <a:latin typeface="Cambria Math" panose="02040503050406030204" pitchFamily="18" charset="0"/>
+                      </a:rPr>
+                      <m:t>の</m:t>
+                    </m:r>
+                  </m:oMath>
+                </a14:m>
+                <a:r>
+                  <a:rPr kumimoji="1" lang="ja-JP" altLang="en-US" sz="2800"/>
+                  <a:t>関数として書けている</a:t>
+                </a:r>
+              </a:p>
+            </p:txBody>
+          </p:sp>
+        </mc:Choice>
+        <mc:Fallback>
+          <p:sp>
+            <p:nvSpPr>
+              <p:cNvPr id="3" name="テキスト ボックス 2">
+                <a:extLst>
+                  <a:ext uri="{FF2B5EF4-FFF2-40B4-BE49-F238E27FC236}">
+                    <a16:creationId xmlns:a16="http://schemas.microsoft.com/office/drawing/2014/main" id="{FBCDEB62-86D8-4EB3-9A3B-EA63E954977E}"/>
+                  </a:ext>
+                </a:extLst>
+              </p:cNvPr>
+              <p:cNvSpPr txBox="1">
+                <a:spLocks noRot="1" noChangeAspect="1" noMove="1" noResize="1" noEditPoints="1" noAdjustHandles="1" noChangeArrowheads="1" noChangeShapeType="1" noTextEdit="1"/>
+              </p:cNvSpPr>
+              <p:nvPr/>
+            </p:nvSpPr>
+            <p:spPr>
+              <a:xfrm>
+                <a:off x="3059832" y="1556792"/>
+                <a:ext cx="5616624" cy="954107"/>
+              </a:xfrm>
+              <a:prstGeom prst="rect">
+                <a:avLst/>
+              </a:prstGeom>
+              <a:blipFill>
+                <a:blip r:embed="rId2"/>
+                <a:stretch>
+                  <a:fillRect l="-2280" t="-7643" b="-14650"/>
+                </a:stretch>
+              </a:blipFill>
+            </p:spPr>
+            <p:txBody>
+              <a:bodyPr/>
+              <a:lstStyle/>
+              <a:p>
+                <a:r>
+                  <a:rPr lang="ja-JP" altLang="en-US">
+                    <a:noFill/>
+                  </a:rPr>
+                  <a:t> </a:t>
+                </a:r>
+              </a:p>
+            </p:txBody>
+          </p:sp>
+        </mc:Fallback>
+      </mc:AlternateContent>
+      <mc:AlternateContent xmlns:mc="http://schemas.openxmlformats.org/markup-compatibility/2006">
+        <mc:Choice xmlns:a14="http://schemas.microsoft.com/office/drawing/2010/main" Requires="a14">
+          <p:sp>
+            <p:nvSpPr>
+              <p:cNvPr id="5" name="テキスト ボックス 4">
+                <a:extLst>
+                  <a:ext uri="{FF2B5EF4-FFF2-40B4-BE49-F238E27FC236}">
+                    <a16:creationId xmlns:a16="http://schemas.microsoft.com/office/drawing/2014/main" id="{840CE286-54C9-4808-A487-32CABF3A5854}"/>
+                  </a:ext>
+                </a:extLst>
+              </p:cNvPr>
+              <p:cNvSpPr txBox="1"/>
+              <p:nvPr/>
+            </p:nvSpPr>
+            <p:spPr>
+              <a:xfrm>
+                <a:off x="3059832" y="3356992"/>
+                <a:ext cx="2577950" cy="1962332"/>
+              </a:xfrm>
+              <a:prstGeom prst="rect">
+                <a:avLst/>
+              </a:prstGeom>
+              <a:noFill/>
+            </p:spPr>
+            <p:txBody>
+              <a:bodyPr wrap="none" rtlCol="0">
+                <a:spAutoFit/>
+              </a:bodyPr>
+              <a:lstStyle/>
+              <a:p>
+                <a:pPr/>
+                <a14:m>
+                  <m:oMathPara xmlns:m="http://schemas.openxmlformats.org/officeDocument/2006/math">
+                    <m:oMathParaPr>
+                      <m:jc m:val="centerGroup"/>
+                    </m:oMathParaPr>
+                    <m:oMath xmlns:m="http://schemas.openxmlformats.org/officeDocument/2006/math">
+                      <m:f>
+                        <m:fPr>
+                          <m:ctrlPr>
+                            <a:rPr kumimoji="1" lang="en-US" altLang="ja-JP" sz="3200" b="0" i="1" smtClean="0">
+                              <a:latin typeface="Cambria Math" panose="02040503050406030204" pitchFamily="18" charset="0"/>
+                            </a:rPr>
+                          </m:ctrlPr>
+                        </m:fPr>
+                        <m:num>
+                          <m:r>
+                            <a:rPr kumimoji="1" lang="en-US" altLang="ja-JP" sz="3200" b="0" i="1" smtClean="0">
+                              <a:latin typeface="Cambria Math" panose="02040503050406030204" pitchFamily="18" charset="0"/>
+                            </a:rPr>
+                            <m:t>𝑑𝑣</m:t>
+                          </m:r>
+                        </m:num>
+                        <m:den>
+                          <m:r>
+                            <a:rPr kumimoji="1" lang="en-US" altLang="ja-JP" sz="3200" b="0" i="1" smtClean="0">
+                              <a:latin typeface="Cambria Math" panose="02040503050406030204" pitchFamily="18" charset="0"/>
+                            </a:rPr>
+                            <m:t>𝑑𝑡</m:t>
+                          </m:r>
+                        </m:den>
+                      </m:f>
+                      <m:r>
+                        <a:rPr kumimoji="1" lang="en-US" altLang="ja-JP" sz="3200" b="0" i="1" smtClean="0">
+                          <a:latin typeface="Cambria Math" panose="02040503050406030204" pitchFamily="18" charset="0"/>
+                        </a:rPr>
+                        <m:t>=</m:t>
+                      </m:r>
+                      <m:sSub>
+                        <m:sSubPr>
+                          <m:ctrlPr>
+                            <a:rPr kumimoji="1" lang="en-US" altLang="ja-JP" sz="3200" b="0" i="1" smtClean="0">
+                              <a:latin typeface="Cambria Math" panose="02040503050406030204" pitchFamily="18" charset="0"/>
+                            </a:rPr>
+                          </m:ctrlPr>
+                        </m:sSubPr>
+                        <m:e>
+                          <m:r>
+                            <a:rPr kumimoji="1" lang="en-US" altLang="ja-JP" sz="3200" b="0" i="1" smtClean="0">
+                              <a:latin typeface="Cambria Math" panose="02040503050406030204" pitchFamily="18" charset="0"/>
+                            </a:rPr>
+                            <m:t>𝑓</m:t>
+                          </m:r>
+                        </m:e>
+                        <m:sub>
+                          <m:r>
+                            <a:rPr kumimoji="1" lang="en-US" altLang="ja-JP" sz="3200" b="0" i="1" smtClean="0">
+                              <a:latin typeface="Cambria Math" panose="02040503050406030204" pitchFamily="18" charset="0"/>
+                            </a:rPr>
+                            <m:t>𝑣</m:t>
+                          </m:r>
+                        </m:sub>
+                      </m:sSub>
+                      <m:r>
+                        <a:rPr kumimoji="1" lang="en-US" altLang="ja-JP" sz="3200" b="0" i="1" smtClean="0">
+                          <a:latin typeface="Cambria Math" panose="02040503050406030204" pitchFamily="18" charset="0"/>
+                        </a:rPr>
+                        <m:t>(</m:t>
+                      </m:r>
+                      <m:r>
+                        <a:rPr kumimoji="1" lang="en-US" altLang="ja-JP" sz="3200" b="0" i="1" smtClean="0">
+                          <a:latin typeface="Cambria Math" panose="02040503050406030204" pitchFamily="18" charset="0"/>
+                        </a:rPr>
+                        <m:t>𝑟</m:t>
+                      </m:r>
+                      <m:r>
+                        <a:rPr kumimoji="1" lang="en-US" altLang="ja-JP" sz="3200" b="0" i="1" smtClean="0">
+                          <a:latin typeface="Cambria Math" panose="02040503050406030204" pitchFamily="18" charset="0"/>
+                        </a:rPr>
+                        <m:t>,</m:t>
+                      </m:r>
+                      <m:r>
+                        <a:rPr kumimoji="1" lang="en-US" altLang="ja-JP" sz="3200" b="0" i="1" smtClean="0">
+                          <a:latin typeface="Cambria Math" panose="02040503050406030204" pitchFamily="18" charset="0"/>
+                        </a:rPr>
+                        <m:t>𝑣</m:t>
+                      </m:r>
+                      <m:r>
+                        <a:rPr kumimoji="1" lang="en-US" altLang="ja-JP" sz="3200" b="0" i="1" smtClean="0">
+                          <a:latin typeface="Cambria Math" panose="02040503050406030204" pitchFamily="18" charset="0"/>
+                        </a:rPr>
+                        <m:t>)</m:t>
+                      </m:r>
+                    </m:oMath>
+                  </m:oMathPara>
+                </a14:m>
+                <a:endParaRPr kumimoji="1" lang="en-US" altLang="ja-JP" sz="3200"/>
+              </a:p>
+              <a:p>
+                <a14:m>
+                  <m:oMathPara xmlns:m="http://schemas.openxmlformats.org/officeDocument/2006/math">
+                    <m:oMathParaPr>
+                      <m:jc m:val="centerGroup"/>
+                    </m:oMathParaPr>
+                    <m:oMath xmlns:m="http://schemas.openxmlformats.org/officeDocument/2006/math">
+                      <m:f>
+                        <m:fPr>
+                          <m:ctrlPr>
+                            <a:rPr kumimoji="1" lang="en-US" altLang="ja-JP" sz="3200" b="0" i="1" smtClean="0">
+                              <a:latin typeface="Cambria Math" panose="02040503050406030204" pitchFamily="18" charset="0"/>
+                            </a:rPr>
+                          </m:ctrlPr>
+                        </m:fPr>
+                        <m:num>
+                          <m:r>
+                            <a:rPr kumimoji="1" lang="en-US" altLang="ja-JP" sz="3200" b="0" i="1" smtClean="0">
+                              <a:latin typeface="Cambria Math" panose="02040503050406030204" pitchFamily="18" charset="0"/>
+                            </a:rPr>
+                            <m:t>𝑑𝑟</m:t>
+                          </m:r>
+                        </m:num>
+                        <m:den>
+                          <m:r>
+                            <a:rPr kumimoji="1" lang="en-US" altLang="ja-JP" sz="3200" b="0" i="1" smtClean="0">
+                              <a:latin typeface="Cambria Math" panose="02040503050406030204" pitchFamily="18" charset="0"/>
+                            </a:rPr>
+                            <m:t>𝑑𝑡</m:t>
+                          </m:r>
+                        </m:den>
+                      </m:f>
+                      <m:r>
+                        <a:rPr kumimoji="1" lang="en-US" altLang="ja-JP" sz="3200" b="0" i="1" smtClean="0">
+                          <a:latin typeface="Cambria Math" panose="02040503050406030204" pitchFamily="18" charset="0"/>
+                        </a:rPr>
+                        <m:t>=</m:t>
+                      </m:r>
+                      <m:sSub>
+                        <m:sSubPr>
+                          <m:ctrlPr>
+                            <a:rPr kumimoji="1" lang="en-US" altLang="ja-JP" sz="3200" b="0" i="1" smtClean="0">
+                              <a:latin typeface="Cambria Math" panose="02040503050406030204" pitchFamily="18" charset="0"/>
+                            </a:rPr>
+                          </m:ctrlPr>
+                        </m:sSubPr>
+                        <m:e>
+                          <m:r>
+                            <a:rPr kumimoji="1" lang="en-US" altLang="ja-JP" sz="3200" b="0" i="1" smtClean="0">
+                              <a:latin typeface="Cambria Math" panose="02040503050406030204" pitchFamily="18" charset="0"/>
+                            </a:rPr>
+                            <m:t>𝑓</m:t>
+                          </m:r>
+                        </m:e>
+                        <m:sub>
+                          <m:r>
+                            <a:rPr kumimoji="1" lang="en-US" altLang="ja-JP" sz="3200" b="0" i="1" smtClean="0">
+                              <a:latin typeface="Cambria Math" panose="02040503050406030204" pitchFamily="18" charset="0"/>
+                            </a:rPr>
+                            <m:t>𝑟</m:t>
+                          </m:r>
+                        </m:sub>
+                      </m:sSub>
+                      <m:r>
+                        <a:rPr kumimoji="1" lang="en-US" altLang="ja-JP" sz="3200" b="0" i="1" smtClean="0">
+                          <a:latin typeface="Cambria Math" panose="02040503050406030204" pitchFamily="18" charset="0"/>
+                        </a:rPr>
+                        <m:t>(</m:t>
+                      </m:r>
+                      <m:r>
+                        <a:rPr kumimoji="1" lang="en-US" altLang="ja-JP" sz="3200" b="0" i="1" smtClean="0">
+                          <a:latin typeface="Cambria Math" panose="02040503050406030204" pitchFamily="18" charset="0"/>
+                        </a:rPr>
+                        <m:t>𝑟</m:t>
+                      </m:r>
+                      <m:r>
+                        <a:rPr kumimoji="1" lang="en-US" altLang="ja-JP" sz="3200" b="0" i="1" smtClean="0">
+                          <a:latin typeface="Cambria Math" panose="02040503050406030204" pitchFamily="18" charset="0"/>
+                        </a:rPr>
+                        <m:t>,</m:t>
+                      </m:r>
+                      <m:r>
+                        <a:rPr kumimoji="1" lang="en-US" altLang="ja-JP" sz="3200" b="0" i="1" smtClean="0">
+                          <a:latin typeface="Cambria Math" panose="02040503050406030204" pitchFamily="18" charset="0"/>
+                        </a:rPr>
+                        <m:t>𝑣</m:t>
+                      </m:r>
+                      <m:r>
+                        <a:rPr kumimoji="1" lang="en-US" altLang="ja-JP" sz="3200" b="0" i="1" smtClean="0">
+                          <a:latin typeface="Cambria Math" panose="02040503050406030204" pitchFamily="18" charset="0"/>
+                        </a:rPr>
+                        <m:t>)</m:t>
+                      </m:r>
+                    </m:oMath>
+                  </m:oMathPara>
+                </a14:m>
+                <a:endParaRPr kumimoji="1" lang="en-US" altLang="ja-JP" sz="3200" b="0"/>
+              </a:p>
+            </p:txBody>
+          </p:sp>
+        </mc:Choice>
+        <mc:Fallback>
+          <p:sp>
+            <p:nvSpPr>
+              <p:cNvPr id="5" name="テキスト ボックス 4">
+                <a:extLst>
+                  <a:ext uri="{FF2B5EF4-FFF2-40B4-BE49-F238E27FC236}">
+                    <a16:creationId xmlns:a16="http://schemas.microsoft.com/office/drawing/2014/main" id="{840CE286-54C9-4808-A487-32CABF3A5854}"/>
+                  </a:ext>
+                </a:extLst>
+              </p:cNvPr>
+              <p:cNvSpPr txBox="1">
+                <a:spLocks noRot="1" noChangeAspect="1" noMove="1" noResize="1" noEditPoints="1" noAdjustHandles="1" noChangeArrowheads="1" noChangeShapeType="1" noTextEdit="1"/>
+              </p:cNvSpPr>
+              <p:nvPr/>
+            </p:nvSpPr>
+            <p:spPr>
+              <a:xfrm>
+                <a:off x="3059832" y="3356992"/>
+                <a:ext cx="2577950" cy="1962332"/>
+              </a:xfrm>
+              <a:prstGeom prst="rect">
+                <a:avLst/>
+              </a:prstGeom>
+              <a:blipFill>
+                <a:blip r:embed="rId3"/>
+                <a:stretch>
+                  <a:fillRect/>
+                </a:stretch>
+              </a:blipFill>
+            </p:spPr>
+            <p:txBody>
+              <a:bodyPr/>
+              <a:lstStyle/>
+              <a:p>
+                <a:r>
+                  <a:rPr lang="ja-JP" altLang="en-US">
+                    <a:noFill/>
+                  </a:rPr>
+                  <a:t> </a:t>
+                </a:r>
+              </a:p>
+            </p:txBody>
+          </p:sp>
+        </mc:Fallback>
+      </mc:AlternateContent>
+      <mc:AlternateContent xmlns:mc="http://schemas.openxmlformats.org/markup-compatibility/2006">
+        <mc:Choice xmlns:a14="http://schemas.microsoft.com/office/drawing/2010/main" Requires="a14">
+          <p:sp>
+            <p:nvSpPr>
+              <p:cNvPr id="7" name="テキスト ボックス 6">
+                <a:extLst>
+                  <a:ext uri="{FF2B5EF4-FFF2-40B4-BE49-F238E27FC236}">
+                    <a16:creationId xmlns:a16="http://schemas.microsoft.com/office/drawing/2014/main" id="{12B8FBB3-0795-4568-89FE-90E511947EBB}"/>
+                  </a:ext>
+                </a:extLst>
+              </p:cNvPr>
+              <p:cNvSpPr txBox="1"/>
+              <p:nvPr/>
+            </p:nvSpPr>
+            <p:spPr>
+              <a:xfrm>
+                <a:off x="5652120" y="4581128"/>
+                <a:ext cx="2718048" cy="584775"/>
+              </a:xfrm>
+              <a:prstGeom prst="rect">
+                <a:avLst/>
+              </a:prstGeom>
+              <a:noFill/>
+            </p:spPr>
+            <p:txBody>
+              <a:bodyPr wrap="square">
+                <a:spAutoFit/>
+              </a:bodyPr>
+              <a:lstStyle/>
+              <a:p>
+                <a:pPr/>
+                <a14:m>
+                  <m:oMathPara xmlns:m="http://schemas.openxmlformats.org/officeDocument/2006/math">
+                    <m:oMathParaPr>
+                      <m:jc m:val="centerGroup"/>
+                    </m:oMathParaPr>
+                    <m:oMath xmlns:m="http://schemas.openxmlformats.org/officeDocument/2006/math">
+                      <m:sSub>
+                        <m:sSubPr>
+                          <m:ctrlPr>
+                            <a:rPr kumimoji="1" lang="en-US" altLang="ja-JP" sz="3200" b="0" i="1" smtClean="0">
+                              <a:latin typeface="Cambria Math" panose="02040503050406030204" pitchFamily="18" charset="0"/>
+                            </a:rPr>
+                          </m:ctrlPr>
+                        </m:sSubPr>
+                        <m:e>
+                          <m:r>
+                            <a:rPr kumimoji="1" lang="en-US" altLang="ja-JP" sz="3200" b="0" i="1" smtClean="0">
+                              <a:latin typeface="Cambria Math" panose="02040503050406030204" pitchFamily="18" charset="0"/>
+                            </a:rPr>
+                            <m:t>𝑓</m:t>
+                          </m:r>
+                        </m:e>
+                        <m:sub>
+                          <m:r>
+                            <a:rPr kumimoji="1" lang="en-US" altLang="ja-JP" sz="3200" b="0" i="1" smtClean="0">
+                              <a:latin typeface="Cambria Math" panose="02040503050406030204" pitchFamily="18" charset="0"/>
+                            </a:rPr>
+                            <m:t>𝑟</m:t>
+                          </m:r>
+                        </m:sub>
+                      </m:sSub>
+                      <m:d>
+                        <m:dPr>
+                          <m:ctrlPr>
+                            <a:rPr kumimoji="1" lang="en-US" altLang="ja-JP" sz="3200" b="0" i="1" smtClean="0">
+                              <a:latin typeface="Cambria Math" panose="02040503050406030204" pitchFamily="18" charset="0"/>
+                            </a:rPr>
+                          </m:ctrlPr>
+                        </m:dPr>
+                        <m:e>
+                          <m:r>
+                            <a:rPr kumimoji="1" lang="en-US" altLang="ja-JP" sz="3200" b="0" i="1" smtClean="0">
+                              <a:latin typeface="Cambria Math" panose="02040503050406030204" pitchFamily="18" charset="0"/>
+                            </a:rPr>
+                            <m:t>𝑟</m:t>
+                          </m:r>
+                          <m:r>
+                            <a:rPr kumimoji="1" lang="en-US" altLang="ja-JP" sz="3200" b="0" i="1" smtClean="0">
+                              <a:latin typeface="Cambria Math" panose="02040503050406030204" pitchFamily="18" charset="0"/>
+                            </a:rPr>
+                            <m:t>,</m:t>
+                          </m:r>
+                          <m:r>
+                            <a:rPr kumimoji="1" lang="en-US" altLang="ja-JP" sz="3200" b="0" i="1" smtClean="0">
+                              <a:latin typeface="Cambria Math" panose="02040503050406030204" pitchFamily="18" charset="0"/>
+                            </a:rPr>
+                            <m:t>𝑣</m:t>
+                          </m:r>
+                        </m:e>
+                      </m:d>
+                      <m:r>
+                        <a:rPr kumimoji="1" lang="en-US" altLang="ja-JP" sz="3200" b="0" i="1" smtClean="0">
+                          <a:latin typeface="Cambria Math" panose="02040503050406030204" pitchFamily="18" charset="0"/>
+                        </a:rPr>
+                        <m:t>=</m:t>
+                      </m:r>
+                      <m:r>
+                        <a:rPr kumimoji="1" lang="en-US" altLang="ja-JP" sz="3200" b="0" i="1" smtClean="0">
+                          <a:latin typeface="Cambria Math" panose="02040503050406030204" pitchFamily="18" charset="0"/>
+                        </a:rPr>
+                        <m:t>𝑣</m:t>
+                      </m:r>
+                    </m:oMath>
+                  </m:oMathPara>
+                </a14:m>
+                <a:endParaRPr lang="ja-JP" altLang="en-US" sz="3200"/>
+              </a:p>
+            </p:txBody>
+          </p:sp>
+        </mc:Choice>
+        <mc:Fallback>
+          <p:sp>
+            <p:nvSpPr>
+              <p:cNvPr id="7" name="テキスト ボックス 6">
+                <a:extLst>
+                  <a:ext uri="{FF2B5EF4-FFF2-40B4-BE49-F238E27FC236}">
+                    <a16:creationId xmlns:a16="http://schemas.microsoft.com/office/drawing/2014/main" id="{12B8FBB3-0795-4568-89FE-90E511947EBB}"/>
+                  </a:ext>
+                </a:extLst>
+              </p:cNvPr>
+              <p:cNvSpPr txBox="1">
+                <a:spLocks noRot="1" noChangeAspect="1" noMove="1" noResize="1" noEditPoints="1" noAdjustHandles="1" noChangeArrowheads="1" noChangeShapeType="1" noTextEdit="1"/>
+              </p:cNvSpPr>
+              <p:nvPr/>
+            </p:nvSpPr>
+            <p:spPr>
+              <a:xfrm>
+                <a:off x="5652120" y="4581128"/>
+                <a:ext cx="2718048" cy="584775"/>
+              </a:xfrm>
+              <a:prstGeom prst="rect">
+                <a:avLst/>
+              </a:prstGeom>
+              <a:blipFill>
+                <a:blip r:embed="rId4"/>
+                <a:stretch>
+                  <a:fillRect/>
+                </a:stretch>
+              </a:blipFill>
+            </p:spPr>
+            <p:txBody>
+              <a:bodyPr/>
+              <a:lstStyle/>
+              <a:p>
+                <a:r>
+                  <a:rPr lang="ja-JP" altLang="en-US">
+                    <a:noFill/>
+                  </a:rPr>
+                  <a:t> </a:t>
+                </a:r>
+              </a:p>
+            </p:txBody>
+          </p:sp>
+        </mc:Fallback>
+      </mc:AlternateContent>
+      <mc:AlternateContent xmlns:mc="http://schemas.openxmlformats.org/markup-compatibility/2006">
+        <mc:Choice xmlns:a14="http://schemas.microsoft.com/office/drawing/2010/main" Requires="a14">
+          <p:sp>
+            <p:nvSpPr>
+              <p:cNvPr id="8" name="テキスト ボックス 7">
+                <a:extLst>
+                  <a:ext uri="{FF2B5EF4-FFF2-40B4-BE49-F238E27FC236}">
+                    <a16:creationId xmlns:a16="http://schemas.microsoft.com/office/drawing/2014/main" id="{D891C838-C114-4D2A-8CAC-1B7FE2CB09DA}"/>
+                  </a:ext>
+                </a:extLst>
+              </p:cNvPr>
+              <p:cNvSpPr txBox="1"/>
+              <p:nvPr/>
+            </p:nvSpPr>
+            <p:spPr>
+              <a:xfrm>
+                <a:off x="5580112" y="3573016"/>
+                <a:ext cx="3096344" cy="584775"/>
+              </a:xfrm>
+              <a:prstGeom prst="rect">
+                <a:avLst/>
+              </a:prstGeom>
+              <a:noFill/>
+            </p:spPr>
+            <p:txBody>
+              <a:bodyPr wrap="square">
+                <a:spAutoFit/>
+              </a:bodyPr>
+              <a:lstStyle/>
+              <a:p>
+                <a:pPr/>
+                <a14:m>
+                  <m:oMathPara xmlns:m="http://schemas.openxmlformats.org/officeDocument/2006/math">
+                    <m:oMathParaPr>
+                      <m:jc m:val="centerGroup"/>
+                    </m:oMathParaPr>
+                    <m:oMath xmlns:m="http://schemas.openxmlformats.org/officeDocument/2006/math">
+                      <m:sSub>
+                        <m:sSubPr>
+                          <m:ctrlPr>
+                            <a:rPr kumimoji="1" lang="en-US" altLang="ja-JP" sz="3200" b="0" i="1" smtClean="0">
+                              <a:latin typeface="Cambria Math" panose="02040503050406030204" pitchFamily="18" charset="0"/>
+                            </a:rPr>
+                          </m:ctrlPr>
+                        </m:sSubPr>
+                        <m:e>
+                          <m:r>
+                            <a:rPr kumimoji="1" lang="en-US" altLang="ja-JP" sz="3200" b="0" i="1" smtClean="0">
+                              <a:latin typeface="Cambria Math" panose="02040503050406030204" pitchFamily="18" charset="0"/>
+                            </a:rPr>
+                            <m:t>𝑓</m:t>
+                          </m:r>
+                        </m:e>
+                        <m:sub>
+                          <m:r>
+                            <a:rPr kumimoji="1" lang="en-US" altLang="ja-JP" sz="3200" b="0" i="1" smtClean="0">
+                              <a:latin typeface="Cambria Math" panose="02040503050406030204" pitchFamily="18" charset="0"/>
+                            </a:rPr>
+                            <m:t>𝑣</m:t>
+                          </m:r>
+                        </m:sub>
+                      </m:sSub>
+                      <m:d>
+                        <m:dPr>
+                          <m:ctrlPr>
+                            <a:rPr kumimoji="1" lang="en-US" altLang="ja-JP" sz="3200" b="0" i="1" smtClean="0">
+                              <a:latin typeface="Cambria Math" panose="02040503050406030204" pitchFamily="18" charset="0"/>
+                            </a:rPr>
+                          </m:ctrlPr>
+                        </m:dPr>
+                        <m:e>
+                          <m:r>
+                            <a:rPr kumimoji="1" lang="en-US" altLang="ja-JP" sz="3200" b="0" i="1" smtClean="0">
+                              <a:latin typeface="Cambria Math" panose="02040503050406030204" pitchFamily="18" charset="0"/>
+                            </a:rPr>
+                            <m:t>𝑟</m:t>
+                          </m:r>
+                          <m:r>
+                            <a:rPr kumimoji="1" lang="en-US" altLang="ja-JP" sz="3200" b="0" i="1" smtClean="0">
+                              <a:latin typeface="Cambria Math" panose="02040503050406030204" pitchFamily="18" charset="0"/>
+                            </a:rPr>
+                            <m:t>,</m:t>
+                          </m:r>
+                          <m:r>
+                            <a:rPr kumimoji="1" lang="en-US" altLang="ja-JP" sz="3200" b="0" i="1" smtClean="0">
+                              <a:latin typeface="Cambria Math" panose="02040503050406030204" pitchFamily="18" charset="0"/>
+                            </a:rPr>
+                            <m:t>𝑣</m:t>
+                          </m:r>
+                        </m:e>
+                      </m:d>
+                      <m:r>
+                        <a:rPr kumimoji="1" lang="en-US" altLang="ja-JP" sz="3200" b="0" i="1" smtClean="0">
+                          <a:latin typeface="Cambria Math" panose="02040503050406030204" pitchFamily="18" charset="0"/>
+                        </a:rPr>
+                        <m:t>=−</m:t>
+                      </m:r>
+                      <m:r>
+                        <a:rPr kumimoji="1" lang="en-US" altLang="ja-JP" sz="3200" b="0" i="1" smtClean="0">
+                          <a:latin typeface="Cambria Math" panose="02040503050406030204" pitchFamily="18" charset="0"/>
+                        </a:rPr>
+                        <m:t>𝑟</m:t>
+                      </m:r>
+                    </m:oMath>
+                  </m:oMathPara>
+                </a14:m>
+                <a:endParaRPr lang="ja-JP" altLang="en-US" sz="3200"/>
+              </a:p>
+            </p:txBody>
+          </p:sp>
+        </mc:Choice>
+        <mc:Fallback>
+          <p:sp>
+            <p:nvSpPr>
+              <p:cNvPr id="8" name="テキスト ボックス 7">
+                <a:extLst>
+                  <a:ext uri="{FF2B5EF4-FFF2-40B4-BE49-F238E27FC236}">
+                    <a16:creationId xmlns:a16="http://schemas.microsoft.com/office/drawing/2014/main" id="{D891C838-C114-4D2A-8CAC-1B7FE2CB09DA}"/>
+                  </a:ext>
+                </a:extLst>
+              </p:cNvPr>
+              <p:cNvSpPr txBox="1">
+                <a:spLocks noRot="1" noChangeAspect="1" noMove="1" noResize="1" noEditPoints="1" noAdjustHandles="1" noChangeArrowheads="1" noChangeShapeType="1" noTextEdit="1"/>
+              </p:cNvSpPr>
+              <p:nvPr/>
+            </p:nvSpPr>
+            <p:spPr>
+              <a:xfrm>
+                <a:off x="5580112" y="3573016"/>
+                <a:ext cx="3096344" cy="584775"/>
+              </a:xfrm>
+              <a:prstGeom prst="rect">
+                <a:avLst/>
+              </a:prstGeom>
+              <a:blipFill>
+                <a:blip r:embed="rId5"/>
+                <a:stretch>
+                  <a:fillRect/>
+                </a:stretch>
+              </a:blipFill>
+            </p:spPr>
+            <p:txBody>
+              <a:bodyPr/>
+              <a:lstStyle/>
+              <a:p>
+                <a:r>
+                  <a:rPr lang="ja-JP" altLang="en-US">
+                    <a:noFill/>
+                  </a:rPr>
+                  <a:t> </a:t>
+                </a:r>
+              </a:p>
+            </p:txBody>
+          </p:sp>
+        </mc:Fallback>
+      </mc:AlternateContent>
+      <p:sp>
+        <p:nvSpPr>
+          <p:cNvPr id="9" name="テキスト ボックス 8">
+            <a:extLst>
+              <a:ext uri="{FF2B5EF4-FFF2-40B4-BE49-F238E27FC236}">
+                <a16:creationId xmlns:a16="http://schemas.microsoft.com/office/drawing/2014/main" id="{CF603832-1688-4BC3-B23E-1BF1D688F099}"/>
+              </a:ext>
+            </a:extLst>
+          </p:cNvPr>
+          <p:cNvSpPr txBox="1"/>
+          <p:nvPr/>
+        </p:nvSpPr>
+        <p:spPr>
+          <a:xfrm>
+            <a:off x="323528" y="5517232"/>
+            <a:ext cx="7951216" cy="523220"/>
+          </a:xfrm>
+          <a:prstGeom prst="rect">
+            <a:avLst/>
+          </a:prstGeom>
+          <a:noFill/>
+        </p:spPr>
+        <p:txBody>
+          <a:bodyPr wrap="none" rtlCol="0">
+            <a:spAutoFit/>
+          </a:bodyPr>
+          <a:lstStyle/>
+          <a:p>
+            <a:r>
+              <a:rPr lang="ja-JP" altLang="en-US" sz="2800"/>
+              <a:t>このような系を</a:t>
+            </a:r>
+            <a:r>
+              <a:rPr lang="ja-JP" altLang="en-US" sz="2800">
+                <a:solidFill>
+                  <a:srgbClr val="FF0000"/>
+                </a:solidFill>
+              </a:rPr>
+              <a:t>力学系</a:t>
+            </a:r>
+            <a:r>
+              <a:rPr lang="en-US" altLang="ja-JP" sz="2800">
+                <a:solidFill>
+                  <a:srgbClr val="FF0000"/>
+                </a:solidFill>
+              </a:rPr>
+              <a:t>(dynamical system)</a:t>
+            </a:r>
+            <a:r>
+              <a:rPr lang="ja-JP" altLang="en-US" sz="2800"/>
+              <a:t>と呼ぶ</a:t>
+            </a:r>
+            <a:endParaRPr kumimoji="1" lang="ja-JP" altLang="en-US" sz="2800"/>
+          </a:p>
+        </p:txBody>
+      </p:sp>
+      <p:sp>
+        <p:nvSpPr>
+          <p:cNvPr id="10" name="テキスト ボックス 9">
+            <a:extLst>
+              <a:ext uri="{FF2B5EF4-FFF2-40B4-BE49-F238E27FC236}">
+                <a16:creationId xmlns:a16="http://schemas.microsoft.com/office/drawing/2014/main" id="{89057291-7019-4CF0-A4F6-944BAAFEFBD3}"/>
+              </a:ext>
+            </a:extLst>
+          </p:cNvPr>
+          <p:cNvSpPr txBox="1"/>
+          <p:nvPr/>
+        </p:nvSpPr>
+        <p:spPr>
+          <a:xfrm>
+            <a:off x="539552" y="4077072"/>
+            <a:ext cx="2339102" cy="461665"/>
+          </a:xfrm>
+          <a:prstGeom prst="rect">
+            <a:avLst/>
+          </a:prstGeom>
+          <a:noFill/>
+        </p:spPr>
+        <p:txBody>
+          <a:bodyPr wrap="none" rtlCol="0">
+            <a:spAutoFit/>
+          </a:bodyPr>
+          <a:lstStyle/>
+          <a:p>
+            <a:r>
+              <a:rPr kumimoji="1" lang="ja-JP" altLang="en-US" sz="2400"/>
+              <a:t>一般的に書くと</a:t>
+            </a:r>
+          </a:p>
+        </p:txBody>
+      </p:sp>
+      <p:sp>
+        <p:nvSpPr>
+          <p:cNvPr id="11" name="テキスト ボックス 10">
+            <a:extLst>
+              <a:ext uri="{FF2B5EF4-FFF2-40B4-BE49-F238E27FC236}">
+                <a16:creationId xmlns:a16="http://schemas.microsoft.com/office/drawing/2014/main" id="{808EBE32-0CF2-4EFF-A69D-A2B1A47F37DF}"/>
+              </a:ext>
+            </a:extLst>
+          </p:cNvPr>
+          <p:cNvSpPr txBox="1"/>
+          <p:nvPr/>
+        </p:nvSpPr>
+        <p:spPr>
+          <a:xfrm>
+            <a:off x="4842897" y="6237312"/>
+            <a:ext cx="3185487" cy="369332"/>
+          </a:xfrm>
+          <a:prstGeom prst="rect">
+            <a:avLst/>
+          </a:prstGeom>
+          <a:noFill/>
+        </p:spPr>
+        <p:txBody>
+          <a:bodyPr wrap="none" rtlCol="0">
+            <a:spAutoFit/>
+          </a:bodyPr>
+          <a:lstStyle/>
+          <a:p>
+            <a:r>
+              <a:rPr kumimoji="1" lang="en-US" altLang="ja-JP"/>
+              <a:t>※</a:t>
+            </a:r>
+            <a:r>
+              <a:rPr lang="ja-JP" altLang="en-US"/>
+              <a:t>運動方程式は力学系の一種</a:t>
+            </a:r>
+            <a:endParaRPr kumimoji="1" lang="ja-JP" altLang="en-US"/>
+          </a:p>
+        </p:txBody>
+      </p:sp>
+      <mc:AlternateContent xmlns:mc="http://schemas.openxmlformats.org/markup-compatibility/2006">
+        <mc:Choice xmlns:a14="http://schemas.microsoft.com/office/drawing/2010/main" Requires="a14">
+          <p:sp>
+            <p:nvSpPr>
+              <p:cNvPr id="12" name="テキスト ボックス 11">
+                <a:extLst>
+                  <a:ext uri="{FF2B5EF4-FFF2-40B4-BE49-F238E27FC236}">
+                    <a16:creationId xmlns:a16="http://schemas.microsoft.com/office/drawing/2014/main" id="{9F4F2730-0087-4910-B2B3-54614A72F068}"/>
+                  </a:ext>
+                </a:extLst>
+              </p:cNvPr>
+              <p:cNvSpPr txBox="1"/>
+              <p:nvPr/>
+            </p:nvSpPr>
+            <p:spPr>
+              <a:xfrm>
+                <a:off x="611560" y="980728"/>
+                <a:ext cx="1994072" cy="1144159"/>
+              </a:xfrm>
+              <a:prstGeom prst="rect">
+                <a:avLst/>
+              </a:prstGeom>
+              <a:noFill/>
+            </p:spPr>
+            <p:txBody>
+              <a:bodyPr wrap="none" rtlCol="0">
+                <a:spAutoFit/>
+              </a:bodyPr>
+              <a:lstStyle/>
+              <a:p>
+                <a:pPr/>
+                <a14:m>
+                  <m:oMathPara xmlns:m="http://schemas.openxmlformats.org/officeDocument/2006/math">
+                    <m:oMathParaPr>
+                      <m:jc m:val="centerGroup"/>
+                    </m:oMathParaPr>
+                    <m:oMath xmlns:m="http://schemas.openxmlformats.org/officeDocument/2006/math">
+                      <m:f>
+                        <m:fPr>
+                          <m:ctrlPr>
+                            <a:rPr kumimoji="1" lang="en-US" altLang="ja-JP" sz="3600" b="0" i="1" smtClean="0">
+                              <a:latin typeface="Cambria Math" panose="02040503050406030204" pitchFamily="18" charset="0"/>
+                            </a:rPr>
+                          </m:ctrlPr>
+                        </m:fPr>
+                        <m:num>
+                          <m:r>
+                            <a:rPr kumimoji="1" lang="en-US" altLang="ja-JP" sz="3600" b="0" i="1" smtClean="0">
+                              <a:latin typeface="Cambria Math" panose="02040503050406030204" pitchFamily="18" charset="0"/>
+                            </a:rPr>
+                            <m:t>𝑑𝑣</m:t>
+                          </m:r>
+                        </m:num>
+                        <m:den>
+                          <m:r>
+                            <a:rPr kumimoji="1" lang="en-US" altLang="ja-JP" sz="3600" b="0" i="1" smtClean="0">
+                              <a:latin typeface="Cambria Math" panose="02040503050406030204" pitchFamily="18" charset="0"/>
+                            </a:rPr>
+                            <m:t>𝑑𝑡</m:t>
+                          </m:r>
+                        </m:den>
+                      </m:f>
+                      <m:r>
+                        <a:rPr kumimoji="1" lang="en-US" altLang="ja-JP" sz="3600" b="0" i="1" smtClean="0">
+                          <a:latin typeface="Cambria Math" panose="02040503050406030204" pitchFamily="18" charset="0"/>
+                        </a:rPr>
+                        <m:t>=−</m:t>
+                      </m:r>
+                      <m:r>
+                        <a:rPr kumimoji="1" lang="en-US" altLang="ja-JP" sz="3600" b="0" i="1" smtClean="0">
+                          <a:latin typeface="Cambria Math" panose="02040503050406030204" pitchFamily="18" charset="0"/>
+                        </a:rPr>
+                        <m:t>𝑟</m:t>
+                      </m:r>
+                    </m:oMath>
+                  </m:oMathPara>
+                </a14:m>
+                <a:endParaRPr kumimoji="1" lang="en-US" altLang="ja-JP" sz="3600" b="0" i="1">
+                  <a:latin typeface="Cambria Math" panose="02040503050406030204" pitchFamily="18" charset="0"/>
+                </a:endParaRPr>
+              </a:p>
+            </p:txBody>
+          </p:sp>
+        </mc:Choice>
+        <mc:Fallback>
+          <p:sp>
+            <p:nvSpPr>
+              <p:cNvPr id="12" name="テキスト ボックス 11">
+                <a:extLst>
+                  <a:ext uri="{FF2B5EF4-FFF2-40B4-BE49-F238E27FC236}">
+                    <a16:creationId xmlns:a16="http://schemas.microsoft.com/office/drawing/2014/main" id="{9F4F2730-0087-4910-B2B3-54614A72F068}"/>
+                  </a:ext>
+                </a:extLst>
+              </p:cNvPr>
+              <p:cNvSpPr txBox="1">
+                <a:spLocks noRot="1" noChangeAspect="1" noMove="1" noResize="1" noEditPoints="1" noAdjustHandles="1" noChangeArrowheads="1" noChangeShapeType="1" noTextEdit="1"/>
+              </p:cNvSpPr>
+              <p:nvPr/>
+            </p:nvSpPr>
+            <p:spPr>
+              <a:xfrm>
+                <a:off x="611560" y="980728"/>
+                <a:ext cx="1994072" cy="1144159"/>
+              </a:xfrm>
+              <a:prstGeom prst="rect">
+                <a:avLst/>
+              </a:prstGeom>
+              <a:blipFill>
+                <a:blip r:embed="rId6"/>
+                <a:stretch>
+                  <a:fillRect/>
+                </a:stretch>
+              </a:blipFill>
+            </p:spPr>
+            <p:txBody>
+              <a:bodyPr/>
+              <a:lstStyle/>
+              <a:p>
+                <a:r>
+                  <a:rPr lang="ja-JP" altLang="en-US">
+                    <a:noFill/>
+                  </a:rPr>
+                  <a:t> </a:t>
+                </a:r>
+              </a:p>
+            </p:txBody>
+          </p:sp>
+        </mc:Fallback>
+      </mc:AlternateContent>
+      <mc:AlternateContent xmlns:mc="http://schemas.openxmlformats.org/markup-compatibility/2006">
+        <mc:Choice xmlns:a14="http://schemas.microsoft.com/office/drawing/2010/main" Requires="a14">
+          <p:sp>
+            <p:nvSpPr>
+              <p:cNvPr id="13" name="テキスト ボックス 12">
+                <a:extLst>
+                  <a:ext uri="{FF2B5EF4-FFF2-40B4-BE49-F238E27FC236}">
+                    <a16:creationId xmlns:a16="http://schemas.microsoft.com/office/drawing/2014/main" id="{1C1A8DA2-9AAC-48F1-87D6-004616B4A5C1}"/>
+                  </a:ext>
+                </a:extLst>
+              </p:cNvPr>
+              <p:cNvSpPr txBox="1"/>
+              <p:nvPr/>
+            </p:nvSpPr>
+            <p:spPr>
+              <a:xfrm>
+                <a:off x="539552" y="2348880"/>
+                <a:ext cx="1800200" cy="1144159"/>
+              </a:xfrm>
+              <a:prstGeom prst="rect">
+                <a:avLst/>
+              </a:prstGeom>
+              <a:noFill/>
+            </p:spPr>
+            <p:txBody>
+              <a:bodyPr wrap="square">
+                <a:spAutoFit/>
+              </a:bodyPr>
+              <a:lstStyle/>
+              <a:p>
+                <a:pPr/>
+                <a14:m>
+                  <m:oMathPara xmlns:m="http://schemas.openxmlformats.org/officeDocument/2006/math">
+                    <m:oMathParaPr>
+                      <m:jc m:val="centerGroup"/>
+                    </m:oMathParaPr>
+                    <m:oMath xmlns:m="http://schemas.openxmlformats.org/officeDocument/2006/math">
+                      <m:f>
+                        <m:fPr>
+                          <m:ctrlPr>
+                            <a:rPr kumimoji="1" lang="en-US" altLang="ja-JP" sz="3600" b="0" i="1" smtClean="0">
+                              <a:latin typeface="Cambria Math" panose="02040503050406030204" pitchFamily="18" charset="0"/>
+                            </a:rPr>
+                          </m:ctrlPr>
+                        </m:fPr>
+                        <m:num>
+                          <m:r>
+                            <a:rPr kumimoji="1" lang="en-US" altLang="ja-JP" sz="3600" b="0" i="1" smtClean="0">
+                              <a:latin typeface="Cambria Math" panose="02040503050406030204" pitchFamily="18" charset="0"/>
+                            </a:rPr>
+                            <m:t>𝑑𝑟</m:t>
+                          </m:r>
+                        </m:num>
+                        <m:den>
+                          <m:r>
+                            <a:rPr kumimoji="1" lang="en-US" altLang="ja-JP" sz="3600" b="0" i="1" smtClean="0">
+                              <a:latin typeface="Cambria Math" panose="02040503050406030204" pitchFamily="18" charset="0"/>
+                            </a:rPr>
+                            <m:t>𝑑𝑡</m:t>
+                          </m:r>
+                        </m:den>
+                      </m:f>
+                      <m:r>
+                        <a:rPr kumimoji="1" lang="en-US" altLang="ja-JP" sz="3600" b="0" i="1" smtClean="0">
+                          <a:latin typeface="Cambria Math" panose="02040503050406030204" pitchFamily="18" charset="0"/>
+                        </a:rPr>
+                        <m:t>=</m:t>
+                      </m:r>
+                      <m:r>
+                        <a:rPr kumimoji="1" lang="en-US" altLang="ja-JP" sz="3600" b="0" i="1" smtClean="0">
+                          <a:latin typeface="Cambria Math" panose="02040503050406030204" pitchFamily="18" charset="0"/>
+                        </a:rPr>
+                        <m:t>𝑣</m:t>
+                      </m:r>
+                    </m:oMath>
+                  </m:oMathPara>
+                </a14:m>
+                <a:endParaRPr kumimoji="1" lang="ja-JP" altLang="en-US" sz="3600"/>
+              </a:p>
+            </p:txBody>
+          </p:sp>
+        </mc:Choice>
+        <mc:Fallback>
+          <p:sp>
+            <p:nvSpPr>
+              <p:cNvPr id="13" name="テキスト ボックス 12">
+                <a:extLst>
+                  <a:ext uri="{FF2B5EF4-FFF2-40B4-BE49-F238E27FC236}">
+                    <a16:creationId xmlns:a16="http://schemas.microsoft.com/office/drawing/2014/main" id="{1C1A8DA2-9AAC-48F1-87D6-004616B4A5C1}"/>
+                  </a:ext>
+                </a:extLst>
+              </p:cNvPr>
+              <p:cNvSpPr txBox="1">
+                <a:spLocks noRot="1" noChangeAspect="1" noMove="1" noResize="1" noEditPoints="1" noAdjustHandles="1" noChangeArrowheads="1" noChangeShapeType="1" noTextEdit="1"/>
+              </p:cNvSpPr>
+              <p:nvPr/>
+            </p:nvSpPr>
+            <p:spPr>
+              <a:xfrm>
+                <a:off x="539552" y="2348880"/>
+                <a:ext cx="1800200" cy="1144159"/>
+              </a:xfrm>
+              <a:prstGeom prst="rect">
+                <a:avLst/>
+              </a:prstGeom>
+              <a:blipFill>
+                <a:blip r:embed="rId7"/>
+                <a:stretch>
+                  <a:fillRect/>
+                </a:stretch>
+              </a:blipFill>
+            </p:spPr>
+            <p:txBody>
+              <a:bodyPr/>
+              <a:lstStyle/>
+              <a:p>
+                <a:r>
+                  <a:rPr lang="ja-JP" altLang="en-US">
+                    <a:noFill/>
+                  </a:rPr>
+                  <a:t> </a:t>
+                </a:r>
+              </a:p>
+            </p:txBody>
+          </p:sp>
+        </mc:Fallback>
+      </mc:AlternateContent>
+    </p:spTree>
+    <p:extLst>
+      <p:ext uri="{BB962C8B-B14F-4D97-AF65-F5344CB8AC3E}">
+        <p14:creationId xmlns:p14="http://schemas.microsoft.com/office/powerpoint/2010/main" val="3674081084"/>
+      </p:ext>
+    </p:extLst>
+  </p:cSld>
+  <p:clrMapOvr>
+    <a:masterClrMapping/>
+  </p:clrMapOvr>
+</p:sld>
+</file>
+
+<file path=ppt/slides/slide11.xml><?xml version="1.0" encoding="utf-8"?>
+<p:sld xmlns:a="http://schemas.openxmlformats.org/drawingml/2006/main" xmlns:r="http://schemas.openxmlformats.org/officeDocument/2006/relationships" xmlns:p="http://schemas.openxmlformats.org/presentationml/2006/main">
+  <p:cSld>
+    <p:spTree>
+      <p:nvGrpSpPr>
+        <p:cNvPr id="1" name=""/>
+        <p:cNvGrpSpPr/>
+        <p:nvPr/>
+      </p:nvGrpSpPr>
+      <p:grpSpPr>
+        <a:xfrm>
+          <a:off x="0" y="0"/>
+          <a:ext cx="0" cy="0"/>
+          <a:chOff x="0" y="0"/>
+          <a:chExt cx="0" cy="0"/>
+        </a:xfrm>
+      </p:grpSpPr>
+      <p:sp>
+        <p:nvSpPr>
+          <p:cNvPr id="2" name="テキスト プレースホルダー 1">
+            <a:extLst>
+              <a:ext uri="{FF2B5EF4-FFF2-40B4-BE49-F238E27FC236}">
+                <a16:creationId xmlns:a16="http://schemas.microsoft.com/office/drawing/2014/main" id="{C031CA19-8DC8-4EDC-901A-832E0ABAC0F3}"/>
+              </a:ext>
+            </a:extLst>
+          </p:cNvPr>
+          <p:cNvSpPr>
+            <a:spLocks noGrp="1"/>
+          </p:cNvSpPr>
+          <p:nvPr>
+            <p:ph type="body" sz="quarter" idx="10"/>
+          </p:nvPr>
+        </p:nvSpPr>
+        <p:spPr/>
+        <p:txBody>
+          <a:bodyPr/>
+          <a:lstStyle/>
+          <a:p>
+            <a:r>
+              <a:rPr lang="ja-JP" altLang="en-US"/>
+              <a:t>位相空間と流れ</a:t>
+            </a:r>
+            <a:endParaRPr kumimoji="1" lang="ja-JP" altLang="en-US"/>
+          </a:p>
+        </p:txBody>
+      </p:sp>
+      <p:cxnSp>
+        <p:nvCxnSpPr>
+          <p:cNvPr id="3" name="直線矢印コネクタ 2">
+            <a:extLst>
+              <a:ext uri="{FF2B5EF4-FFF2-40B4-BE49-F238E27FC236}">
+                <a16:creationId xmlns:a16="http://schemas.microsoft.com/office/drawing/2014/main" id="{4D8A96F2-7661-46C5-9169-B12927910BF9}"/>
+              </a:ext>
+            </a:extLst>
+          </p:cNvPr>
+          <p:cNvCxnSpPr>
+            <a:cxnSpLocks/>
+          </p:cNvCxnSpPr>
+          <p:nvPr/>
+        </p:nvCxnSpPr>
+        <p:spPr>
+          <a:xfrm>
+            <a:off x="5262785" y="3429000"/>
+            <a:ext cx="2880320" cy="0"/>
+          </a:xfrm>
+          <a:prstGeom prst="straightConnector1">
+            <a:avLst/>
+          </a:prstGeom>
+          <a:ln>
+            <a:solidFill>
+              <a:schemeClr val="tx1"/>
+            </a:solidFill>
+            <a:headEnd type="none" w="med" len="med"/>
+            <a:tailEnd type="triangle"/>
+          </a:ln>
+        </p:spPr>
+        <p:style>
+          <a:lnRef idx="1">
+            <a:schemeClr val="accent1"/>
+          </a:lnRef>
+          <a:fillRef idx="0">
+            <a:schemeClr val="accent1"/>
+          </a:fillRef>
+          <a:effectRef idx="0">
+            <a:schemeClr val="accent1"/>
+          </a:effectRef>
+          <a:fontRef idx="minor">
+            <a:schemeClr val="tx1"/>
+          </a:fontRef>
+        </p:style>
+      </p:cxnSp>
+      <p:cxnSp>
+        <p:nvCxnSpPr>
+          <p:cNvPr id="4" name="直線矢印コネクタ 3">
+            <a:extLst>
+              <a:ext uri="{FF2B5EF4-FFF2-40B4-BE49-F238E27FC236}">
+                <a16:creationId xmlns:a16="http://schemas.microsoft.com/office/drawing/2014/main" id="{BBD931DC-2951-474A-B3F5-1F9B673D6F31}"/>
+              </a:ext>
+            </a:extLst>
+          </p:cNvPr>
+          <p:cNvCxnSpPr>
+            <a:cxnSpLocks/>
+          </p:cNvCxnSpPr>
+          <p:nvPr/>
+        </p:nvCxnSpPr>
+        <p:spPr>
+          <a:xfrm flipV="1">
+            <a:off x="6732240" y="1988840"/>
+            <a:ext cx="0" cy="2880320"/>
+          </a:xfrm>
+          <a:prstGeom prst="straightConnector1">
+            <a:avLst/>
+          </a:prstGeom>
+          <a:ln>
+            <a:solidFill>
+              <a:schemeClr val="tx1"/>
+            </a:solidFill>
+            <a:headEnd type="none" w="med" len="med"/>
+            <a:tailEnd type="triangle"/>
+          </a:ln>
+        </p:spPr>
+        <p:style>
+          <a:lnRef idx="1">
+            <a:schemeClr val="accent1"/>
+          </a:lnRef>
+          <a:fillRef idx="0">
+            <a:schemeClr val="accent1"/>
+          </a:fillRef>
+          <a:effectRef idx="0">
+            <a:schemeClr val="accent1"/>
+          </a:effectRef>
+          <a:fontRef idx="minor">
+            <a:schemeClr val="tx1"/>
+          </a:fontRef>
+        </p:style>
+      </p:cxnSp>
+      <p:grpSp>
+        <p:nvGrpSpPr>
+          <p:cNvPr id="5" name="グループ化 4">
+            <a:extLst>
+              <a:ext uri="{FF2B5EF4-FFF2-40B4-BE49-F238E27FC236}">
+                <a16:creationId xmlns:a16="http://schemas.microsoft.com/office/drawing/2014/main" id="{13A02B4C-4918-4ABE-A765-FA0842506887}"/>
+              </a:ext>
+            </a:extLst>
+          </p:cNvPr>
+          <p:cNvGrpSpPr/>
+          <p:nvPr/>
+        </p:nvGrpSpPr>
+        <p:grpSpPr>
+          <a:xfrm>
+            <a:off x="539552" y="1774557"/>
+            <a:ext cx="3810188" cy="1050374"/>
+            <a:chOff x="646670" y="1010474"/>
+            <a:chExt cx="4071394" cy="1122382"/>
+          </a:xfrm>
+        </p:grpSpPr>
+        <p:sp>
+          <p:nvSpPr>
+            <p:cNvPr id="6" name="正方形/長方形 5">
+              <a:extLst>
+                <a:ext uri="{FF2B5EF4-FFF2-40B4-BE49-F238E27FC236}">
+                  <a16:creationId xmlns:a16="http://schemas.microsoft.com/office/drawing/2014/main" id="{BB5588B1-3505-480F-B525-D4CF96A7273A}"/>
+                </a:ext>
+              </a:extLst>
+            </p:cNvPr>
+            <p:cNvSpPr/>
+            <p:nvPr/>
+          </p:nvSpPr>
+          <p:spPr>
+            <a:xfrm>
+              <a:off x="646670" y="1010474"/>
+              <a:ext cx="180914" cy="1122382"/>
+            </a:xfrm>
+            <a:prstGeom prst="rect">
+              <a:avLst/>
+            </a:prstGeom>
+            <a:solidFill>
+              <a:srgbClr val="FFC000"/>
+            </a:solidFill>
+            <a:ln>
+              <a:solidFill>
+                <a:schemeClr val="tx1"/>
+              </a:solidFill>
+            </a:ln>
+          </p:spPr>
+          <p:style>
+            <a:lnRef idx="2">
+              <a:schemeClr val="accent1">
+                <a:shade val="50000"/>
+              </a:schemeClr>
+            </a:lnRef>
+            <a:fillRef idx="1">
+              <a:schemeClr val="accent1"/>
+            </a:fillRef>
+            <a:effectRef idx="0">
+              <a:schemeClr val="accent1"/>
+            </a:effectRef>
+            <a:fontRef idx="minor">
+              <a:schemeClr val="lt1"/>
+            </a:fontRef>
+          </p:style>
+          <p:txBody>
+            <a:bodyPr rtlCol="0" anchor="ctr"/>
+            <a:lstStyle/>
+            <a:p>
+              <a:pPr algn="ctr"/>
+              <a:endParaRPr kumimoji="1" lang="ja-JP" altLang="en-US"/>
+            </a:p>
+          </p:txBody>
+        </p:sp>
+        <p:grpSp>
+          <p:nvGrpSpPr>
+            <p:cNvPr id="7" name="グループ化 6">
+              <a:extLst>
+                <a:ext uri="{FF2B5EF4-FFF2-40B4-BE49-F238E27FC236}">
+                  <a16:creationId xmlns:a16="http://schemas.microsoft.com/office/drawing/2014/main" id="{2C4CD7C0-E8C4-49A2-BB93-7A694162E95A}"/>
+                </a:ext>
+              </a:extLst>
+            </p:cNvPr>
+            <p:cNvGrpSpPr/>
+            <p:nvPr/>
+          </p:nvGrpSpPr>
+          <p:grpSpPr>
+            <a:xfrm>
+              <a:off x="827584" y="1427649"/>
+              <a:ext cx="2285239" cy="633199"/>
+              <a:chOff x="899592" y="2492896"/>
+              <a:chExt cx="6768752" cy="1152128"/>
+            </a:xfrm>
+          </p:grpSpPr>
+          <p:sp>
+            <p:nvSpPr>
+              <p:cNvPr id="11" name="円弧 10">
+                <a:extLst>
+                  <a:ext uri="{FF2B5EF4-FFF2-40B4-BE49-F238E27FC236}">
+                    <a16:creationId xmlns:a16="http://schemas.microsoft.com/office/drawing/2014/main" id="{78184C85-D58C-4629-87BF-0B7806BB7B45}"/>
+                  </a:ext>
+                </a:extLst>
+              </p:cNvPr>
+              <p:cNvSpPr/>
+              <p:nvPr/>
+            </p:nvSpPr>
+            <p:spPr>
+              <a:xfrm rot="16200000">
+                <a:off x="2411760" y="2492896"/>
+                <a:ext cx="1152128" cy="1152128"/>
+              </a:xfrm>
+              <a:prstGeom prst="arc">
+                <a:avLst>
+                  <a:gd name="adj1" fmla="val 16200000"/>
+                  <a:gd name="adj2" fmla="val 5514588"/>
+                </a:avLst>
+              </a:prstGeom>
+              <a:ln w="12700">
+                <a:solidFill>
+                  <a:schemeClr val="tx1"/>
+                </a:solidFill>
+              </a:ln>
+            </p:spPr>
+            <p:style>
+              <a:lnRef idx="1">
+                <a:schemeClr val="accent1"/>
+              </a:lnRef>
+              <a:fillRef idx="0">
+                <a:schemeClr val="accent1"/>
+              </a:fillRef>
+              <a:effectRef idx="0">
+                <a:schemeClr val="accent1"/>
+              </a:effectRef>
+              <a:fontRef idx="minor">
+                <a:schemeClr val="tx1"/>
+              </a:fontRef>
+            </p:style>
+            <p:txBody>
+              <a:bodyPr rtlCol="0" anchor="ctr"/>
+              <a:lstStyle/>
+              <a:p>
+                <a:pPr algn="ctr"/>
+                <a:endParaRPr kumimoji="1" lang="ja-JP" altLang="en-US"/>
+              </a:p>
+            </p:txBody>
+          </p:sp>
+          <p:sp>
+            <p:nvSpPr>
+              <p:cNvPr id="12" name="円弧 11">
+                <a:extLst>
+                  <a:ext uri="{FF2B5EF4-FFF2-40B4-BE49-F238E27FC236}">
+                    <a16:creationId xmlns:a16="http://schemas.microsoft.com/office/drawing/2014/main" id="{15CB38A1-0FE3-4CBD-A9EB-6EB4F00B8018}"/>
+                  </a:ext>
+                </a:extLst>
+              </p:cNvPr>
+              <p:cNvSpPr/>
+              <p:nvPr/>
+            </p:nvSpPr>
+            <p:spPr>
+              <a:xfrm rot="16200000">
+                <a:off x="1763688" y="2492896"/>
+                <a:ext cx="1152128" cy="1152128"/>
+              </a:xfrm>
+              <a:prstGeom prst="arc">
+                <a:avLst>
+                  <a:gd name="adj1" fmla="val 16200000"/>
+                  <a:gd name="adj2" fmla="val 5514588"/>
+                </a:avLst>
+              </a:prstGeom>
+              <a:ln w="12700">
+                <a:solidFill>
+                  <a:schemeClr val="tx1"/>
+                </a:solidFill>
+              </a:ln>
+            </p:spPr>
+            <p:style>
+              <a:lnRef idx="1">
+                <a:schemeClr val="accent1"/>
+              </a:lnRef>
+              <a:fillRef idx="0">
+                <a:schemeClr val="accent1"/>
+              </a:fillRef>
+              <a:effectRef idx="0">
+                <a:schemeClr val="accent1"/>
+              </a:effectRef>
+              <a:fontRef idx="minor">
+                <a:schemeClr val="tx1"/>
+              </a:fontRef>
+            </p:style>
+            <p:txBody>
+              <a:bodyPr rtlCol="0" anchor="ctr"/>
+              <a:lstStyle/>
+              <a:p>
+                <a:pPr algn="ctr"/>
+                <a:endParaRPr kumimoji="1" lang="ja-JP" altLang="en-US"/>
+              </a:p>
+            </p:txBody>
+          </p:sp>
+          <p:sp>
+            <p:nvSpPr>
+              <p:cNvPr id="13" name="円弧 12">
+                <a:extLst>
+                  <a:ext uri="{FF2B5EF4-FFF2-40B4-BE49-F238E27FC236}">
+                    <a16:creationId xmlns:a16="http://schemas.microsoft.com/office/drawing/2014/main" id="{9318DC69-7F74-411C-9FCC-AFFD3BD58EB0}"/>
+                  </a:ext>
+                </a:extLst>
+              </p:cNvPr>
+              <p:cNvSpPr/>
+              <p:nvPr/>
+            </p:nvSpPr>
+            <p:spPr>
+              <a:xfrm rot="16200000">
+                <a:off x="3059832" y="2492896"/>
+                <a:ext cx="1152128" cy="1152128"/>
+              </a:xfrm>
+              <a:prstGeom prst="arc">
+                <a:avLst>
+                  <a:gd name="adj1" fmla="val 16200000"/>
+                  <a:gd name="adj2" fmla="val 5514588"/>
+                </a:avLst>
+              </a:prstGeom>
+              <a:ln w="12700">
+                <a:solidFill>
+                  <a:schemeClr val="tx1"/>
+                </a:solidFill>
+              </a:ln>
+            </p:spPr>
+            <p:style>
+              <a:lnRef idx="1">
+                <a:schemeClr val="accent1"/>
+              </a:lnRef>
+              <a:fillRef idx="0">
+                <a:schemeClr val="accent1"/>
+              </a:fillRef>
+              <a:effectRef idx="0">
+                <a:schemeClr val="accent1"/>
+              </a:effectRef>
+              <a:fontRef idx="minor">
+                <a:schemeClr val="tx1"/>
+              </a:fontRef>
+            </p:style>
+            <p:txBody>
+              <a:bodyPr rtlCol="0" anchor="ctr"/>
+              <a:lstStyle/>
+              <a:p>
+                <a:pPr algn="ctr"/>
+                <a:endParaRPr kumimoji="1" lang="ja-JP" altLang="en-US"/>
+              </a:p>
+            </p:txBody>
+          </p:sp>
+          <p:sp>
+            <p:nvSpPr>
+              <p:cNvPr id="14" name="円弧 13">
+                <a:extLst>
+                  <a:ext uri="{FF2B5EF4-FFF2-40B4-BE49-F238E27FC236}">
+                    <a16:creationId xmlns:a16="http://schemas.microsoft.com/office/drawing/2014/main" id="{91779AD7-A05C-45D3-94C0-22F5E09D852D}"/>
+                  </a:ext>
+                </a:extLst>
+              </p:cNvPr>
+              <p:cNvSpPr/>
+              <p:nvPr/>
+            </p:nvSpPr>
+            <p:spPr>
+              <a:xfrm rot="16200000">
+                <a:off x="3707904" y="2492896"/>
+                <a:ext cx="1152128" cy="1152128"/>
+              </a:xfrm>
+              <a:prstGeom prst="arc">
+                <a:avLst>
+                  <a:gd name="adj1" fmla="val 16069596"/>
+                  <a:gd name="adj2" fmla="val 5514588"/>
+                </a:avLst>
+              </a:prstGeom>
+              <a:ln w="12700">
+                <a:solidFill>
+                  <a:schemeClr val="tx1"/>
+                </a:solidFill>
+              </a:ln>
+            </p:spPr>
+            <p:style>
+              <a:lnRef idx="1">
+                <a:schemeClr val="accent1"/>
+              </a:lnRef>
+              <a:fillRef idx="0">
+                <a:schemeClr val="accent1"/>
+              </a:fillRef>
+              <a:effectRef idx="0">
+                <a:schemeClr val="accent1"/>
+              </a:effectRef>
+              <a:fontRef idx="minor">
+                <a:schemeClr val="tx1"/>
+              </a:fontRef>
+            </p:style>
+            <p:txBody>
+              <a:bodyPr rtlCol="0" anchor="ctr"/>
+              <a:lstStyle/>
+              <a:p>
+                <a:pPr algn="ctr"/>
+                <a:endParaRPr kumimoji="1" lang="ja-JP" altLang="en-US"/>
+              </a:p>
+            </p:txBody>
+          </p:sp>
+          <p:sp>
+            <p:nvSpPr>
+              <p:cNvPr id="15" name="円弧 14">
+                <a:extLst>
+                  <a:ext uri="{FF2B5EF4-FFF2-40B4-BE49-F238E27FC236}">
+                    <a16:creationId xmlns:a16="http://schemas.microsoft.com/office/drawing/2014/main" id="{CDDE0D61-E952-4A80-8592-387C6B7642D0}"/>
+                  </a:ext>
+                </a:extLst>
+              </p:cNvPr>
+              <p:cNvSpPr/>
+              <p:nvPr/>
+            </p:nvSpPr>
+            <p:spPr>
+              <a:xfrm rot="5400000">
+                <a:off x="3383868" y="2816932"/>
+                <a:ext cx="1152128" cy="504056"/>
+              </a:xfrm>
+              <a:prstGeom prst="arc">
+                <a:avLst>
+                  <a:gd name="adj1" fmla="val 16069596"/>
+                  <a:gd name="adj2" fmla="val 5514588"/>
+                </a:avLst>
+              </a:prstGeom>
+              <a:ln w="12700">
+                <a:solidFill>
+                  <a:schemeClr val="tx1"/>
+                </a:solidFill>
+              </a:ln>
+            </p:spPr>
+            <p:style>
+              <a:lnRef idx="1">
+                <a:schemeClr val="accent1"/>
+              </a:lnRef>
+              <a:fillRef idx="0">
+                <a:schemeClr val="accent1"/>
+              </a:fillRef>
+              <a:effectRef idx="0">
+                <a:schemeClr val="accent1"/>
+              </a:effectRef>
+              <a:fontRef idx="minor">
+                <a:schemeClr val="tx1"/>
+              </a:fontRef>
+            </p:style>
+            <p:txBody>
+              <a:bodyPr rtlCol="0" anchor="ctr"/>
+              <a:lstStyle/>
+              <a:p>
+                <a:pPr algn="ctr"/>
+                <a:endParaRPr kumimoji="1" lang="ja-JP" altLang="en-US"/>
+              </a:p>
+            </p:txBody>
+          </p:sp>
+          <p:sp>
+            <p:nvSpPr>
+              <p:cNvPr id="16" name="円弧 15">
+                <a:extLst>
+                  <a:ext uri="{FF2B5EF4-FFF2-40B4-BE49-F238E27FC236}">
+                    <a16:creationId xmlns:a16="http://schemas.microsoft.com/office/drawing/2014/main" id="{78A37955-1204-42A1-A55D-175B71B03F1B}"/>
+                  </a:ext>
+                </a:extLst>
+              </p:cNvPr>
+              <p:cNvSpPr/>
+              <p:nvPr/>
+            </p:nvSpPr>
+            <p:spPr>
+              <a:xfrm rot="5400000">
+                <a:off x="2735796" y="2816932"/>
+                <a:ext cx="1152128" cy="504056"/>
+              </a:xfrm>
+              <a:prstGeom prst="arc">
+                <a:avLst>
+                  <a:gd name="adj1" fmla="val 16069596"/>
+                  <a:gd name="adj2" fmla="val 5514588"/>
+                </a:avLst>
+              </a:prstGeom>
+              <a:ln w="12700">
+                <a:solidFill>
+                  <a:schemeClr val="tx1"/>
+                </a:solidFill>
+              </a:ln>
+            </p:spPr>
+            <p:style>
+              <a:lnRef idx="1">
+                <a:schemeClr val="accent1"/>
+              </a:lnRef>
+              <a:fillRef idx="0">
+                <a:schemeClr val="accent1"/>
+              </a:fillRef>
+              <a:effectRef idx="0">
+                <a:schemeClr val="accent1"/>
+              </a:effectRef>
+              <a:fontRef idx="minor">
+                <a:schemeClr val="tx1"/>
+              </a:fontRef>
+            </p:style>
+            <p:txBody>
+              <a:bodyPr rtlCol="0" anchor="ctr"/>
+              <a:lstStyle/>
+              <a:p>
+                <a:pPr algn="ctr"/>
+                <a:endParaRPr kumimoji="1" lang="ja-JP" altLang="en-US"/>
+              </a:p>
+            </p:txBody>
+          </p:sp>
+          <p:sp>
+            <p:nvSpPr>
+              <p:cNvPr id="17" name="円弧 16">
+                <a:extLst>
+                  <a:ext uri="{FF2B5EF4-FFF2-40B4-BE49-F238E27FC236}">
+                    <a16:creationId xmlns:a16="http://schemas.microsoft.com/office/drawing/2014/main" id="{3BDC1943-1267-4415-9D34-0C37DFA35C0A}"/>
+                  </a:ext>
+                </a:extLst>
+              </p:cNvPr>
+              <p:cNvSpPr/>
+              <p:nvPr/>
+            </p:nvSpPr>
+            <p:spPr>
+              <a:xfrm rot="5400000">
+                <a:off x="2087724" y="2816932"/>
+                <a:ext cx="1152128" cy="504056"/>
+              </a:xfrm>
+              <a:prstGeom prst="arc">
+                <a:avLst>
+                  <a:gd name="adj1" fmla="val 16069596"/>
+                  <a:gd name="adj2" fmla="val 5514588"/>
+                </a:avLst>
+              </a:prstGeom>
+              <a:ln w="12700">
+                <a:solidFill>
+                  <a:schemeClr val="tx1"/>
+                </a:solidFill>
+              </a:ln>
+            </p:spPr>
+            <p:style>
+              <a:lnRef idx="1">
+                <a:schemeClr val="accent1"/>
+              </a:lnRef>
+              <a:fillRef idx="0">
+                <a:schemeClr val="accent1"/>
+              </a:fillRef>
+              <a:effectRef idx="0">
+                <a:schemeClr val="accent1"/>
+              </a:effectRef>
+              <a:fontRef idx="minor">
+                <a:schemeClr val="tx1"/>
+              </a:fontRef>
+            </p:style>
+            <p:txBody>
+              <a:bodyPr rtlCol="0" anchor="ctr"/>
+              <a:lstStyle/>
+              <a:p>
+                <a:pPr algn="ctr"/>
+                <a:endParaRPr kumimoji="1" lang="ja-JP" altLang="en-US"/>
+              </a:p>
+            </p:txBody>
+          </p:sp>
+          <p:sp>
+            <p:nvSpPr>
+              <p:cNvPr id="18" name="円弧 17">
+                <a:extLst>
+                  <a:ext uri="{FF2B5EF4-FFF2-40B4-BE49-F238E27FC236}">
+                    <a16:creationId xmlns:a16="http://schemas.microsoft.com/office/drawing/2014/main" id="{869AE811-948A-4F9A-A789-79A5070FCB0C}"/>
+                  </a:ext>
+                </a:extLst>
+              </p:cNvPr>
+              <p:cNvSpPr/>
+              <p:nvPr/>
+            </p:nvSpPr>
+            <p:spPr>
+              <a:xfrm rot="16200000">
+                <a:off x="4355976" y="2492896"/>
+                <a:ext cx="1152128" cy="1152128"/>
+              </a:xfrm>
+              <a:prstGeom prst="arc">
+                <a:avLst>
+                  <a:gd name="adj1" fmla="val 16069596"/>
+                  <a:gd name="adj2" fmla="val 5514588"/>
+                </a:avLst>
+              </a:prstGeom>
+              <a:ln w="12700">
+                <a:solidFill>
+                  <a:schemeClr val="tx1"/>
+                </a:solidFill>
+              </a:ln>
+            </p:spPr>
+            <p:style>
+              <a:lnRef idx="1">
+                <a:schemeClr val="accent1"/>
+              </a:lnRef>
+              <a:fillRef idx="0">
+                <a:schemeClr val="accent1"/>
+              </a:fillRef>
+              <a:effectRef idx="0">
+                <a:schemeClr val="accent1"/>
+              </a:effectRef>
+              <a:fontRef idx="minor">
+                <a:schemeClr val="tx1"/>
+              </a:fontRef>
+            </p:style>
+            <p:txBody>
+              <a:bodyPr rtlCol="0" anchor="ctr"/>
+              <a:lstStyle/>
+              <a:p>
+                <a:pPr algn="ctr"/>
+                <a:endParaRPr kumimoji="1" lang="ja-JP" altLang="en-US"/>
+              </a:p>
+            </p:txBody>
+          </p:sp>
+          <p:sp>
+            <p:nvSpPr>
+              <p:cNvPr id="19" name="円弧 18">
+                <a:extLst>
+                  <a:ext uri="{FF2B5EF4-FFF2-40B4-BE49-F238E27FC236}">
+                    <a16:creationId xmlns:a16="http://schemas.microsoft.com/office/drawing/2014/main" id="{8790361E-9194-47F7-80C6-0E033F097C94}"/>
+                  </a:ext>
+                </a:extLst>
+              </p:cNvPr>
+              <p:cNvSpPr/>
+              <p:nvPr/>
+            </p:nvSpPr>
+            <p:spPr>
+              <a:xfrm rot="5400000">
+                <a:off x="4031940" y="2816932"/>
+                <a:ext cx="1152128" cy="504056"/>
+              </a:xfrm>
+              <a:prstGeom prst="arc">
+                <a:avLst>
+                  <a:gd name="adj1" fmla="val 16069596"/>
+                  <a:gd name="adj2" fmla="val 5514588"/>
+                </a:avLst>
+              </a:prstGeom>
+              <a:ln w="12700">
+                <a:solidFill>
+                  <a:schemeClr val="tx1"/>
+                </a:solidFill>
+              </a:ln>
+            </p:spPr>
+            <p:style>
+              <a:lnRef idx="1">
+                <a:schemeClr val="accent1"/>
+              </a:lnRef>
+              <a:fillRef idx="0">
+                <a:schemeClr val="accent1"/>
+              </a:fillRef>
+              <a:effectRef idx="0">
+                <a:schemeClr val="accent1"/>
+              </a:effectRef>
+              <a:fontRef idx="minor">
+                <a:schemeClr val="tx1"/>
+              </a:fontRef>
+            </p:style>
+            <p:txBody>
+              <a:bodyPr rtlCol="0" anchor="ctr"/>
+              <a:lstStyle/>
+              <a:p>
+                <a:pPr algn="ctr"/>
+                <a:endParaRPr kumimoji="1" lang="ja-JP" altLang="en-US"/>
+              </a:p>
+            </p:txBody>
+          </p:sp>
+          <p:sp>
+            <p:nvSpPr>
+              <p:cNvPr id="20" name="円弧 19">
+                <a:extLst>
+                  <a:ext uri="{FF2B5EF4-FFF2-40B4-BE49-F238E27FC236}">
+                    <a16:creationId xmlns:a16="http://schemas.microsoft.com/office/drawing/2014/main" id="{A980152D-EFEB-412F-8806-05E20C45FF65}"/>
+                  </a:ext>
+                </a:extLst>
+              </p:cNvPr>
+              <p:cNvSpPr/>
+              <p:nvPr/>
+            </p:nvSpPr>
+            <p:spPr>
+              <a:xfrm rot="16200000">
+                <a:off x="5004048" y="2492896"/>
+                <a:ext cx="1152128" cy="1152128"/>
+              </a:xfrm>
+              <a:prstGeom prst="arc">
+                <a:avLst>
+                  <a:gd name="adj1" fmla="val 16069596"/>
+                  <a:gd name="adj2" fmla="val 5514588"/>
+                </a:avLst>
+              </a:prstGeom>
+              <a:ln w="12700">
+                <a:solidFill>
+                  <a:schemeClr val="tx1"/>
+                </a:solidFill>
+              </a:ln>
+            </p:spPr>
+            <p:style>
+              <a:lnRef idx="1">
+                <a:schemeClr val="accent1"/>
+              </a:lnRef>
+              <a:fillRef idx="0">
+                <a:schemeClr val="accent1"/>
+              </a:fillRef>
+              <a:effectRef idx="0">
+                <a:schemeClr val="accent1"/>
+              </a:effectRef>
+              <a:fontRef idx="minor">
+                <a:schemeClr val="tx1"/>
+              </a:fontRef>
+            </p:style>
+            <p:txBody>
+              <a:bodyPr rtlCol="0" anchor="ctr"/>
+              <a:lstStyle/>
+              <a:p>
+                <a:pPr algn="ctr"/>
+                <a:endParaRPr kumimoji="1" lang="ja-JP" altLang="en-US"/>
+              </a:p>
+            </p:txBody>
+          </p:sp>
+          <p:sp>
+            <p:nvSpPr>
+              <p:cNvPr id="21" name="円弧 20">
+                <a:extLst>
+                  <a:ext uri="{FF2B5EF4-FFF2-40B4-BE49-F238E27FC236}">
+                    <a16:creationId xmlns:a16="http://schemas.microsoft.com/office/drawing/2014/main" id="{342C2AEF-00A7-4F92-A885-F8D0A111A309}"/>
+                  </a:ext>
+                </a:extLst>
+              </p:cNvPr>
+              <p:cNvSpPr/>
+              <p:nvPr/>
+            </p:nvSpPr>
+            <p:spPr>
+              <a:xfrm rot="5400000">
+                <a:off x="4680012" y="2816932"/>
+                <a:ext cx="1152128" cy="504056"/>
+              </a:xfrm>
+              <a:prstGeom prst="arc">
+                <a:avLst>
+                  <a:gd name="adj1" fmla="val 16069596"/>
+                  <a:gd name="adj2" fmla="val 5514588"/>
+                </a:avLst>
+              </a:prstGeom>
+              <a:ln w="12700">
+                <a:solidFill>
+                  <a:schemeClr val="tx1"/>
+                </a:solidFill>
+              </a:ln>
+            </p:spPr>
+            <p:style>
+              <a:lnRef idx="1">
+                <a:schemeClr val="accent1"/>
+              </a:lnRef>
+              <a:fillRef idx="0">
+                <a:schemeClr val="accent1"/>
+              </a:fillRef>
+              <a:effectRef idx="0">
+                <a:schemeClr val="accent1"/>
+              </a:effectRef>
+              <a:fontRef idx="minor">
+                <a:schemeClr val="tx1"/>
+              </a:fontRef>
+            </p:style>
+            <p:txBody>
+              <a:bodyPr rtlCol="0" anchor="ctr"/>
+              <a:lstStyle/>
+              <a:p>
+                <a:pPr algn="ctr"/>
+                <a:endParaRPr kumimoji="1" lang="ja-JP" altLang="en-US"/>
+              </a:p>
+            </p:txBody>
+          </p:sp>
+          <p:sp>
+            <p:nvSpPr>
+              <p:cNvPr id="22" name="円弧 21">
+                <a:extLst>
+                  <a:ext uri="{FF2B5EF4-FFF2-40B4-BE49-F238E27FC236}">
+                    <a16:creationId xmlns:a16="http://schemas.microsoft.com/office/drawing/2014/main" id="{EE0D10AB-CCEB-418F-89BF-49E2CDA94472}"/>
+                  </a:ext>
+                </a:extLst>
+              </p:cNvPr>
+              <p:cNvSpPr/>
+              <p:nvPr/>
+            </p:nvSpPr>
+            <p:spPr>
+              <a:xfrm rot="16200000">
+                <a:off x="5652120" y="2492896"/>
+                <a:ext cx="1152128" cy="1152128"/>
+              </a:xfrm>
+              <a:prstGeom prst="arc">
+                <a:avLst>
+                  <a:gd name="adj1" fmla="val 16069596"/>
+                  <a:gd name="adj2" fmla="val 5438339"/>
+                </a:avLst>
+              </a:prstGeom>
+              <a:ln w="12700">
+                <a:solidFill>
+                  <a:schemeClr val="tx1"/>
+                </a:solidFill>
+              </a:ln>
+            </p:spPr>
+            <p:style>
+              <a:lnRef idx="1">
+                <a:schemeClr val="accent1"/>
+              </a:lnRef>
+              <a:fillRef idx="0">
+                <a:schemeClr val="accent1"/>
+              </a:fillRef>
+              <a:effectRef idx="0">
+                <a:schemeClr val="accent1"/>
+              </a:effectRef>
+              <a:fontRef idx="minor">
+                <a:schemeClr val="tx1"/>
+              </a:fontRef>
+            </p:style>
+            <p:txBody>
+              <a:bodyPr rtlCol="0" anchor="ctr"/>
+              <a:lstStyle/>
+              <a:p>
+                <a:pPr algn="ctr"/>
+                <a:endParaRPr kumimoji="1" lang="ja-JP" altLang="en-US"/>
+              </a:p>
+            </p:txBody>
+          </p:sp>
+          <p:sp>
+            <p:nvSpPr>
+              <p:cNvPr id="23" name="円弧 22">
+                <a:extLst>
+                  <a:ext uri="{FF2B5EF4-FFF2-40B4-BE49-F238E27FC236}">
+                    <a16:creationId xmlns:a16="http://schemas.microsoft.com/office/drawing/2014/main" id="{D6D162C6-5887-40E8-A918-3E11749A42C3}"/>
+                  </a:ext>
+                </a:extLst>
+              </p:cNvPr>
+              <p:cNvSpPr/>
+              <p:nvPr/>
+            </p:nvSpPr>
+            <p:spPr>
+              <a:xfrm rot="5400000">
+                <a:off x="5328084" y="2816932"/>
+                <a:ext cx="1152128" cy="504056"/>
+              </a:xfrm>
+              <a:prstGeom prst="arc">
+                <a:avLst>
+                  <a:gd name="adj1" fmla="val 16069596"/>
+                  <a:gd name="adj2" fmla="val 5514588"/>
+                </a:avLst>
+              </a:prstGeom>
+              <a:ln w="12700">
+                <a:solidFill>
+                  <a:schemeClr val="tx1"/>
+                </a:solidFill>
+              </a:ln>
+            </p:spPr>
+            <p:style>
+              <a:lnRef idx="1">
+                <a:schemeClr val="accent1"/>
+              </a:lnRef>
+              <a:fillRef idx="0">
+                <a:schemeClr val="accent1"/>
+              </a:fillRef>
+              <a:effectRef idx="0">
+                <a:schemeClr val="accent1"/>
+              </a:effectRef>
+              <a:fontRef idx="minor">
+                <a:schemeClr val="tx1"/>
+              </a:fontRef>
+            </p:style>
+            <p:txBody>
+              <a:bodyPr rtlCol="0" anchor="ctr"/>
+              <a:lstStyle/>
+              <a:p>
+                <a:pPr algn="ctr"/>
+                <a:endParaRPr kumimoji="1" lang="ja-JP" altLang="en-US"/>
+              </a:p>
+            </p:txBody>
+          </p:sp>
+          <p:cxnSp>
+            <p:nvCxnSpPr>
+              <p:cNvPr id="24" name="直線コネクタ 23">
+                <a:extLst>
+                  <a:ext uri="{FF2B5EF4-FFF2-40B4-BE49-F238E27FC236}">
+                    <a16:creationId xmlns:a16="http://schemas.microsoft.com/office/drawing/2014/main" id="{055A4DB3-6B98-48EC-B527-DCF46BC5E099}"/>
+                  </a:ext>
+                </a:extLst>
+              </p:cNvPr>
+              <p:cNvCxnSpPr>
+                <a:stCxn id="12" idx="0"/>
+              </p:cNvCxnSpPr>
+              <p:nvPr/>
+            </p:nvCxnSpPr>
+            <p:spPr>
+              <a:xfrm flipH="1">
+                <a:off x="899592" y="3068960"/>
+                <a:ext cx="864096" cy="0"/>
+              </a:xfrm>
+              <a:prstGeom prst="line">
+                <a:avLst/>
+              </a:prstGeom>
+              <a:ln w="12700">
+                <a:solidFill>
+                  <a:schemeClr val="tx1"/>
+                </a:solidFill>
+              </a:ln>
+            </p:spPr>
+            <p:style>
+              <a:lnRef idx="1">
+                <a:schemeClr val="accent1"/>
+              </a:lnRef>
+              <a:fillRef idx="0">
+                <a:schemeClr val="accent1"/>
+              </a:fillRef>
+              <a:effectRef idx="0">
+                <a:schemeClr val="accent1"/>
+              </a:effectRef>
+              <a:fontRef idx="minor">
+                <a:schemeClr val="tx1"/>
+              </a:fontRef>
+            </p:style>
+          </p:cxnSp>
+          <p:cxnSp>
+            <p:nvCxnSpPr>
+              <p:cNvPr id="25" name="直線コネクタ 24">
+                <a:extLst>
+                  <a:ext uri="{FF2B5EF4-FFF2-40B4-BE49-F238E27FC236}">
+                    <a16:creationId xmlns:a16="http://schemas.microsoft.com/office/drawing/2014/main" id="{78D9298B-EBC3-459A-8E13-6B17E448D94F}"/>
+                  </a:ext>
+                </a:extLst>
+              </p:cNvPr>
+              <p:cNvCxnSpPr/>
+              <p:nvPr/>
+            </p:nvCxnSpPr>
+            <p:spPr>
+              <a:xfrm flipH="1">
+                <a:off x="6804248" y="3068960"/>
+                <a:ext cx="864096" cy="0"/>
+              </a:xfrm>
+              <a:prstGeom prst="line">
+                <a:avLst/>
+              </a:prstGeom>
+              <a:ln w="12700">
+                <a:solidFill>
+                  <a:schemeClr val="tx1"/>
+                </a:solidFill>
+              </a:ln>
+            </p:spPr>
+            <p:style>
+              <a:lnRef idx="1">
+                <a:schemeClr val="accent1"/>
+              </a:lnRef>
+              <a:fillRef idx="0">
+                <a:schemeClr val="accent1"/>
+              </a:fillRef>
+              <a:effectRef idx="0">
+                <a:schemeClr val="accent1"/>
+              </a:effectRef>
+              <a:fontRef idx="minor">
+                <a:schemeClr val="tx1"/>
+              </a:fontRef>
+            </p:style>
+          </p:cxnSp>
+        </p:grpSp>
+        <p:sp>
+          <p:nvSpPr>
+            <p:cNvPr id="8" name="正方形/長方形 7">
+              <a:extLst>
+                <a:ext uri="{FF2B5EF4-FFF2-40B4-BE49-F238E27FC236}">
+                  <a16:creationId xmlns:a16="http://schemas.microsoft.com/office/drawing/2014/main" id="{8615E974-2A8B-44A9-A393-29339E71A9FB}"/>
+                </a:ext>
+              </a:extLst>
+            </p:cNvPr>
+            <p:cNvSpPr/>
+            <p:nvPr/>
+          </p:nvSpPr>
+          <p:spPr>
+            <a:xfrm>
+              <a:off x="3059832" y="1268760"/>
+              <a:ext cx="864096" cy="864096"/>
+            </a:xfrm>
+            <a:prstGeom prst="rect">
+              <a:avLst/>
+            </a:prstGeom>
+            <a:solidFill>
+              <a:srgbClr val="011893"/>
+            </a:solidFill>
+            <a:ln>
+              <a:solidFill>
+                <a:schemeClr val="tx1"/>
+              </a:solidFill>
+            </a:ln>
+          </p:spPr>
+          <p:style>
+            <a:lnRef idx="2">
+              <a:schemeClr val="accent1">
+                <a:shade val="50000"/>
+              </a:schemeClr>
+            </a:lnRef>
+            <a:fillRef idx="1">
+              <a:schemeClr val="accent1"/>
+            </a:fillRef>
+            <a:effectRef idx="0">
+              <a:schemeClr val="accent1"/>
+            </a:effectRef>
+            <a:fontRef idx="minor">
+              <a:schemeClr val="lt1"/>
+            </a:fontRef>
+          </p:style>
+          <p:txBody>
+            <a:bodyPr rtlCol="0" anchor="ctr"/>
+            <a:lstStyle/>
+            <a:p>
+              <a:pPr algn="ctr"/>
+              <a:endParaRPr kumimoji="1" lang="ja-JP" altLang="en-US"/>
+            </a:p>
+          </p:txBody>
+        </p:sp>
+        <p:cxnSp>
+          <p:nvCxnSpPr>
+            <p:cNvPr id="9" name="直線矢印コネクタ 8">
+              <a:extLst>
+                <a:ext uri="{FF2B5EF4-FFF2-40B4-BE49-F238E27FC236}">
+                  <a16:creationId xmlns:a16="http://schemas.microsoft.com/office/drawing/2014/main" id="{0D292FA6-B793-4A19-A140-0FC754CC641B}"/>
+                </a:ext>
+              </a:extLst>
+            </p:cNvPr>
+            <p:cNvCxnSpPr>
+              <a:cxnSpLocks/>
+              <a:stCxn id="6" idx="2"/>
+            </p:cNvCxnSpPr>
+            <p:nvPr/>
+          </p:nvCxnSpPr>
+          <p:spPr>
+            <a:xfrm>
+              <a:off x="737127" y="2132856"/>
+              <a:ext cx="3980937" cy="0"/>
+            </a:xfrm>
+            <a:prstGeom prst="straightConnector1">
+              <a:avLst/>
+            </a:prstGeom>
+            <a:ln>
+              <a:solidFill>
+                <a:schemeClr val="tx1"/>
+              </a:solidFill>
+              <a:headEnd type="none" w="med" len="med"/>
+              <a:tailEnd type="triangle"/>
+            </a:ln>
+          </p:spPr>
+          <p:style>
+            <a:lnRef idx="1">
+              <a:schemeClr val="accent1"/>
+            </a:lnRef>
+            <a:fillRef idx="0">
+              <a:schemeClr val="accent1"/>
+            </a:fillRef>
+            <a:effectRef idx="0">
+              <a:schemeClr val="accent1"/>
+            </a:effectRef>
+            <a:fontRef idx="minor">
+              <a:schemeClr val="tx1"/>
+            </a:fontRef>
+          </p:style>
+        </p:cxnSp>
+        <p:sp>
+          <p:nvSpPr>
+            <p:cNvPr id="10" name="矢印: 右 9">
+              <a:extLst>
+                <a:ext uri="{FF2B5EF4-FFF2-40B4-BE49-F238E27FC236}">
+                  <a16:creationId xmlns:a16="http://schemas.microsoft.com/office/drawing/2014/main" id="{D553E60D-72F7-4168-B5F0-6C2C6F8BAE51}"/>
+                </a:ext>
+              </a:extLst>
+            </p:cNvPr>
+            <p:cNvSpPr/>
+            <p:nvPr/>
+          </p:nvSpPr>
+          <p:spPr>
+            <a:xfrm>
+              <a:off x="4067944" y="1484784"/>
+              <a:ext cx="432048" cy="556640"/>
+            </a:xfrm>
+            <a:prstGeom prst="rightArrow">
+              <a:avLst/>
+            </a:prstGeom>
+            <a:solidFill>
+              <a:srgbClr val="FF0000"/>
+            </a:solidFill>
+            <a:ln>
+              <a:solidFill>
+                <a:schemeClr val="tx1"/>
+              </a:solidFill>
+            </a:ln>
+          </p:spPr>
+          <p:style>
+            <a:lnRef idx="2">
+              <a:schemeClr val="accent1">
+                <a:shade val="50000"/>
+              </a:schemeClr>
+            </a:lnRef>
+            <a:fillRef idx="1">
+              <a:schemeClr val="accent1"/>
+            </a:fillRef>
+            <a:effectRef idx="0">
+              <a:schemeClr val="accent1"/>
+            </a:effectRef>
+            <a:fontRef idx="minor">
+              <a:schemeClr val="lt1"/>
+            </a:fontRef>
+          </p:style>
+          <p:txBody>
+            <a:bodyPr rtlCol="0" anchor="ctr"/>
+            <a:lstStyle/>
+            <a:p>
+              <a:pPr algn="ctr"/>
+              <a:endParaRPr kumimoji="1" lang="ja-JP" altLang="en-US"/>
+            </a:p>
+          </p:txBody>
+        </p:sp>
+      </p:grpSp>
+      <mc:AlternateContent xmlns:mc="http://schemas.openxmlformats.org/markup-compatibility/2006">
+        <mc:Choice xmlns:a14="http://schemas.microsoft.com/office/drawing/2010/main" Requires="a14">
+          <p:sp>
+            <p:nvSpPr>
+              <p:cNvPr id="26" name="テキスト ボックス 25">
+                <a:extLst>
+                  <a:ext uri="{FF2B5EF4-FFF2-40B4-BE49-F238E27FC236}">
+                    <a16:creationId xmlns:a16="http://schemas.microsoft.com/office/drawing/2014/main" id="{9452D794-5CB6-4C89-9F96-A3887899161B}"/>
+                  </a:ext>
+                </a:extLst>
+              </p:cNvPr>
+              <p:cNvSpPr txBox="1"/>
+              <p:nvPr/>
+            </p:nvSpPr>
+            <p:spPr>
+              <a:xfrm>
+                <a:off x="899592" y="3212976"/>
+                <a:ext cx="3055260" cy="646331"/>
+              </a:xfrm>
+              <a:prstGeom prst="rect">
+                <a:avLst/>
+              </a:prstGeom>
+              <a:noFill/>
+              <a:ln>
+                <a:solidFill>
+                  <a:srgbClr val="FF0000"/>
+                </a:solidFill>
+              </a:ln>
+            </p:spPr>
+            <p:txBody>
+              <a:bodyPr wrap="none" rtlCol="0">
+                <a:spAutoFit/>
+              </a:bodyPr>
+              <a:lstStyle/>
+              <a:p>
+                <a:pPr/>
+                <a14:m>
+                  <m:oMathPara xmlns:m="http://schemas.openxmlformats.org/officeDocument/2006/math">
+                    <m:oMathParaPr>
+                      <m:jc m:val="centerGroup"/>
+                    </m:oMathParaPr>
+                    <m:oMath xmlns:m="http://schemas.openxmlformats.org/officeDocument/2006/math">
+                      <m:r>
+                        <a:rPr kumimoji="1" lang="en-US" altLang="ja-JP" sz="3600" b="0" i="1" smtClean="0">
+                          <a:latin typeface="Cambria Math" panose="02040503050406030204" pitchFamily="18" charset="0"/>
+                        </a:rPr>
+                        <m:t>(</m:t>
+                      </m:r>
+                      <m:r>
+                        <a:rPr kumimoji="1" lang="en-US" altLang="ja-JP" sz="3600" b="0" i="1" smtClean="0">
+                          <a:latin typeface="Cambria Math" panose="02040503050406030204" pitchFamily="18" charset="0"/>
+                        </a:rPr>
+                        <m:t>𝑣</m:t>
+                      </m:r>
+                      <m:r>
+                        <a:rPr kumimoji="1" lang="en-US" altLang="ja-JP" sz="3600" b="0" i="1" smtClean="0">
+                          <a:latin typeface="Cambria Math" panose="02040503050406030204" pitchFamily="18" charset="0"/>
+                        </a:rPr>
+                        <m:t>,</m:t>
+                      </m:r>
+                      <m:r>
+                        <a:rPr kumimoji="1" lang="en-US" altLang="ja-JP" sz="3600" b="0" i="1" smtClean="0">
+                          <a:latin typeface="Cambria Math" panose="02040503050406030204" pitchFamily="18" charset="0"/>
+                        </a:rPr>
+                        <m:t>𝑟</m:t>
+                      </m:r>
+                      <m:r>
+                        <a:rPr kumimoji="1" lang="en-US" altLang="ja-JP" sz="3600" b="0" i="1" smtClean="0">
+                          <a:latin typeface="Cambria Math" panose="02040503050406030204" pitchFamily="18" charset="0"/>
+                        </a:rPr>
+                        <m:t>) =(1</m:t>
+                      </m:r>
+                      <m:r>
+                        <a:rPr kumimoji="1" lang="en-US" altLang="ja-JP" sz="3600" b="0" i="1" smtClean="0">
+                          <a:latin typeface="Cambria Math" panose="02040503050406030204" pitchFamily="18" charset="0"/>
+                        </a:rPr>
+                        <m:t>,0</m:t>
+                      </m:r>
+                      <m:r>
+                        <a:rPr kumimoji="1" lang="en-US" altLang="ja-JP" sz="3600" b="0" i="1" smtClean="0">
+                          <a:latin typeface="Cambria Math" panose="02040503050406030204" pitchFamily="18" charset="0"/>
+                        </a:rPr>
+                        <m:t>)</m:t>
+                      </m:r>
+                    </m:oMath>
+                  </m:oMathPara>
+                </a14:m>
+                <a:endParaRPr kumimoji="1" lang="en-US" altLang="ja-JP" sz="3600" b="0"/>
+              </a:p>
+            </p:txBody>
+          </p:sp>
+        </mc:Choice>
+        <mc:Fallback>
+          <p:sp>
+            <p:nvSpPr>
+              <p:cNvPr id="26" name="テキスト ボックス 25">
+                <a:extLst>
+                  <a:ext uri="{FF2B5EF4-FFF2-40B4-BE49-F238E27FC236}">
+                    <a16:creationId xmlns:a16="http://schemas.microsoft.com/office/drawing/2014/main" id="{9452D794-5CB6-4C89-9F96-A3887899161B}"/>
+                  </a:ext>
+                </a:extLst>
+              </p:cNvPr>
+              <p:cNvSpPr txBox="1">
+                <a:spLocks noRot="1" noChangeAspect="1" noMove="1" noResize="1" noEditPoints="1" noAdjustHandles="1" noChangeArrowheads="1" noChangeShapeType="1" noTextEdit="1"/>
+              </p:cNvSpPr>
+              <p:nvPr/>
+            </p:nvSpPr>
+            <p:spPr>
+              <a:xfrm>
+                <a:off x="899592" y="3212976"/>
+                <a:ext cx="3055260" cy="646331"/>
+              </a:xfrm>
+              <a:prstGeom prst="rect">
+                <a:avLst/>
+              </a:prstGeom>
+              <a:blipFill>
+                <a:blip r:embed="rId2"/>
+                <a:stretch>
+                  <a:fillRect/>
+                </a:stretch>
+              </a:blipFill>
+              <a:ln>
+                <a:solidFill>
+                  <a:srgbClr val="FF0000"/>
+                </a:solidFill>
+              </a:ln>
+            </p:spPr>
+            <p:txBody>
+              <a:bodyPr/>
+              <a:lstStyle/>
+              <a:p>
+                <a:r>
+                  <a:rPr lang="ja-JP" altLang="en-US">
+                    <a:noFill/>
+                  </a:rPr>
+                  <a:t> </a:t>
+                </a:r>
+              </a:p>
+            </p:txBody>
+          </p:sp>
+        </mc:Fallback>
+      </mc:AlternateContent>
+      <mc:AlternateContent xmlns:mc="http://schemas.openxmlformats.org/markup-compatibility/2006">
+        <mc:Choice xmlns:a14="http://schemas.microsoft.com/office/drawing/2010/main" Requires="a14">
+          <p:sp>
+            <p:nvSpPr>
+              <p:cNvPr id="27" name="テキスト ボックス 26">
+                <a:extLst>
+                  <a:ext uri="{FF2B5EF4-FFF2-40B4-BE49-F238E27FC236}">
+                    <a16:creationId xmlns:a16="http://schemas.microsoft.com/office/drawing/2014/main" id="{A8EC0CC2-7129-4F0A-99CF-51223023D6AE}"/>
+                  </a:ext>
+                </a:extLst>
+              </p:cNvPr>
+              <p:cNvSpPr txBox="1"/>
+              <p:nvPr/>
+            </p:nvSpPr>
+            <p:spPr>
+              <a:xfrm>
+                <a:off x="6414913" y="1412776"/>
+                <a:ext cx="503086" cy="584775"/>
+              </a:xfrm>
+              <a:prstGeom prst="rect">
+                <a:avLst/>
+              </a:prstGeom>
+              <a:noFill/>
+            </p:spPr>
+            <p:txBody>
+              <a:bodyPr wrap="none" rtlCol="0">
+                <a:spAutoFit/>
+              </a:bodyPr>
+              <a:lstStyle/>
+              <a:p>
+                <a:pPr/>
+                <a14:m>
+                  <m:oMathPara xmlns:m="http://schemas.openxmlformats.org/officeDocument/2006/math">
+                    <m:oMathParaPr>
+                      <m:jc m:val="centerGroup"/>
+                    </m:oMathParaPr>
+                    <m:oMath xmlns:m="http://schemas.openxmlformats.org/officeDocument/2006/math">
+                      <m:r>
+                        <a:rPr kumimoji="1" lang="en-US" altLang="ja-JP" sz="3200" b="0" i="1" smtClean="0">
+                          <a:latin typeface="Cambria Math" panose="02040503050406030204" pitchFamily="18" charset="0"/>
+                        </a:rPr>
+                        <m:t>𝑟</m:t>
+                      </m:r>
+                    </m:oMath>
+                  </m:oMathPara>
+                </a14:m>
+                <a:endParaRPr kumimoji="1" lang="ja-JP" altLang="en-US" sz="3200"/>
+              </a:p>
+            </p:txBody>
+          </p:sp>
+        </mc:Choice>
+        <mc:Fallback>
+          <p:sp>
+            <p:nvSpPr>
+              <p:cNvPr id="27" name="テキスト ボックス 26">
+                <a:extLst>
+                  <a:ext uri="{FF2B5EF4-FFF2-40B4-BE49-F238E27FC236}">
+                    <a16:creationId xmlns:a16="http://schemas.microsoft.com/office/drawing/2014/main" id="{A8EC0CC2-7129-4F0A-99CF-51223023D6AE}"/>
+                  </a:ext>
+                </a:extLst>
+              </p:cNvPr>
+              <p:cNvSpPr txBox="1">
+                <a:spLocks noRot="1" noChangeAspect="1" noMove="1" noResize="1" noEditPoints="1" noAdjustHandles="1" noChangeArrowheads="1" noChangeShapeType="1" noTextEdit="1"/>
+              </p:cNvSpPr>
+              <p:nvPr/>
+            </p:nvSpPr>
+            <p:spPr>
+              <a:xfrm>
+                <a:off x="6414913" y="1412776"/>
+                <a:ext cx="503086" cy="584775"/>
+              </a:xfrm>
+              <a:prstGeom prst="rect">
+                <a:avLst/>
+              </a:prstGeom>
+              <a:blipFill>
+                <a:blip r:embed="rId3"/>
+                <a:stretch>
+                  <a:fillRect/>
+                </a:stretch>
+              </a:blipFill>
+            </p:spPr>
+            <p:txBody>
+              <a:bodyPr/>
+              <a:lstStyle/>
+              <a:p>
+                <a:r>
+                  <a:rPr lang="ja-JP" altLang="en-US">
+                    <a:noFill/>
+                  </a:rPr>
+                  <a:t> </a:t>
+                </a:r>
+              </a:p>
+            </p:txBody>
+          </p:sp>
+        </mc:Fallback>
+      </mc:AlternateContent>
+      <mc:AlternateContent xmlns:mc="http://schemas.openxmlformats.org/markup-compatibility/2006">
+        <mc:Choice xmlns:a14="http://schemas.microsoft.com/office/drawing/2010/main" Requires="a14">
+          <p:sp>
+            <p:nvSpPr>
+              <p:cNvPr id="28" name="テキスト ボックス 27">
+                <a:extLst>
+                  <a:ext uri="{FF2B5EF4-FFF2-40B4-BE49-F238E27FC236}">
+                    <a16:creationId xmlns:a16="http://schemas.microsoft.com/office/drawing/2014/main" id="{CAEC7C65-CEEC-4972-8867-8B92C9AFC925}"/>
+                  </a:ext>
+                </a:extLst>
+              </p:cNvPr>
+              <p:cNvSpPr txBox="1"/>
+              <p:nvPr/>
+            </p:nvSpPr>
+            <p:spPr>
+              <a:xfrm>
+                <a:off x="8143105" y="3068960"/>
+                <a:ext cx="533351" cy="584775"/>
+              </a:xfrm>
+              <a:prstGeom prst="rect">
+                <a:avLst/>
+              </a:prstGeom>
+              <a:noFill/>
+            </p:spPr>
+            <p:txBody>
+              <a:bodyPr wrap="none" rtlCol="0">
+                <a:spAutoFit/>
+              </a:bodyPr>
+              <a:lstStyle/>
+              <a:p>
+                <a:pPr/>
+                <a14:m>
+                  <m:oMathPara xmlns:m="http://schemas.openxmlformats.org/officeDocument/2006/math">
+                    <m:oMathParaPr>
+                      <m:jc m:val="centerGroup"/>
+                    </m:oMathParaPr>
+                    <m:oMath xmlns:m="http://schemas.openxmlformats.org/officeDocument/2006/math">
+                      <m:r>
+                        <a:rPr kumimoji="1" lang="en-US" altLang="ja-JP" sz="3200" b="0" i="1" smtClean="0">
+                          <a:latin typeface="Cambria Math" panose="02040503050406030204" pitchFamily="18" charset="0"/>
+                        </a:rPr>
+                        <m:t>𝑣</m:t>
+                      </m:r>
+                    </m:oMath>
+                  </m:oMathPara>
+                </a14:m>
+                <a:endParaRPr kumimoji="1" lang="ja-JP" altLang="en-US" sz="3200"/>
+              </a:p>
+            </p:txBody>
+          </p:sp>
+        </mc:Choice>
+        <mc:Fallback>
+          <p:sp>
+            <p:nvSpPr>
+              <p:cNvPr id="28" name="テキスト ボックス 27">
+                <a:extLst>
+                  <a:ext uri="{FF2B5EF4-FFF2-40B4-BE49-F238E27FC236}">
+                    <a16:creationId xmlns:a16="http://schemas.microsoft.com/office/drawing/2014/main" id="{CAEC7C65-CEEC-4972-8867-8B92C9AFC925}"/>
+                  </a:ext>
+                </a:extLst>
+              </p:cNvPr>
+              <p:cNvSpPr txBox="1">
+                <a:spLocks noRot="1" noChangeAspect="1" noMove="1" noResize="1" noEditPoints="1" noAdjustHandles="1" noChangeArrowheads="1" noChangeShapeType="1" noTextEdit="1"/>
+              </p:cNvSpPr>
+              <p:nvPr/>
+            </p:nvSpPr>
+            <p:spPr>
+              <a:xfrm>
+                <a:off x="8143105" y="3068960"/>
+                <a:ext cx="533351" cy="584775"/>
+              </a:xfrm>
+              <a:prstGeom prst="rect">
+                <a:avLst/>
+              </a:prstGeom>
+              <a:blipFill>
+                <a:blip r:embed="rId4"/>
+                <a:stretch>
+                  <a:fillRect/>
+                </a:stretch>
+              </a:blipFill>
+            </p:spPr>
+            <p:txBody>
+              <a:bodyPr/>
+              <a:lstStyle/>
+              <a:p>
+                <a:r>
+                  <a:rPr lang="ja-JP" altLang="en-US">
+                    <a:noFill/>
+                  </a:rPr>
+                  <a:t> </a:t>
+                </a:r>
+              </a:p>
+            </p:txBody>
+          </p:sp>
+        </mc:Fallback>
+      </mc:AlternateContent>
+      <p:sp>
+        <p:nvSpPr>
+          <p:cNvPr id="29" name="楕円 28">
+            <a:extLst>
+              <a:ext uri="{FF2B5EF4-FFF2-40B4-BE49-F238E27FC236}">
+                <a16:creationId xmlns:a16="http://schemas.microsoft.com/office/drawing/2014/main" id="{BDE7AB2E-D1CC-44B9-9EF6-6E2046C52DC0}"/>
+              </a:ext>
+            </a:extLst>
+          </p:cNvPr>
+          <p:cNvSpPr/>
+          <p:nvPr/>
+        </p:nvSpPr>
+        <p:spPr>
+          <a:xfrm>
+            <a:off x="7362734" y="3335220"/>
+            <a:ext cx="216024" cy="216024"/>
+          </a:xfrm>
+          <a:prstGeom prst="ellipse">
+            <a:avLst/>
+          </a:prstGeom>
+          <a:solidFill>
+            <a:srgbClr val="FF0000"/>
+          </a:solidFill>
+          <a:ln>
+            <a:solidFill>
+              <a:schemeClr val="tx1"/>
+            </a:solidFill>
+          </a:ln>
+        </p:spPr>
+        <p:style>
+          <a:lnRef idx="2">
+            <a:schemeClr val="accent1">
+              <a:shade val="50000"/>
+            </a:schemeClr>
+          </a:lnRef>
+          <a:fillRef idx="1">
+            <a:schemeClr val="accent1"/>
+          </a:fillRef>
+          <a:effectRef idx="0">
+            <a:schemeClr val="accent1"/>
+          </a:effectRef>
+          <a:fontRef idx="minor">
+            <a:schemeClr val="lt1"/>
+          </a:fontRef>
+        </p:style>
+        <p:txBody>
+          <a:bodyPr rtlCol="0" anchor="ctr"/>
+          <a:lstStyle/>
+          <a:p>
+            <a:pPr algn="ctr"/>
+            <a:endParaRPr kumimoji="1" lang="ja-JP" altLang="en-US"/>
+          </a:p>
+        </p:txBody>
+      </p:sp>
+      <p:sp>
+        <p:nvSpPr>
+          <p:cNvPr id="30" name="テキスト ボックス 29">
+            <a:extLst>
+              <a:ext uri="{FF2B5EF4-FFF2-40B4-BE49-F238E27FC236}">
+                <a16:creationId xmlns:a16="http://schemas.microsoft.com/office/drawing/2014/main" id="{2034213B-C421-434B-B29F-7BD5AA8B23B9}"/>
+              </a:ext>
+            </a:extLst>
+          </p:cNvPr>
+          <p:cNvSpPr txBox="1"/>
+          <p:nvPr/>
+        </p:nvSpPr>
+        <p:spPr>
+          <a:xfrm>
+            <a:off x="6342905" y="3491716"/>
+            <a:ext cx="364202" cy="369332"/>
+          </a:xfrm>
+          <a:prstGeom prst="rect">
+            <a:avLst/>
+          </a:prstGeom>
+          <a:noFill/>
+        </p:spPr>
+        <p:txBody>
+          <a:bodyPr wrap="none" rtlCol="0">
+            <a:spAutoFit/>
+          </a:bodyPr>
+          <a:lstStyle/>
+          <a:p>
+            <a:r>
+              <a:rPr kumimoji="1" lang="en-US" altLang="ja-JP"/>
+              <a:t>O</a:t>
+            </a:r>
+            <a:endParaRPr kumimoji="1" lang="ja-JP" altLang="en-US"/>
+          </a:p>
+        </p:txBody>
+      </p:sp>
+      <p:sp>
+        <p:nvSpPr>
+          <p:cNvPr id="31" name="テキスト ボックス 30">
+            <a:extLst>
+              <a:ext uri="{FF2B5EF4-FFF2-40B4-BE49-F238E27FC236}">
+                <a16:creationId xmlns:a16="http://schemas.microsoft.com/office/drawing/2014/main" id="{48417CBF-B3A0-4F91-AA11-45E9BC959269}"/>
+              </a:ext>
+            </a:extLst>
+          </p:cNvPr>
+          <p:cNvSpPr txBox="1"/>
+          <p:nvPr/>
+        </p:nvSpPr>
+        <p:spPr>
+          <a:xfrm>
+            <a:off x="395536" y="980728"/>
+            <a:ext cx="4698722" cy="461665"/>
+          </a:xfrm>
+          <a:prstGeom prst="rect">
+            <a:avLst/>
+          </a:prstGeom>
+          <a:noFill/>
+        </p:spPr>
+        <p:txBody>
+          <a:bodyPr wrap="none" rtlCol="0">
+            <a:spAutoFit/>
+          </a:bodyPr>
+          <a:lstStyle/>
+          <a:p>
+            <a:r>
+              <a:rPr lang="ja-JP" altLang="en-US" sz="2400"/>
+              <a:t>現在の状態</a:t>
+            </a:r>
+            <a:r>
+              <a:rPr lang="en-US" altLang="ja-JP" sz="2400"/>
+              <a:t>(</a:t>
+            </a:r>
+            <a:r>
+              <a:rPr lang="ja-JP" altLang="en-US" sz="2400"/>
+              <a:t>原点で右向きに運動</a:t>
+            </a:r>
+            <a:r>
+              <a:rPr lang="en-US" altLang="ja-JP" sz="2400"/>
+              <a:t>)</a:t>
+            </a:r>
+            <a:endParaRPr kumimoji="1" lang="ja-JP" altLang="en-US" sz="2400"/>
+          </a:p>
+        </p:txBody>
+      </p:sp>
+      <p:sp>
+        <p:nvSpPr>
+          <p:cNvPr id="32" name="テキスト ボックス 31">
+            <a:extLst>
+              <a:ext uri="{FF2B5EF4-FFF2-40B4-BE49-F238E27FC236}">
+                <a16:creationId xmlns:a16="http://schemas.microsoft.com/office/drawing/2014/main" id="{E1C718BA-ED66-4F72-9308-38DB74CFDDC5}"/>
+              </a:ext>
+            </a:extLst>
+          </p:cNvPr>
+          <p:cNvSpPr txBox="1"/>
+          <p:nvPr/>
+        </p:nvSpPr>
+        <p:spPr>
+          <a:xfrm>
+            <a:off x="467544" y="4653136"/>
+            <a:ext cx="5178021" cy="461665"/>
+          </a:xfrm>
+          <a:prstGeom prst="rect">
+            <a:avLst/>
+          </a:prstGeom>
+          <a:noFill/>
+        </p:spPr>
+        <p:txBody>
+          <a:bodyPr wrap="none" rtlCol="0">
+            <a:spAutoFit/>
+          </a:bodyPr>
+          <a:lstStyle/>
+          <a:p>
+            <a:r>
+              <a:rPr kumimoji="1" lang="ja-JP" altLang="en-US" sz="2400"/>
+              <a:t>時間微分</a:t>
+            </a:r>
+            <a:r>
+              <a:rPr kumimoji="1" lang="en-US" altLang="ja-JP" sz="2400"/>
+              <a:t>(</a:t>
+            </a:r>
+            <a:r>
+              <a:rPr kumimoji="1" lang="ja-JP" altLang="en-US" sz="2400"/>
+              <a:t>右向きに運動し、加速度</a:t>
+            </a:r>
+            <a:r>
+              <a:rPr kumimoji="1" lang="en-US" altLang="ja-JP" sz="2400"/>
+              <a:t>0)</a:t>
+            </a:r>
+            <a:endParaRPr kumimoji="1" lang="ja-JP" altLang="en-US" sz="2400"/>
+          </a:p>
+        </p:txBody>
+      </p:sp>
+      <mc:AlternateContent xmlns:mc="http://schemas.openxmlformats.org/markup-compatibility/2006">
+        <mc:Choice xmlns:a14="http://schemas.microsoft.com/office/drawing/2010/main" Requires="a14">
+          <p:sp>
+            <p:nvSpPr>
+              <p:cNvPr id="33" name="テキスト ボックス 32">
+                <a:extLst>
+                  <a:ext uri="{FF2B5EF4-FFF2-40B4-BE49-F238E27FC236}">
+                    <a16:creationId xmlns:a16="http://schemas.microsoft.com/office/drawing/2014/main" id="{FB14180F-CA39-4CE9-ADA8-84493A6E6D68}"/>
+                  </a:ext>
+                </a:extLst>
+              </p:cNvPr>
+              <p:cNvSpPr txBox="1"/>
+              <p:nvPr/>
+            </p:nvSpPr>
+            <p:spPr>
+              <a:xfrm>
+                <a:off x="899592" y="5517232"/>
+                <a:ext cx="3055260" cy="646331"/>
+              </a:xfrm>
+              <a:prstGeom prst="rect">
+                <a:avLst/>
+              </a:prstGeom>
+              <a:noFill/>
+              <a:ln>
+                <a:solidFill>
+                  <a:srgbClr val="00B050"/>
+                </a:solidFill>
+              </a:ln>
+            </p:spPr>
+            <p:txBody>
+              <a:bodyPr wrap="none" rtlCol="0">
+                <a:spAutoFit/>
+              </a:bodyPr>
+              <a:lstStyle/>
+              <a:p>
+                <a:pPr/>
+                <a14:m>
+                  <m:oMathPara xmlns:m="http://schemas.openxmlformats.org/officeDocument/2006/math">
+                    <m:oMathParaPr>
+                      <m:jc m:val="centerGroup"/>
+                    </m:oMathParaPr>
+                    <m:oMath xmlns:m="http://schemas.openxmlformats.org/officeDocument/2006/math">
+                      <m:r>
+                        <a:rPr kumimoji="1" lang="en-US" altLang="ja-JP" sz="3600" b="0" i="1" smtClean="0">
+                          <a:latin typeface="Cambria Math" panose="02040503050406030204" pitchFamily="18" charset="0"/>
+                        </a:rPr>
+                        <m:t>(</m:t>
+                      </m:r>
+                      <m:acc>
+                        <m:accPr>
+                          <m:chr m:val="̇"/>
+                          <m:ctrlPr>
+                            <a:rPr kumimoji="1" lang="en-US" altLang="ja-JP" sz="3600" b="0" i="1" smtClean="0">
+                              <a:latin typeface="Cambria Math" panose="02040503050406030204" pitchFamily="18" charset="0"/>
+                            </a:rPr>
+                          </m:ctrlPr>
+                        </m:accPr>
+                        <m:e>
+                          <m:r>
+                            <a:rPr kumimoji="1" lang="en-US" altLang="ja-JP" sz="3600" b="0" i="1" smtClean="0">
+                              <a:latin typeface="Cambria Math" panose="02040503050406030204" pitchFamily="18" charset="0"/>
+                            </a:rPr>
+                            <m:t>𝑟</m:t>
+                          </m:r>
+                        </m:e>
+                      </m:acc>
+                      <m:r>
+                        <a:rPr kumimoji="1" lang="en-US" altLang="ja-JP" sz="3600" b="0" i="1" smtClean="0">
+                          <a:latin typeface="Cambria Math" panose="02040503050406030204" pitchFamily="18" charset="0"/>
+                        </a:rPr>
+                        <m:t>,</m:t>
+                      </m:r>
+                      <m:acc>
+                        <m:accPr>
+                          <m:chr m:val="̇"/>
+                          <m:ctrlPr>
+                            <a:rPr kumimoji="1" lang="en-US" altLang="ja-JP" sz="3600" b="0" i="1" smtClean="0">
+                              <a:latin typeface="Cambria Math" panose="02040503050406030204" pitchFamily="18" charset="0"/>
+                            </a:rPr>
+                          </m:ctrlPr>
+                        </m:accPr>
+                        <m:e>
+                          <m:r>
+                            <a:rPr kumimoji="1" lang="en-US" altLang="ja-JP" sz="3600" b="0" i="1" smtClean="0">
+                              <a:latin typeface="Cambria Math" panose="02040503050406030204" pitchFamily="18" charset="0"/>
+                            </a:rPr>
+                            <m:t>𝑣</m:t>
+                          </m:r>
+                        </m:e>
+                      </m:acc>
+                      <m:r>
+                        <a:rPr kumimoji="1" lang="en-US" altLang="ja-JP" sz="3600" b="0" i="1" smtClean="0">
+                          <a:latin typeface="Cambria Math" panose="02040503050406030204" pitchFamily="18" charset="0"/>
+                        </a:rPr>
+                        <m:t>) =(</m:t>
+                      </m:r>
+                      <m:r>
+                        <a:rPr kumimoji="1" lang="en-US" altLang="ja-JP" sz="3600" b="0" i="1" smtClean="0">
+                          <a:latin typeface="Cambria Math" panose="02040503050406030204" pitchFamily="18" charset="0"/>
+                        </a:rPr>
+                        <m:t>0,1</m:t>
+                      </m:r>
+                      <m:r>
+                        <a:rPr kumimoji="1" lang="en-US" altLang="ja-JP" sz="3600" b="0" i="1" smtClean="0">
+                          <a:latin typeface="Cambria Math" panose="02040503050406030204" pitchFamily="18" charset="0"/>
+                        </a:rPr>
+                        <m:t>)</m:t>
+                      </m:r>
+                    </m:oMath>
+                  </m:oMathPara>
+                </a14:m>
+                <a:endParaRPr kumimoji="1" lang="en-US" altLang="ja-JP" sz="3600" b="0"/>
+              </a:p>
+            </p:txBody>
+          </p:sp>
+        </mc:Choice>
+        <mc:Fallback>
+          <p:sp>
+            <p:nvSpPr>
+              <p:cNvPr id="33" name="テキスト ボックス 32">
+                <a:extLst>
+                  <a:ext uri="{FF2B5EF4-FFF2-40B4-BE49-F238E27FC236}">
+                    <a16:creationId xmlns:a16="http://schemas.microsoft.com/office/drawing/2014/main" id="{FB14180F-CA39-4CE9-ADA8-84493A6E6D68}"/>
+                  </a:ext>
+                </a:extLst>
+              </p:cNvPr>
+              <p:cNvSpPr txBox="1">
+                <a:spLocks noRot="1" noChangeAspect="1" noMove="1" noResize="1" noEditPoints="1" noAdjustHandles="1" noChangeArrowheads="1" noChangeShapeType="1" noTextEdit="1"/>
+              </p:cNvSpPr>
+              <p:nvPr/>
+            </p:nvSpPr>
+            <p:spPr>
+              <a:xfrm>
+                <a:off x="899592" y="5517232"/>
+                <a:ext cx="3055260" cy="646331"/>
+              </a:xfrm>
+              <a:prstGeom prst="rect">
+                <a:avLst/>
+              </a:prstGeom>
+              <a:blipFill>
+                <a:blip r:embed="rId5"/>
+                <a:stretch>
+                  <a:fillRect/>
+                </a:stretch>
+              </a:blipFill>
+              <a:ln>
+                <a:solidFill>
+                  <a:srgbClr val="00B050"/>
+                </a:solidFill>
+              </a:ln>
+            </p:spPr>
+            <p:txBody>
+              <a:bodyPr/>
+              <a:lstStyle/>
+              <a:p>
+                <a:r>
+                  <a:rPr lang="ja-JP" altLang="en-US">
+                    <a:noFill/>
+                  </a:rPr>
+                  <a:t> </a:t>
+                </a:r>
+              </a:p>
+            </p:txBody>
+          </p:sp>
+        </mc:Fallback>
+      </mc:AlternateContent>
+      <p:cxnSp>
+        <p:nvCxnSpPr>
+          <p:cNvPr id="35" name="直線矢印コネクタ 34">
+            <a:extLst>
+              <a:ext uri="{FF2B5EF4-FFF2-40B4-BE49-F238E27FC236}">
+                <a16:creationId xmlns:a16="http://schemas.microsoft.com/office/drawing/2014/main" id="{53E8673A-17C6-4366-9247-6643FBC5865F}"/>
+              </a:ext>
+            </a:extLst>
+          </p:cNvPr>
+          <p:cNvCxnSpPr>
+            <a:cxnSpLocks/>
+            <a:stCxn id="29" idx="0"/>
+          </p:cNvCxnSpPr>
+          <p:nvPr/>
+        </p:nvCxnSpPr>
+        <p:spPr>
+          <a:xfrm flipV="1">
+            <a:off x="7470746" y="2708920"/>
+            <a:ext cx="0" cy="626300"/>
+          </a:xfrm>
+          <a:prstGeom prst="straightConnector1">
+            <a:avLst/>
+          </a:prstGeom>
+          <a:ln w="38100">
+            <a:solidFill>
+              <a:srgbClr val="00B050"/>
+            </a:solidFill>
+            <a:headEnd type="none" w="med" len="med"/>
+            <a:tailEnd type="triangle"/>
+          </a:ln>
+        </p:spPr>
+        <p:style>
+          <a:lnRef idx="1">
+            <a:schemeClr val="accent1"/>
+          </a:lnRef>
+          <a:fillRef idx="0">
+            <a:schemeClr val="accent1"/>
+          </a:fillRef>
+          <a:effectRef idx="0">
+            <a:schemeClr val="accent1"/>
+          </a:effectRef>
+          <a:fontRef idx="minor">
+            <a:schemeClr val="tx1"/>
+          </a:fontRef>
+        </p:style>
+      </p:cxnSp>
+      <mc:AlternateContent xmlns:mc="http://schemas.openxmlformats.org/markup-compatibility/2006">
+        <mc:Choice xmlns:a14="http://schemas.microsoft.com/office/drawing/2010/main" Requires="a14">
+          <p:sp>
+            <p:nvSpPr>
+              <p:cNvPr id="51" name="テキスト ボックス 50">
+                <a:extLst>
+                  <a:ext uri="{FF2B5EF4-FFF2-40B4-BE49-F238E27FC236}">
+                    <a16:creationId xmlns:a16="http://schemas.microsoft.com/office/drawing/2014/main" id="{17BF6606-7F94-4440-B31F-1F1FA7C15C9E}"/>
+                  </a:ext>
+                </a:extLst>
+              </p:cNvPr>
+              <p:cNvSpPr txBox="1"/>
+              <p:nvPr/>
+            </p:nvSpPr>
+            <p:spPr>
+              <a:xfrm>
+                <a:off x="5940152" y="5445224"/>
+                <a:ext cx="3093988" cy="584775"/>
+              </a:xfrm>
+              <a:prstGeom prst="rect">
+                <a:avLst/>
+              </a:prstGeom>
+              <a:noFill/>
+              <a:ln>
+                <a:noFill/>
+              </a:ln>
+            </p:spPr>
+            <p:txBody>
+              <a:bodyPr wrap="none" rtlCol="0">
+                <a:spAutoFit/>
+              </a:bodyPr>
+              <a:lstStyle/>
+              <a:p>
+                <a:pPr/>
+                <a14:m>
+                  <m:oMathPara xmlns:m="http://schemas.openxmlformats.org/officeDocument/2006/math">
+                    <m:oMathParaPr>
+                      <m:jc m:val="centerGroup"/>
+                    </m:oMathParaPr>
+                    <m:oMath xmlns:m="http://schemas.openxmlformats.org/officeDocument/2006/math">
+                      <m:r>
+                        <a:rPr kumimoji="1" lang="en-US" altLang="ja-JP" sz="3200" b="0" i="1" smtClean="0">
+                          <a:latin typeface="Cambria Math" panose="02040503050406030204" pitchFamily="18" charset="0"/>
+                        </a:rPr>
+                        <m:t>(</m:t>
+                      </m:r>
+                      <m:acc>
+                        <m:accPr>
+                          <m:chr m:val="̇"/>
+                          <m:ctrlPr>
+                            <a:rPr kumimoji="1" lang="en-US" altLang="ja-JP" sz="3200" b="0" i="1" smtClean="0">
+                              <a:latin typeface="Cambria Math" panose="02040503050406030204" pitchFamily="18" charset="0"/>
+                            </a:rPr>
+                          </m:ctrlPr>
+                        </m:accPr>
+                        <m:e>
+                          <m:r>
+                            <a:rPr kumimoji="1" lang="en-US" altLang="ja-JP" sz="3200" b="0" i="1" smtClean="0">
+                              <a:latin typeface="Cambria Math" panose="02040503050406030204" pitchFamily="18" charset="0"/>
+                            </a:rPr>
+                            <m:t>𝑟</m:t>
+                          </m:r>
+                        </m:e>
+                      </m:acc>
+                      <m:r>
+                        <a:rPr kumimoji="1" lang="en-US" altLang="ja-JP" sz="3200" b="0" i="1" smtClean="0">
+                          <a:latin typeface="Cambria Math" panose="02040503050406030204" pitchFamily="18" charset="0"/>
+                        </a:rPr>
+                        <m:t>,</m:t>
+                      </m:r>
+                      <m:acc>
+                        <m:accPr>
+                          <m:chr m:val="̇"/>
+                          <m:ctrlPr>
+                            <a:rPr kumimoji="1" lang="en-US" altLang="ja-JP" sz="3200" b="0" i="1" smtClean="0">
+                              <a:latin typeface="Cambria Math" panose="02040503050406030204" pitchFamily="18" charset="0"/>
+                            </a:rPr>
+                          </m:ctrlPr>
+                        </m:accPr>
+                        <m:e>
+                          <m:r>
+                            <a:rPr kumimoji="1" lang="en-US" altLang="ja-JP" sz="3200" b="0" i="1" smtClean="0">
+                              <a:latin typeface="Cambria Math" panose="02040503050406030204" pitchFamily="18" charset="0"/>
+                            </a:rPr>
+                            <m:t>𝑣</m:t>
+                          </m:r>
+                        </m:e>
+                      </m:acc>
+                      <m:r>
+                        <a:rPr kumimoji="1" lang="en-US" altLang="ja-JP" sz="3200" b="0" i="1" smtClean="0">
+                          <a:latin typeface="Cambria Math" panose="02040503050406030204" pitchFamily="18" charset="0"/>
+                        </a:rPr>
+                        <m:t>) =(</m:t>
+                      </m:r>
+                      <m:r>
+                        <a:rPr kumimoji="1" lang="en-US" altLang="ja-JP" sz="3200" b="0" i="1" smtClean="0">
+                          <a:latin typeface="Cambria Math" panose="02040503050406030204" pitchFamily="18" charset="0"/>
+                        </a:rPr>
+                        <m:t>𝑣</m:t>
+                      </m:r>
+                      <m:r>
+                        <a:rPr kumimoji="1" lang="en-US" altLang="ja-JP" sz="3200" b="0" i="1" smtClean="0">
+                          <a:latin typeface="Cambria Math" panose="02040503050406030204" pitchFamily="18" charset="0"/>
+                        </a:rPr>
+                        <m:t>,−</m:t>
+                      </m:r>
+                      <m:r>
+                        <a:rPr kumimoji="1" lang="en-US" altLang="ja-JP" sz="3200" b="0" i="1" smtClean="0">
+                          <a:latin typeface="Cambria Math" panose="02040503050406030204" pitchFamily="18" charset="0"/>
+                        </a:rPr>
+                        <m:t>𝑟</m:t>
+                      </m:r>
+                      <m:r>
+                        <a:rPr kumimoji="1" lang="en-US" altLang="ja-JP" sz="3200" b="0" i="1" smtClean="0">
+                          <a:latin typeface="Cambria Math" panose="02040503050406030204" pitchFamily="18" charset="0"/>
+                        </a:rPr>
+                        <m:t>)</m:t>
+                      </m:r>
+                    </m:oMath>
+                  </m:oMathPara>
+                </a14:m>
+                <a:endParaRPr kumimoji="1" lang="en-US" altLang="ja-JP" sz="3200" b="0"/>
+              </a:p>
+            </p:txBody>
+          </p:sp>
+        </mc:Choice>
+        <mc:Fallback>
+          <p:sp>
+            <p:nvSpPr>
+              <p:cNvPr id="51" name="テキスト ボックス 50">
+                <a:extLst>
+                  <a:ext uri="{FF2B5EF4-FFF2-40B4-BE49-F238E27FC236}">
+                    <a16:creationId xmlns:a16="http://schemas.microsoft.com/office/drawing/2014/main" id="{17BF6606-7F94-4440-B31F-1F1FA7C15C9E}"/>
+                  </a:ext>
+                </a:extLst>
+              </p:cNvPr>
+              <p:cNvSpPr txBox="1">
+                <a:spLocks noRot="1" noChangeAspect="1" noMove="1" noResize="1" noEditPoints="1" noAdjustHandles="1" noChangeArrowheads="1" noChangeShapeType="1" noTextEdit="1"/>
+              </p:cNvSpPr>
+              <p:nvPr/>
+            </p:nvSpPr>
+            <p:spPr>
+              <a:xfrm>
+                <a:off x="5940152" y="5445224"/>
+                <a:ext cx="3093988" cy="584775"/>
+              </a:xfrm>
+              <a:prstGeom prst="rect">
+                <a:avLst/>
+              </a:prstGeom>
+              <a:blipFill>
+                <a:blip r:embed="rId6"/>
+                <a:stretch>
+                  <a:fillRect/>
+                </a:stretch>
+              </a:blipFill>
+              <a:ln>
+                <a:noFill/>
+              </a:ln>
+            </p:spPr>
+            <p:txBody>
+              <a:bodyPr/>
+              <a:lstStyle/>
+              <a:p>
+                <a:r>
+                  <a:rPr lang="ja-JP" altLang="en-US">
+                    <a:noFill/>
+                  </a:rPr>
+                  <a:t> </a:t>
+                </a:r>
+              </a:p>
+            </p:txBody>
+          </p:sp>
+        </mc:Fallback>
+      </mc:AlternateContent>
+    </p:spTree>
+    <p:extLst>
+      <p:ext uri="{BB962C8B-B14F-4D97-AF65-F5344CB8AC3E}">
+        <p14:creationId xmlns:p14="http://schemas.microsoft.com/office/powerpoint/2010/main" val="3542874800"/>
+      </p:ext>
+    </p:extLst>
+  </p:cSld>
+  <p:clrMapOvr>
+    <a:masterClrMapping/>
+  </p:clrMapOvr>
+</p:sld>
+</file>
+
+<file path=ppt/slides/slide12.xml><?xml version="1.0" encoding="utf-8"?>
+<p:sld xmlns:a="http://schemas.openxmlformats.org/drawingml/2006/main" xmlns:r="http://schemas.openxmlformats.org/officeDocument/2006/relationships" xmlns:p="http://schemas.openxmlformats.org/presentationml/2006/main">
+  <p:cSld>
+    <p:spTree>
+      <p:nvGrpSpPr>
+        <p:cNvPr id="1" name=""/>
+        <p:cNvGrpSpPr/>
+        <p:nvPr/>
+      </p:nvGrpSpPr>
+      <p:grpSpPr>
+        <a:xfrm>
+          <a:off x="0" y="0"/>
+          <a:ext cx="0" cy="0"/>
+          <a:chOff x="0" y="0"/>
+          <a:chExt cx="0" cy="0"/>
+        </a:xfrm>
+      </p:grpSpPr>
+      <p:sp>
+        <p:nvSpPr>
+          <p:cNvPr id="2" name="テキスト プレースホルダー 1">
+            <a:extLst>
+              <a:ext uri="{FF2B5EF4-FFF2-40B4-BE49-F238E27FC236}">
+                <a16:creationId xmlns:a16="http://schemas.microsoft.com/office/drawing/2014/main" id="{B9CF9FDA-338C-463E-B651-2AA997730F0E}"/>
+              </a:ext>
+            </a:extLst>
+          </p:cNvPr>
+          <p:cNvSpPr>
+            <a:spLocks noGrp="1"/>
+          </p:cNvSpPr>
+          <p:nvPr>
+            <p:ph type="body" sz="quarter" idx="10"/>
+          </p:nvPr>
+        </p:nvSpPr>
+        <p:spPr/>
+        <p:txBody>
+          <a:bodyPr/>
+          <a:lstStyle/>
+          <a:p>
+            <a:r>
+              <a:rPr lang="ja-JP" altLang="en-US"/>
+              <a:t>位相空間と流れ</a:t>
+            </a:r>
+            <a:endParaRPr kumimoji="1" lang="ja-JP" altLang="en-US"/>
+          </a:p>
+        </p:txBody>
+      </p:sp>
+      <p:sp>
+        <p:nvSpPr>
+          <p:cNvPr id="4" name="正方形/長方形 3">
+            <a:extLst>
+              <a:ext uri="{FF2B5EF4-FFF2-40B4-BE49-F238E27FC236}">
+                <a16:creationId xmlns:a16="http://schemas.microsoft.com/office/drawing/2014/main" id="{D19244B8-2189-4B38-95F4-790957C01D85}"/>
+              </a:ext>
+            </a:extLst>
+          </p:cNvPr>
+          <p:cNvSpPr/>
+          <p:nvPr/>
+        </p:nvSpPr>
+        <p:spPr>
+          <a:xfrm>
+            <a:off x="539552" y="1774557"/>
+            <a:ext cx="169307" cy="1050374"/>
+          </a:xfrm>
+          <a:prstGeom prst="rect">
+            <a:avLst/>
+          </a:prstGeom>
+          <a:solidFill>
+            <a:srgbClr val="FFC000"/>
+          </a:solidFill>
+          <a:ln>
+            <a:solidFill>
+              <a:schemeClr val="tx1"/>
+            </a:solidFill>
+          </a:ln>
+        </p:spPr>
+        <p:style>
+          <a:lnRef idx="2">
+            <a:schemeClr val="accent1">
+              <a:shade val="50000"/>
+            </a:schemeClr>
+          </a:lnRef>
+          <a:fillRef idx="1">
+            <a:schemeClr val="accent1"/>
+          </a:fillRef>
+          <a:effectRef idx="0">
+            <a:schemeClr val="accent1"/>
+          </a:effectRef>
+          <a:fontRef idx="minor">
+            <a:schemeClr val="lt1"/>
+          </a:fontRef>
+        </p:style>
+        <p:txBody>
+          <a:bodyPr rtlCol="0" anchor="ctr"/>
+          <a:lstStyle/>
+          <a:p>
+            <a:pPr algn="ctr"/>
+            <a:endParaRPr kumimoji="1" lang="ja-JP" altLang="en-US"/>
+          </a:p>
+        </p:txBody>
+      </p:sp>
+      <p:grpSp>
+        <p:nvGrpSpPr>
+          <p:cNvPr id="5" name="グループ化 4">
+            <a:extLst>
+              <a:ext uri="{FF2B5EF4-FFF2-40B4-BE49-F238E27FC236}">
+                <a16:creationId xmlns:a16="http://schemas.microsoft.com/office/drawing/2014/main" id="{42E87C31-D027-4EBF-88D6-85F0A8A0D965}"/>
+              </a:ext>
+            </a:extLst>
+          </p:cNvPr>
+          <p:cNvGrpSpPr/>
+          <p:nvPr/>
+        </p:nvGrpSpPr>
+        <p:grpSpPr>
+          <a:xfrm>
+            <a:off x="708858" y="2164968"/>
+            <a:ext cx="2639005" cy="592575"/>
+            <a:chOff x="899592" y="2492896"/>
+            <a:chExt cx="6768752" cy="1152128"/>
+          </a:xfrm>
+        </p:grpSpPr>
+        <p:sp>
+          <p:nvSpPr>
+            <p:cNvPr id="9" name="円弧 8">
+              <a:extLst>
+                <a:ext uri="{FF2B5EF4-FFF2-40B4-BE49-F238E27FC236}">
+                  <a16:creationId xmlns:a16="http://schemas.microsoft.com/office/drawing/2014/main" id="{969B0ACE-4F6A-499A-8F1C-0ABDEAA6923F}"/>
+                </a:ext>
+              </a:extLst>
+            </p:cNvPr>
+            <p:cNvSpPr/>
+            <p:nvPr/>
+          </p:nvSpPr>
+          <p:spPr>
+            <a:xfrm rot="16200000">
+              <a:off x="2411760" y="2492896"/>
+              <a:ext cx="1152128" cy="1152128"/>
+            </a:xfrm>
+            <a:prstGeom prst="arc">
+              <a:avLst>
+                <a:gd name="adj1" fmla="val 16200000"/>
+                <a:gd name="adj2" fmla="val 5514588"/>
+              </a:avLst>
+            </a:prstGeom>
+            <a:ln w="12700">
+              <a:solidFill>
+                <a:schemeClr val="tx1"/>
+              </a:solidFill>
+            </a:ln>
+          </p:spPr>
+          <p:style>
+            <a:lnRef idx="1">
+              <a:schemeClr val="accent1"/>
+            </a:lnRef>
+            <a:fillRef idx="0">
+              <a:schemeClr val="accent1"/>
+            </a:fillRef>
+            <a:effectRef idx="0">
+              <a:schemeClr val="accent1"/>
+            </a:effectRef>
+            <a:fontRef idx="minor">
+              <a:schemeClr val="tx1"/>
+            </a:fontRef>
+          </p:style>
+          <p:txBody>
+            <a:bodyPr rtlCol="0" anchor="ctr"/>
+            <a:lstStyle/>
+            <a:p>
+              <a:pPr algn="ctr"/>
+              <a:endParaRPr kumimoji="1" lang="ja-JP" altLang="en-US"/>
+            </a:p>
+          </p:txBody>
+        </p:sp>
+        <p:sp>
+          <p:nvSpPr>
+            <p:cNvPr id="10" name="円弧 9">
+              <a:extLst>
+                <a:ext uri="{FF2B5EF4-FFF2-40B4-BE49-F238E27FC236}">
+                  <a16:creationId xmlns:a16="http://schemas.microsoft.com/office/drawing/2014/main" id="{154F27EC-C619-4855-AA88-7E01F87E84D4}"/>
+                </a:ext>
+              </a:extLst>
+            </p:cNvPr>
+            <p:cNvSpPr/>
+            <p:nvPr/>
+          </p:nvSpPr>
+          <p:spPr>
+            <a:xfrm rot="16200000">
+              <a:off x="1763688" y="2492896"/>
+              <a:ext cx="1152128" cy="1152128"/>
+            </a:xfrm>
+            <a:prstGeom prst="arc">
+              <a:avLst>
+                <a:gd name="adj1" fmla="val 16200000"/>
+                <a:gd name="adj2" fmla="val 5514588"/>
+              </a:avLst>
+            </a:prstGeom>
+            <a:ln w="12700">
+              <a:solidFill>
+                <a:schemeClr val="tx1"/>
+              </a:solidFill>
+            </a:ln>
+          </p:spPr>
+          <p:style>
+            <a:lnRef idx="1">
+              <a:schemeClr val="accent1"/>
+            </a:lnRef>
+            <a:fillRef idx="0">
+              <a:schemeClr val="accent1"/>
+            </a:fillRef>
+            <a:effectRef idx="0">
+              <a:schemeClr val="accent1"/>
+            </a:effectRef>
+            <a:fontRef idx="minor">
+              <a:schemeClr val="tx1"/>
+            </a:fontRef>
+          </p:style>
+          <p:txBody>
+            <a:bodyPr rtlCol="0" anchor="ctr"/>
+            <a:lstStyle/>
+            <a:p>
+              <a:pPr algn="ctr"/>
+              <a:endParaRPr kumimoji="1" lang="ja-JP" altLang="en-US"/>
+            </a:p>
+          </p:txBody>
+        </p:sp>
+        <p:sp>
+          <p:nvSpPr>
+            <p:cNvPr id="11" name="円弧 10">
+              <a:extLst>
+                <a:ext uri="{FF2B5EF4-FFF2-40B4-BE49-F238E27FC236}">
+                  <a16:creationId xmlns:a16="http://schemas.microsoft.com/office/drawing/2014/main" id="{42A05821-60C6-4E2B-8530-B0F5EDEB1CC7}"/>
+                </a:ext>
+              </a:extLst>
+            </p:cNvPr>
+            <p:cNvSpPr/>
+            <p:nvPr/>
+          </p:nvSpPr>
+          <p:spPr>
+            <a:xfrm rot="16200000">
+              <a:off x="3059832" y="2492896"/>
+              <a:ext cx="1152128" cy="1152128"/>
+            </a:xfrm>
+            <a:prstGeom prst="arc">
+              <a:avLst>
+                <a:gd name="adj1" fmla="val 16200000"/>
+                <a:gd name="adj2" fmla="val 5514588"/>
+              </a:avLst>
+            </a:prstGeom>
+            <a:ln w="12700">
+              <a:solidFill>
+                <a:schemeClr val="tx1"/>
+              </a:solidFill>
+            </a:ln>
+          </p:spPr>
+          <p:style>
+            <a:lnRef idx="1">
+              <a:schemeClr val="accent1"/>
+            </a:lnRef>
+            <a:fillRef idx="0">
+              <a:schemeClr val="accent1"/>
+            </a:fillRef>
+            <a:effectRef idx="0">
+              <a:schemeClr val="accent1"/>
+            </a:effectRef>
+            <a:fontRef idx="minor">
+              <a:schemeClr val="tx1"/>
+            </a:fontRef>
+          </p:style>
+          <p:txBody>
+            <a:bodyPr rtlCol="0" anchor="ctr"/>
+            <a:lstStyle/>
+            <a:p>
+              <a:pPr algn="ctr"/>
+              <a:endParaRPr kumimoji="1" lang="ja-JP" altLang="en-US"/>
+            </a:p>
+          </p:txBody>
+        </p:sp>
+        <p:sp>
+          <p:nvSpPr>
+            <p:cNvPr id="12" name="円弧 11">
+              <a:extLst>
+                <a:ext uri="{FF2B5EF4-FFF2-40B4-BE49-F238E27FC236}">
+                  <a16:creationId xmlns:a16="http://schemas.microsoft.com/office/drawing/2014/main" id="{53AB9035-D0F0-4265-A24E-6D26909DB2A9}"/>
+                </a:ext>
+              </a:extLst>
+            </p:cNvPr>
+            <p:cNvSpPr/>
+            <p:nvPr/>
+          </p:nvSpPr>
+          <p:spPr>
+            <a:xfrm rot="16200000">
+              <a:off x="3707904" y="2492896"/>
+              <a:ext cx="1152128" cy="1152128"/>
+            </a:xfrm>
+            <a:prstGeom prst="arc">
+              <a:avLst>
+                <a:gd name="adj1" fmla="val 16069596"/>
+                <a:gd name="adj2" fmla="val 5514588"/>
+              </a:avLst>
+            </a:prstGeom>
+            <a:ln w="12700">
+              <a:solidFill>
+                <a:schemeClr val="tx1"/>
+              </a:solidFill>
+            </a:ln>
+          </p:spPr>
+          <p:style>
+            <a:lnRef idx="1">
+              <a:schemeClr val="accent1"/>
+            </a:lnRef>
+            <a:fillRef idx="0">
+              <a:schemeClr val="accent1"/>
+            </a:fillRef>
+            <a:effectRef idx="0">
+              <a:schemeClr val="accent1"/>
+            </a:effectRef>
+            <a:fontRef idx="minor">
+              <a:schemeClr val="tx1"/>
+            </a:fontRef>
+          </p:style>
+          <p:txBody>
+            <a:bodyPr rtlCol="0" anchor="ctr"/>
+            <a:lstStyle/>
+            <a:p>
+              <a:pPr algn="ctr"/>
+              <a:endParaRPr kumimoji="1" lang="ja-JP" altLang="en-US"/>
+            </a:p>
+          </p:txBody>
+        </p:sp>
+        <p:sp>
+          <p:nvSpPr>
+            <p:cNvPr id="13" name="円弧 12">
+              <a:extLst>
+                <a:ext uri="{FF2B5EF4-FFF2-40B4-BE49-F238E27FC236}">
+                  <a16:creationId xmlns:a16="http://schemas.microsoft.com/office/drawing/2014/main" id="{6D5BEC87-71B0-4189-919A-5F0058952219}"/>
+                </a:ext>
+              </a:extLst>
+            </p:cNvPr>
+            <p:cNvSpPr/>
+            <p:nvPr/>
+          </p:nvSpPr>
+          <p:spPr>
+            <a:xfrm rot="5400000">
+              <a:off x="3383868" y="2816932"/>
+              <a:ext cx="1152128" cy="504056"/>
+            </a:xfrm>
+            <a:prstGeom prst="arc">
+              <a:avLst>
+                <a:gd name="adj1" fmla="val 16069596"/>
+                <a:gd name="adj2" fmla="val 5514588"/>
+              </a:avLst>
+            </a:prstGeom>
+            <a:ln w="12700">
+              <a:solidFill>
+                <a:schemeClr val="tx1"/>
+              </a:solidFill>
+            </a:ln>
+          </p:spPr>
+          <p:style>
+            <a:lnRef idx="1">
+              <a:schemeClr val="accent1"/>
+            </a:lnRef>
+            <a:fillRef idx="0">
+              <a:schemeClr val="accent1"/>
+            </a:fillRef>
+            <a:effectRef idx="0">
+              <a:schemeClr val="accent1"/>
+            </a:effectRef>
+            <a:fontRef idx="minor">
+              <a:schemeClr val="tx1"/>
+            </a:fontRef>
+          </p:style>
+          <p:txBody>
+            <a:bodyPr rtlCol="0" anchor="ctr"/>
+            <a:lstStyle/>
+            <a:p>
+              <a:pPr algn="ctr"/>
+              <a:endParaRPr kumimoji="1" lang="ja-JP" altLang="en-US"/>
+            </a:p>
+          </p:txBody>
+        </p:sp>
+        <p:sp>
+          <p:nvSpPr>
+            <p:cNvPr id="14" name="円弧 13">
+              <a:extLst>
+                <a:ext uri="{FF2B5EF4-FFF2-40B4-BE49-F238E27FC236}">
+                  <a16:creationId xmlns:a16="http://schemas.microsoft.com/office/drawing/2014/main" id="{161FC4B4-2485-40C6-A512-6269AD666BAC}"/>
+                </a:ext>
+              </a:extLst>
+            </p:cNvPr>
+            <p:cNvSpPr/>
+            <p:nvPr/>
+          </p:nvSpPr>
+          <p:spPr>
+            <a:xfrm rot="5400000">
+              <a:off x="2735796" y="2816932"/>
+              <a:ext cx="1152128" cy="504056"/>
+            </a:xfrm>
+            <a:prstGeom prst="arc">
+              <a:avLst>
+                <a:gd name="adj1" fmla="val 16069596"/>
+                <a:gd name="adj2" fmla="val 5514588"/>
+              </a:avLst>
+            </a:prstGeom>
+            <a:ln w="12700">
+              <a:solidFill>
+                <a:schemeClr val="tx1"/>
+              </a:solidFill>
+            </a:ln>
+          </p:spPr>
+          <p:style>
+            <a:lnRef idx="1">
+              <a:schemeClr val="accent1"/>
+            </a:lnRef>
+            <a:fillRef idx="0">
+              <a:schemeClr val="accent1"/>
+            </a:fillRef>
+            <a:effectRef idx="0">
+              <a:schemeClr val="accent1"/>
+            </a:effectRef>
+            <a:fontRef idx="minor">
+              <a:schemeClr val="tx1"/>
+            </a:fontRef>
+          </p:style>
+          <p:txBody>
+            <a:bodyPr rtlCol="0" anchor="ctr"/>
+            <a:lstStyle/>
+            <a:p>
+              <a:pPr algn="ctr"/>
+              <a:endParaRPr kumimoji="1" lang="ja-JP" altLang="en-US"/>
+            </a:p>
+          </p:txBody>
+        </p:sp>
+        <p:sp>
+          <p:nvSpPr>
+            <p:cNvPr id="15" name="円弧 14">
+              <a:extLst>
+                <a:ext uri="{FF2B5EF4-FFF2-40B4-BE49-F238E27FC236}">
+                  <a16:creationId xmlns:a16="http://schemas.microsoft.com/office/drawing/2014/main" id="{DB7054C8-25E2-4CE8-B93E-75FBD3FC341D}"/>
+                </a:ext>
+              </a:extLst>
+            </p:cNvPr>
+            <p:cNvSpPr/>
+            <p:nvPr/>
+          </p:nvSpPr>
+          <p:spPr>
+            <a:xfrm rot="5400000">
+              <a:off x="2087724" y="2816932"/>
+              <a:ext cx="1152128" cy="504056"/>
+            </a:xfrm>
+            <a:prstGeom prst="arc">
+              <a:avLst>
+                <a:gd name="adj1" fmla="val 16069596"/>
+                <a:gd name="adj2" fmla="val 5514588"/>
+              </a:avLst>
+            </a:prstGeom>
+            <a:ln w="12700">
+              <a:solidFill>
+                <a:schemeClr val="tx1"/>
+              </a:solidFill>
+            </a:ln>
+          </p:spPr>
+          <p:style>
+            <a:lnRef idx="1">
+              <a:schemeClr val="accent1"/>
+            </a:lnRef>
+            <a:fillRef idx="0">
+              <a:schemeClr val="accent1"/>
+            </a:fillRef>
+            <a:effectRef idx="0">
+              <a:schemeClr val="accent1"/>
+            </a:effectRef>
+            <a:fontRef idx="minor">
+              <a:schemeClr val="tx1"/>
+            </a:fontRef>
+          </p:style>
+          <p:txBody>
+            <a:bodyPr rtlCol="0" anchor="ctr"/>
+            <a:lstStyle/>
+            <a:p>
+              <a:pPr algn="ctr"/>
+              <a:endParaRPr kumimoji="1" lang="ja-JP" altLang="en-US"/>
+            </a:p>
+          </p:txBody>
+        </p:sp>
+        <p:sp>
+          <p:nvSpPr>
+            <p:cNvPr id="16" name="円弧 15">
+              <a:extLst>
+                <a:ext uri="{FF2B5EF4-FFF2-40B4-BE49-F238E27FC236}">
+                  <a16:creationId xmlns:a16="http://schemas.microsoft.com/office/drawing/2014/main" id="{AE728AC7-3B43-49B1-AF74-269E70B70555}"/>
+                </a:ext>
+              </a:extLst>
+            </p:cNvPr>
+            <p:cNvSpPr/>
+            <p:nvPr/>
+          </p:nvSpPr>
+          <p:spPr>
+            <a:xfrm rot="16200000">
+              <a:off x="4355976" y="2492896"/>
+              <a:ext cx="1152128" cy="1152128"/>
+            </a:xfrm>
+            <a:prstGeom prst="arc">
+              <a:avLst>
+                <a:gd name="adj1" fmla="val 16069596"/>
+                <a:gd name="adj2" fmla="val 5514588"/>
+              </a:avLst>
+            </a:prstGeom>
+            <a:ln w="12700">
+              <a:solidFill>
+                <a:schemeClr val="tx1"/>
+              </a:solidFill>
+            </a:ln>
+          </p:spPr>
+          <p:style>
+            <a:lnRef idx="1">
+              <a:schemeClr val="accent1"/>
+            </a:lnRef>
+            <a:fillRef idx="0">
+              <a:schemeClr val="accent1"/>
+            </a:fillRef>
+            <a:effectRef idx="0">
+              <a:schemeClr val="accent1"/>
+            </a:effectRef>
+            <a:fontRef idx="minor">
+              <a:schemeClr val="tx1"/>
+            </a:fontRef>
+          </p:style>
+          <p:txBody>
+            <a:bodyPr rtlCol="0" anchor="ctr"/>
+            <a:lstStyle/>
+            <a:p>
+              <a:pPr algn="ctr"/>
+              <a:endParaRPr kumimoji="1" lang="ja-JP" altLang="en-US"/>
+            </a:p>
+          </p:txBody>
+        </p:sp>
+        <p:sp>
+          <p:nvSpPr>
+            <p:cNvPr id="17" name="円弧 16">
+              <a:extLst>
+                <a:ext uri="{FF2B5EF4-FFF2-40B4-BE49-F238E27FC236}">
+                  <a16:creationId xmlns:a16="http://schemas.microsoft.com/office/drawing/2014/main" id="{44497F02-C8FC-4876-8E97-80783BD9C92A}"/>
+                </a:ext>
+              </a:extLst>
+            </p:cNvPr>
+            <p:cNvSpPr/>
+            <p:nvPr/>
+          </p:nvSpPr>
+          <p:spPr>
+            <a:xfrm rot="5400000">
+              <a:off x="4031940" y="2816932"/>
+              <a:ext cx="1152128" cy="504056"/>
+            </a:xfrm>
+            <a:prstGeom prst="arc">
+              <a:avLst>
+                <a:gd name="adj1" fmla="val 16069596"/>
+                <a:gd name="adj2" fmla="val 5514588"/>
+              </a:avLst>
+            </a:prstGeom>
+            <a:ln w="12700">
+              <a:solidFill>
+                <a:schemeClr val="tx1"/>
+              </a:solidFill>
+            </a:ln>
+          </p:spPr>
+          <p:style>
+            <a:lnRef idx="1">
+              <a:schemeClr val="accent1"/>
+            </a:lnRef>
+            <a:fillRef idx="0">
+              <a:schemeClr val="accent1"/>
+            </a:fillRef>
+            <a:effectRef idx="0">
+              <a:schemeClr val="accent1"/>
+            </a:effectRef>
+            <a:fontRef idx="minor">
+              <a:schemeClr val="tx1"/>
+            </a:fontRef>
+          </p:style>
+          <p:txBody>
+            <a:bodyPr rtlCol="0" anchor="ctr"/>
+            <a:lstStyle/>
+            <a:p>
+              <a:pPr algn="ctr"/>
+              <a:endParaRPr kumimoji="1" lang="ja-JP" altLang="en-US"/>
+            </a:p>
+          </p:txBody>
+        </p:sp>
+        <p:sp>
+          <p:nvSpPr>
+            <p:cNvPr id="18" name="円弧 17">
+              <a:extLst>
+                <a:ext uri="{FF2B5EF4-FFF2-40B4-BE49-F238E27FC236}">
+                  <a16:creationId xmlns:a16="http://schemas.microsoft.com/office/drawing/2014/main" id="{5911873E-0FD5-43CE-84E8-08FC2E464FF0}"/>
+                </a:ext>
+              </a:extLst>
+            </p:cNvPr>
+            <p:cNvSpPr/>
+            <p:nvPr/>
+          </p:nvSpPr>
+          <p:spPr>
+            <a:xfrm rot="16200000">
+              <a:off x="5004048" y="2492896"/>
+              <a:ext cx="1152128" cy="1152128"/>
+            </a:xfrm>
+            <a:prstGeom prst="arc">
+              <a:avLst>
+                <a:gd name="adj1" fmla="val 16069596"/>
+                <a:gd name="adj2" fmla="val 5514588"/>
+              </a:avLst>
+            </a:prstGeom>
+            <a:ln w="12700">
+              <a:solidFill>
+                <a:schemeClr val="tx1"/>
+              </a:solidFill>
+            </a:ln>
+          </p:spPr>
+          <p:style>
+            <a:lnRef idx="1">
+              <a:schemeClr val="accent1"/>
+            </a:lnRef>
+            <a:fillRef idx="0">
+              <a:schemeClr val="accent1"/>
+            </a:fillRef>
+            <a:effectRef idx="0">
+              <a:schemeClr val="accent1"/>
+            </a:effectRef>
+            <a:fontRef idx="minor">
+              <a:schemeClr val="tx1"/>
+            </a:fontRef>
+          </p:style>
+          <p:txBody>
+            <a:bodyPr rtlCol="0" anchor="ctr"/>
+            <a:lstStyle/>
+            <a:p>
+              <a:pPr algn="ctr"/>
+              <a:endParaRPr kumimoji="1" lang="ja-JP" altLang="en-US"/>
+            </a:p>
+          </p:txBody>
+        </p:sp>
+        <p:sp>
+          <p:nvSpPr>
+            <p:cNvPr id="19" name="円弧 18">
+              <a:extLst>
+                <a:ext uri="{FF2B5EF4-FFF2-40B4-BE49-F238E27FC236}">
+                  <a16:creationId xmlns:a16="http://schemas.microsoft.com/office/drawing/2014/main" id="{D259A504-5B00-4EBF-9D6D-69CA2EE66B06}"/>
+                </a:ext>
+              </a:extLst>
+            </p:cNvPr>
+            <p:cNvSpPr/>
+            <p:nvPr/>
+          </p:nvSpPr>
+          <p:spPr>
+            <a:xfrm rot="5400000">
+              <a:off x="4680012" y="2816932"/>
+              <a:ext cx="1152128" cy="504056"/>
+            </a:xfrm>
+            <a:prstGeom prst="arc">
+              <a:avLst>
+                <a:gd name="adj1" fmla="val 16069596"/>
+                <a:gd name="adj2" fmla="val 5514588"/>
+              </a:avLst>
+            </a:prstGeom>
+            <a:ln w="12700">
+              <a:solidFill>
+                <a:schemeClr val="tx1"/>
+              </a:solidFill>
+            </a:ln>
+          </p:spPr>
+          <p:style>
+            <a:lnRef idx="1">
+              <a:schemeClr val="accent1"/>
+            </a:lnRef>
+            <a:fillRef idx="0">
+              <a:schemeClr val="accent1"/>
+            </a:fillRef>
+            <a:effectRef idx="0">
+              <a:schemeClr val="accent1"/>
+            </a:effectRef>
+            <a:fontRef idx="minor">
+              <a:schemeClr val="tx1"/>
+            </a:fontRef>
+          </p:style>
+          <p:txBody>
+            <a:bodyPr rtlCol="0" anchor="ctr"/>
+            <a:lstStyle/>
+            <a:p>
+              <a:pPr algn="ctr"/>
+              <a:endParaRPr kumimoji="1" lang="ja-JP" altLang="en-US"/>
+            </a:p>
+          </p:txBody>
+        </p:sp>
+        <p:sp>
+          <p:nvSpPr>
+            <p:cNvPr id="20" name="円弧 19">
+              <a:extLst>
+                <a:ext uri="{FF2B5EF4-FFF2-40B4-BE49-F238E27FC236}">
+                  <a16:creationId xmlns:a16="http://schemas.microsoft.com/office/drawing/2014/main" id="{40300890-28EA-40CA-9406-250F9D89840A}"/>
+                </a:ext>
+              </a:extLst>
+            </p:cNvPr>
+            <p:cNvSpPr/>
+            <p:nvPr/>
+          </p:nvSpPr>
+          <p:spPr>
+            <a:xfrm rot="16200000">
+              <a:off x="5652120" y="2492896"/>
+              <a:ext cx="1152128" cy="1152128"/>
+            </a:xfrm>
+            <a:prstGeom prst="arc">
+              <a:avLst>
+                <a:gd name="adj1" fmla="val 16069596"/>
+                <a:gd name="adj2" fmla="val 5438339"/>
+              </a:avLst>
+            </a:prstGeom>
+            <a:ln w="12700">
+              <a:solidFill>
+                <a:schemeClr val="tx1"/>
+              </a:solidFill>
+            </a:ln>
+          </p:spPr>
+          <p:style>
+            <a:lnRef idx="1">
+              <a:schemeClr val="accent1"/>
+            </a:lnRef>
+            <a:fillRef idx="0">
+              <a:schemeClr val="accent1"/>
+            </a:fillRef>
+            <a:effectRef idx="0">
+              <a:schemeClr val="accent1"/>
+            </a:effectRef>
+            <a:fontRef idx="minor">
+              <a:schemeClr val="tx1"/>
+            </a:fontRef>
+          </p:style>
+          <p:txBody>
+            <a:bodyPr rtlCol="0" anchor="ctr"/>
+            <a:lstStyle/>
+            <a:p>
+              <a:pPr algn="ctr"/>
+              <a:endParaRPr kumimoji="1" lang="ja-JP" altLang="en-US"/>
+            </a:p>
+          </p:txBody>
+        </p:sp>
+        <p:sp>
+          <p:nvSpPr>
+            <p:cNvPr id="21" name="円弧 20">
+              <a:extLst>
+                <a:ext uri="{FF2B5EF4-FFF2-40B4-BE49-F238E27FC236}">
+                  <a16:creationId xmlns:a16="http://schemas.microsoft.com/office/drawing/2014/main" id="{3A9CB833-8DE0-4A54-A180-69A3522AA81D}"/>
+                </a:ext>
+              </a:extLst>
+            </p:cNvPr>
+            <p:cNvSpPr/>
+            <p:nvPr/>
+          </p:nvSpPr>
+          <p:spPr>
+            <a:xfrm rot="5400000">
+              <a:off x="5328084" y="2816932"/>
+              <a:ext cx="1152128" cy="504056"/>
+            </a:xfrm>
+            <a:prstGeom prst="arc">
+              <a:avLst>
+                <a:gd name="adj1" fmla="val 16069596"/>
+                <a:gd name="adj2" fmla="val 5514588"/>
+              </a:avLst>
+            </a:prstGeom>
+            <a:ln w="12700">
+              <a:solidFill>
+                <a:schemeClr val="tx1"/>
+              </a:solidFill>
+            </a:ln>
+          </p:spPr>
+          <p:style>
+            <a:lnRef idx="1">
+              <a:schemeClr val="accent1"/>
+            </a:lnRef>
+            <a:fillRef idx="0">
+              <a:schemeClr val="accent1"/>
+            </a:fillRef>
+            <a:effectRef idx="0">
+              <a:schemeClr val="accent1"/>
+            </a:effectRef>
+            <a:fontRef idx="minor">
+              <a:schemeClr val="tx1"/>
+            </a:fontRef>
+          </p:style>
+          <p:txBody>
+            <a:bodyPr rtlCol="0" anchor="ctr"/>
+            <a:lstStyle/>
+            <a:p>
+              <a:pPr algn="ctr"/>
+              <a:endParaRPr kumimoji="1" lang="ja-JP" altLang="en-US"/>
+            </a:p>
+          </p:txBody>
+        </p:sp>
+        <p:cxnSp>
+          <p:nvCxnSpPr>
+            <p:cNvPr id="22" name="直線コネクタ 21">
+              <a:extLst>
+                <a:ext uri="{FF2B5EF4-FFF2-40B4-BE49-F238E27FC236}">
+                  <a16:creationId xmlns:a16="http://schemas.microsoft.com/office/drawing/2014/main" id="{513FE1C2-FCA5-4BE2-88FC-B8B8D042470B}"/>
+                </a:ext>
+              </a:extLst>
+            </p:cNvPr>
+            <p:cNvCxnSpPr>
+              <a:stCxn id="10" idx="0"/>
+            </p:cNvCxnSpPr>
+            <p:nvPr/>
+          </p:nvCxnSpPr>
+          <p:spPr>
+            <a:xfrm flipH="1">
+              <a:off x="899592" y="3068960"/>
+              <a:ext cx="864096" cy="0"/>
+            </a:xfrm>
+            <a:prstGeom prst="line">
+              <a:avLst/>
+            </a:prstGeom>
+            <a:ln w="12700">
+              <a:solidFill>
+                <a:schemeClr val="tx1"/>
+              </a:solidFill>
+            </a:ln>
+          </p:spPr>
+          <p:style>
+            <a:lnRef idx="1">
+              <a:schemeClr val="accent1"/>
+            </a:lnRef>
+            <a:fillRef idx="0">
+              <a:schemeClr val="accent1"/>
+            </a:fillRef>
+            <a:effectRef idx="0">
+              <a:schemeClr val="accent1"/>
+            </a:effectRef>
+            <a:fontRef idx="minor">
+              <a:schemeClr val="tx1"/>
+            </a:fontRef>
+          </p:style>
+        </p:cxnSp>
+        <p:cxnSp>
+          <p:nvCxnSpPr>
+            <p:cNvPr id="23" name="直線コネクタ 22">
+              <a:extLst>
+                <a:ext uri="{FF2B5EF4-FFF2-40B4-BE49-F238E27FC236}">
+                  <a16:creationId xmlns:a16="http://schemas.microsoft.com/office/drawing/2014/main" id="{B81AC4C7-1D84-4488-B9FB-94991FBE4073}"/>
+                </a:ext>
+              </a:extLst>
+            </p:cNvPr>
+            <p:cNvCxnSpPr/>
+            <p:nvPr/>
+          </p:nvCxnSpPr>
+          <p:spPr>
+            <a:xfrm flipH="1">
+              <a:off x="6804248" y="3068960"/>
+              <a:ext cx="864096" cy="0"/>
+            </a:xfrm>
+            <a:prstGeom prst="line">
+              <a:avLst/>
+            </a:prstGeom>
+            <a:ln w="12700">
+              <a:solidFill>
+                <a:schemeClr val="tx1"/>
+              </a:solidFill>
+            </a:ln>
+          </p:spPr>
+          <p:style>
+            <a:lnRef idx="1">
+              <a:schemeClr val="accent1"/>
+            </a:lnRef>
+            <a:fillRef idx="0">
+              <a:schemeClr val="accent1"/>
+            </a:fillRef>
+            <a:effectRef idx="0">
+              <a:schemeClr val="accent1"/>
+            </a:effectRef>
+            <a:fontRef idx="minor">
+              <a:schemeClr val="tx1"/>
+            </a:fontRef>
+          </p:style>
+        </p:cxnSp>
+      </p:grpSp>
+      <p:sp>
+        <p:nvSpPr>
+          <p:cNvPr id="6" name="正方形/長方形 5">
+            <a:extLst>
+              <a:ext uri="{FF2B5EF4-FFF2-40B4-BE49-F238E27FC236}">
+                <a16:creationId xmlns:a16="http://schemas.microsoft.com/office/drawing/2014/main" id="{43893065-2E32-45F9-8B0A-4433B050FFA5}"/>
+              </a:ext>
+            </a:extLst>
+          </p:cNvPr>
+          <p:cNvSpPr/>
+          <p:nvPr/>
+        </p:nvSpPr>
+        <p:spPr>
+          <a:xfrm>
+            <a:off x="3347864" y="2017304"/>
+            <a:ext cx="808659" cy="808659"/>
+          </a:xfrm>
+          <a:prstGeom prst="rect">
+            <a:avLst/>
+          </a:prstGeom>
+          <a:solidFill>
+            <a:srgbClr val="011893"/>
+          </a:solidFill>
+          <a:ln>
+            <a:solidFill>
+              <a:schemeClr val="tx1"/>
+            </a:solidFill>
+          </a:ln>
+        </p:spPr>
+        <p:style>
+          <a:lnRef idx="2">
+            <a:schemeClr val="accent1">
+              <a:shade val="50000"/>
+            </a:schemeClr>
+          </a:lnRef>
+          <a:fillRef idx="1">
+            <a:schemeClr val="accent1"/>
+          </a:fillRef>
+          <a:effectRef idx="0">
+            <a:schemeClr val="accent1"/>
+          </a:effectRef>
+          <a:fontRef idx="minor">
+            <a:schemeClr val="lt1"/>
+          </a:fontRef>
+        </p:style>
+        <p:txBody>
+          <a:bodyPr rtlCol="0" anchor="ctr"/>
+          <a:lstStyle/>
+          <a:p>
+            <a:pPr algn="ctr"/>
+            <a:endParaRPr kumimoji="1" lang="ja-JP" altLang="en-US"/>
+          </a:p>
+        </p:txBody>
+      </p:sp>
+      <p:cxnSp>
+        <p:nvCxnSpPr>
+          <p:cNvPr id="7" name="直線矢印コネクタ 6">
+            <a:extLst>
+              <a:ext uri="{FF2B5EF4-FFF2-40B4-BE49-F238E27FC236}">
+                <a16:creationId xmlns:a16="http://schemas.microsoft.com/office/drawing/2014/main" id="{3C7459D9-B74D-4DA1-8537-DCC2EAABE044}"/>
+              </a:ext>
+            </a:extLst>
+          </p:cNvPr>
+          <p:cNvCxnSpPr>
+            <a:cxnSpLocks/>
+            <a:stCxn id="4" idx="2"/>
+          </p:cNvCxnSpPr>
+          <p:nvPr/>
+        </p:nvCxnSpPr>
+        <p:spPr>
+          <a:xfrm>
+            <a:off x="624206" y="2824931"/>
+            <a:ext cx="3725534" cy="0"/>
+          </a:xfrm>
+          <a:prstGeom prst="straightConnector1">
+            <a:avLst/>
+          </a:prstGeom>
+          <a:ln>
+            <a:solidFill>
+              <a:schemeClr val="tx1"/>
+            </a:solidFill>
+            <a:headEnd type="none" w="med" len="med"/>
+            <a:tailEnd type="triangle"/>
+          </a:ln>
+        </p:spPr>
+        <p:style>
+          <a:lnRef idx="1">
+            <a:schemeClr val="accent1"/>
+          </a:lnRef>
+          <a:fillRef idx="0">
+            <a:schemeClr val="accent1"/>
+          </a:fillRef>
+          <a:effectRef idx="0">
+            <a:schemeClr val="accent1"/>
+          </a:effectRef>
+          <a:fontRef idx="minor">
+            <a:schemeClr val="tx1"/>
+          </a:fontRef>
+        </p:style>
+      </p:cxnSp>
+      <p:sp>
+        <p:nvSpPr>
+          <p:cNvPr id="24" name="テキスト ボックス 23">
+            <a:extLst>
+              <a:ext uri="{FF2B5EF4-FFF2-40B4-BE49-F238E27FC236}">
+                <a16:creationId xmlns:a16="http://schemas.microsoft.com/office/drawing/2014/main" id="{33AE40D1-F7A6-49CE-80AB-704A3B7171CC}"/>
+              </a:ext>
+            </a:extLst>
+          </p:cNvPr>
+          <p:cNvSpPr txBox="1"/>
+          <p:nvPr/>
+        </p:nvSpPr>
+        <p:spPr>
+          <a:xfrm>
+            <a:off x="323528" y="1124744"/>
+            <a:ext cx="5006499" cy="461665"/>
+          </a:xfrm>
+          <a:prstGeom prst="rect">
+            <a:avLst/>
+          </a:prstGeom>
+          <a:noFill/>
+        </p:spPr>
+        <p:txBody>
+          <a:bodyPr wrap="none" rtlCol="0">
+            <a:spAutoFit/>
+          </a:bodyPr>
+          <a:lstStyle/>
+          <a:p>
+            <a:r>
+              <a:rPr lang="ja-JP" altLang="en-US" sz="2400"/>
+              <a:t>現在の状態</a:t>
+            </a:r>
+            <a:r>
+              <a:rPr lang="en-US" altLang="ja-JP" sz="2400"/>
+              <a:t>(</a:t>
+            </a:r>
+            <a:r>
+              <a:rPr lang="ja-JP" altLang="en-US" sz="2400"/>
+              <a:t>バネが伸び切って停止</a:t>
+            </a:r>
+            <a:r>
+              <a:rPr lang="en-US" altLang="ja-JP" sz="2400"/>
+              <a:t>)</a:t>
+            </a:r>
+            <a:endParaRPr kumimoji="1" lang="ja-JP" altLang="en-US" sz="2400"/>
+          </a:p>
+        </p:txBody>
+      </p:sp>
+      <mc:AlternateContent xmlns:mc="http://schemas.openxmlformats.org/markup-compatibility/2006">
+        <mc:Choice xmlns:a14="http://schemas.microsoft.com/office/drawing/2010/main" Requires="a14">
+          <p:sp>
+            <p:nvSpPr>
+              <p:cNvPr id="26" name="テキスト ボックス 25">
+                <a:extLst>
+                  <a:ext uri="{FF2B5EF4-FFF2-40B4-BE49-F238E27FC236}">
+                    <a16:creationId xmlns:a16="http://schemas.microsoft.com/office/drawing/2014/main" id="{003E3DB1-4615-4CF0-98CD-A40DA46AC338}"/>
+                  </a:ext>
+                </a:extLst>
+              </p:cNvPr>
+              <p:cNvSpPr txBox="1"/>
+              <p:nvPr/>
+            </p:nvSpPr>
+            <p:spPr>
+              <a:xfrm>
+                <a:off x="899592" y="3212976"/>
+                <a:ext cx="3055260" cy="646331"/>
+              </a:xfrm>
+              <a:prstGeom prst="rect">
+                <a:avLst/>
+              </a:prstGeom>
+              <a:noFill/>
+              <a:ln>
+                <a:solidFill>
+                  <a:srgbClr val="FF0000"/>
+                </a:solidFill>
+              </a:ln>
+            </p:spPr>
+            <p:txBody>
+              <a:bodyPr wrap="none" rtlCol="0">
+                <a:spAutoFit/>
+              </a:bodyPr>
+              <a:lstStyle/>
+              <a:p>
+                <a:pPr/>
+                <a14:m>
+                  <m:oMathPara xmlns:m="http://schemas.openxmlformats.org/officeDocument/2006/math">
+                    <m:oMathParaPr>
+                      <m:jc m:val="centerGroup"/>
+                    </m:oMathParaPr>
+                    <m:oMath xmlns:m="http://schemas.openxmlformats.org/officeDocument/2006/math">
+                      <m:r>
+                        <a:rPr kumimoji="1" lang="en-US" altLang="ja-JP" sz="3600" b="0" i="1" smtClean="0">
+                          <a:latin typeface="Cambria Math" panose="02040503050406030204" pitchFamily="18" charset="0"/>
+                        </a:rPr>
+                        <m:t>(</m:t>
+                      </m:r>
+                      <m:r>
+                        <a:rPr kumimoji="1" lang="en-US" altLang="ja-JP" sz="3600" b="0" i="1" smtClean="0">
+                          <a:latin typeface="Cambria Math" panose="02040503050406030204" pitchFamily="18" charset="0"/>
+                        </a:rPr>
+                        <m:t>𝑣</m:t>
+                      </m:r>
+                      <m:r>
+                        <a:rPr kumimoji="1" lang="en-US" altLang="ja-JP" sz="3600" b="0" i="1" smtClean="0">
+                          <a:latin typeface="Cambria Math" panose="02040503050406030204" pitchFamily="18" charset="0"/>
+                        </a:rPr>
+                        <m:t>,</m:t>
+                      </m:r>
+                      <m:r>
+                        <a:rPr kumimoji="1" lang="en-US" altLang="ja-JP" sz="3600" b="0" i="1" smtClean="0">
+                          <a:latin typeface="Cambria Math" panose="02040503050406030204" pitchFamily="18" charset="0"/>
+                        </a:rPr>
+                        <m:t>𝑟</m:t>
+                      </m:r>
+                      <m:r>
+                        <a:rPr kumimoji="1" lang="en-US" altLang="ja-JP" sz="3600" b="0" i="1" smtClean="0">
+                          <a:latin typeface="Cambria Math" panose="02040503050406030204" pitchFamily="18" charset="0"/>
+                        </a:rPr>
+                        <m:t>) =(</m:t>
+                      </m:r>
+                      <m:r>
+                        <a:rPr kumimoji="1" lang="en-US" altLang="ja-JP" sz="3600" b="0" i="1" smtClean="0">
+                          <a:latin typeface="Cambria Math" panose="02040503050406030204" pitchFamily="18" charset="0"/>
+                        </a:rPr>
+                        <m:t>0,1</m:t>
+                      </m:r>
+                      <m:r>
+                        <a:rPr kumimoji="1" lang="en-US" altLang="ja-JP" sz="3600" b="0" i="1" smtClean="0">
+                          <a:latin typeface="Cambria Math" panose="02040503050406030204" pitchFamily="18" charset="0"/>
+                        </a:rPr>
+                        <m:t>)</m:t>
+                      </m:r>
+                    </m:oMath>
+                  </m:oMathPara>
+                </a14:m>
+                <a:endParaRPr kumimoji="1" lang="en-US" altLang="ja-JP" sz="3600" b="0"/>
+              </a:p>
+            </p:txBody>
+          </p:sp>
+        </mc:Choice>
+        <mc:Fallback>
+          <p:sp>
+            <p:nvSpPr>
+              <p:cNvPr id="26" name="テキスト ボックス 25">
+                <a:extLst>
+                  <a:ext uri="{FF2B5EF4-FFF2-40B4-BE49-F238E27FC236}">
+                    <a16:creationId xmlns:a16="http://schemas.microsoft.com/office/drawing/2014/main" id="{003E3DB1-4615-4CF0-98CD-A40DA46AC338}"/>
+                  </a:ext>
+                </a:extLst>
+              </p:cNvPr>
+              <p:cNvSpPr txBox="1">
+                <a:spLocks noRot="1" noChangeAspect="1" noMove="1" noResize="1" noEditPoints="1" noAdjustHandles="1" noChangeArrowheads="1" noChangeShapeType="1" noTextEdit="1"/>
+              </p:cNvSpPr>
+              <p:nvPr/>
+            </p:nvSpPr>
+            <p:spPr>
+              <a:xfrm>
+                <a:off x="899592" y="3212976"/>
+                <a:ext cx="3055260" cy="646331"/>
+              </a:xfrm>
+              <a:prstGeom prst="rect">
+                <a:avLst/>
+              </a:prstGeom>
+              <a:blipFill>
+                <a:blip r:embed="rId2"/>
+                <a:stretch>
+                  <a:fillRect/>
+                </a:stretch>
+              </a:blipFill>
+              <a:ln>
+                <a:solidFill>
+                  <a:srgbClr val="FF0000"/>
+                </a:solidFill>
+              </a:ln>
+            </p:spPr>
+            <p:txBody>
+              <a:bodyPr/>
+              <a:lstStyle/>
+              <a:p>
+                <a:r>
+                  <a:rPr lang="ja-JP" altLang="en-US">
+                    <a:noFill/>
+                  </a:rPr>
+                  <a:t> </a:t>
+                </a:r>
+              </a:p>
+            </p:txBody>
+          </p:sp>
+        </mc:Fallback>
+      </mc:AlternateContent>
+      <p:sp>
+        <p:nvSpPr>
+          <p:cNvPr id="27" name="テキスト ボックス 26">
+            <a:extLst>
+              <a:ext uri="{FF2B5EF4-FFF2-40B4-BE49-F238E27FC236}">
+                <a16:creationId xmlns:a16="http://schemas.microsoft.com/office/drawing/2014/main" id="{2C986A2E-AF7C-485C-9890-67528E75B1DF}"/>
+              </a:ext>
+            </a:extLst>
+          </p:cNvPr>
+          <p:cNvSpPr txBox="1"/>
+          <p:nvPr/>
+        </p:nvSpPr>
+        <p:spPr>
+          <a:xfrm>
+            <a:off x="467544" y="4653136"/>
+            <a:ext cx="4870244" cy="461665"/>
+          </a:xfrm>
+          <a:prstGeom prst="rect">
+            <a:avLst/>
+          </a:prstGeom>
+          <a:noFill/>
+        </p:spPr>
+        <p:txBody>
+          <a:bodyPr wrap="none" rtlCol="0">
+            <a:spAutoFit/>
+          </a:bodyPr>
+          <a:lstStyle/>
+          <a:p>
+            <a:r>
+              <a:rPr kumimoji="1" lang="ja-JP" altLang="en-US" sz="2400"/>
+              <a:t>時間微分</a:t>
+            </a:r>
+            <a:r>
+              <a:rPr kumimoji="1" lang="en-US" altLang="ja-JP" sz="2400"/>
+              <a:t>(</a:t>
+            </a:r>
+            <a:r>
+              <a:rPr kumimoji="1" lang="ja-JP" altLang="en-US" sz="2400"/>
+              <a:t>左向きに加速し、速度</a:t>
+            </a:r>
+            <a:r>
+              <a:rPr kumimoji="1" lang="en-US" altLang="ja-JP" sz="2400"/>
+              <a:t>0)</a:t>
+            </a:r>
+            <a:endParaRPr kumimoji="1" lang="ja-JP" altLang="en-US" sz="2400"/>
+          </a:p>
+        </p:txBody>
+      </p:sp>
+      <mc:AlternateContent xmlns:mc="http://schemas.openxmlformats.org/markup-compatibility/2006">
+        <mc:Choice xmlns:a14="http://schemas.microsoft.com/office/drawing/2010/main" Requires="a14">
+          <p:sp>
+            <p:nvSpPr>
+              <p:cNvPr id="28" name="テキスト ボックス 27">
+                <a:extLst>
+                  <a:ext uri="{FF2B5EF4-FFF2-40B4-BE49-F238E27FC236}">
+                    <a16:creationId xmlns:a16="http://schemas.microsoft.com/office/drawing/2014/main" id="{11CD9973-37F9-424A-ADC9-C801E422C250}"/>
+                  </a:ext>
+                </a:extLst>
+              </p:cNvPr>
+              <p:cNvSpPr txBox="1"/>
+              <p:nvPr/>
+            </p:nvSpPr>
+            <p:spPr>
+              <a:xfrm>
+                <a:off x="899592" y="5517232"/>
+                <a:ext cx="3399905" cy="646331"/>
+              </a:xfrm>
+              <a:prstGeom prst="rect">
+                <a:avLst/>
+              </a:prstGeom>
+              <a:noFill/>
+              <a:ln>
+                <a:solidFill>
+                  <a:srgbClr val="00B050"/>
+                </a:solidFill>
+              </a:ln>
+            </p:spPr>
+            <p:txBody>
+              <a:bodyPr wrap="none" rtlCol="0">
+                <a:spAutoFit/>
+              </a:bodyPr>
+              <a:lstStyle/>
+              <a:p>
+                <a:pPr/>
+                <a14:m>
+                  <m:oMathPara xmlns:m="http://schemas.openxmlformats.org/officeDocument/2006/math">
+                    <m:oMathParaPr>
+                      <m:jc m:val="centerGroup"/>
+                    </m:oMathParaPr>
+                    <m:oMath xmlns:m="http://schemas.openxmlformats.org/officeDocument/2006/math">
+                      <m:r>
+                        <a:rPr kumimoji="1" lang="en-US" altLang="ja-JP" sz="3600" b="0" i="1" smtClean="0">
+                          <a:latin typeface="Cambria Math" panose="02040503050406030204" pitchFamily="18" charset="0"/>
+                        </a:rPr>
+                        <m:t>(</m:t>
+                      </m:r>
+                      <m:acc>
+                        <m:accPr>
+                          <m:chr m:val="̇"/>
+                          <m:ctrlPr>
+                            <a:rPr kumimoji="1" lang="en-US" altLang="ja-JP" sz="3600" b="0" i="1" smtClean="0">
+                              <a:latin typeface="Cambria Math" panose="02040503050406030204" pitchFamily="18" charset="0"/>
+                            </a:rPr>
+                          </m:ctrlPr>
+                        </m:accPr>
+                        <m:e>
+                          <m:r>
+                            <a:rPr kumimoji="1" lang="en-US" altLang="ja-JP" sz="3600" b="0" i="1" smtClean="0">
+                              <a:latin typeface="Cambria Math" panose="02040503050406030204" pitchFamily="18" charset="0"/>
+                            </a:rPr>
+                            <m:t>𝑟</m:t>
+                          </m:r>
+                        </m:e>
+                      </m:acc>
+                      <m:r>
+                        <a:rPr kumimoji="1" lang="en-US" altLang="ja-JP" sz="3600" b="0" i="1" smtClean="0">
+                          <a:latin typeface="Cambria Math" panose="02040503050406030204" pitchFamily="18" charset="0"/>
+                        </a:rPr>
+                        <m:t>,</m:t>
+                      </m:r>
+                      <m:acc>
+                        <m:accPr>
+                          <m:chr m:val="̇"/>
+                          <m:ctrlPr>
+                            <a:rPr kumimoji="1" lang="en-US" altLang="ja-JP" sz="3600" b="0" i="1" smtClean="0">
+                              <a:latin typeface="Cambria Math" panose="02040503050406030204" pitchFamily="18" charset="0"/>
+                            </a:rPr>
+                          </m:ctrlPr>
+                        </m:accPr>
+                        <m:e>
+                          <m:r>
+                            <a:rPr kumimoji="1" lang="en-US" altLang="ja-JP" sz="3600" b="0" i="1" smtClean="0">
+                              <a:latin typeface="Cambria Math" panose="02040503050406030204" pitchFamily="18" charset="0"/>
+                            </a:rPr>
+                            <m:t>𝑣</m:t>
+                          </m:r>
+                        </m:e>
+                      </m:acc>
+                      <m:r>
+                        <a:rPr kumimoji="1" lang="en-US" altLang="ja-JP" sz="3600" b="0" i="1" smtClean="0">
+                          <a:latin typeface="Cambria Math" panose="02040503050406030204" pitchFamily="18" charset="0"/>
+                        </a:rPr>
+                        <m:t>) =(</m:t>
+                      </m:r>
+                      <m:r>
+                        <a:rPr kumimoji="1" lang="en-US" altLang="ja-JP" sz="3600" b="0" i="1" smtClean="0">
+                          <a:latin typeface="Cambria Math" panose="02040503050406030204" pitchFamily="18" charset="0"/>
+                        </a:rPr>
+                        <m:t>−1,0</m:t>
+                      </m:r>
+                      <m:r>
+                        <a:rPr kumimoji="1" lang="en-US" altLang="ja-JP" sz="3600" b="0" i="1" smtClean="0">
+                          <a:latin typeface="Cambria Math" panose="02040503050406030204" pitchFamily="18" charset="0"/>
+                        </a:rPr>
+                        <m:t>)</m:t>
+                      </m:r>
+                    </m:oMath>
+                  </m:oMathPara>
+                </a14:m>
+                <a:endParaRPr kumimoji="1" lang="en-US" altLang="ja-JP" sz="3600" b="0"/>
+              </a:p>
+            </p:txBody>
+          </p:sp>
+        </mc:Choice>
+        <mc:Fallback>
+          <p:sp>
+            <p:nvSpPr>
+              <p:cNvPr id="28" name="テキスト ボックス 27">
+                <a:extLst>
+                  <a:ext uri="{FF2B5EF4-FFF2-40B4-BE49-F238E27FC236}">
+                    <a16:creationId xmlns:a16="http://schemas.microsoft.com/office/drawing/2014/main" id="{11CD9973-37F9-424A-ADC9-C801E422C250}"/>
+                  </a:ext>
+                </a:extLst>
+              </p:cNvPr>
+              <p:cNvSpPr txBox="1">
+                <a:spLocks noRot="1" noChangeAspect="1" noMove="1" noResize="1" noEditPoints="1" noAdjustHandles="1" noChangeArrowheads="1" noChangeShapeType="1" noTextEdit="1"/>
+              </p:cNvSpPr>
+              <p:nvPr/>
+            </p:nvSpPr>
+            <p:spPr>
+              <a:xfrm>
+                <a:off x="899592" y="5517232"/>
+                <a:ext cx="3399905" cy="646331"/>
+              </a:xfrm>
+              <a:prstGeom prst="rect">
+                <a:avLst/>
+              </a:prstGeom>
+              <a:blipFill>
+                <a:blip r:embed="rId3"/>
+                <a:stretch>
+                  <a:fillRect/>
+                </a:stretch>
+              </a:blipFill>
+              <a:ln>
+                <a:solidFill>
+                  <a:srgbClr val="00B050"/>
+                </a:solidFill>
+              </a:ln>
+            </p:spPr>
+            <p:txBody>
+              <a:bodyPr/>
+              <a:lstStyle/>
+              <a:p>
+                <a:r>
+                  <a:rPr lang="ja-JP" altLang="en-US">
+                    <a:noFill/>
+                  </a:rPr>
+                  <a:t> </a:t>
+                </a:r>
+              </a:p>
+            </p:txBody>
+          </p:sp>
+        </mc:Fallback>
+      </mc:AlternateContent>
+      <p:cxnSp>
+        <p:nvCxnSpPr>
+          <p:cNvPr id="29" name="直線矢印コネクタ 28">
+            <a:extLst>
+              <a:ext uri="{FF2B5EF4-FFF2-40B4-BE49-F238E27FC236}">
+                <a16:creationId xmlns:a16="http://schemas.microsoft.com/office/drawing/2014/main" id="{A97D3063-DF1B-4416-B582-2E0B66A8F610}"/>
+              </a:ext>
+            </a:extLst>
+          </p:cNvPr>
+          <p:cNvCxnSpPr>
+            <a:cxnSpLocks/>
+          </p:cNvCxnSpPr>
+          <p:nvPr/>
+        </p:nvCxnSpPr>
+        <p:spPr>
+          <a:xfrm>
+            <a:off x="5262785" y="3429000"/>
+            <a:ext cx="2880320" cy="0"/>
+          </a:xfrm>
+          <a:prstGeom prst="straightConnector1">
+            <a:avLst/>
+          </a:prstGeom>
+          <a:ln>
+            <a:solidFill>
+              <a:schemeClr val="tx1"/>
+            </a:solidFill>
+            <a:headEnd type="none" w="med" len="med"/>
+            <a:tailEnd type="triangle"/>
+          </a:ln>
+        </p:spPr>
+        <p:style>
+          <a:lnRef idx="1">
+            <a:schemeClr val="accent1"/>
+          </a:lnRef>
+          <a:fillRef idx="0">
+            <a:schemeClr val="accent1"/>
+          </a:fillRef>
+          <a:effectRef idx="0">
+            <a:schemeClr val="accent1"/>
+          </a:effectRef>
+          <a:fontRef idx="minor">
+            <a:schemeClr val="tx1"/>
+          </a:fontRef>
+        </p:style>
+      </p:cxnSp>
+      <p:cxnSp>
+        <p:nvCxnSpPr>
+          <p:cNvPr id="30" name="直線矢印コネクタ 29">
+            <a:extLst>
+              <a:ext uri="{FF2B5EF4-FFF2-40B4-BE49-F238E27FC236}">
+                <a16:creationId xmlns:a16="http://schemas.microsoft.com/office/drawing/2014/main" id="{6164CC79-7934-48D2-8F09-20446CDF0C8A}"/>
+              </a:ext>
+            </a:extLst>
+          </p:cNvPr>
+          <p:cNvCxnSpPr>
+            <a:cxnSpLocks/>
+          </p:cNvCxnSpPr>
+          <p:nvPr/>
+        </p:nvCxnSpPr>
+        <p:spPr>
+          <a:xfrm flipV="1">
+            <a:off x="6732240" y="1988840"/>
+            <a:ext cx="0" cy="2880320"/>
+          </a:xfrm>
+          <a:prstGeom prst="straightConnector1">
+            <a:avLst/>
+          </a:prstGeom>
+          <a:ln>
+            <a:solidFill>
+              <a:schemeClr val="tx1"/>
+            </a:solidFill>
+            <a:headEnd type="none" w="med" len="med"/>
+            <a:tailEnd type="triangle"/>
+          </a:ln>
+        </p:spPr>
+        <p:style>
+          <a:lnRef idx="1">
+            <a:schemeClr val="accent1"/>
+          </a:lnRef>
+          <a:fillRef idx="0">
+            <a:schemeClr val="accent1"/>
+          </a:fillRef>
+          <a:effectRef idx="0">
+            <a:schemeClr val="accent1"/>
+          </a:effectRef>
+          <a:fontRef idx="minor">
+            <a:schemeClr val="tx1"/>
+          </a:fontRef>
+        </p:style>
+      </p:cxnSp>
+      <mc:AlternateContent xmlns:mc="http://schemas.openxmlformats.org/markup-compatibility/2006">
+        <mc:Choice xmlns:a14="http://schemas.microsoft.com/office/drawing/2010/main" Requires="a14">
+          <p:sp>
+            <p:nvSpPr>
+              <p:cNvPr id="31" name="テキスト ボックス 30">
+                <a:extLst>
+                  <a:ext uri="{FF2B5EF4-FFF2-40B4-BE49-F238E27FC236}">
+                    <a16:creationId xmlns:a16="http://schemas.microsoft.com/office/drawing/2014/main" id="{6357A1B7-CC91-42C5-88EB-620F4E3D0D2E}"/>
+                  </a:ext>
+                </a:extLst>
+              </p:cNvPr>
+              <p:cNvSpPr txBox="1"/>
+              <p:nvPr/>
+            </p:nvSpPr>
+            <p:spPr>
+              <a:xfrm>
+                <a:off x="6414913" y="1412776"/>
+                <a:ext cx="503086" cy="584775"/>
+              </a:xfrm>
+              <a:prstGeom prst="rect">
+                <a:avLst/>
+              </a:prstGeom>
+              <a:noFill/>
+            </p:spPr>
+            <p:txBody>
+              <a:bodyPr wrap="none" rtlCol="0">
+                <a:spAutoFit/>
+              </a:bodyPr>
+              <a:lstStyle/>
+              <a:p>
+                <a:pPr/>
+                <a14:m>
+                  <m:oMathPara xmlns:m="http://schemas.openxmlformats.org/officeDocument/2006/math">
+                    <m:oMathParaPr>
+                      <m:jc m:val="centerGroup"/>
+                    </m:oMathParaPr>
+                    <m:oMath xmlns:m="http://schemas.openxmlformats.org/officeDocument/2006/math">
+                      <m:r>
+                        <a:rPr kumimoji="1" lang="en-US" altLang="ja-JP" sz="3200" b="0" i="1" smtClean="0">
+                          <a:latin typeface="Cambria Math" panose="02040503050406030204" pitchFamily="18" charset="0"/>
+                        </a:rPr>
+                        <m:t>𝑟</m:t>
+                      </m:r>
+                    </m:oMath>
+                  </m:oMathPara>
+                </a14:m>
+                <a:endParaRPr kumimoji="1" lang="ja-JP" altLang="en-US" sz="3200"/>
+              </a:p>
+            </p:txBody>
+          </p:sp>
+        </mc:Choice>
+        <mc:Fallback>
+          <p:sp>
+            <p:nvSpPr>
+              <p:cNvPr id="31" name="テキスト ボックス 30">
+                <a:extLst>
+                  <a:ext uri="{FF2B5EF4-FFF2-40B4-BE49-F238E27FC236}">
+                    <a16:creationId xmlns:a16="http://schemas.microsoft.com/office/drawing/2014/main" id="{6357A1B7-CC91-42C5-88EB-620F4E3D0D2E}"/>
+                  </a:ext>
+                </a:extLst>
+              </p:cNvPr>
+              <p:cNvSpPr txBox="1">
+                <a:spLocks noRot="1" noChangeAspect="1" noMove="1" noResize="1" noEditPoints="1" noAdjustHandles="1" noChangeArrowheads="1" noChangeShapeType="1" noTextEdit="1"/>
+              </p:cNvSpPr>
+              <p:nvPr/>
+            </p:nvSpPr>
+            <p:spPr>
+              <a:xfrm>
+                <a:off x="6414913" y="1412776"/>
+                <a:ext cx="503086" cy="584775"/>
+              </a:xfrm>
+              <a:prstGeom prst="rect">
+                <a:avLst/>
+              </a:prstGeom>
+              <a:blipFill>
+                <a:blip r:embed="rId4"/>
+                <a:stretch>
+                  <a:fillRect/>
+                </a:stretch>
+              </a:blipFill>
+            </p:spPr>
+            <p:txBody>
+              <a:bodyPr/>
+              <a:lstStyle/>
+              <a:p>
+                <a:r>
+                  <a:rPr lang="ja-JP" altLang="en-US">
+                    <a:noFill/>
+                  </a:rPr>
+                  <a:t> </a:t>
+                </a:r>
+              </a:p>
+            </p:txBody>
+          </p:sp>
+        </mc:Fallback>
+      </mc:AlternateContent>
+      <mc:AlternateContent xmlns:mc="http://schemas.openxmlformats.org/markup-compatibility/2006">
+        <mc:Choice xmlns:a14="http://schemas.microsoft.com/office/drawing/2010/main" Requires="a14">
+          <p:sp>
+            <p:nvSpPr>
+              <p:cNvPr id="32" name="テキスト ボックス 31">
+                <a:extLst>
+                  <a:ext uri="{FF2B5EF4-FFF2-40B4-BE49-F238E27FC236}">
+                    <a16:creationId xmlns:a16="http://schemas.microsoft.com/office/drawing/2014/main" id="{FCE177F3-2E66-496C-8FF4-59007C03AD3E}"/>
+                  </a:ext>
+                </a:extLst>
+              </p:cNvPr>
+              <p:cNvSpPr txBox="1"/>
+              <p:nvPr/>
+            </p:nvSpPr>
+            <p:spPr>
+              <a:xfrm>
+                <a:off x="8143105" y="3068960"/>
+                <a:ext cx="533351" cy="584775"/>
+              </a:xfrm>
+              <a:prstGeom prst="rect">
+                <a:avLst/>
+              </a:prstGeom>
+              <a:noFill/>
+            </p:spPr>
+            <p:txBody>
+              <a:bodyPr wrap="none" rtlCol="0">
+                <a:spAutoFit/>
+              </a:bodyPr>
+              <a:lstStyle/>
+              <a:p>
+                <a:pPr/>
+                <a14:m>
+                  <m:oMathPara xmlns:m="http://schemas.openxmlformats.org/officeDocument/2006/math">
+                    <m:oMathParaPr>
+                      <m:jc m:val="centerGroup"/>
+                    </m:oMathParaPr>
+                    <m:oMath xmlns:m="http://schemas.openxmlformats.org/officeDocument/2006/math">
+                      <m:r>
+                        <a:rPr kumimoji="1" lang="en-US" altLang="ja-JP" sz="3200" b="0" i="1" smtClean="0">
+                          <a:latin typeface="Cambria Math" panose="02040503050406030204" pitchFamily="18" charset="0"/>
+                        </a:rPr>
+                        <m:t>𝑣</m:t>
+                      </m:r>
+                    </m:oMath>
+                  </m:oMathPara>
+                </a14:m>
+                <a:endParaRPr kumimoji="1" lang="ja-JP" altLang="en-US" sz="3200"/>
+              </a:p>
+            </p:txBody>
+          </p:sp>
+        </mc:Choice>
+        <mc:Fallback>
+          <p:sp>
+            <p:nvSpPr>
+              <p:cNvPr id="32" name="テキスト ボックス 31">
+                <a:extLst>
+                  <a:ext uri="{FF2B5EF4-FFF2-40B4-BE49-F238E27FC236}">
+                    <a16:creationId xmlns:a16="http://schemas.microsoft.com/office/drawing/2014/main" id="{FCE177F3-2E66-496C-8FF4-59007C03AD3E}"/>
+                  </a:ext>
+                </a:extLst>
+              </p:cNvPr>
+              <p:cNvSpPr txBox="1">
+                <a:spLocks noRot="1" noChangeAspect="1" noMove="1" noResize="1" noEditPoints="1" noAdjustHandles="1" noChangeArrowheads="1" noChangeShapeType="1" noTextEdit="1"/>
+              </p:cNvSpPr>
+              <p:nvPr/>
+            </p:nvSpPr>
+            <p:spPr>
+              <a:xfrm>
+                <a:off x="8143105" y="3068960"/>
+                <a:ext cx="533351" cy="584775"/>
+              </a:xfrm>
+              <a:prstGeom prst="rect">
+                <a:avLst/>
+              </a:prstGeom>
+              <a:blipFill>
+                <a:blip r:embed="rId5"/>
+                <a:stretch>
+                  <a:fillRect/>
+                </a:stretch>
+              </a:blipFill>
+            </p:spPr>
+            <p:txBody>
+              <a:bodyPr/>
+              <a:lstStyle/>
+              <a:p>
+                <a:r>
+                  <a:rPr lang="ja-JP" altLang="en-US">
+                    <a:noFill/>
+                  </a:rPr>
+                  <a:t> </a:t>
+                </a:r>
+              </a:p>
+            </p:txBody>
+          </p:sp>
+        </mc:Fallback>
+      </mc:AlternateContent>
+      <p:sp>
+        <p:nvSpPr>
+          <p:cNvPr id="33" name="楕円 32">
+            <a:extLst>
+              <a:ext uri="{FF2B5EF4-FFF2-40B4-BE49-F238E27FC236}">
+                <a16:creationId xmlns:a16="http://schemas.microsoft.com/office/drawing/2014/main" id="{A31E441D-5009-4B21-91C1-C25D4959ABF3}"/>
+              </a:ext>
+            </a:extLst>
+          </p:cNvPr>
+          <p:cNvSpPr/>
+          <p:nvPr/>
+        </p:nvSpPr>
+        <p:spPr>
+          <a:xfrm>
+            <a:off x="6627574" y="2597562"/>
+            <a:ext cx="216024" cy="216024"/>
+          </a:xfrm>
+          <a:prstGeom prst="ellipse">
+            <a:avLst/>
+          </a:prstGeom>
+          <a:solidFill>
+            <a:srgbClr val="FF0000"/>
+          </a:solidFill>
+          <a:ln>
+            <a:solidFill>
+              <a:schemeClr val="tx1"/>
+            </a:solidFill>
+          </a:ln>
+        </p:spPr>
+        <p:style>
+          <a:lnRef idx="2">
+            <a:schemeClr val="accent1">
+              <a:shade val="50000"/>
+            </a:schemeClr>
+          </a:lnRef>
+          <a:fillRef idx="1">
+            <a:schemeClr val="accent1"/>
+          </a:fillRef>
+          <a:effectRef idx="0">
+            <a:schemeClr val="accent1"/>
+          </a:effectRef>
+          <a:fontRef idx="minor">
+            <a:schemeClr val="lt1"/>
+          </a:fontRef>
+        </p:style>
+        <p:txBody>
+          <a:bodyPr rtlCol="0" anchor="ctr"/>
+          <a:lstStyle/>
+          <a:p>
+            <a:pPr algn="ctr"/>
+            <a:endParaRPr kumimoji="1" lang="ja-JP" altLang="en-US"/>
+          </a:p>
+        </p:txBody>
+      </p:sp>
+      <p:sp>
+        <p:nvSpPr>
+          <p:cNvPr id="34" name="テキスト ボックス 33">
+            <a:extLst>
+              <a:ext uri="{FF2B5EF4-FFF2-40B4-BE49-F238E27FC236}">
+                <a16:creationId xmlns:a16="http://schemas.microsoft.com/office/drawing/2014/main" id="{E627E48C-AD7B-4BE5-80BF-413AA5E18ADC}"/>
+              </a:ext>
+            </a:extLst>
+          </p:cNvPr>
+          <p:cNvSpPr txBox="1"/>
+          <p:nvPr/>
+        </p:nvSpPr>
+        <p:spPr>
+          <a:xfrm>
+            <a:off x="6342905" y="3491716"/>
+            <a:ext cx="364202" cy="369332"/>
+          </a:xfrm>
+          <a:prstGeom prst="rect">
+            <a:avLst/>
+          </a:prstGeom>
+          <a:noFill/>
+        </p:spPr>
+        <p:txBody>
+          <a:bodyPr wrap="none" rtlCol="0">
+            <a:spAutoFit/>
+          </a:bodyPr>
+          <a:lstStyle/>
+          <a:p>
+            <a:r>
+              <a:rPr kumimoji="1" lang="en-US" altLang="ja-JP"/>
+              <a:t>O</a:t>
+            </a:r>
+            <a:endParaRPr kumimoji="1" lang="ja-JP" altLang="en-US"/>
+          </a:p>
+        </p:txBody>
+      </p:sp>
+      <p:cxnSp>
+        <p:nvCxnSpPr>
+          <p:cNvPr id="35" name="直線矢印コネクタ 34">
+            <a:extLst>
+              <a:ext uri="{FF2B5EF4-FFF2-40B4-BE49-F238E27FC236}">
+                <a16:creationId xmlns:a16="http://schemas.microsoft.com/office/drawing/2014/main" id="{B38E7FAB-4A39-466A-8D81-05789D0606C9}"/>
+              </a:ext>
+            </a:extLst>
+          </p:cNvPr>
+          <p:cNvCxnSpPr>
+            <a:cxnSpLocks/>
+            <a:stCxn id="33" idx="2"/>
+          </p:cNvCxnSpPr>
+          <p:nvPr/>
+        </p:nvCxnSpPr>
+        <p:spPr>
+          <a:xfrm flipH="1">
+            <a:off x="6012160" y="2705574"/>
+            <a:ext cx="615414" cy="3346"/>
+          </a:xfrm>
+          <a:prstGeom prst="straightConnector1">
+            <a:avLst/>
+          </a:prstGeom>
+          <a:ln w="38100">
+            <a:solidFill>
+              <a:srgbClr val="00B050"/>
+            </a:solidFill>
+            <a:headEnd type="none" w="med" len="med"/>
+            <a:tailEnd type="triangle"/>
+          </a:ln>
+        </p:spPr>
+        <p:style>
+          <a:lnRef idx="1">
+            <a:schemeClr val="accent1"/>
+          </a:lnRef>
+          <a:fillRef idx="0">
+            <a:schemeClr val="accent1"/>
+          </a:fillRef>
+          <a:effectRef idx="0">
+            <a:schemeClr val="accent1"/>
+          </a:effectRef>
+          <a:fontRef idx="minor">
+            <a:schemeClr val="tx1"/>
+          </a:fontRef>
+        </p:style>
+      </p:cxnSp>
+      <mc:AlternateContent xmlns:mc="http://schemas.openxmlformats.org/markup-compatibility/2006">
+        <mc:Choice xmlns:a14="http://schemas.microsoft.com/office/drawing/2010/main" Requires="a14">
+          <p:sp>
+            <p:nvSpPr>
+              <p:cNvPr id="36" name="テキスト ボックス 35">
+                <a:extLst>
+                  <a:ext uri="{FF2B5EF4-FFF2-40B4-BE49-F238E27FC236}">
+                    <a16:creationId xmlns:a16="http://schemas.microsoft.com/office/drawing/2014/main" id="{97344538-ED1F-4E42-ABB9-EE209EE23740}"/>
+                  </a:ext>
+                </a:extLst>
+              </p:cNvPr>
+              <p:cNvSpPr txBox="1"/>
+              <p:nvPr/>
+            </p:nvSpPr>
+            <p:spPr>
+              <a:xfrm>
+                <a:off x="5940152" y="5445224"/>
+                <a:ext cx="3093988" cy="584775"/>
+              </a:xfrm>
+              <a:prstGeom prst="rect">
+                <a:avLst/>
+              </a:prstGeom>
+              <a:noFill/>
+              <a:ln>
+                <a:noFill/>
+              </a:ln>
+            </p:spPr>
+            <p:txBody>
+              <a:bodyPr wrap="none" rtlCol="0">
+                <a:spAutoFit/>
+              </a:bodyPr>
+              <a:lstStyle/>
+              <a:p>
+                <a:pPr/>
+                <a14:m>
+                  <m:oMathPara xmlns:m="http://schemas.openxmlformats.org/officeDocument/2006/math">
+                    <m:oMathParaPr>
+                      <m:jc m:val="centerGroup"/>
+                    </m:oMathParaPr>
+                    <m:oMath xmlns:m="http://schemas.openxmlformats.org/officeDocument/2006/math">
+                      <m:r>
+                        <a:rPr kumimoji="1" lang="en-US" altLang="ja-JP" sz="3200" b="0" i="1" smtClean="0">
+                          <a:latin typeface="Cambria Math" panose="02040503050406030204" pitchFamily="18" charset="0"/>
+                        </a:rPr>
+                        <m:t>(</m:t>
+                      </m:r>
+                      <m:acc>
+                        <m:accPr>
+                          <m:chr m:val="̇"/>
+                          <m:ctrlPr>
+                            <a:rPr kumimoji="1" lang="en-US" altLang="ja-JP" sz="3200" b="0" i="1" smtClean="0">
+                              <a:latin typeface="Cambria Math" panose="02040503050406030204" pitchFamily="18" charset="0"/>
+                            </a:rPr>
+                          </m:ctrlPr>
+                        </m:accPr>
+                        <m:e>
+                          <m:r>
+                            <a:rPr kumimoji="1" lang="en-US" altLang="ja-JP" sz="3200" b="0" i="1" smtClean="0">
+                              <a:latin typeface="Cambria Math" panose="02040503050406030204" pitchFamily="18" charset="0"/>
+                            </a:rPr>
+                            <m:t>𝑟</m:t>
+                          </m:r>
+                        </m:e>
+                      </m:acc>
+                      <m:r>
+                        <a:rPr kumimoji="1" lang="en-US" altLang="ja-JP" sz="3200" b="0" i="1" smtClean="0">
+                          <a:latin typeface="Cambria Math" panose="02040503050406030204" pitchFamily="18" charset="0"/>
+                        </a:rPr>
+                        <m:t>,</m:t>
+                      </m:r>
+                      <m:acc>
+                        <m:accPr>
+                          <m:chr m:val="̇"/>
+                          <m:ctrlPr>
+                            <a:rPr kumimoji="1" lang="en-US" altLang="ja-JP" sz="3200" b="0" i="1" smtClean="0">
+                              <a:latin typeface="Cambria Math" panose="02040503050406030204" pitchFamily="18" charset="0"/>
+                            </a:rPr>
+                          </m:ctrlPr>
+                        </m:accPr>
+                        <m:e>
+                          <m:r>
+                            <a:rPr kumimoji="1" lang="en-US" altLang="ja-JP" sz="3200" b="0" i="1" smtClean="0">
+                              <a:latin typeface="Cambria Math" panose="02040503050406030204" pitchFamily="18" charset="0"/>
+                            </a:rPr>
+                            <m:t>𝑣</m:t>
+                          </m:r>
+                        </m:e>
+                      </m:acc>
+                      <m:r>
+                        <a:rPr kumimoji="1" lang="en-US" altLang="ja-JP" sz="3200" b="0" i="1" smtClean="0">
+                          <a:latin typeface="Cambria Math" panose="02040503050406030204" pitchFamily="18" charset="0"/>
+                        </a:rPr>
+                        <m:t>) =(</m:t>
+                      </m:r>
+                      <m:r>
+                        <a:rPr kumimoji="1" lang="en-US" altLang="ja-JP" sz="3200" b="0" i="1" smtClean="0">
+                          <a:latin typeface="Cambria Math" panose="02040503050406030204" pitchFamily="18" charset="0"/>
+                        </a:rPr>
+                        <m:t>𝑣</m:t>
+                      </m:r>
+                      <m:r>
+                        <a:rPr kumimoji="1" lang="en-US" altLang="ja-JP" sz="3200" b="0" i="1" smtClean="0">
+                          <a:latin typeface="Cambria Math" panose="02040503050406030204" pitchFamily="18" charset="0"/>
+                        </a:rPr>
+                        <m:t>,−</m:t>
+                      </m:r>
+                      <m:r>
+                        <a:rPr kumimoji="1" lang="en-US" altLang="ja-JP" sz="3200" b="0" i="1" smtClean="0">
+                          <a:latin typeface="Cambria Math" panose="02040503050406030204" pitchFamily="18" charset="0"/>
+                        </a:rPr>
+                        <m:t>𝑟</m:t>
+                      </m:r>
+                      <m:r>
+                        <a:rPr kumimoji="1" lang="en-US" altLang="ja-JP" sz="3200" b="0" i="1" smtClean="0">
+                          <a:latin typeface="Cambria Math" panose="02040503050406030204" pitchFamily="18" charset="0"/>
+                        </a:rPr>
+                        <m:t>)</m:t>
+                      </m:r>
+                    </m:oMath>
+                  </m:oMathPara>
+                </a14:m>
+                <a:endParaRPr kumimoji="1" lang="en-US" altLang="ja-JP" sz="3200" b="0"/>
+              </a:p>
+            </p:txBody>
+          </p:sp>
+        </mc:Choice>
+        <mc:Fallback>
+          <p:sp>
+            <p:nvSpPr>
+              <p:cNvPr id="36" name="テキスト ボックス 35">
+                <a:extLst>
+                  <a:ext uri="{FF2B5EF4-FFF2-40B4-BE49-F238E27FC236}">
+                    <a16:creationId xmlns:a16="http://schemas.microsoft.com/office/drawing/2014/main" id="{97344538-ED1F-4E42-ABB9-EE209EE23740}"/>
+                  </a:ext>
+                </a:extLst>
+              </p:cNvPr>
+              <p:cNvSpPr txBox="1">
+                <a:spLocks noRot="1" noChangeAspect="1" noMove="1" noResize="1" noEditPoints="1" noAdjustHandles="1" noChangeArrowheads="1" noChangeShapeType="1" noTextEdit="1"/>
+              </p:cNvSpPr>
+              <p:nvPr/>
+            </p:nvSpPr>
+            <p:spPr>
+              <a:xfrm>
+                <a:off x="5940152" y="5445224"/>
+                <a:ext cx="3093988" cy="584775"/>
+              </a:xfrm>
+              <a:prstGeom prst="rect">
+                <a:avLst/>
+              </a:prstGeom>
+              <a:blipFill>
+                <a:blip r:embed="rId6"/>
+                <a:stretch>
+                  <a:fillRect/>
+                </a:stretch>
+              </a:blipFill>
+              <a:ln>
+                <a:noFill/>
+              </a:ln>
+            </p:spPr>
+            <p:txBody>
+              <a:bodyPr/>
+              <a:lstStyle/>
+              <a:p>
+                <a:r>
+                  <a:rPr lang="ja-JP" altLang="en-US">
+                    <a:noFill/>
+                  </a:rPr>
+                  <a:t> </a:t>
+                </a:r>
+              </a:p>
+            </p:txBody>
+          </p:sp>
+        </mc:Fallback>
+      </mc:AlternateContent>
+    </p:spTree>
+    <p:extLst>
+      <p:ext uri="{BB962C8B-B14F-4D97-AF65-F5344CB8AC3E}">
+        <p14:creationId xmlns:p14="http://schemas.microsoft.com/office/powerpoint/2010/main" val="224666316"/>
+      </p:ext>
+    </p:extLst>
+  </p:cSld>
+  <p:clrMapOvr>
+    <a:masterClrMapping/>
+  </p:clrMapOvr>
+</p:sld>
+</file>
+
+<file path=ppt/slides/slide13.xml><?xml version="1.0" encoding="utf-8"?>
+<p:sld xmlns:a="http://schemas.openxmlformats.org/drawingml/2006/main" xmlns:r="http://schemas.openxmlformats.org/officeDocument/2006/relationships" xmlns:p="http://schemas.openxmlformats.org/presentationml/2006/main">
+  <p:cSld>
+    <p:spTree>
+      <p:nvGrpSpPr>
+        <p:cNvPr id="1" name=""/>
+        <p:cNvGrpSpPr/>
+        <p:nvPr/>
+      </p:nvGrpSpPr>
+      <p:grpSpPr>
+        <a:xfrm>
+          <a:off x="0" y="0"/>
+          <a:ext cx="0" cy="0"/>
+          <a:chOff x="0" y="0"/>
+          <a:chExt cx="0" cy="0"/>
+        </a:xfrm>
+      </p:grpSpPr>
+      <p:sp>
+        <p:nvSpPr>
+          <p:cNvPr id="2" name="テキスト プレースホルダー 1">
+            <a:extLst>
+              <a:ext uri="{FF2B5EF4-FFF2-40B4-BE49-F238E27FC236}">
+                <a16:creationId xmlns:a16="http://schemas.microsoft.com/office/drawing/2014/main" id="{F47957CD-BA5D-48C7-9180-789FE2D4289C}"/>
+              </a:ext>
+            </a:extLst>
+          </p:cNvPr>
+          <p:cNvSpPr>
+            <a:spLocks noGrp="1"/>
+          </p:cNvSpPr>
+          <p:nvPr>
+            <p:ph type="body" sz="quarter" idx="10"/>
+          </p:nvPr>
+        </p:nvSpPr>
+        <p:spPr/>
+        <p:txBody>
+          <a:bodyPr/>
+          <a:lstStyle/>
+          <a:p>
+            <a:r>
+              <a:rPr lang="ja-JP" altLang="en-US"/>
+              <a:t>位相空間と流れ</a:t>
+            </a:r>
+            <a:endParaRPr kumimoji="1" lang="ja-JP" altLang="en-US"/>
+          </a:p>
+        </p:txBody>
+      </p:sp>
+      <p:grpSp>
+        <p:nvGrpSpPr>
+          <p:cNvPr id="42" name="グループ化 41">
+            <a:extLst>
+              <a:ext uri="{FF2B5EF4-FFF2-40B4-BE49-F238E27FC236}">
+                <a16:creationId xmlns:a16="http://schemas.microsoft.com/office/drawing/2014/main" id="{53A1FD5E-E8F0-495D-8056-5A62DC1492B8}"/>
+              </a:ext>
+            </a:extLst>
+          </p:cNvPr>
+          <p:cNvGrpSpPr/>
+          <p:nvPr/>
+        </p:nvGrpSpPr>
+        <p:grpSpPr>
+          <a:xfrm>
+            <a:off x="2195736" y="1412776"/>
+            <a:ext cx="4491206" cy="4464496"/>
+            <a:chOff x="2411760" y="1412776"/>
+            <a:chExt cx="4925839" cy="4896544"/>
+          </a:xfrm>
+        </p:grpSpPr>
+        <p:cxnSp>
+          <p:nvCxnSpPr>
+            <p:cNvPr id="3" name="直線矢印コネクタ 2">
+              <a:extLst>
+                <a:ext uri="{FF2B5EF4-FFF2-40B4-BE49-F238E27FC236}">
+                  <a16:creationId xmlns:a16="http://schemas.microsoft.com/office/drawing/2014/main" id="{6B56FE07-2063-467D-BFDE-4B61F8EDAB05}"/>
+                </a:ext>
+              </a:extLst>
+            </p:cNvPr>
+            <p:cNvCxnSpPr>
+              <a:cxnSpLocks/>
+            </p:cNvCxnSpPr>
+            <p:nvPr/>
+          </p:nvCxnSpPr>
+          <p:spPr>
+            <a:xfrm>
+              <a:off x="2411760" y="4149080"/>
+              <a:ext cx="4248472" cy="0"/>
+            </a:xfrm>
+            <a:prstGeom prst="straightConnector1">
+              <a:avLst/>
+            </a:prstGeom>
+            <a:ln>
+              <a:solidFill>
+                <a:schemeClr val="tx1"/>
+              </a:solidFill>
+              <a:headEnd type="none" w="med" len="med"/>
+              <a:tailEnd type="triangle"/>
+            </a:ln>
+          </p:spPr>
+          <p:style>
+            <a:lnRef idx="1">
+              <a:schemeClr val="accent1"/>
+            </a:lnRef>
+            <a:fillRef idx="0">
+              <a:schemeClr val="accent1"/>
+            </a:fillRef>
+            <a:effectRef idx="0">
+              <a:schemeClr val="accent1"/>
+            </a:effectRef>
+            <a:fontRef idx="minor">
+              <a:schemeClr val="tx1"/>
+            </a:fontRef>
+          </p:style>
+        </p:cxnSp>
+        <p:cxnSp>
+          <p:nvCxnSpPr>
+            <p:cNvPr id="4" name="直線矢印コネクタ 3">
+              <a:extLst>
+                <a:ext uri="{FF2B5EF4-FFF2-40B4-BE49-F238E27FC236}">
+                  <a16:creationId xmlns:a16="http://schemas.microsoft.com/office/drawing/2014/main" id="{C16D03E4-059A-4B87-9856-D30843742DE2}"/>
+                </a:ext>
+              </a:extLst>
+            </p:cNvPr>
+            <p:cNvCxnSpPr>
+              <a:cxnSpLocks/>
+            </p:cNvCxnSpPr>
+            <p:nvPr/>
+          </p:nvCxnSpPr>
+          <p:spPr>
+            <a:xfrm flipV="1">
+              <a:off x="4572000" y="1988840"/>
+              <a:ext cx="0" cy="4320480"/>
+            </a:xfrm>
+            <a:prstGeom prst="straightConnector1">
+              <a:avLst/>
+            </a:prstGeom>
+            <a:ln>
+              <a:solidFill>
+                <a:schemeClr val="tx1"/>
+              </a:solidFill>
+              <a:headEnd type="none" w="med" len="med"/>
+              <a:tailEnd type="triangle"/>
+            </a:ln>
+          </p:spPr>
+          <p:style>
+            <a:lnRef idx="1">
+              <a:schemeClr val="accent1"/>
+            </a:lnRef>
+            <a:fillRef idx="0">
+              <a:schemeClr val="accent1"/>
+            </a:fillRef>
+            <a:effectRef idx="0">
+              <a:schemeClr val="accent1"/>
+            </a:effectRef>
+            <a:fontRef idx="minor">
+              <a:schemeClr val="tx1"/>
+            </a:fontRef>
+          </p:style>
+        </p:cxnSp>
+        <mc:AlternateContent xmlns:mc="http://schemas.openxmlformats.org/markup-compatibility/2006">
+          <mc:Choice xmlns:a14="http://schemas.microsoft.com/office/drawing/2010/main" Requires="a14">
+            <p:sp>
+              <p:nvSpPr>
+                <p:cNvPr id="5" name="テキスト ボックス 4">
+                  <a:extLst>
+                    <a:ext uri="{FF2B5EF4-FFF2-40B4-BE49-F238E27FC236}">
+                      <a16:creationId xmlns:a16="http://schemas.microsoft.com/office/drawing/2014/main" id="{D262B517-30F6-446D-A2C7-3E6A353C03B8}"/>
+                    </a:ext>
+                  </a:extLst>
+                </p:cNvPr>
+                <p:cNvSpPr txBox="1"/>
+                <p:nvPr/>
+              </p:nvSpPr>
+              <p:spPr>
+                <a:xfrm>
+                  <a:off x="4355976" y="1412776"/>
+                  <a:ext cx="503086" cy="584775"/>
+                </a:xfrm>
+                <a:prstGeom prst="rect">
+                  <a:avLst/>
+                </a:prstGeom>
+                <a:noFill/>
+              </p:spPr>
+              <p:txBody>
+                <a:bodyPr wrap="none" rtlCol="0">
+                  <a:spAutoFit/>
+                </a:bodyPr>
+                <a:lstStyle/>
+                <a:p>
+                  <a:pPr/>
+                  <a14:m>
+                    <m:oMathPara xmlns:m="http://schemas.openxmlformats.org/officeDocument/2006/math">
+                      <m:oMathParaPr>
+                        <m:jc m:val="centerGroup"/>
+                      </m:oMathParaPr>
+                      <m:oMath xmlns:m="http://schemas.openxmlformats.org/officeDocument/2006/math">
+                        <m:r>
+                          <a:rPr kumimoji="1" lang="en-US" altLang="ja-JP" sz="3200" b="0" i="1" smtClean="0">
+                            <a:latin typeface="Cambria Math" panose="02040503050406030204" pitchFamily="18" charset="0"/>
+                          </a:rPr>
+                          <m:t>𝑟</m:t>
+                        </m:r>
+                      </m:oMath>
+                    </m:oMathPara>
+                  </a14:m>
+                  <a:endParaRPr kumimoji="1" lang="ja-JP" altLang="en-US" sz="3200"/>
+                </a:p>
+              </p:txBody>
+            </p:sp>
+          </mc:Choice>
+          <mc:Fallback>
+            <p:sp>
+              <p:nvSpPr>
+                <p:cNvPr id="5" name="テキスト ボックス 4">
+                  <a:extLst>
+                    <a:ext uri="{FF2B5EF4-FFF2-40B4-BE49-F238E27FC236}">
+                      <a16:creationId xmlns:a16="http://schemas.microsoft.com/office/drawing/2014/main" id="{D262B517-30F6-446D-A2C7-3E6A353C03B8}"/>
+                    </a:ext>
+                  </a:extLst>
+                </p:cNvPr>
+                <p:cNvSpPr txBox="1">
+                  <a:spLocks noRot="1" noChangeAspect="1" noMove="1" noResize="1" noEditPoints="1" noAdjustHandles="1" noChangeArrowheads="1" noChangeShapeType="1" noTextEdit="1"/>
+                </p:cNvSpPr>
+                <p:nvPr/>
+              </p:nvSpPr>
+              <p:spPr>
+                <a:xfrm>
+                  <a:off x="4355976" y="1412776"/>
+                  <a:ext cx="503086" cy="584775"/>
+                </a:xfrm>
+                <a:prstGeom prst="rect">
+                  <a:avLst/>
+                </a:prstGeom>
+                <a:blipFill>
+                  <a:blip r:embed="rId2"/>
+                  <a:stretch>
+                    <a:fillRect/>
+                  </a:stretch>
+                </a:blipFill>
+              </p:spPr>
+              <p:txBody>
+                <a:bodyPr/>
+                <a:lstStyle/>
+                <a:p>
+                  <a:r>
+                    <a:rPr lang="ja-JP" altLang="en-US">
+                      <a:noFill/>
+                    </a:rPr>
+                    <a:t> </a:t>
+                  </a:r>
+                </a:p>
+              </p:txBody>
+            </p:sp>
+          </mc:Fallback>
+        </mc:AlternateContent>
+        <mc:AlternateContent xmlns:mc="http://schemas.openxmlformats.org/markup-compatibility/2006">
+          <mc:Choice xmlns:a14="http://schemas.microsoft.com/office/drawing/2010/main" Requires="a14">
+            <p:sp>
+              <p:nvSpPr>
+                <p:cNvPr id="6" name="テキスト ボックス 5">
+                  <a:extLst>
+                    <a:ext uri="{FF2B5EF4-FFF2-40B4-BE49-F238E27FC236}">
+                      <a16:creationId xmlns:a16="http://schemas.microsoft.com/office/drawing/2014/main" id="{AA19B468-6DB6-4308-8D76-E5BA59D66E36}"/>
+                    </a:ext>
+                  </a:extLst>
+                </p:cNvPr>
+                <p:cNvSpPr txBox="1"/>
+                <p:nvPr/>
+              </p:nvSpPr>
+              <p:spPr>
+                <a:xfrm>
+                  <a:off x="6804248" y="3789040"/>
+                  <a:ext cx="533351" cy="584775"/>
+                </a:xfrm>
+                <a:prstGeom prst="rect">
+                  <a:avLst/>
+                </a:prstGeom>
+                <a:noFill/>
+              </p:spPr>
+              <p:txBody>
+                <a:bodyPr wrap="none" rtlCol="0">
+                  <a:spAutoFit/>
+                </a:bodyPr>
+                <a:lstStyle/>
+                <a:p>
+                  <a:pPr/>
+                  <a14:m>
+                    <m:oMathPara xmlns:m="http://schemas.openxmlformats.org/officeDocument/2006/math">
+                      <m:oMathParaPr>
+                        <m:jc m:val="centerGroup"/>
+                      </m:oMathParaPr>
+                      <m:oMath xmlns:m="http://schemas.openxmlformats.org/officeDocument/2006/math">
+                        <m:r>
+                          <a:rPr kumimoji="1" lang="en-US" altLang="ja-JP" sz="3200" b="0" i="1" smtClean="0">
+                            <a:latin typeface="Cambria Math" panose="02040503050406030204" pitchFamily="18" charset="0"/>
+                          </a:rPr>
+                          <m:t>𝑣</m:t>
+                        </m:r>
+                      </m:oMath>
+                    </m:oMathPara>
+                  </a14:m>
+                  <a:endParaRPr kumimoji="1" lang="ja-JP" altLang="en-US" sz="3200"/>
+                </a:p>
+              </p:txBody>
+            </p:sp>
+          </mc:Choice>
+          <mc:Fallback>
+            <p:sp>
+              <p:nvSpPr>
+                <p:cNvPr id="6" name="テキスト ボックス 5">
+                  <a:extLst>
+                    <a:ext uri="{FF2B5EF4-FFF2-40B4-BE49-F238E27FC236}">
+                      <a16:creationId xmlns:a16="http://schemas.microsoft.com/office/drawing/2014/main" id="{AA19B468-6DB6-4308-8D76-E5BA59D66E36}"/>
+                    </a:ext>
+                  </a:extLst>
+                </p:cNvPr>
+                <p:cNvSpPr txBox="1">
+                  <a:spLocks noRot="1" noChangeAspect="1" noMove="1" noResize="1" noEditPoints="1" noAdjustHandles="1" noChangeArrowheads="1" noChangeShapeType="1" noTextEdit="1"/>
+                </p:cNvSpPr>
+                <p:nvPr/>
+              </p:nvSpPr>
+              <p:spPr>
+                <a:xfrm>
+                  <a:off x="6804248" y="3789040"/>
+                  <a:ext cx="533351" cy="584775"/>
+                </a:xfrm>
+                <a:prstGeom prst="rect">
+                  <a:avLst/>
+                </a:prstGeom>
+                <a:blipFill>
+                  <a:blip r:embed="rId3"/>
+                  <a:stretch>
+                    <a:fillRect/>
+                  </a:stretch>
+                </a:blipFill>
+              </p:spPr>
+              <p:txBody>
+                <a:bodyPr/>
+                <a:lstStyle/>
+                <a:p>
+                  <a:r>
+                    <a:rPr lang="ja-JP" altLang="en-US">
+                      <a:noFill/>
+                    </a:rPr>
+                    <a:t> </a:t>
+                  </a:r>
+                </a:p>
+              </p:txBody>
+            </p:sp>
+          </mc:Fallback>
+        </mc:AlternateContent>
+        <p:sp>
+          <p:nvSpPr>
+            <p:cNvPr id="8" name="テキスト ボックス 7">
+              <a:extLst>
+                <a:ext uri="{FF2B5EF4-FFF2-40B4-BE49-F238E27FC236}">
+                  <a16:creationId xmlns:a16="http://schemas.microsoft.com/office/drawing/2014/main" id="{0E6425D1-8E95-461F-AB69-876BF60406B3}"/>
+                </a:ext>
+              </a:extLst>
+            </p:cNvPr>
+            <p:cNvSpPr txBox="1"/>
+            <p:nvPr/>
+          </p:nvSpPr>
+          <p:spPr>
+            <a:xfrm>
+              <a:off x="4283968" y="4149080"/>
+              <a:ext cx="389335" cy="369332"/>
+            </a:xfrm>
+            <a:prstGeom prst="rect">
+              <a:avLst/>
+            </a:prstGeom>
+            <a:noFill/>
+            <a:ln w="28575">
+              <a:noFill/>
+            </a:ln>
+          </p:spPr>
+          <p:txBody>
+            <a:bodyPr wrap="square" rtlCol="0">
+              <a:spAutoFit/>
+            </a:bodyPr>
+            <a:lstStyle/>
+            <a:p>
+              <a:r>
+                <a:rPr kumimoji="1" lang="en-US" altLang="ja-JP"/>
+                <a:t>O</a:t>
+              </a:r>
+              <a:endParaRPr kumimoji="1" lang="ja-JP" altLang="en-US"/>
+            </a:p>
+          </p:txBody>
+        </p:sp>
+        <p:cxnSp>
+          <p:nvCxnSpPr>
+            <p:cNvPr id="13" name="直線矢印コネクタ 12">
+              <a:extLst>
+                <a:ext uri="{FF2B5EF4-FFF2-40B4-BE49-F238E27FC236}">
+                  <a16:creationId xmlns:a16="http://schemas.microsoft.com/office/drawing/2014/main" id="{276AE89B-E0EF-4481-A00A-0A4325D9348C}"/>
+                </a:ext>
+              </a:extLst>
+            </p:cNvPr>
+            <p:cNvCxnSpPr/>
+            <p:nvPr/>
+          </p:nvCxnSpPr>
+          <p:spPr>
+            <a:xfrm flipV="1">
+              <a:off x="6012160" y="3429000"/>
+              <a:ext cx="0" cy="720080"/>
+            </a:xfrm>
+            <a:prstGeom prst="straightConnector1">
+              <a:avLst/>
+            </a:prstGeom>
+            <a:ln w="28575">
+              <a:solidFill>
+                <a:srgbClr val="FF0000"/>
+              </a:solidFill>
+              <a:headEnd type="none" w="med" len="med"/>
+              <a:tailEnd type="triangle"/>
+            </a:ln>
+          </p:spPr>
+          <p:style>
+            <a:lnRef idx="1">
+              <a:schemeClr val="accent1"/>
+            </a:lnRef>
+            <a:fillRef idx="0">
+              <a:schemeClr val="accent1"/>
+            </a:fillRef>
+            <a:effectRef idx="0">
+              <a:schemeClr val="accent1"/>
+            </a:effectRef>
+            <a:fontRef idx="minor">
+              <a:schemeClr val="tx1"/>
+            </a:fontRef>
+          </p:style>
+        </p:cxnSp>
+        <p:cxnSp>
+          <p:nvCxnSpPr>
+            <p:cNvPr id="18" name="直線矢印コネクタ 17">
+              <a:extLst>
+                <a:ext uri="{FF2B5EF4-FFF2-40B4-BE49-F238E27FC236}">
+                  <a16:creationId xmlns:a16="http://schemas.microsoft.com/office/drawing/2014/main" id="{D08A3FD8-F9D0-4A0C-AD4F-289E915A6F34}"/>
+                </a:ext>
+              </a:extLst>
+            </p:cNvPr>
+            <p:cNvCxnSpPr>
+              <a:cxnSpLocks/>
+            </p:cNvCxnSpPr>
+            <p:nvPr/>
+          </p:nvCxnSpPr>
+          <p:spPr>
+            <a:xfrm flipH="1">
+              <a:off x="3851920" y="2708920"/>
+              <a:ext cx="728464" cy="0"/>
+            </a:xfrm>
+            <a:prstGeom prst="straightConnector1">
+              <a:avLst/>
+            </a:prstGeom>
+            <a:ln w="28575">
+              <a:solidFill>
+                <a:srgbClr val="FF0000"/>
+              </a:solidFill>
+              <a:headEnd type="none" w="med" len="med"/>
+              <a:tailEnd type="triangle"/>
+            </a:ln>
+          </p:spPr>
+          <p:style>
+            <a:lnRef idx="1">
+              <a:schemeClr val="accent1"/>
+            </a:lnRef>
+            <a:fillRef idx="0">
+              <a:schemeClr val="accent1"/>
+            </a:fillRef>
+            <a:effectRef idx="0">
+              <a:schemeClr val="accent1"/>
+            </a:effectRef>
+            <a:fontRef idx="minor">
+              <a:schemeClr val="tx1"/>
+            </a:fontRef>
+          </p:style>
+        </p:cxnSp>
+        <p:cxnSp>
+          <p:nvCxnSpPr>
+            <p:cNvPr id="25" name="直線矢印コネクタ 24">
+              <a:extLst>
+                <a:ext uri="{FF2B5EF4-FFF2-40B4-BE49-F238E27FC236}">
+                  <a16:creationId xmlns:a16="http://schemas.microsoft.com/office/drawing/2014/main" id="{77D4CC7C-3364-4539-9A7B-AFFDFA5331FA}"/>
+                </a:ext>
+              </a:extLst>
+            </p:cNvPr>
+            <p:cNvCxnSpPr/>
+            <p:nvPr/>
+          </p:nvCxnSpPr>
+          <p:spPr>
+            <a:xfrm rot="10800000" flipV="1">
+              <a:off x="3131840" y="4149080"/>
+              <a:ext cx="0" cy="720080"/>
+            </a:xfrm>
+            <a:prstGeom prst="straightConnector1">
+              <a:avLst/>
+            </a:prstGeom>
+            <a:ln w="28575">
+              <a:solidFill>
+                <a:srgbClr val="FF0000"/>
+              </a:solidFill>
+              <a:headEnd type="none" w="med" len="med"/>
+              <a:tailEnd type="triangle"/>
+            </a:ln>
+          </p:spPr>
+          <p:style>
+            <a:lnRef idx="1">
+              <a:schemeClr val="accent1"/>
+            </a:lnRef>
+            <a:fillRef idx="0">
+              <a:schemeClr val="accent1"/>
+            </a:fillRef>
+            <a:effectRef idx="0">
+              <a:schemeClr val="accent1"/>
+            </a:effectRef>
+            <a:fontRef idx="minor">
+              <a:schemeClr val="tx1"/>
+            </a:fontRef>
+          </p:style>
+        </p:cxnSp>
+        <p:cxnSp>
+          <p:nvCxnSpPr>
+            <p:cNvPr id="26" name="直線矢印コネクタ 25">
+              <a:extLst>
+                <a:ext uri="{FF2B5EF4-FFF2-40B4-BE49-F238E27FC236}">
+                  <a16:creationId xmlns:a16="http://schemas.microsoft.com/office/drawing/2014/main" id="{DCB04AEC-8FD9-4DAB-938D-98AC59C25840}"/>
+                </a:ext>
+              </a:extLst>
+            </p:cNvPr>
+            <p:cNvCxnSpPr>
+              <a:cxnSpLocks/>
+            </p:cNvCxnSpPr>
+            <p:nvPr/>
+          </p:nvCxnSpPr>
+          <p:spPr>
+            <a:xfrm rot="10800000" flipH="1">
+              <a:off x="4563616" y="5589240"/>
+              <a:ext cx="728464" cy="0"/>
+            </a:xfrm>
+            <a:prstGeom prst="straightConnector1">
+              <a:avLst/>
+            </a:prstGeom>
+            <a:ln w="28575">
+              <a:solidFill>
+                <a:srgbClr val="FF0000"/>
+              </a:solidFill>
+              <a:headEnd type="none" w="med" len="med"/>
+              <a:tailEnd type="triangle"/>
+            </a:ln>
+          </p:spPr>
+          <p:style>
+            <a:lnRef idx="1">
+              <a:schemeClr val="accent1"/>
+            </a:lnRef>
+            <a:fillRef idx="0">
+              <a:schemeClr val="accent1"/>
+            </a:fillRef>
+            <a:effectRef idx="0">
+              <a:schemeClr val="accent1"/>
+            </a:effectRef>
+            <a:fontRef idx="minor">
+              <a:schemeClr val="tx1"/>
+            </a:fontRef>
+          </p:style>
+        </p:cxnSp>
+        <p:cxnSp>
+          <p:nvCxnSpPr>
+            <p:cNvPr id="14" name="直線矢印コネクタ 13">
+              <a:extLst>
+                <a:ext uri="{FF2B5EF4-FFF2-40B4-BE49-F238E27FC236}">
+                  <a16:creationId xmlns:a16="http://schemas.microsoft.com/office/drawing/2014/main" id="{65A080D9-7332-49F8-80C5-BA53DB900BEC}"/>
+                </a:ext>
+              </a:extLst>
+            </p:cNvPr>
+            <p:cNvCxnSpPr>
+              <a:cxnSpLocks/>
+            </p:cNvCxnSpPr>
+            <p:nvPr/>
+          </p:nvCxnSpPr>
+          <p:spPr>
+            <a:xfrm flipV="1">
+              <a:off x="5292080" y="3789040"/>
+              <a:ext cx="0" cy="368424"/>
+            </a:xfrm>
+            <a:prstGeom prst="straightConnector1">
+              <a:avLst/>
+            </a:prstGeom>
+            <a:ln w="28575">
+              <a:solidFill>
+                <a:srgbClr val="FF0000"/>
+              </a:solidFill>
+              <a:headEnd type="none" w="med" len="med"/>
+              <a:tailEnd type="triangle"/>
+            </a:ln>
+          </p:spPr>
+          <p:style>
+            <a:lnRef idx="1">
+              <a:schemeClr val="accent1"/>
+            </a:lnRef>
+            <a:fillRef idx="0">
+              <a:schemeClr val="accent1"/>
+            </a:fillRef>
+            <a:effectRef idx="0">
+              <a:schemeClr val="accent1"/>
+            </a:effectRef>
+            <a:fontRef idx="minor">
+              <a:schemeClr val="tx1"/>
+            </a:fontRef>
+          </p:style>
+        </p:cxnSp>
+        <p:cxnSp>
+          <p:nvCxnSpPr>
+            <p:cNvPr id="16" name="直線矢印コネクタ 15">
+              <a:extLst>
+                <a:ext uri="{FF2B5EF4-FFF2-40B4-BE49-F238E27FC236}">
+                  <a16:creationId xmlns:a16="http://schemas.microsoft.com/office/drawing/2014/main" id="{7D5C3102-B8EA-4DF9-B674-07F32B0D8D1D}"/>
+                </a:ext>
+              </a:extLst>
+            </p:cNvPr>
+            <p:cNvCxnSpPr>
+              <a:cxnSpLocks/>
+            </p:cNvCxnSpPr>
+            <p:nvPr/>
+          </p:nvCxnSpPr>
+          <p:spPr>
+            <a:xfrm>
+              <a:off x="3851920" y="4149080"/>
+              <a:ext cx="0" cy="415280"/>
+            </a:xfrm>
+            <a:prstGeom prst="straightConnector1">
+              <a:avLst/>
+            </a:prstGeom>
+            <a:ln w="28575">
+              <a:solidFill>
+                <a:srgbClr val="FF0000"/>
+              </a:solidFill>
+              <a:headEnd type="none" w="med" len="med"/>
+              <a:tailEnd type="triangle"/>
+            </a:ln>
+          </p:spPr>
+          <p:style>
+            <a:lnRef idx="1">
+              <a:schemeClr val="accent1"/>
+            </a:lnRef>
+            <a:fillRef idx="0">
+              <a:schemeClr val="accent1"/>
+            </a:fillRef>
+            <a:effectRef idx="0">
+              <a:schemeClr val="accent1"/>
+            </a:effectRef>
+            <a:fontRef idx="minor">
+              <a:schemeClr val="tx1"/>
+            </a:fontRef>
+          </p:style>
+        </p:cxnSp>
+        <p:cxnSp>
+          <p:nvCxnSpPr>
+            <p:cNvPr id="20" name="直線矢印コネクタ 19">
+              <a:extLst>
+                <a:ext uri="{FF2B5EF4-FFF2-40B4-BE49-F238E27FC236}">
+                  <a16:creationId xmlns:a16="http://schemas.microsoft.com/office/drawing/2014/main" id="{54DC9484-4F76-48EA-83EC-A14B38A4ED8C}"/>
+                </a:ext>
+              </a:extLst>
+            </p:cNvPr>
+            <p:cNvCxnSpPr>
+              <a:cxnSpLocks/>
+            </p:cNvCxnSpPr>
+            <p:nvPr/>
+          </p:nvCxnSpPr>
+          <p:spPr>
+            <a:xfrm>
+              <a:off x="4572000" y="4869160"/>
+              <a:ext cx="360040" cy="0"/>
+            </a:xfrm>
+            <a:prstGeom prst="straightConnector1">
+              <a:avLst/>
+            </a:prstGeom>
+            <a:ln w="28575">
+              <a:solidFill>
+                <a:srgbClr val="FF0000"/>
+              </a:solidFill>
+              <a:headEnd type="none" w="med" len="med"/>
+              <a:tailEnd type="triangle"/>
+            </a:ln>
+          </p:spPr>
+          <p:style>
+            <a:lnRef idx="1">
+              <a:schemeClr val="accent1"/>
+            </a:lnRef>
+            <a:fillRef idx="0">
+              <a:schemeClr val="accent1"/>
+            </a:fillRef>
+            <a:effectRef idx="0">
+              <a:schemeClr val="accent1"/>
+            </a:effectRef>
+            <a:fontRef idx="minor">
+              <a:schemeClr val="tx1"/>
+            </a:fontRef>
+          </p:style>
+        </p:cxnSp>
+        <p:cxnSp>
+          <p:nvCxnSpPr>
+            <p:cNvPr id="27" name="直線矢印コネクタ 26">
+              <a:extLst>
+                <a:ext uri="{FF2B5EF4-FFF2-40B4-BE49-F238E27FC236}">
+                  <a16:creationId xmlns:a16="http://schemas.microsoft.com/office/drawing/2014/main" id="{71C62389-5CF1-4A49-8940-62228CED96F0}"/>
+                </a:ext>
+              </a:extLst>
+            </p:cNvPr>
+            <p:cNvCxnSpPr>
+              <a:cxnSpLocks/>
+            </p:cNvCxnSpPr>
+            <p:nvPr/>
+          </p:nvCxnSpPr>
+          <p:spPr>
+            <a:xfrm flipH="1">
+              <a:off x="4211960" y="3429000"/>
+              <a:ext cx="351656" cy="0"/>
+            </a:xfrm>
+            <a:prstGeom prst="straightConnector1">
+              <a:avLst/>
+            </a:prstGeom>
+            <a:ln w="28575">
+              <a:solidFill>
+                <a:srgbClr val="FF0000"/>
+              </a:solidFill>
+              <a:headEnd type="none" w="med" len="med"/>
+              <a:tailEnd type="triangle"/>
+            </a:ln>
+          </p:spPr>
+          <p:style>
+            <a:lnRef idx="1">
+              <a:schemeClr val="accent1"/>
+            </a:lnRef>
+            <a:fillRef idx="0">
+              <a:schemeClr val="accent1"/>
+            </a:fillRef>
+            <a:effectRef idx="0">
+              <a:schemeClr val="accent1"/>
+            </a:effectRef>
+            <a:fontRef idx="minor">
+              <a:schemeClr val="tx1"/>
+            </a:fontRef>
+          </p:style>
+        </p:cxnSp>
+        <p:cxnSp>
+          <p:nvCxnSpPr>
+            <p:cNvPr id="31" name="直線矢印コネクタ 30">
+              <a:extLst>
+                <a:ext uri="{FF2B5EF4-FFF2-40B4-BE49-F238E27FC236}">
+                  <a16:creationId xmlns:a16="http://schemas.microsoft.com/office/drawing/2014/main" id="{C003D4BE-0FCF-4693-BB2B-30DFF1920E7A}"/>
+                </a:ext>
+              </a:extLst>
+            </p:cNvPr>
+            <p:cNvCxnSpPr>
+              <a:cxnSpLocks/>
+            </p:cNvCxnSpPr>
+            <p:nvPr/>
+          </p:nvCxnSpPr>
+          <p:spPr>
+            <a:xfrm rot="18889415" flipV="1">
+              <a:off x="4954892" y="3330183"/>
+              <a:ext cx="0" cy="368424"/>
+            </a:xfrm>
+            <a:prstGeom prst="straightConnector1">
+              <a:avLst/>
+            </a:prstGeom>
+            <a:ln w="28575">
+              <a:solidFill>
+                <a:srgbClr val="FF0000"/>
+              </a:solidFill>
+              <a:headEnd type="none" w="med" len="med"/>
+              <a:tailEnd type="triangle"/>
+            </a:ln>
+          </p:spPr>
+          <p:style>
+            <a:lnRef idx="1">
+              <a:schemeClr val="accent1"/>
+            </a:lnRef>
+            <a:fillRef idx="0">
+              <a:schemeClr val="accent1"/>
+            </a:fillRef>
+            <a:effectRef idx="0">
+              <a:schemeClr val="accent1"/>
+            </a:effectRef>
+            <a:fontRef idx="minor">
+              <a:schemeClr val="tx1"/>
+            </a:fontRef>
+          </p:style>
+        </p:cxnSp>
+        <p:cxnSp>
+          <p:nvCxnSpPr>
+            <p:cNvPr id="32" name="直線矢印コネクタ 31">
+              <a:extLst>
+                <a:ext uri="{FF2B5EF4-FFF2-40B4-BE49-F238E27FC236}">
+                  <a16:creationId xmlns:a16="http://schemas.microsoft.com/office/drawing/2014/main" id="{DF71F169-0A02-4B3F-B981-CB42190B9107}"/>
+                </a:ext>
+              </a:extLst>
+            </p:cNvPr>
+            <p:cNvCxnSpPr>
+              <a:cxnSpLocks/>
+            </p:cNvCxnSpPr>
+            <p:nvPr/>
+          </p:nvCxnSpPr>
+          <p:spPr>
+            <a:xfrm rot="18889415">
+              <a:off x="4211672" y="4598550"/>
+              <a:ext cx="0" cy="415280"/>
+            </a:xfrm>
+            <a:prstGeom prst="straightConnector1">
+              <a:avLst/>
+            </a:prstGeom>
+            <a:ln w="28575">
+              <a:solidFill>
+                <a:srgbClr val="FF0000"/>
+              </a:solidFill>
+              <a:headEnd type="none" w="med" len="med"/>
+              <a:tailEnd type="triangle"/>
+            </a:ln>
+          </p:spPr>
+          <p:style>
+            <a:lnRef idx="1">
+              <a:schemeClr val="accent1"/>
+            </a:lnRef>
+            <a:fillRef idx="0">
+              <a:schemeClr val="accent1"/>
+            </a:fillRef>
+            <a:effectRef idx="0">
+              <a:schemeClr val="accent1"/>
+            </a:effectRef>
+            <a:fontRef idx="minor">
+              <a:schemeClr val="tx1"/>
+            </a:fontRef>
+          </p:style>
+        </p:cxnSp>
+        <p:cxnSp>
+          <p:nvCxnSpPr>
+            <p:cNvPr id="33" name="直線矢印コネクタ 32">
+              <a:extLst>
+                <a:ext uri="{FF2B5EF4-FFF2-40B4-BE49-F238E27FC236}">
+                  <a16:creationId xmlns:a16="http://schemas.microsoft.com/office/drawing/2014/main" id="{B1A5F7DE-F9E5-4897-A9D0-98E4DBFA2633}"/>
+                </a:ext>
+              </a:extLst>
+            </p:cNvPr>
+            <p:cNvCxnSpPr>
+              <a:cxnSpLocks/>
+            </p:cNvCxnSpPr>
+            <p:nvPr/>
+          </p:nvCxnSpPr>
+          <p:spPr>
+            <a:xfrm rot="18889415">
+              <a:off x="5029620" y="4528999"/>
+              <a:ext cx="360040" cy="0"/>
+            </a:xfrm>
+            <a:prstGeom prst="straightConnector1">
+              <a:avLst/>
+            </a:prstGeom>
+            <a:ln w="28575">
+              <a:solidFill>
+                <a:srgbClr val="FF0000"/>
+              </a:solidFill>
+              <a:headEnd type="none" w="med" len="med"/>
+              <a:tailEnd type="triangle"/>
+            </a:ln>
+          </p:spPr>
+          <p:style>
+            <a:lnRef idx="1">
+              <a:schemeClr val="accent1"/>
+            </a:lnRef>
+            <a:fillRef idx="0">
+              <a:schemeClr val="accent1"/>
+            </a:fillRef>
+            <a:effectRef idx="0">
+              <a:schemeClr val="accent1"/>
+            </a:effectRef>
+            <a:fontRef idx="minor">
+              <a:schemeClr val="tx1"/>
+            </a:fontRef>
+          </p:style>
+        </p:cxnSp>
+        <p:cxnSp>
+          <p:nvCxnSpPr>
+            <p:cNvPr id="34" name="直線矢印コネクタ 33">
+              <a:extLst>
+                <a:ext uri="{FF2B5EF4-FFF2-40B4-BE49-F238E27FC236}">
+                  <a16:creationId xmlns:a16="http://schemas.microsoft.com/office/drawing/2014/main" id="{8DF11095-3FB9-4B92-8D8B-0BF73CA0FF38}"/>
+                </a:ext>
+              </a:extLst>
+            </p:cNvPr>
+            <p:cNvCxnSpPr>
+              <a:cxnSpLocks/>
+            </p:cNvCxnSpPr>
+            <p:nvPr/>
+          </p:nvCxnSpPr>
+          <p:spPr>
+            <a:xfrm rot="18889415" flipH="1">
+              <a:off x="3755577" y="3772135"/>
+              <a:ext cx="351656" cy="0"/>
+            </a:xfrm>
+            <a:prstGeom prst="straightConnector1">
+              <a:avLst/>
+            </a:prstGeom>
+            <a:ln w="28575">
+              <a:solidFill>
+                <a:srgbClr val="FF0000"/>
+              </a:solidFill>
+              <a:headEnd type="none" w="med" len="med"/>
+              <a:tailEnd type="triangle"/>
+            </a:ln>
+          </p:spPr>
+          <p:style>
+            <a:lnRef idx="1">
+              <a:schemeClr val="accent1"/>
+            </a:lnRef>
+            <a:fillRef idx="0">
+              <a:schemeClr val="accent1"/>
+            </a:fillRef>
+            <a:effectRef idx="0">
+              <a:schemeClr val="accent1"/>
+            </a:effectRef>
+            <a:fontRef idx="minor">
+              <a:schemeClr val="tx1"/>
+            </a:fontRef>
+          </p:style>
+        </p:cxnSp>
+        <p:cxnSp>
+          <p:nvCxnSpPr>
+            <p:cNvPr id="37" name="直線矢印コネクタ 36">
+              <a:extLst>
+                <a:ext uri="{FF2B5EF4-FFF2-40B4-BE49-F238E27FC236}">
+                  <a16:creationId xmlns:a16="http://schemas.microsoft.com/office/drawing/2014/main" id="{20D0D8E0-660E-4E39-8527-F6D4DEE23017}"/>
+                </a:ext>
+              </a:extLst>
+            </p:cNvPr>
+            <p:cNvCxnSpPr/>
+            <p:nvPr/>
+          </p:nvCxnSpPr>
+          <p:spPr>
+            <a:xfrm rot="18978679" flipV="1">
+              <a:off x="5364691" y="2533918"/>
+              <a:ext cx="0" cy="720080"/>
+            </a:xfrm>
+            <a:prstGeom prst="straightConnector1">
+              <a:avLst/>
+            </a:prstGeom>
+            <a:ln w="28575">
+              <a:solidFill>
+                <a:srgbClr val="FF0000"/>
+              </a:solidFill>
+              <a:headEnd type="none" w="med" len="med"/>
+              <a:tailEnd type="triangle"/>
+            </a:ln>
+          </p:spPr>
+          <p:style>
+            <a:lnRef idx="1">
+              <a:schemeClr val="accent1"/>
+            </a:lnRef>
+            <a:fillRef idx="0">
+              <a:schemeClr val="accent1"/>
+            </a:fillRef>
+            <a:effectRef idx="0">
+              <a:schemeClr val="accent1"/>
+            </a:effectRef>
+            <a:fontRef idx="minor">
+              <a:schemeClr val="tx1"/>
+            </a:fontRef>
+          </p:style>
+        </p:cxnSp>
+        <p:cxnSp>
+          <p:nvCxnSpPr>
+            <p:cNvPr id="38" name="直線矢印コネクタ 37">
+              <a:extLst>
+                <a:ext uri="{FF2B5EF4-FFF2-40B4-BE49-F238E27FC236}">
+                  <a16:creationId xmlns:a16="http://schemas.microsoft.com/office/drawing/2014/main" id="{D15AD076-883A-4303-892B-8BAAA5D22F85}"/>
+                </a:ext>
+              </a:extLst>
+            </p:cNvPr>
+            <p:cNvCxnSpPr>
+              <a:cxnSpLocks/>
+            </p:cNvCxnSpPr>
+            <p:nvPr/>
+          </p:nvCxnSpPr>
+          <p:spPr>
+            <a:xfrm rot="18978679" flipH="1">
+              <a:off x="2955677" y="3353493"/>
+              <a:ext cx="728464" cy="0"/>
+            </a:xfrm>
+            <a:prstGeom prst="straightConnector1">
+              <a:avLst/>
+            </a:prstGeom>
+            <a:ln w="28575">
+              <a:solidFill>
+                <a:srgbClr val="FF0000"/>
+              </a:solidFill>
+              <a:headEnd type="none" w="med" len="med"/>
+              <a:tailEnd type="triangle"/>
+            </a:ln>
+          </p:spPr>
+          <p:style>
+            <a:lnRef idx="1">
+              <a:schemeClr val="accent1"/>
+            </a:lnRef>
+            <a:fillRef idx="0">
+              <a:schemeClr val="accent1"/>
+            </a:fillRef>
+            <a:effectRef idx="0">
+              <a:schemeClr val="accent1"/>
+            </a:effectRef>
+            <a:fontRef idx="minor">
+              <a:schemeClr val="tx1"/>
+            </a:fontRef>
+          </p:style>
+        </p:cxnSp>
+        <p:cxnSp>
+          <p:nvCxnSpPr>
+            <p:cNvPr id="39" name="直線矢印コネクタ 38">
+              <a:extLst>
+                <a:ext uri="{FF2B5EF4-FFF2-40B4-BE49-F238E27FC236}">
+                  <a16:creationId xmlns:a16="http://schemas.microsoft.com/office/drawing/2014/main" id="{D82B6BC4-684F-404A-B5E8-CD2A0510E92C}"/>
+                </a:ext>
+              </a:extLst>
+            </p:cNvPr>
+            <p:cNvCxnSpPr/>
+            <p:nvPr/>
+          </p:nvCxnSpPr>
+          <p:spPr>
+            <a:xfrm rot="8178679" flipV="1">
+              <a:off x="3779309" y="5044162"/>
+              <a:ext cx="0" cy="720080"/>
+            </a:xfrm>
+            <a:prstGeom prst="straightConnector1">
+              <a:avLst/>
+            </a:prstGeom>
+            <a:ln w="28575">
+              <a:solidFill>
+                <a:srgbClr val="FF0000"/>
+              </a:solidFill>
+              <a:headEnd type="none" w="med" len="med"/>
+              <a:tailEnd type="triangle"/>
+            </a:ln>
+          </p:spPr>
+          <p:style>
+            <a:lnRef idx="1">
+              <a:schemeClr val="accent1"/>
+            </a:lnRef>
+            <a:fillRef idx="0">
+              <a:schemeClr val="accent1"/>
+            </a:fillRef>
+            <a:effectRef idx="0">
+              <a:schemeClr val="accent1"/>
+            </a:effectRef>
+            <a:fontRef idx="minor">
+              <a:schemeClr val="tx1"/>
+            </a:fontRef>
+          </p:style>
+        </p:cxnSp>
+        <p:cxnSp>
+          <p:nvCxnSpPr>
+            <p:cNvPr id="40" name="直線矢印コネクタ 39">
+              <a:extLst>
+                <a:ext uri="{FF2B5EF4-FFF2-40B4-BE49-F238E27FC236}">
+                  <a16:creationId xmlns:a16="http://schemas.microsoft.com/office/drawing/2014/main" id="{C504DE13-5BC6-4B9E-83E2-372D22434806}"/>
+                </a:ext>
+              </a:extLst>
+            </p:cNvPr>
+            <p:cNvCxnSpPr>
+              <a:cxnSpLocks/>
+            </p:cNvCxnSpPr>
+            <p:nvPr/>
+          </p:nvCxnSpPr>
+          <p:spPr>
+            <a:xfrm rot="8178679" flipH="1">
+              <a:off x="5459859" y="4944667"/>
+              <a:ext cx="728464" cy="0"/>
+            </a:xfrm>
+            <a:prstGeom prst="straightConnector1">
+              <a:avLst/>
+            </a:prstGeom>
+            <a:ln w="28575">
+              <a:solidFill>
+                <a:srgbClr val="FF0000"/>
+              </a:solidFill>
+              <a:headEnd type="none" w="med" len="med"/>
+              <a:tailEnd type="triangle"/>
+            </a:ln>
+          </p:spPr>
+          <p:style>
+            <a:lnRef idx="1">
+              <a:schemeClr val="accent1"/>
+            </a:lnRef>
+            <a:fillRef idx="0">
+              <a:schemeClr val="accent1"/>
+            </a:fillRef>
+            <a:effectRef idx="0">
+              <a:schemeClr val="accent1"/>
+            </a:effectRef>
+            <a:fontRef idx="minor">
+              <a:schemeClr val="tx1"/>
+            </a:fontRef>
+          </p:style>
+        </p:cxnSp>
+      </p:grpSp>
+      <p:sp>
+        <p:nvSpPr>
+          <p:cNvPr id="41" name="テキスト ボックス 40">
+            <a:extLst>
+              <a:ext uri="{FF2B5EF4-FFF2-40B4-BE49-F238E27FC236}">
+                <a16:creationId xmlns:a16="http://schemas.microsoft.com/office/drawing/2014/main" id="{71224C81-F743-4826-B116-6FA54098A14F}"/>
+              </a:ext>
+            </a:extLst>
+          </p:cNvPr>
+          <p:cNvSpPr txBox="1"/>
+          <p:nvPr/>
+        </p:nvSpPr>
+        <p:spPr>
+          <a:xfrm>
+            <a:off x="251520" y="908720"/>
+            <a:ext cx="7007046" cy="523220"/>
+          </a:xfrm>
+          <a:prstGeom prst="rect">
+            <a:avLst/>
+          </a:prstGeom>
+          <a:noFill/>
+        </p:spPr>
+        <p:txBody>
+          <a:bodyPr wrap="none" rtlCol="0">
+            <a:spAutoFit/>
+          </a:bodyPr>
+          <a:lstStyle/>
+          <a:p>
+            <a:r>
+              <a:rPr kumimoji="1" lang="ja-JP" altLang="en-US" sz="2800"/>
+              <a:t>今の手続きを様々な点で繰り返すと・・・</a:t>
+            </a:r>
+          </a:p>
+        </p:txBody>
+      </p:sp>
+      <p:sp>
+        <p:nvSpPr>
+          <p:cNvPr id="44" name="テキスト ボックス 43">
+            <a:extLst>
+              <a:ext uri="{FF2B5EF4-FFF2-40B4-BE49-F238E27FC236}">
+                <a16:creationId xmlns:a16="http://schemas.microsoft.com/office/drawing/2014/main" id="{3356C9C7-2A40-4892-8D59-96F102CFB6E3}"/>
+              </a:ext>
+            </a:extLst>
+          </p:cNvPr>
+          <p:cNvSpPr txBox="1"/>
+          <p:nvPr/>
+        </p:nvSpPr>
+        <p:spPr>
+          <a:xfrm>
+            <a:off x="323528" y="6093296"/>
+            <a:ext cx="7725192" cy="523220"/>
+          </a:xfrm>
+          <a:prstGeom prst="rect">
+            <a:avLst/>
+          </a:prstGeom>
+          <a:noFill/>
+        </p:spPr>
+        <p:txBody>
+          <a:bodyPr wrap="none" rtlCol="0">
+            <a:spAutoFit/>
+          </a:bodyPr>
+          <a:lstStyle/>
+          <a:p>
+            <a:r>
+              <a:rPr kumimoji="1" lang="ja-JP" altLang="en-US" sz="2800"/>
+              <a:t>運動方程式は位相空間にベクトル場を定義する</a:t>
+            </a:r>
+            <a:endParaRPr kumimoji="1" lang="en-US" altLang="ja-JP" sz="2800"/>
+          </a:p>
+        </p:txBody>
+      </p:sp>
+    </p:spTree>
+    <p:extLst>
+      <p:ext uri="{BB962C8B-B14F-4D97-AF65-F5344CB8AC3E}">
+        <p14:creationId xmlns:p14="http://schemas.microsoft.com/office/powerpoint/2010/main" val="3527572396"/>
+      </p:ext>
+    </p:extLst>
+  </p:cSld>
+  <p:clrMapOvr>
+    <a:masterClrMapping/>
+  </p:clrMapOvr>
+</p:sld>
+</file>
+
 <file path=ppt/slides/slide2.xml><?xml version="1.0" encoding="utf-8"?>
 <p:sld xmlns:a="http://schemas.openxmlformats.org/drawingml/2006/main" xmlns:r="http://schemas.openxmlformats.org/officeDocument/2006/relationships" xmlns:p="http://schemas.openxmlformats.org/presentationml/2006/main">
   <p:cSld>
@@ -1714,8 +8223,8 @@
           </a:p>
         </p:txBody>
       </p:sp>
-      <mc:AlternateContent xmlns:mc="http://schemas.openxmlformats.org/markup-compatibility/2006">
-        <mc:Choice xmlns:a14="http://schemas.microsoft.com/office/drawing/2010/main" Requires="a14">
+      <mc:AlternateContent xmlns:mc="http://schemas.openxmlformats.org/markup-compatibility/2006" xmlns:a14="http://schemas.microsoft.com/office/drawing/2010/main">
+        <mc:Choice Requires="a14">
           <p:sp>
             <p:nvSpPr>
               <p:cNvPr id="3" name="テキスト ボックス 2">
@@ -1744,6 +8253,7 @@
               </a:bodyPr>
               <a:lstStyle/>
               <a:p>
+                <a:pPr/>
                 <a14:m>
                   <m:oMathPara xmlns:m="http://schemas.openxmlformats.org/officeDocument/2006/math">
                     <m:oMathParaPr>
@@ -1776,7 +8286,7 @@
             </p:txBody>
           </p:sp>
         </mc:Choice>
-        <mc:Fallback>
+        <mc:Fallback xmlns="">
           <p:sp>
             <p:nvSpPr>
               <p:cNvPr id="3" name="テキスト ボックス 2">
@@ -1923,8 +8433,8 @@
           </a:p>
         </p:txBody>
       </p:sp>
-      <mc:AlternateContent xmlns:mc="http://schemas.openxmlformats.org/markup-compatibility/2006">
-        <mc:Choice xmlns:a14="http://schemas.microsoft.com/office/drawing/2010/main" Requires="a14">
+      <mc:AlternateContent xmlns:mc="http://schemas.openxmlformats.org/markup-compatibility/2006" xmlns:a14="http://schemas.microsoft.com/office/drawing/2010/main">
+        <mc:Choice Requires="a14">
           <p:sp>
             <p:nvSpPr>
               <p:cNvPr id="3" name="テキスト ボックス 2">
@@ -1953,6 +8463,7 @@
               </a:bodyPr>
               <a:lstStyle/>
               <a:p>
+                <a:pPr/>
                 <a14:m>
                   <m:oMathPara xmlns:m="http://schemas.openxmlformats.org/officeDocument/2006/math">
                     <m:oMathParaPr>
@@ -2004,7 +8515,7 @@
             </p:txBody>
           </p:sp>
         </mc:Choice>
-        <mc:Fallback>
+        <mc:Fallback xmlns="">
           <p:sp>
             <p:nvSpPr>
               <p:cNvPr id="3" name="テキスト ボックス 2">
@@ -2049,8 +8560,8 @@
           </p:sp>
         </mc:Fallback>
       </mc:AlternateContent>
-      <mc:AlternateContent xmlns:mc="http://schemas.openxmlformats.org/markup-compatibility/2006">
-        <mc:Choice xmlns:a14="http://schemas.microsoft.com/office/drawing/2010/main" Requires="a14">
+      <mc:AlternateContent xmlns:mc="http://schemas.openxmlformats.org/markup-compatibility/2006" xmlns:a14="http://schemas.microsoft.com/office/drawing/2010/main">
+        <mc:Choice Requires="a14">
           <p:sp>
             <p:nvSpPr>
               <p:cNvPr id="4" name="テキスト ボックス 3">
@@ -2079,6 +8590,7 @@
               </a:bodyPr>
               <a:lstStyle/>
               <a:p>
+                <a:pPr/>
                 <a14:m>
                   <m:oMathPara xmlns:m="http://schemas.openxmlformats.org/officeDocument/2006/math">
                     <m:oMathParaPr>
@@ -2130,7 +8642,7 @@
             </p:txBody>
           </p:sp>
         </mc:Choice>
-        <mc:Fallback>
+        <mc:Fallback xmlns="">
           <p:sp>
             <p:nvSpPr>
               <p:cNvPr id="4" name="テキスト ボックス 3">
@@ -2247,8 +8759,8 @@
           </a:p>
         </p:txBody>
       </p:sp>
-      <mc:AlternateContent xmlns:mc="http://schemas.openxmlformats.org/markup-compatibility/2006">
-        <mc:Choice xmlns:a14="http://schemas.microsoft.com/office/drawing/2010/main" Requires="a14">
+      <mc:AlternateContent xmlns:mc="http://schemas.openxmlformats.org/markup-compatibility/2006" xmlns:a14="http://schemas.microsoft.com/office/drawing/2010/main">
+        <mc:Choice Requires="a14">
           <p:sp>
             <p:nvSpPr>
               <p:cNvPr id="7" name="テキスト ボックス 6">
@@ -2277,6 +8789,7 @@
               </a:bodyPr>
               <a:lstStyle/>
               <a:p>
+                <a:pPr/>
                 <a14:m>
                   <m:oMathPara xmlns:m="http://schemas.openxmlformats.org/officeDocument/2006/math">
                     <m:oMathParaPr>
@@ -2397,7 +8910,7 @@
             </p:txBody>
           </p:sp>
         </mc:Choice>
-        <mc:Fallback>
+        <mc:Fallback xmlns="">
           <p:sp>
             <p:nvSpPr>
               <p:cNvPr id="7" name="テキスト ボックス 6">
@@ -3611,8 +10124,8 @@
           </a:p>
         </p:txBody>
       </p:sp>
-      <mc:AlternateContent xmlns:mc="http://schemas.openxmlformats.org/markup-compatibility/2006">
-        <mc:Choice xmlns:a14="http://schemas.microsoft.com/office/drawing/2010/main" Requires="a14">
+      <mc:AlternateContent xmlns:mc="http://schemas.openxmlformats.org/markup-compatibility/2006" xmlns:a14="http://schemas.microsoft.com/office/drawing/2010/main">
+        <mc:Choice Requires="a14">
           <p:sp>
             <p:nvSpPr>
               <p:cNvPr id="54" name="テキスト ボックス 53">
@@ -3641,6 +10154,7 @@
               </a:bodyPr>
               <a:lstStyle/>
               <a:p>
+                <a:pPr/>
                 <a14:m>
                   <m:oMathPara xmlns:m="http://schemas.openxmlformats.org/officeDocument/2006/math">
                     <m:oMathParaPr>
@@ -3661,7 +10175,7 @@
             </p:txBody>
           </p:sp>
         </mc:Choice>
-        <mc:Fallback>
+        <mc:Fallback xmlns="">
           <p:sp>
             <p:nvSpPr>
               <p:cNvPr id="54" name="テキスト ボックス 53">
@@ -3756,8 +10270,8 @@
           </a:p>
         </p:txBody>
       </p:sp>
-      <mc:AlternateContent xmlns:mc="http://schemas.openxmlformats.org/markup-compatibility/2006">
-        <mc:Choice xmlns:a14="http://schemas.microsoft.com/office/drawing/2010/main" Requires="a14">
+      <mc:AlternateContent xmlns:mc="http://schemas.openxmlformats.org/markup-compatibility/2006" xmlns:a14="http://schemas.microsoft.com/office/drawing/2010/main">
+        <mc:Choice Requires="a14">
           <p:sp>
             <p:nvSpPr>
               <p:cNvPr id="56" name="テキスト ボックス 55">
@@ -3786,6 +10300,7 @@
               </a:bodyPr>
               <a:lstStyle/>
               <a:p>
+                <a:pPr/>
                 <a14:m>
                   <m:oMathPara xmlns:m="http://schemas.openxmlformats.org/officeDocument/2006/math">
                     <m:oMathParaPr>
@@ -3887,7 +10402,7 @@
             </p:txBody>
           </p:sp>
         </mc:Choice>
-        <mc:Fallback>
+        <mc:Fallback xmlns="">
           <p:sp>
             <p:nvSpPr>
               <p:cNvPr id="56" name="テキスト ボックス 55">
@@ -4926,8 +11441,8 @@
           </a:fontRef>
         </p:style>
       </p:cxnSp>
-      <mc:AlternateContent xmlns:mc="http://schemas.openxmlformats.org/markup-compatibility/2006">
-        <mc:Choice xmlns:a14="http://schemas.microsoft.com/office/drawing/2010/main" Requires="a14">
+      <mc:AlternateContent xmlns:mc="http://schemas.openxmlformats.org/markup-compatibility/2006" xmlns:a14="http://schemas.microsoft.com/office/drawing/2010/main">
+        <mc:Choice Requires="a14">
           <p:sp>
             <p:nvSpPr>
               <p:cNvPr id="25" name="テキスト ボックス 24">
@@ -4956,6 +11471,7 @@
               </a:bodyPr>
               <a:lstStyle/>
               <a:p>
+                <a:pPr/>
                 <a14:m>
                   <m:oMathPara xmlns:m="http://schemas.openxmlformats.org/officeDocument/2006/math">
                     <m:oMathParaPr>
@@ -4982,7 +11498,7 @@
             </p:txBody>
           </p:sp>
         </mc:Choice>
-        <mc:Fallback>
+        <mc:Fallback xmlns="">
           <p:sp>
             <p:nvSpPr>
               <p:cNvPr id="25" name="テキスト ボックス 24">
@@ -6224,8 +12740,8 @@
           </a:p>
         </p:txBody>
       </p:sp>
-      <mc:AlternateContent xmlns:mc="http://schemas.openxmlformats.org/markup-compatibility/2006">
-        <mc:Choice xmlns:a14="http://schemas.microsoft.com/office/drawing/2010/main" Requires="a14">
+      <mc:AlternateContent xmlns:mc="http://schemas.openxmlformats.org/markup-compatibility/2006" xmlns:a14="http://schemas.microsoft.com/office/drawing/2010/main">
+        <mc:Choice Requires="a14">
           <p:sp>
             <p:nvSpPr>
               <p:cNvPr id="3" name="テキスト ボックス 2">
@@ -6295,7 +12811,7 @@
             </p:txBody>
           </p:sp>
         </mc:Choice>
-        <mc:Fallback>
+        <mc:Fallback xmlns="">
           <p:sp>
             <p:nvSpPr>
               <p:cNvPr id="3" name="テキスト ボックス 2">
@@ -6340,8 +12856,8 @@
           </p:sp>
         </mc:Fallback>
       </mc:AlternateContent>
-      <mc:AlternateContent xmlns:mc="http://schemas.openxmlformats.org/markup-compatibility/2006">
-        <mc:Choice xmlns:a14="http://schemas.microsoft.com/office/drawing/2010/main" Requires="a14">
+      <mc:AlternateContent xmlns:mc="http://schemas.openxmlformats.org/markup-compatibility/2006" xmlns:a14="http://schemas.microsoft.com/office/drawing/2010/main">
+        <mc:Choice Requires="a14">
           <p:sp>
             <p:nvSpPr>
               <p:cNvPr id="4" name="テキスト ボックス 3">
@@ -6389,7 +12905,7 @@
             </p:txBody>
           </p:sp>
         </mc:Choice>
-        <mc:Fallback>
+        <mc:Fallback xmlns="">
           <p:sp>
             <p:nvSpPr>
               <p:cNvPr id="4" name="テキスト ボックス 3">
@@ -7423,8 +13939,8 @@
           </a:p>
         </p:txBody>
       </p:sp>
-      <mc:AlternateContent xmlns:mc="http://schemas.openxmlformats.org/markup-compatibility/2006">
-        <mc:Choice xmlns:a14="http://schemas.microsoft.com/office/drawing/2010/main" Requires="a14">
+      <mc:AlternateContent xmlns:mc="http://schemas.openxmlformats.org/markup-compatibility/2006" xmlns:a14="http://schemas.microsoft.com/office/drawing/2010/main">
+        <mc:Choice Requires="a14">
           <p:sp>
             <p:nvSpPr>
               <p:cNvPr id="25" name="テキスト ボックス 24">
@@ -7453,6 +13969,7 @@
               </a:bodyPr>
               <a:lstStyle/>
               <a:p>
+                <a:pPr/>
                 <a14:m>
                   <m:oMathPara xmlns:m="http://schemas.openxmlformats.org/officeDocument/2006/math">
                     <m:oMathParaPr>
@@ -7554,7 +14071,7 @@
             </p:txBody>
           </p:sp>
         </mc:Choice>
-        <mc:Fallback>
+        <mc:Fallback xmlns="">
           <p:sp>
             <p:nvSpPr>
               <p:cNvPr id="25" name="テキスト ボックス 24">
@@ -8830,6 +15347,7 @@
               </a:bodyPr>
               <a:lstStyle/>
               <a:p>
+                <a:pPr/>
                 <a14:m>
                   <m:oMathPara xmlns:m="http://schemas.openxmlformats.org/officeDocument/2006/math">
                     <m:oMathParaPr>
@@ -8846,7 +15364,7 @@
                         <a:rPr kumimoji="1" lang="en-US" altLang="ja-JP" sz="3600" b="0" i="1" smtClean="0">
                           <a:latin typeface="Cambria Math" panose="02040503050406030204" pitchFamily="18" charset="0"/>
                         </a:rPr>
-                        <m:t>𝑟</m:t>
+                        <m:t>𝑣</m:t>
                       </m:r>
                       <m:r>
                         <a:rPr kumimoji="1" lang="en-US" altLang="ja-JP" sz="3600" b="0" i="1" smtClean="0">
@@ -8858,13 +15376,37 @@
                         <a:rPr kumimoji="1" lang="en-US" altLang="ja-JP" sz="3600" b="0" i="1" smtClean="0">
                           <a:latin typeface="Cambria Math" panose="02040503050406030204" pitchFamily="18" charset="0"/>
                         </a:rPr>
-                        <m:t>𝑣</m:t>
+                        <m:t>𝑟</m:t>
                       </m:r>
                       <m:r>
                         <a:rPr kumimoji="1" lang="en-US" altLang="ja-JP" sz="3600" b="0" i="1" smtClean="0">
                           <a:latin typeface="Cambria Math" panose="02040503050406030204" pitchFamily="18" charset="0"/>
                         </a:rPr>
-                        <m:t>) =(0,1)</m:t>
+                        <m:t>) =(</m:t>
+                      </m:r>
+                      <m:r>
+                        <a:rPr kumimoji="1" lang="en-US" altLang="ja-JP" sz="3600" b="0" i="1" smtClean="0">
+                          <a:latin typeface="Cambria Math" panose="02040503050406030204" pitchFamily="18" charset="0"/>
+                        </a:rPr>
+                        <m:t>1</m:t>
+                      </m:r>
+                      <m:r>
+                        <a:rPr kumimoji="1" lang="en-US" altLang="ja-JP" sz="3600" b="0" i="1" smtClean="0">
+                          <a:latin typeface="Cambria Math" panose="02040503050406030204" pitchFamily="18" charset="0"/>
+                        </a:rPr>
+                        <m:t>,</m:t>
+                      </m:r>
+                      <m:r>
+                        <a:rPr kumimoji="1" lang="en-US" altLang="ja-JP" sz="3600" b="0" i="1" smtClean="0">
+                          <a:latin typeface="Cambria Math" panose="02040503050406030204" pitchFamily="18" charset="0"/>
+                        </a:rPr>
+                        <m:t>0</m:t>
+                      </m:r>
+                      <m:r>
+                        <a:rPr kumimoji="1" lang="en-US" altLang="ja-JP" sz="3600" b="0" i="1" smtClean="0">
+                          <a:latin typeface="Cambria Math" panose="02040503050406030204" pitchFamily="18" charset="0"/>
+                        </a:rPr>
+                        <m:t>)</m:t>
                       </m:r>
                     </m:oMath>
                   </m:oMathPara>
@@ -8936,7 +15478,7 @@
             <p:spPr>
               <a:xfrm>
                 <a:off x="8316416" y="2412177"/>
-                <a:ext cx="503086" cy="584775"/>
+                <a:ext cx="533351" cy="584775"/>
               </a:xfrm>
               <a:prstGeom prst="rect">
                 <a:avLst/>
@@ -8949,6 +15491,7 @@
               </a:bodyPr>
               <a:lstStyle/>
               <a:p>
+                <a:pPr/>
                 <a14:m>
                   <m:oMathPara xmlns:m="http://schemas.openxmlformats.org/officeDocument/2006/math">
                     <m:oMathParaPr>
@@ -8959,7 +15502,7 @@
                         <a:rPr kumimoji="1" lang="en-US" altLang="ja-JP" sz="3200" b="0" i="1" smtClean="0">
                           <a:latin typeface="Cambria Math" panose="02040503050406030204" pitchFamily="18" charset="0"/>
                         </a:rPr>
-                        <m:t>𝑟</m:t>
+                        <m:t>𝑣</m:t>
                       </m:r>
                     </m:oMath>
                   </m:oMathPara>
@@ -8987,7 +15530,7 @@
             <p:spPr>
               <a:xfrm>
                 <a:off x="8316416" y="2412177"/>
-                <a:ext cx="503086" cy="584775"/>
+                <a:ext cx="533351" cy="584775"/>
               </a:xfrm>
               <a:prstGeom prst="rect">
                 <a:avLst/>
@@ -9031,7 +15574,7 @@
             <p:spPr>
               <a:xfrm>
                 <a:off x="6486921" y="692696"/>
-                <a:ext cx="533351" cy="584775"/>
+                <a:ext cx="503086" cy="584775"/>
               </a:xfrm>
               <a:prstGeom prst="rect">
                 <a:avLst/>
@@ -9044,6 +15587,7 @@
               </a:bodyPr>
               <a:lstStyle/>
               <a:p>
+                <a:pPr/>
                 <a14:m>
                   <m:oMathPara xmlns:m="http://schemas.openxmlformats.org/officeDocument/2006/math">
                     <m:oMathParaPr>
@@ -9054,7 +15598,7 @@
                         <a:rPr kumimoji="1" lang="en-US" altLang="ja-JP" sz="3200" b="0" i="1" smtClean="0">
                           <a:latin typeface="Cambria Math" panose="02040503050406030204" pitchFamily="18" charset="0"/>
                         </a:rPr>
-                        <m:t>𝑣</m:t>
+                        <m:t>𝑟</m:t>
                       </m:r>
                     </m:oMath>
                   </m:oMathPara>
@@ -9082,7 +15626,7 @@
             <p:spPr>
               <a:xfrm>
                 <a:off x="6486921" y="692696"/>
-                <a:ext cx="533351" cy="584775"/>
+                <a:ext cx="503086" cy="584775"/>
               </a:xfrm>
               <a:prstGeom prst="rect">
                 <a:avLst/>
@@ -9123,7 +15667,7 @@
         </p:nvSpPr>
         <p:spPr>
           <a:xfrm>
-            <a:off x="7330076" y="2597562"/>
+            <a:off x="7369426" y="2597562"/>
             <a:ext cx="216024" cy="216024"/>
           </a:xfrm>
           <a:prstGeom prst="ellipse">
@@ -9245,7 +15789,7 @@
                       <a:rPr lang="en-US" altLang="ja-JP" sz="2400" b="0" i="1" smtClean="0">
                         <a:latin typeface="Cambria Math" panose="02040503050406030204" pitchFamily="18" charset="0"/>
                       </a:rPr>
-                      <m:t>𝑟</m:t>
+                      <m:t>𝑣</m:t>
                     </m:r>
                     <m:r>
                       <a:rPr lang="en-US" altLang="ja-JP" sz="2400" b="0" i="1" smtClean="0">
@@ -9257,7 +15801,7 @@
                       <a:rPr lang="en-US" altLang="ja-JP" sz="2400" b="0" i="1" smtClean="0">
                         <a:latin typeface="Cambria Math" panose="02040503050406030204" pitchFamily="18" charset="0"/>
                       </a:rPr>
-                      <m:t>𝑣</m:t>
+                      <m:t>𝑟</m:t>
                     </m:r>
                     <m:r>
                       <a:rPr lang="en-US" altLang="ja-JP" sz="2400" b="0" i="1" smtClean="0">
@@ -9357,6 +15901,766 @@
     <p:extLst>
       <p:ext uri="{BB962C8B-B14F-4D97-AF65-F5344CB8AC3E}">
         <p14:creationId xmlns:p14="http://schemas.microsoft.com/office/powerpoint/2010/main" val="2919403466"/>
+      </p:ext>
+    </p:extLst>
+  </p:cSld>
+  <p:clrMapOvr>
+    <a:masterClrMapping/>
+  </p:clrMapOvr>
+</p:sld>
+</file>
+
+<file path=ppt/slides/slide9.xml><?xml version="1.0" encoding="utf-8"?>
+<p:sld xmlns:a="http://schemas.openxmlformats.org/drawingml/2006/main" xmlns:r="http://schemas.openxmlformats.org/officeDocument/2006/relationships" xmlns:p="http://schemas.openxmlformats.org/presentationml/2006/main">
+  <p:cSld>
+    <p:spTree>
+      <p:nvGrpSpPr>
+        <p:cNvPr id="1" name=""/>
+        <p:cNvGrpSpPr/>
+        <p:nvPr/>
+      </p:nvGrpSpPr>
+      <p:grpSpPr>
+        <a:xfrm>
+          <a:off x="0" y="0"/>
+          <a:ext cx="0" cy="0"/>
+          <a:chOff x="0" y="0"/>
+          <a:chExt cx="0" cy="0"/>
+        </a:xfrm>
+      </p:grpSpPr>
+      <p:sp>
+        <p:nvSpPr>
+          <p:cNvPr id="2" name="テキスト プレースホルダー 1">
+            <a:extLst>
+              <a:ext uri="{FF2B5EF4-FFF2-40B4-BE49-F238E27FC236}">
+                <a16:creationId xmlns:a16="http://schemas.microsoft.com/office/drawing/2014/main" id="{E0308873-4A76-464A-B304-69F14DB5E308}"/>
+              </a:ext>
+            </a:extLst>
+          </p:cNvPr>
+          <p:cNvSpPr>
+            <a:spLocks noGrp="1"/>
+          </p:cNvSpPr>
+          <p:nvPr>
+            <p:ph type="body" sz="quarter" idx="10"/>
+          </p:nvPr>
+        </p:nvSpPr>
+        <p:spPr/>
+        <p:txBody>
+          <a:bodyPr/>
+          <a:lstStyle/>
+          <a:p>
+            <a:r>
+              <a:rPr kumimoji="1" lang="ja-JP" altLang="en-US"/>
+              <a:t>位相空間</a:t>
+            </a:r>
+          </a:p>
+        </p:txBody>
+      </p:sp>
+      <mc:AlternateContent xmlns:mc="http://schemas.openxmlformats.org/markup-compatibility/2006">
+        <mc:Choice xmlns:a14="http://schemas.microsoft.com/office/drawing/2010/main" Requires="a14">
+          <p:sp>
+            <p:nvSpPr>
+              <p:cNvPr id="3" name="テキスト ボックス 2">
+                <a:extLst>
+                  <a:ext uri="{FF2B5EF4-FFF2-40B4-BE49-F238E27FC236}">
+                    <a16:creationId xmlns:a16="http://schemas.microsoft.com/office/drawing/2014/main" id="{17277E29-BE95-413B-B9C8-FD78F100BE86}"/>
+                  </a:ext>
+                </a:extLst>
+              </p:cNvPr>
+              <p:cNvSpPr txBox="1"/>
+              <p:nvPr/>
+            </p:nvSpPr>
+            <p:spPr>
+              <a:xfrm>
+                <a:off x="539552" y="1268760"/>
+                <a:ext cx="7488831" cy="954107"/>
+              </a:xfrm>
+              <a:prstGeom prst="rect">
+                <a:avLst/>
+              </a:prstGeom>
+              <a:noFill/>
+            </p:spPr>
+            <p:txBody>
+              <a:bodyPr wrap="square" rtlCol="0">
+                <a:spAutoFit/>
+              </a:bodyPr>
+              <a:lstStyle/>
+              <a:p>
+                <a:r>
+                  <a:rPr lang="ja-JP" altLang="en-US" sz="2800"/>
+                  <a:t>系の状態は</a:t>
+                </a:r>
+                <a14:m>
+                  <m:oMath xmlns:m="http://schemas.openxmlformats.org/officeDocument/2006/math">
+                    <m:r>
+                      <a:rPr lang="en-US" altLang="ja-JP" sz="2800" b="0" i="1" smtClean="0">
+                        <a:latin typeface="Cambria Math" panose="02040503050406030204" pitchFamily="18" charset="0"/>
+                      </a:rPr>
+                      <m:t>(</m:t>
+                    </m:r>
+                    <m:r>
+                      <a:rPr lang="en-US" altLang="ja-JP" sz="2800" b="0" i="1" smtClean="0">
+                        <a:latin typeface="Cambria Math" panose="02040503050406030204" pitchFamily="18" charset="0"/>
+                      </a:rPr>
+                      <m:t>𝑣</m:t>
+                    </m:r>
+                    <m:r>
+                      <a:rPr lang="en-US" altLang="ja-JP" sz="2800" b="0" i="1" smtClean="0">
+                        <a:latin typeface="Cambria Math" panose="02040503050406030204" pitchFamily="18" charset="0"/>
+                      </a:rPr>
+                      <m:t>,</m:t>
+                    </m:r>
+                    <m:r>
+                      <a:rPr lang="en-US" altLang="ja-JP" sz="2800" b="0" i="1" smtClean="0">
+                        <a:latin typeface="Cambria Math" panose="02040503050406030204" pitchFamily="18" charset="0"/>
+                      </a:rPr>
+                      <m:t>𝑟</m:t>
+                    </m:r>
+                    <m:r>
+                      <a:rPr lang="en-US" altLang="ja-JP" sz="2800" b="0" i="1" smtClean="0">
+                        <a:latin typeface="Cambria Math" panose="02040503050406030204" pitchFamily="18" charset="0"/>
+                      </a:rPr>
+                      <m:t>)</m:t>
+                    </m:r>
+                    <m:r>
+                      <a:rPr kumimoji="1" lang="ja-JP" altLang="en-US" sz="2800" i="1">
+                        <a:latin typeface="Cambria Math" panose="02040503050406030204" pitchFamily="18" charset="0"/>
+                      </a:rPr>
+                      <m:t>空間で</m:t>
+                    </m:r>
+                  </m:oMath>
+                </a14:m>
+                <a:r>
+                  <a:rPr kumimoji="1" lang="ja-JP" altLang="en-US" sz="2800"/>
+                  <a:t>指定できるのだから</a:t>
+                </a:r>
+                <a:endParaRPr kumimoji="1" lang="en-US" altLang="ja-JP" sz="2800"/>
+              </a:p>
+              <a:p>
+                <a:r>
+                  <a:rPr kumimoji="1" lang="ja-JP" altLang="en-US" sz="2800"/>
+                  <a:t>運動方程式も</a:t>
+                </a:r>
+                <a14:m>
+                  <m:oMath xmlns:m="http://schemas.openxmlformats.org/officeDocument/2006/math">
+                    <m:r>
+                      <a:rPr kumimoji="1" lang="en-US" altLang="ja-JP" sz="2800" b="0" i="1" smtClean="0">
+                        <a:latin typeface="Cambria Math" panose="02040503050406030204" pitchFamily="18" charset="0"/>
+                      </a:rPr>
+                      <m:t>(</m:t>
+                    </m:r>
+                    <m:r>
+                      <a:rPr kumimoji="1" lang="en-US" altLang="ja-JP" sz="2800" b="0" i="1" smtClean="0">
+                        <a:latin typeface="Cambria Math" panose="02040503050406030204" pitchFamily="18" charset="0"/>
+                      </a:rPr>
+                      <m:t>𝑣</m:t>
+                    </m:r>
+                    <m:r>
+                      <a:rPr kumimoji="1" lang="en-US" altLang="ja-JP" sz="2800" b="0" i="1" smtClean="0">
+                        <a:latin typeface="Cambria Math" panose="02040503050406030204" pitchFamily="18" charset="0"/>
+                      </a:rPr>
+                      <m:t>,</m:t>
+                    </m:r>
+                    <m:r>
+                      <a:rPr kumimoji="1" lang="en-US" altLang="ja-JP" sz="2800" b="0" i="1" smtClean="0">
+                        <a:latin typeface="Cambria Math" panose="02040503050406030204" pitchFamily="18" charset="0"/>
+                      </a:rPr>
+                      <m:t>𝑟</m:t>
+                    </m:r>
+                    <m:r>
+                      <a:rPr kumimoji="1" lang="en-US" altLang="ja-JP" sz="2800" b="0" i="1" smtClean="0">
+                        <a:latin typeface="Cambria Math" panose="02040503050406030204" pitchFamily="18" charset="0"/>
+                      </a:rPr>
+                      <m:t>)</m:t>
+                    </m:r>
+                    <m:r>
+                      <a:rPr lang="ja-JP" altLang="en-US" sz="2800" i="1">
+                        <a:latin typeface="Cambria Math" panose="02040503050406030204" pitchFamily="18" charset="0"/>
+                      </a:rPr>
+                      <m:t>で</m:t>
+                    </m:r>
+                  </m:oMath>
+                </a14:m>
+                <a:r>
+                  <a:rPr kumimoji="1" lang="ja-JP" altLang="en-US" sz="2800"/>
+                  <a:t>書きたい</a:t>
+                </a:r>
+                <a:endParaRPr kumimoji="1" lang="en-US" altLang="ja-JP" sz="2800"/>
+              </a:p>
+            </p:txBody>
+          </p:sp>
+        </mc:Choice>
+        <mc:Fallback>
+          <p:sp>
+            <p:nvSpPr>
+              <p:cNvPr id="3" name="テキスト ボックス 2">
+                <a:extLst>
+                  <a:ext uri="{FF2B5EF4-FFF2-40B4-BE49-F238E27FC236}">
+                    <a16:creationId xmlns:a16="http://schemas.microsoft.com/office/drawing/2014/main" id="{17277E29-BE95-413B-B9C8-FD78F100BE86}"/>
+                  </a:ext>
+                </a:extLst>
+              </p:cNvPr>
+              <p:cNvSpPr txBox="1">
+                <a:spLocks noRot="1" noChangeAspect="1" noMove="1" noResize="1" noEditPoints="1" noAdjustHandles="1" noChangeArrowheads="1" noChangeShapeType="1" noTextEdit="1"/>
+              </p:cNvSpPr>
+              <p:nvPr/>
+            </p:nvSpPr>
+            <p:spPr>
+              <a:xfrm>
+                <a:off x="539552" y="1268760"/>
+                <a:ext cx="7488831" cy="954107"/>
+              </a:xfrm>
+              <a:prstGeom prst="rect">
+                <a:avLst/>
+              </a:prstGeom>
+              <a:blipFill>
+                <a:blip r:embed="rId2"/>
+                <a:stretch>
+                  <a:fillRect l="-1710" t="-8280" b="-14650"/>
+                </a:stretch>
+              </a:blipFill>
+            </p:spPr>
+            <p:txBody>
+              <a:bodyPr/>
+              <a:lstStyle/>
+              <a:p>
+                <a:r>
+                  <a:rPr lang="ja-JP" altLang="en-US">
+                    <a:noFill/>
+                  </a:rPr>
+                  <a:t> </a:t>
+                </a:r>
+              </a:p>
+            </p:txBody>
+          </p:sp>
+        </mc:Fallback>
+      </mc:AlternateContent>
+      <mc:AlternateContent xmlns:mc="http://schemas.openxmlformats.org/markup-compatibility/2006">
+        <mc:Choice xmlns:a14="http://schemas.microsoft.com/office/drawing/2010/main" Requires="a14">
+          <p:sp>
+            <p:nvSpPr>
+              <p:cNvPr id="4" name="テキスト ボックス 3">
+                <a:extLst>
+                  <a:ext uri="{FF2B5EF4-FFF2-40B4-BE49-F238E27FC236}">
+                    <a16:creationId xmlns:a16="http://schemas.microsoft.com/office/drawing/2014/main" id="{17DB127A-5CE1-4236-AAF8-653BD5F71DE9}"/>
+                  </a:ext>
+                </a:extLst>
+              </p:cNvPr>
+              <p:cNvSpPr txBox="1"/>
+              <p:nvPr/>
+            </p:nvSpPr>
+            <p:spPr>
+              <a:xfrm>
+                <a:off x="1331640" y="3356992"/>
+                <a:ext cx="2215286" cy="1203984"/>
+              </a:xfrm>
+              <a:prstGeom prst="rect">
+                <a:avLst/>
+              </a:prstGeom>
+              <a:noFill/>
+            </p:spPr>
+            <p:txBody>
+              <a:bodyPr wrap="none" rtlCol="0">
+                <a:spAutoFit/>
+              </a:bodyPr>
+              <a:lstStyle/>
+              <a:p>
+                <a:pPr/>
+                <a14:m>
+                  <m:oMathPara xmlns:m="http://schemas.openxmlformats.org/officeDocument/2006/math">
+                    <m:oMathParaPr>
+                      <m:jc m:val="centerGroup"/>
+                    </m:oMathParaPr>
+                    <m:oMath xmlns:m="http://schemas.openxmlformats.org/officeDocument/2006/math">
+                      <m:f>
+                        <m:fPr>
+                          <m:ctrlPr>
+                            <a:rPr kumimoji="1" lang="en-US" altLang="ja-JP" sz="3600" b="0" i="1" smtClean="0">
+                              <a:latin typeface="Cambria Math" panose="02040503050406030204" pitchFamily="18" charset="0"/>
+                            </a:rPr>
+                          </m:ctrlPr>
+                        </m:fPr>
+                        <m:num>
+                          <m:sSup>
+                            <m:sSupPr>
+                              <m:ctrlPr>
+                                <a:rPr kumimoji="1" lang="en-US" altLang="ja-JP" sz="3600" b="0" i="1" smtClean="0">
+                                  <a:latin typeface="Cambria Math" panose="02040503050406030204" pitchFamily="18" charset="0"/>
+                                </a:rPr>
+                              </m:ctrlPr>
+                            </m:sSupPr>
+                            <m:e>
+                              <m:r>
+                                <a:rPr kumimoji="1" lang="en-US" altLang="ja-JP" sz="3600" b="0" i="1" smtClean="0">
+                                  <a:latin typeface="Cambria Math" panose="02040503050406030204" pitchFamily="18" charset="0"/>
+                                </a:rPr>
+                                <m:t>𝑑</m:t>
+                              </m:r>
+                            </m:e>
+                            <m:sup>
+                              <m:r>
+                                <a:rPr kumimoji="1" lang="en-US" altLang="ja-JP" sz="3600" b="0" i="1" smtClean="0">
+                                  <a:latin typeface="Cambria Math" panose="02040503050406030204" pitchFamily="18" charset="0"/>
+                                </a:rPr>
+                                <m:t>2</m:t>
+                              </m:r>
+                            </m:sup>
+                          </m:sSup>
+                          <m:r>
+                            <a:rPr kumimoji="1" lang="en-US" altLang="ja-JP" sz="3600" b="0" i="1" smtClean="0">
+                              <a:latin typeface="Cambria Math" panose="02040503050406030204" pitchFamily="18" charset="0"/>
+                            </a:rPr>
+                            <m:t>𝑟</m:t>
+                          </m:r>
+                        </m:num>
+                        <m:den>
+                          <m:r>
+                            <a:rPr kumimoji="1" lang="en-US" altLang="ja-JP" sz="3600" b="0" i="1" smtClean="0">
+                              <a:latin typeface="Cambria Math" panose="02040503050406030204" pitchFamily="18" charset="0"/>
+                            </a:rPr>
+                            <m:t>𝑑</m:t>
+                          </m:r>
+                          <m:sSup>
+                            <m:sSupPr>
+                              <m:ctrlPr>
+                                <a:rPr kumimoji="1" lang="en-US" altLang="ja-JP" sz="3600" b="0" i="1" smtClean="0">
+                                  <a:latin typeface="Cambria Math" panose="02040503050406030204" pitchFamily="18" charset="0"/>
+                                </a:rPr>
+                              </m:ctrlPr>
+                            </m:sSupPr>
+                            <m:e>
+                              <m:r>
+                                <a:rPr kumimoji="1" lang="en-US" altLang="ja-JP" sz="3600" b="0" i="1" smtClean="0">
+                                  <a:latin typeface="Cambria Math" panose="02040503050406030204" pitchFamily="18" charset="0"/>
+                                </a:rPr>
+                                <m:t>𝑡</m:t>
+                              </m:r>
+                            </m:e>
+                            <m:sup>
+                              <m:r>
+                                <a:rPr kumimoji="1" lang="en-US" altLang="ja-JP" sz="3600" b="0" i="1" smtClean="0">
+                                  <a:latin typeface="Cambria Math" panose="02040503050406030204" pitchFamily="18" charset="0"/>
+                                </a:rPr>
+                                <m:t>2</m:t>
+                              </m:r>
+                            </m:sup>
+                          </m:sSup>
+                        </m:den>
+                      </m:f>
+                      <m:r>
+                        <a:rPr kumimoji="1" lang="en-US" altLang="ja-JP" sz="3600" b="0" i="1" smtClean="0">
+                          <a:latin typeface="Cambria Math" panose="02040503050406030204" pitchFamily="18" charset="0"/>
+                        </a:rPr>
+                        <m:t>=−</m:t>
+                      </m:r>
+                      <m:r>
+                        <a:rPr kumimoji="1" lang="en-US" altLang="ja-JP" sz="3600" b="0" i="1" smtClean="0">
+                          <a:latin typeface="Cambria Math" panose="02040503050406030204" pitchFamily="18" charset="0"/>
+                        </a:rPr>
+                        <m:t>𝑟</m:t>
+                      </m:r>
+                    </m:oMath>
+                  </m:oMathPara>
+                </a14:m>
+                <a:endParaRPr kumimoji="1" lang="ja-JP" altLang="en-US" sz="3600"/>
+              </a:p>
+            </p:txBody>
+          </p:sp>
+        </mc:Choice>
+        <mc:Fallback>
+          <p:sp>
+            <p:nvSpPr>
+              <p:cNvPr id="4" name="テキスト ボックス 3">
+                <a:extLst>
+                  <a:ext uri="{FF2B5EF4-FFF2-40B4-BE49-F238E27FC236}">
+                    <a16:creationId xmlns:a16="http://schemas.microsoft.com/office/drawing/2014/main" id="{17DB127A-5CE1-4236-AAF8-653BD5F71DE9}"/>
+                  </a:ext>
+                </a:extLst>
+              </p:cNvPr>
+              <p:cNvSpPr txBox="1">
+                <a:spLocks noRot="1" noChangeAspect="1" noMove="1" noResize="1" noEditPoints="1" noAdjustHandles="1" noChangeArrowheads="1" noChangeShapeType="1" noTextEdit="1"/>
+              </p:cNvSpPr>
+              <p:nvPr/>
+            </p:nvSpPr>
+            <p:spPr>
+              <a:xfrm>
+                <a:off x="1331640" y="3356992"/>
+                <a:ext cx="2215286" cy="1203984"/>
+              </a:xfrm>
+              <a:prstGeom prst="rect">
+                <a:avLst/>
+              </a:prstGeom>
+              <a:blipFill>
+                <a:blip r:embed="rId3"/>
+                <a:stretch>
+                  <a:fillRect/>
+                </a:stretch>
+              </a:blipFill>
+            </p:spPr>
+            <p:txBody>
+              <a:bodyPr/>
+              <a:lstStyle/>
+              <a:p>
+                <a:r>
+                  <a:rPr lang="ja-JP" altLang="en-US">
+                    <a:noFill/>
+                  </a:rPr>
+                  <a:t> </a:t>
+                </a:r>
+              </a:p>
+            </p:txBody>
+          </p:sp>
+        </mc:Fallback>
+      </mc:AlternateContent>
+      <mc:AlternateContent xmlns:mc="http://schemas.openxmlformats.org/markup-compatibility/2006">
+        <mc:Choice xmlns:a14="http://schemas.microsoft.com/office/drawing/2010/main" Requires="a14">
+          <p:sp>
+            <p:nvSpPr>
+              <p:cNvPr id="5" name="テキスト ボックス 4">
+                <a:extLst>
+                  <a:ext uri="{FF2B5EF4-FFF2-40B4-BE49-F238E27FC236}">
+                    <a16:creationId xmlns:a16="http://schemas.microsoft.com/office/drawing/2014/main" id="{B79AD8CA-5D3E-4807-A127-E04BEEEE2EB8}"/>
+                  </a:ext>
+                </a:extLst>
+              </p:cNvPr>
+              <p:cNvSpPr txBox="1"/>
+              <p:nvPr/>
+            </p:nvSpPr>
+            <p:spPr>
+              <a:xfrm>
+                <a:off x="4788024" y="2852936"/>
+                <a:ext cx="1994072" cy="1144159"/>
+              </a:xfrm>
+              <a:prstGeom prst="rect">
+                <a:avLst/>
+              </a:prstGeom>
+              <a:noFill/>
+            </p:spPr>
+            <p:txBody>
+              <a:bodyPr wrap="none" rtlCol="0">
+                <a:spAutoFit/>
+              </a:bodyPr>
+              <a:lstStyle/>
+              <a:p>
+                <a:pPr/>
+                <a14:m>
+                  <m:oMathPara xmlns:m="http://schemas.openxmlformats.org/officeDocument/2006/math">
+                    <m:oMathParaPr>
+                      <m:jc m:val="centerGroup"/>
+                    </m:oMathParaPr>
+                    <m:oMath xmlns:m="http://schemas.openxmlformats.org/officeDocument/2006/math">
+                      <m:f>
+                        <m:fPr>
+                          <m:ctrlPr>
+                            <a:rPr kumimoji="1" lang="en-US" altLang="ja-JP" sz="3600" b="0" i="1" smtClean="0">
+                              <a:latin typeface="Cambria Math" panose="02040503050406030204" pitchFamily="18" charset="0"/>
+                            </a:rPr>
+                          </m:ctrlPr>
+                        </m:fPr>
+                        <m:num>
+                          <m:r>
+                            <a:rPr kumimoji="1" lang="en-US" altLang="ja-JP" sz="3600" b="0" i="1" smtClean="0">
+                              <a:latin typeface="Cambria Math" panose="02040503050406030204" pitchFamily="18" charset="0"/>
+                            </a:rPr>
+                            <m:t>𝑑𝑣</m:t>
+                          </m:r>
+                        </m:num>
+                        <m:den>
+                          <m:r>
+                            <a:rPr kumimoji="1" lang="en-US" altLang="ja-JP" sz="3600" b="0" i="1" smtClean="0">
+                              <a:latin typeface="Cambria Math" panose="02040503050406030204" pitchFamily="18" charset="0"/>
+                            </a:rPr>
+                            <m:t>𝑑𝑡</m:t>
+                          </m:r>
+                        </m:den>
+                      </m:f>
+                      <m:r>
+                        <a:rPr kumimoji="1" lang="en-US" altLang="ja-JP" sz="3600" b="0" i="1" smtClean="0">
+                          <a:latin typeface="Cambria Math" panose="02040503050406030204" pitchFamily="18" charset="0"/>
+                        </a:rPr>
+                        <m:t>=−</m:t>
+                      </m:r>
+                      <m:r>
+                        <a:rPr kumimoji="1" lang="en-US" altLang="ja-JP" sz="3600" b="0" i="1" smtClean="0">
+                          <a:latin typeface="Cambria Math" panose="02040503050406030204" pitchFamily="18" charset="0"/>
+                        </a:rPr>
+                        <m:t>𝑟</m:t>
+                      </m:r>
+                    </m:oMath>
+                  </m:oMathPara>
+                </a14:m>
+                <a:endParaRPr kumimoji="1" lang="en-US" altLang="ja-JP" sz="3600" b="0" i="1">
+                  <a:latin typeface="Cambria Math" panose="02040503050406030204" pitchFamily="18" charset="0"/>
+                </a:endParaRPr>
+              </a:p>
+            </p:txBody>
+          </p:sp>
+        </mc:Choice>
+        <mc:Fallback>
+          <p:sp>
+            <p:nvSpPr>
+              <p:cNvPr id="5" name="テキスト ボックス 4">
+                <a:extLst>
+                  <a:ext uri="{FF2B5EF4-FFF2-40B4-BE49-F238E27FC236}">
+                    <a16:creationId xmlns:a16="http://schemas.microsoft.com/office/drawing/2014/main" id="{B79AD8CA-5D3E-4807-A127-E04BEEEE2EB8}"/>
+                  </a:ext>
+                </a:extLst>
+              </p:cNvPr>
+              <p:cNvSpPr txBox="1">
+                <a:spLocks noRot="1" noChangeAspect="1" noMove="1" noResize="1" noEditPoints="1" noAdjustHandles="1" noChangeArrowheads="1" noChangeShapeType="1" noTextEdit="1"/>
+              </p:cNvSpPr>
+              <p:nvPr/>
+            </p:nvSpPr>
+            <p:spPr>
+              <a:xfrm>
+                <a:off x="4788024" y="2852936"/>
+                <a:ext cx="1994072" cy="1144159"/>
+              </a:xfrm>
+              <a:prstGeom prst="rect">
+                <a:avLst/>
+              </a:prstGeom>
+              <a:blipFill>
+                <a:blip r:embed="rId4"/>
+                <a:stretch>
+                  <a:fillRect/>
+                </a:stretch>
+              </a:blipFill>
+            </p:spPr>
+            <p:txBody>
+              <a:bodyPr/>
+              <a:lstStyle/>
+              <a:p>
+                <a:r>
+                  <a:rPr lang="ja-JP" altLang="en-US">
+                    <a:noFill/>
+                  </a:rPr>
+                  <a:t> </a:t>
+                </a:r>
+              </a:p>
+            </p:txBody>
+          </p:sp>
+        </mc:Fallback>
+      </mc:AlternateContent>
+      <p:sp>
+        <p:nvSpPr>
+          <p:cNvPr id="6" name="矢印: 右 5">
+            <a:extLst>
+              <a:ext uri="{FF2B5EF4-FFF2-40B4-BE49-F238E27FC236}">
+                <a16:creationId xmlns:a16="http://schemas.microsoft.com/office/drawing/2014/main" id="{4F3A14E6-6C88-4172-8118-01ED37E637BE}"/>
+              </a:ext>
+            </a:extLst>
+          </p:cNvPr>
+          <p:cNvSpPr/>
+          <p:nvPr/>
+        </p:nvSpPr>
+        <p:spPr>
+          <a:xfrm>
+            <a:off x="3707904" y="3789040"/>
+            <a:ext cx="720080" cy="628648"/>
+          </a:xfrm>
+          <a:prstGeom prst="rightArrow">
+            <a:avLst/>
+          </a:prstGeom>
+          <a:solidFill>
+            <a:srgbClr val="FF0000"/>
+          </a:solidFill>
+          <a:ln>
+            <a:solidFill>
+              <a:schemeClr val="tx1"/>
+            </a:solidFill>
+          </a:ln>
+        </p:spPr>
+        <p:style>
+          <a:lnRef idx="2">
+            <a:schemeClr val="accent1">
+              <a:shade val="50000"/>
+            </a:schemeClr>
+          </a:lnRef>
+          <a:fillRef idx="1">
+            <a:schemeClr val="accent1"/>
+          </a:fillRef>
+          <a:effectRef idx="0">
+            <a:schemeClr val="accent1"/>
+          </a:effectRef>
+          <a:fontRef idx="minor">
+            <a:schemeClr val="lt1"/>
+          </a:fontRef>
+        </p:style>
+        <p:txBody>
+          <a:bodyPr rtlCol="0" anchor="ctr"/>
+          <a:lstStyle/>
+          <a:p>
+            <a:pPr algn="ctr"/>
+            <a:endParaRPr kumimoji="1" lang="ja-JP" altLang="en-US"/>
+          </a:p>
+        </p:txBody>
+      </p:sp>
+      <p:sp>
+        <p:nvSpPr>
+          <p:cNvPr id="7" name="テキスト ボックス 6">
+            <a:extLst>
+              <a:ext uri="{FF2B5EF4-FFF2-40B4-BE49-F238E27FC236}">
+                <a16:creationId xmlns:a16="http://schemas.microsoft.com/office/drawing/2014/main" id="{70B2CB06-1F97-4778-A7F0-674689FE63F6}"/>
+              </a:ext>
+            </a:extLst>
+          </p:cNvPr>
+          <p:cNvSpPr txBox="1"/>
+          <p:nvPr/>
+        </p:nvSpPr>
+        <p:spPr>
+          <a:xfrm>
+            <a:off x="395536" y="5661248"/>
+            <a:ext cx="8084264" cy="523220"/>
+          </a:xfrm>
+          <a:prstGeom prst="rect">
+            <a:avLst/>
+          </a:prstGeom>
+          <a:noFill/>
+        </p:spPr>
+        <p:txBody>
+          <a:bodyPr wrap="none" rtlCol="0">
+            <a:spAutoFit/>
+          </a:bodyPr>
+          <a:lstStyle/>
+          <a:p>
+            <a:r>
+              <a:rPr lang="ja-JP" altLang="en-US" sz="2800"/>
+              <a:t>二階の常微分方程式を一階の連立常微分方程式に</a:t>
+            </a:r>
+            <a:endParaRPr kumimoji="1" lang="ja-JP" altLang="en-US" sz="2800"/>
+          </a:p>
+        </p:txBody>
+      </p:sp>
+      <mc:AlternateContent xmlns:mc="http://schemas.openxmlformats.org/markup-compatibility/2006">
+        <mc:Choice xmlns:a14="http://schemas.microsoft.com/office/drawing/2010/main" Requires="a14">
+          <p:sp>
+            <p:nvSpPr>
+              <p:cNvPr id="9" name="テキスト ボックス 8">
+                <a:extLst>
+                  <a:ext uri="{FF2B5EF4-FFF2-40B4-BE49-F238E27FC236}">
+                    <a16:creationId xmlns:a16="http://schemas.microsoft.com/office/drawing/2014/main" id="{FF86331D-76A6-49FB-9D80-9334718C1C08}"/>
+                  </a:ext>
+                </a:extLst>
+              </p:cNvPr>
+              <p:cNvSpPr txBox="1"/>
+              <p:nvPr/>
+            </p:nvSpPr>
+            <p:spPr>
+              <a:xfrm>
+                <a:off x="4716016" y="4221088"/>
+                <a:ext cx="1800200" cy="1144159"/>
+              </a:xfrm>
+              <a:prstGeom prst="rect">
+                <a:avLst/>
+              </a:prstGeom>
+              <a:noFill/>
+            </p:spPr>
+            <p:txBody>
+              <a:bodyPr wrap="square">
+                <a:spAutoFit/>
+              </a:bodyPr>
+              <a:lstStyle/>
+              <a:p>
+                <a:pPr/>
+                <a14:m>
+                  <m:oMathPara xmlns:m="http://schemas.openxmlformats.org/officeDocument/2006/math">
+                    <m:oMathParaPr>
+                      <m:jc m:val="centerGroup"/>
+                    </m:oMathParaPr>
+                    <m:oMath xmlns:m="http://schemas.openxmlformats.org/officeDocument/2006/math">
+                      <m:f>
+                        <m:fPr>
+                          <m:ctrlPr>
+                            <a:rPr kumimoji="1" lang="en-US" altLang="ja-JP" sz="3600" b="0" i="1" smtClean="0">
+                              <a:latin typeface="Cambria Math" panose="02040503050406030204" pitchFamily="18" charset="0"/>
+                            </a:rPr>
+                          </m:ctrlPr>
+                        </m:fPr>
+                        <m:num>
+                          <m:r>
+                            <a:rPr kumimoji="1" lang="en-US" altLang="ja-JP" sz="3600" b="0" i="1" smtClean="0">
+                              <a:latin typeface="Cambria Math" panose="02040503050406030204" pitchFamily="18" charset="0"/>
+                            </a:rPr>
+                            <m:t>𝑑𝑟</m:t>
+                          </m:r>
+                        </m:num>
+                        <m:den>
+                          <m:r>
+                            <a:rPr kumimoji="1" lang="en-US" altLang="ja-JP" sz="3600" b="0" i="1" smtClean="0">
+                              <a:latin typeface="Cambria Math" panose="02040503050406030204" pitchFamily="18" charset="0"/>
+                            </a:rPr>
+                            <m:t>𝑑𝑡</m:t>
+                          </m:r>
+                        </m:den>
+                      </m:f>
+                      <m:r>
+                        <a:rPr kumimoji="1" lang="en-US" altLang="ja-JP" sz="3600" b="0" i="1" smtClean="0">
+                          <a:latin typeface="Cambria Math" panose="02040503050406030204" pitchFamily="18" charset="0"/>
+                        </a:rPr>
+                        <m:t>=</m:t>
+                      </m:r>
+                      <m:r>
+                        <a:rPr kumimoji="1" lang="en-US" altLang="ja-JP" sz="3600" b="0" i="1" smtClean="0">
+                          <a:latin typeface="Cambria Math" panose="02040503050406030204" pitchFamily="18" charset="0"/>
+                        </a:rPr>
+                        <m:t>𝑣</m:t>
+                      </m:r>
+                    </m:oMath>
+                  </m:oMathPara>
+                </a14:m>
+                <a:endParaRPr kumimoji="1" lang="ja-JP" altLang="en-US" sz="3600"/>
+              </a:p>
+            </p:txBody>
+          </p:sp>
+        </mc:Choice>
+        <mc:Fallback>
+          <p:sp>
+            <p:nvSpPr>
+              <p:cNvPr id="9" name="テキスト ボックス 8">
+                <a:extLst>
+                  <a:ext uri="{FF2B5EF4-FFF2-40B4-BE49-F238E27FC236}">
+                    <a16:creationId xmlns:a16="http://schemas.microsoft.com/office/drawing/2014/main" id="{FF86331D-76A6-49FB-9D80-9334718C1C08}"/>
+                  </a:ext>
+                </a:extLst>
+              </p:cNvPr>
+              <p:cNvSpPr txBox="1">
+                <a:spLocks noRot="1" noChangeAspect="1" noMove="1" noResize="1" noEditPoints="1" noAdjustHandles="1" noChangeArrowheads="1" noChangeShapeType="1" noTextEdit="1"/>
+              </p:cNvSpPr>
+              <p:nvPr/>
+            </p:nvSpPr>
+            <p:spPr>
+              <a:xfrm>
+                <a:off x="4716016" y="4221088"/>
+                <a:ext cx="1800200" cy="1144159"/>
+              </a:xfrm>
+              <a:prstGeom prst="rect">
+                <a:avLst/>
+              </a:prstGeom>
+              <a:blipFill>
+                <a:blip r:embed="rId5"/>
+                <a:stretch>
+                  <a:fillRect/>
+                </a:stretch>
+              </a:blipFill>
+            </p:spPr>
+            <p:txBody>
+              <a:bodyPr/>
+              <a:lstStyle/>
+              <a:p>
+                <a:r>
+                  <a:rPr lang="ja-JP" altLang="en-US">
+                    <a:noFill/>
+                  </a:rPr>
+                  <a:t> </a:t>
+                </a:r>
+              </a:p>
+            </p:txBody>
+          </p:sp>
+        </mc:Fallback>
+      </mc:AlternateContent>
+    </p:spTree>
+    <p:extLst>
+      <p:ext uri="{BB962C8B-B14F-4D97-AF65-F5344CB8AC3E}">
+        <p14:creationId xmlns:p14="http://schemas.microsoft.com/office/powerpoint/2010/main" val="1251150771"/>
       </p:ext>
     </p:extLst>
   </p:cSld>

--- a/05_md_basic/simulation05.pptx
+++ b/05_md_basic/simulation05.pptx
@@ -5,7 +5,7 @@
     <p:sldMasterId id="2147483665" r:id="rId1"/>
   </p:sldMasterIdLst>
   <p:notesMasterIdLst>
-    <p:notesMasterId r:id="rId29"/>
+    <p:notesMasterId r:id="rId31"/>
   </p:notesMasterIdLst>
   <p:sldIdLst>
     <p:sldId id="256" r:id="rId2"/>
@@ -35,6 +35,8 @@
     <p:sldId id="362" r:id="rId26"/>
     <p:sldId id="363" r:id="rId27"/>
     <p:sldId id="364" r:id="rId28"/>
+    <p:sldId id="365" r:id="rId29"/>
+    <p:sldId id="366" r:id="rId30"/>
   </p:sldIdLst>
   <p:sldSz cx="9144000" cy="6858000" type="screen4x3"/>
   <p:notesSz cx="6858000" cy="9144000"/>
@@ -10724,7 +10726,7 @@
           <a:p>
             <a:r>
               <a:rPr lang="ja-JP" altLang="en-US"/>
-              <a:t>ここまでのまとめ</a:t>
+              <a:t>位相空間のまとめ</a:t>
             </a:r>
             <a:endParaRPr kumimoji="1" lang="ja-JP" altLang="en-US"/>
           </a:p>
@@ -14162,8 +14164,8 @@
           </p:sp>
         </mc:Fallback>
       </mc:AlternateContent>
-      <mc:AlternateContent xmlns:mc="http://schemas.openxmlformats.org/markup-compatibility/2006">
-        <mc:Choice xmlns:a14="http://schemas.microsoft.com/office/drawing/2010/main" Requires="a14">
+      <mc:AlternateContent xmlns:mc="http://schemas.openxmlformats.org/markup-compatibility/2006" xmlns:a14="http://schemas.microsoft.com/office/drawing/2010/main">
+        <mc:Choice Requires="a14">
           <p:sp>
             <p:nvSpPr>
               <p:cNvPr id="5" name="テキスト ボックス 4">
@@ -14770,7 +14772,7 @@
             </p:txBody>
           </p:sp>
         </mc:Choice>
-        <mc:Fallback>
+        <mc:Fallback xmlns="">
           <p:sp>
             <p:nvSpPr>
               <p:cNvPr id="5" name="テキスト ボックス 4">
@@ -15776,8 +15778,8 @@
           </a:p>
         </p:txBody>
       </p:sp>
-      <mc:AlternateContent xmlns:mc="http://schemas.openxmlformats.org/markup-compatibility/2006">
-        <mc:Choice xmlns:a14="http://schemas.microsoft.com/office/drawing/2010/main" Requires="a14">
+      <mc:AlternateContent xmlns:mc="http://schemas.openxmlformats.org/markup-compatibility/2006" xmlns:a14="http://schemas.microsoft.com/office/drawing/2010/main">
+        <mc:Choice Requires="a14">
           <p:sp>
             <p:nvSpPr>
               <p:cNvPr id="3" name="テキスト ボックス 2">
@@ -15952,7 +15954,7 @@
             </p:txBody>
           </p:sp>
         </mc:Choice>
-        <mc:Fallback>
+        <mc:Fallback xmlns="">
           <p:sp>
             <p:nvSpPr>
               <p:cNvPr id="3" name="テキスト ボックス 2">
@@ -16081,8 +16083,8 @@
           </a:p>
         </p:txBody>
       </p:sp>
-      <mc:AlternateContent xmlns:mc="http://schemas.openxmlformats.org/markup-compatibility/2006">
-        <mc:Choice xmlns:a14="http://schemas.microsoft.com/office/drawing/2010/main" Requires="a14">
+      <mc:AlternateContent xmlns:mc="http://schemas.openxmlformats.org/markup-compatibility/2006" xmlns:a14="http://schemas.microsoft.com/office/drawing/2010/main">
+        <mc:Choice Requires="a14">
           <p:sp>
             <p:nvSpPr>
               <p:cNvPr id="6" name="テキスト ボックス 5">
@@ -16111,6 +16113,7 @@
               </a:bodyPr>
               <a:lstStyle/>
               <a:p>
+                <a:pPr/>
                 <a14:m>
                   <m:oMathPara xmlns:m="http://schemas.openxmlformats.org/officeDocument/2006/math">
                     <m:oMathParaPr>
@@ -16143,7 +16146,7 @@
             </p:txBody>
           </p:sp>
         </mc:Choice>
-        <mc:Fallback>
+        <mc:Fallback xmlns="">
           <p:sp>
             <p:nvSpPr>
               <p:cNvPr id="6" name="テキスト ボックス 5">
@@ -16188,8 +16191,8 @@
           </p:sp>
         </mc:Fallback>
       </mc:AlternateContent>
-      <mc:AlternateContent xmlns:mc="http://schemas.openxmlformats.org/markup-compatibility/2006">
-        <mc:Choice xmlns:a14="http://schemas.microsoft.com/office/drawing/2010/main" Requires="a14">
+      <mc:AlternateContent xmlns:mc="http://schemas.openxmlformats.org/markup-compatibility/2006" xmlns:a14="http://schemas.microsoft.com/office/drawing/2010/main">
+        <mc:Choice Requires="a14">
           <p:sp>
             <p:nvSpPr>
               <p:cNvPr id="7" name="テキスト ボックス 6">
@@ -16796,7 +16799,7 @@
             </p:txBody>
           </p:sp>
         </mc:Choice>
-        <mc:Fallback>
+        <mc:Fallback xmlns="">
           <p:sp>
             <p:nvSpPr>
               <p:cNvPr id="7" name="テキスト ボックス 6">
@@ -16841,8 +16844,8 @@
           </p:sp>
         </mc:Fallback>
       </mc:AlternateContent>
-      <mc:AlternateContent xmlns:mc="http://schemas.openxmlformats.org/markup-compatibility/2006">
-        <mc:Choice xmlns:a14="http://schemas.microsoft.com/office/drawing/2010/main" Requires="a14">
+      <mc:AlternateContent xmlns:mc="http://schemas.openxmlformats.org/markup-compatibility/2006" xmlns:a14="http://schemas.microsoft.com/office/drawing/2010/main">
+        <mc:Choice Requires="a14">
           <p:sp>
             <p:nvSpPr>
               <p:cNvPr id="8" name="テキスト ボックス 7">
@@ -17455,7 +17458,7 @@
             </p:txBody>
           </p:sp>
         </mc:Choice>
-        <mc:Fallback>
+        <mc:Fallback xmlns="">
           <p:sp>
             <p:nvSpPr>
               <p:cNvPr id="8" name="テキスト ボックス 7">
@@ -19152,8 +19155,8 @@
           </a:stretch>
         </p:blipFill>
         <p:spPr bwMode="auto">
-          <a:xfrm rot="4530778">
-            <a:off x="480760" y="1786031"/>
+          <a:xfrm rot="3894114">
+            <a:off x="494400" y="1901511"/>
             <a:ext cx="780553" cy="780553"/>
           </a:xfrm>
           <a:prstGeom prst="rect">
@@ -19574,6 +19577,41 @@
           </a:p>
         </p:txBody>
       </p:sp>
+      <p:sp>
+        <p:nvSpPr>
+          <p:cNvPr id="3" name="テキスト ボックス 2">
+            <a:extLst>
+              <a:ext uri="{FF2B5EF4-FFF2-40B4-BE49-F238E27FC236}">
+                <a16:creationId xmlns:a16="http://schemas.microsoft.com/office/drawing/2014/main" id="{484028E0-C160-45A1-800A-DC7D3C2EF247}"/>
+              </a:ext>
+            </a:extLst>
+          </p:cNvPr>
+          <p:cNvSpPr txBox="1"/>
+          <p:nvPr/>
+        </p:nvSpPr>
+        <p:spPr>
+          <a:xfrm>
+            <a:off x="755576" y="1124744"/>
+            <a:ext cx="7160935" cy="584775"/>
+          </a:xfrm>
+          <a:prstGeom prst="rect">
+            <a:avLst/>
+          </a:prstGeom>
+          <a:noFill/>
+        </p:spPr>
+        <p:txBody>
+          <a:bodyPr wrap="none" rtlCol="0">
+            <a:spAutoFit/>
+          </a:bodyPr>
+          <a:lstStyle/>
+          <a:p>
+            <a:r>
+              <a:rPr kumimoji="1" lang="ja-JP" altLang="en-US" sz="3200"/>
+              <a:t>光は空中から水中に入る際に屈折する</a:t>
+            </a:r>
+          </a:p>
+        </p:txBody>
+      </p:sp>
     </p:spTree>
     <p:extLst>
       <p:ext uri="{BB962C8B-B14F-4D97-AF65-F5344CB8AC3E}">
@@ -19633,8 +19671,8 @@
           </a:p>
         </p:txBody>
       </p:sp>
-      <mc:AlternateContent xmlns:mc="http://schemas.openxmlformats.org/markup-compatibility/2006">
-        <mc:Choice xmlns:a14="http://schemas.microsoft.com/office/drawing/2010/main" Requires="a14">
+      <mc:AlternateContent xmlns:mc="http://schemas.openxmlformats.org/markup-compatibility/2006" xmlns:a14="http://schemas.microsoft.com/office/drawing/2010/main">
+        <mc:Choice Requires="a14">
           <p:sp>
             <p:nvSpPr>
               <p:cNvPr id="3" name="テキスト ボックス 2">
@@ -19663,6 +19701,7 @@
               </a:bodyPr>
               <a:lstStyle/>
               <a:p>
+                <a:pPr/>
                 <a14:m>
                   <m:oMathPara xmlns:m="http://schemas.openxmlformats.org/officeDocument/2006/math">
                     <m:oMathParaPr>
@@ -19751,7 +19790,7 @@
             </p:txBody>
           </p:sp>
         </mc:Choice>
-        <mc:Fallback>
+        <mc:Fallback xmlns="">
           <p:sp>
             <p:nvSpPr>
               <p:cNvPr id="3" name="テキスト ボックス 2">
@@ -19796,8 +19835,8 @@
           </p:sp>
         </mc:Fallback>
       </mc:AlternateContent>
-      <mc:AlternateContent xmlns:mc="http://schemas.openxmlformats.org/markup-compatibility/2006">
-        <mc:Choice xmlns:a14="http://schemas.microsoft.com/office/drawing/2010/main" Requires="a14">
+      <mc:AlternateContent xmlns:mc="http://schemas.openxmlformats.org/markup-compatibility/2006" xmlns:a14="http://schemas.microsoft.com/office/drawing/2010/main">
+        <mc:Choice Requires="a14">
           <p:sp>
             <p:nvSpPr>
               <p:cNvPr id="4" name="テキスト ボックス 3">
@@ -19954,7 +19993,7 @@
             </p:txBody>
           </p:sp>
         </mc:Choice>
-        <mc:Fallback>
+        <mc:Fallback xmlns="">
           <p:sp>
             <p:nvSpPr>
               <p:cNvPr id="4" name="テキスト ボックス 3">
@@ -20328,8 +20367,8 @@
           </a:p>
         </p:txBody>
       </p:sp>
-      <mc:AlternateContent xmlns:mc="http://schemas.openxmlformats.org/markup-compatibility/2006">
-        <mc:Choice xmlns:a14="http://schemas.microsoft.com/office/drawing/2010/main" Requires="a14">
+      <mc:AlternateContent xmlns:mc="http://schemas.openxmlformats.org/markup-compatibility/2006" xmlns:a14="http://schemas.microsoft.com/office/drawing/2010/main">
+        <mc:Choice Requires="a14">
           <p:sp>
             <p:nvSpPr>
               <p:cNvPr id="8" name="テキスト ボックス 7">
@@ -20358,6 +20397,7 @@
               </a:bodyPr>
               <a:lstStyle/>
               <a:p>
+                <a:pPr/>
                 <a14:m>
                   <m:oMathPara xmlns:m="http://schemas.openxmlformats.org/officeDocument/2006/math">
                     <m:oMathParaPr>
@@ -20378,7 +20418,7 @@
             </p:txBody>
           </p:sp>
         </mc:Choice>
-        <mc:Fallback>
+        <mc:Fallback xmlns="">
           <p:sp>
             <p:nvSpPr>
               <p:cNvPr id="8" name="テキスト ボックス 7">
@@ -20423,8 +20463,8 @@
           </p:sp>
         </mc:Fallback>
       </mc:AlternateContent>
-      <mc:AlternateContent xmlns:mc="http://schemas.openxmlformats.org/markup-compatibility/2006">
-        <mc:Choice xmlns:a14="http://schemas.microsoft.com/office/drawing/2010/main" Requires="a14">
+      <mc:AlternateContent xmlns:mc="http://schemas.openxmlformats.org/markup-compatibility/2006" xmlns:a14="http://schemas.microsoft.com/office/drawing/2010/main">
+        <mc:Choice Requires="a14">
           <p:sp>
             <p:nvSpPr>
               <p:cNvPr id="9" name="テキスト ボックス 8">
@@ -20453,6 +20493,7 @@
               </a:bodyPr>
               <a:lstStyle/>
               <a:p>
+                <a:pPr/>
                 <a14:m>
                   <m:oMathPara xmlns:m="http://schemas.openxmlformats.org/officeDocument/2006/math">
                     <m:oMathParaPr>
@@ -20473,7 +20514,7 @@
             </p:txBody>
           </p:sp>
         </mc:Choice>
-        <mc:Fallback>
+        <mc:Fallback xmlns="">
           <p:sp>
             <p:nvSpPr>
               <p:cNvPr id="9" name="テキスト ボックス 8">
@@ -20518,8 +20559,8 @@
           </p:sp>
         </mc:Fallback>
       </mc:AlternateContent>
-      <mc:AlternateContent xmlns:mc="http://schemas.openxmlformats.org/markup-compatibility/2006">
-        <mc:Choice xmlns:a14="http://schemas.microsoft.com/office/drawing/2010/main" Requires="a14">
+      <mc:AlternateContent xmlns:mc="http://schemas.openxmlformats.org/markup-compatibility/2006" xmlns:a14="http://schemas.microsoft.com/office/drawing/2010/main">
+        <mc:Choice Requires="a14">
           <p:sp>
             <p:nvSpPr>
               <p:cNvPr id="10" name="テキスト ボックス 9">
@@ -20548,6 +20589,7 @@
               </a:bodyPr>
               <a:lstStyle/>
               <a:p>
+                <a:pPr/>
                 <a14:m>
                   <m:oMathPara xmlns:m="http://schemas.openxmlformats.org/officeDocument/2006/math">
                     <m:oMathParaPr>
@@ -20568,7 +20610,7 @@
             </p:txBody>
           </p:sp>
         </mc:Choice>
-        <mc:Fallback>
+        <mc:Fallback xmlns="">
           <p:sp>
             <p:nvSpPr>
               <p:cNvPr id="10" name="テキスト ボックス 9">
@@ -20613,8 +20655,8 @@
           </p:sp>
         </mc:Fallback>
       </mc:AlternateContent>
-      <mc:AlternateContent xmlns:mc="http://schemas.openxmlformats.org/markup-compatibility/2006">
-        <mc:Choice xmlns:a14="http://schemas.microsoft.com/office/drawing/2010/main" Requires="a14">
+      <mc:AlternateContent xmlns:mc="http://schemas.openxmlformats.org/markup-compatibility/2006" xmlns:a14="http://schemas.microsoft.com/office/drawing/2010/main">
+        <mc:Choice Requires="a14">
           <p:sp>
             <p:nvSpPr>
               <p:cNvPr id="11" name="テキスト ボックス 10">
@@ -20665,7 +20707,7 @@
             </p:txBody>
           </p:sp>
         </mc:Choice>
-        <mc:Fallback>
+        <mc:Fallback xmlns="">
           <p:sp>
             <p:nvSpPr>
               <p:cNvPr id="11" name="テキスト ボックス 10">
@@ -20818,8 +20860,8 @@
           </a:p>
         </p:txBody>
       </p:sp>
-      <mc:AlternateContent xmlns:mc="http://schemas.openxmlformats.org/markup-compatibility/2006">
-        <mc:Choice xmlns:a14="http://schemas.microsoft.com/office/drawing/2010/main" Requires="a14">
+      <mc:AlternateContent xmlns:mc="http://schemas.openxmlformats.org/markup-compatibility/2006" xmlns:a14="http://schemas.microsoft.com/office/drawing/2010/main">
+        <mc:Choice Requires="a14">
           <p:sp>
             <p:nvSpPr>
               <p:cNvPr id="14" name="テキスト ボックス 13">
@@ -20848,6 +20890,7 @@
               </a:bodyPr>
               <a:lstStyle/>
               <a:p>
+                <a:pPr/>
                 <a14:m>
                   <m:oMathPara xmlns:m="http://schemas.openxmlformats.org/officeDocument/2006/math">
                     <m:oMathParaPr>
@@ -20874,7 +20917,7 @@
             </p:txBody>
           </p:sp>
         </mc:Choice>
-        <mc:Fallback>
+        <mc:Fallback xmlns="">
           <p:sp>
             <p:nvSpPr>
               <p:cNvPr id="14" name="テキスト ボックス 13">
@@ -20919,8 +20962,8 @@
           </p:sp>
         </mc:Fallback>
       </mc:AlternateContent>
-      <mc:AlternateContent xmlns:mc="http://schemas.openxmlformats.org/markup-compatibility/2006">
-        <mc:Choice xmlns:a14="http://schemas.microsoft.com/office/drawing/2010/main" Requires="a14">
+      <mc:AlternateContent xmlns:mc="http://schemas.openxmlformats.org/markup-compatibility/2006" xmlns:a14="http://schemas.microsoft.com/office/drawing/2010/main">
+        <mc:Choice Requires="a14">
           <p:sp>
             <p:nvSpPr>
               <p:cNvPr id="15" name="テキスト ボックス 14">
@@ -20949,6 +20992,7 @@
               </a:bodyPr>
               <a:lstStyle/>
               <a:p>
+                <a:pPr/>
                 <a14:m>
                   <m:oMathPara xmlns:m="http://schemas.openxmlformats.org/officeDocument/2006/math">
                     <m:oMathParaPr>
@@ -20975,7 +21019,7 @@
             </p:txBody>
           </p:sp>
         </mc:Choice>
-        <mc:Fallback>
+        <mc:Fallback xmlns="">
           <p:sp>
             <p:nvSpPr>
               <p:cNvPr id="15" name="テキスト ボックス 14">
@@ -21120,8 +21164,8 @@
           </a:p>
         </p:txBody>
       </p:sp>
-      <mc:AlternateContent xmlns:mc="http://schemas.openxmlformats.org/markup-compatibility/2006">
-        <mc:Choice xmlns:a14="http://schemas.microsoft.com/office/drawing/2010/main" Requires="a14">
+      <mc:AlternateContent xmlns:mc="http://schemas.openxmlformats.org/markup-compatibility/2006" xmlns:a14="http://schemas.microsoft.com/office/drawing/2010/main">
+        <mc:Choice Requires="a14">
           <p:sp>
             <p:nvSpPr>
               <p:cNvPr id="19" name="テキスト ボックス 18">
@@ -21150,6 +21194,7 @@
               </a:bodyPr>
               <a:lstStyle/>
               <a:p>
+                <a:pPr/>
                 <a14:m>
                   <m:oMathPara xmlns:m="http://schemas.openxmlformats.org/officeDocument/2006/math">
                     <m:oMathParaPr>
@@ -21228,7 +21273,7 @@
             </p:txBody>
           </p:sp>
         </mc:Choice>
-        <mc:Fallback>
+        <mc:Fallback xmlns="">
           <p:sp>
             <p:nvSpPr>
               <p:cNvPr id="19" name="テキスト ボックス 18">
@@ -21414,8 +21459,8 @@
           </a:p>
         </p:txBody>
       </p:sp>
-      <mc:AlternateContent xmlns:mc="http://schemas.openxmlformats.org/markup-compatibility/2006">
-        <mc:Choice xmlns:a14="http://schemas.microsoft.com/office/drawing/2010/main" Requires="a14">
+      <mc:AlternateContent xmlns:mc="http://schemas.openxmlformats.org/markup-compatibility/2006" xmlns:a14="http://schemas.microsoft.com/office/drawing/2010/main">
+        <mc:Choice Requires="a14">
           <p:sp>
             <p:nvSpPr>
               <p:cNvPr id="3" name="テキスト ボックス 2">
@@ -21622,7 +21667,7 @@
             </p:txBody>
           </p:sp>
         </mc:Choice>
-        <mc:Fallback>
+        <mc:Fallback xmlns="">
           <p:sp>
             <p:nvSpPr>
               <p:cNvPr id="3" name="テキスト ボックス 2">
@@ -21667,8 +21712,8 @@
           </p:sp>
         </mc:Fallback>
       </mc:AlternateContent>
-      <mc:AlternateContent xmlns:mc="http://schemas.openxmlformats.org/markup-compatibility/2006">
-        <mc:Choice xmlns:a14="http://schemas.microsoft.com/office/drawing/2010/main" Requires="a14">
+      <mc:AlternateContent xmlns:mc="http://schemas.openxmlformats.org/markup-compatibility/2006" xmlns:a14="http://schemas.microsoft.com/office/drawing/2010/main">
+        <mc:Choice Requires="a14">
           <p:sp>
             <p:nvSpPr>
               <p:cNvPr id="4" name="テキスト ボックス 3">
@@ -21697,6 +21742,7 @@
               </a:bodyPr>
               <a:lstStyle/>
               <a:p>
+                <a:pPr/>
                 <a14:m>
                   <m:oMathPara xmlns:m="http://schemas.openxmlformats.org/officeDocument/2006/math">
                     <m:oMathParaPr>
@@ -21785,7 +21831,7 @@
             </p:txBody>
           </p:sp>
         </mc:Choice>
-        <mc:Fallback>
+        <mc:Fallback xmlns="">
           <p:sp>
             <p:nvSpPr>
               <p:cNvPr id="4" name="テキスト ボックス 3">
@@ -21830,8 +21876,8 @@
           </p:sp>
         </mc:Fallback>
       </mc:AlternateContent>
-      <mc:AlternateContent xmlns:mc="http://schemas.openxmlformats.org/markup-compatibility/2006">
-        <mc:Choice xmlns:a14="http://schemas.microsoft.com/office/drawing/2010/main" Requires="a14">
+      <mc:AlternateContent xmlns:mc="http://schemas.openxmlformats.org/markup-compatibility/2006" xmlns:a14="http://schemas.microsoft.com/office/drawing/2010/main">
+        <mc:Choice Requires="a14">
           <p:sp>
             <p:nvSpPr>
               <p:cNvPr id="5" name="テキスト ボックス 4">
@@ -21906,7 +21952,7 @@
             </p:txBody>
           </p:sp>
         </mc:Choice>
-        <mc:Fallback>
+        <mc:Fallback xmlns="">
           <p:sp>
             <p:nvSpPr>
               <p:cNvPr id="5" name="テキスト ボックス 4">
@@ -22375,8 +22421,8 @@
           </a:p>
         </p:txBody>
       </p:sp>
-      <mc:AlternateContent xmlns:mc="http://schemas.openxmlformats.org/markup-compatibility/2006">
-        <mc:Choice xmlns:a14="http://schemas.microsoft.com/office/drawing/2010/main" Requires="a14">
+      <mc:AlternateContent xmlns:mc="http://schemas.openxmlformats.org/markup-compatibility/2006" xmlns:a14="http://schemas.microsoft.com/office/drawing/2010/main">
+        <mc:Choice Requires="a14">
           <p:sp>
             <p:nvSpPr>
               <p:cNvPr id="3" name="テキスト ボックス 2">
@@ -22551,7 +22597,7 @@
             </p:txBody>
           </p:sp>
         </mc:Choice>
-        <mc:Fallback>
+        <mc:Fallback xmlns="">
           <p:sp>
             <p:nvSpPr>
               <p:cNvPr id="3" name="テキスト ボックス 2">
@@ -22596,8 +22642,8 @@
           </p:sp>
         </mc:Fallback>
       </mc:AlternateContent>
-      <mc:AlternateContent xmlns:mc="http://schemas.openxmlformats.org/markup-compatibility/2006">
-        <mc:Choice xmlns:a14="http://schemas.microsoft.com/office/drawing/2010/main" Requires="a14">
+      <mc:AlternateContent xmlns:mc="http://schemas.openxmlformats.org/markup-compatibility/2006" xmlns:a14="http://schemas.microsoft.com/office/drawing/2010/main">
+        <mc:Choice Requires="a14">
           <p:sp>
             <p:nvSpPr>
               <p:cNvPr id="5" name="テキスト ボックス 4">
@@ -22787,7 +22833,7 @@
             </p:txBody>
           </p:sp>
         </mc:Choice>
-        <mc:Fallback>
+        <mc:Fallback xmlns="">
           <p:sp>
             <p:nvSpPr>
               <p:cNvPr id="5" name="テキスト ボックス 4">
@@ -22832,8 +22878,8 @@
           </p:sp>
         </mc:Fallback>
       </mc:AlternateContent>
-      <mc:AlternateContent xmlns:mc="http://schemas.openxmlformats.org/markup-compatibility/2006">
-        <mc:Choice xmlns:a14="http://schemas.microsoft.com/office/drawing/2010/main" Requires="a14">
+      <mc:AlternateContent xmlns:mc="http://schemas.openxmlformats.org/markup-compatibility/2006" xmlns:a14="http://schemas.microsoft.com/office/drawing/2010/main">
+        <mc:Choice Requires="a14">
           <p:sp>
             <p:nvSpPr>
               <p:cNvPr id="7" name="テキスト ボックス 6">
@@ -23035,7 +23081,7 @@
             </p:txBody>
           </p:sp>
         </mc:Choice>
-        <mc:Fallback>
+        <mc:Fallback xmlns="">
           <p:sp>
             <p:nvSpPr>
               <p:cNvPr id="7" name="テキスト ボックス 6">
@@ -23080,8 +23126,8 @@
           </p:sp>
         </mc:Fallback>
       </mc:AlternateContent>
-      <mc:AlternateContent xmlns:mc="http://schemas.openxmlformats.org/markup-compatibility/2006">
-        <mc:Choice xmlns:a14="http://schemas.microsoft.com/office/drawing/2010/main" Requires="a14">
+      <mc:AlternateContent xmlns:mc="http://schemas.openxmlformats.org/markup-compatibility/2006" xmlns:a14="http://schemas.microsoft.com/office/drawing/2010/main">
+        <mc:Choice Requires="a14">
           <p:sp>
             <p:nvSpPr>
               <p:cNvPr id="8" name="テキスト ボックス 7">
@@ -23288,7 +23334,7 @@
             </p:txBody>
           </p:sp>
         </mc:Choice>
-        <mc:Fallback>
+        <mc:Fallback xmlns="">
           <p:sp>
             <p:nvSpPr>
               <p:cNvPr id="8" name="テキスト ボックス 7">
@@ -23697,8 +23743,8 @@
           </a:fontRef>
         </p:style>
       </p:cxnSp>
-      <mc:AlternateContent xmlns:mc="http://schemas.openxmlformats.org/markup-compatibility/2006">
-        <mc:Choice xmlns:a14="http://schemas.microsoft.com/office/drawing/2010/main" Requires="a14">
+      <mc:AlternateContent xmlns:mc="http://schemas.openxmlformats.org/markup-compatibility/2006" xmlns:a14="http://schemas.microsoft.com/office/drawing/2010/main">
+        <mc:Choice Requires="a14">
           <p:sp>
             <p:nvSpPr>
               <p:cNvPr id="27" name="テキスト ボックス 26">
@@ -23751,7 +23797,7 @@
             </p:txBody>
           </p:sp>
         </mc:Choice>
-        <mc:Fallback>
+        <mc:Fallback xmlns="">
           <p:sp>
             <p:nvSpPr>
               <p:cNvPr id="27" name="テキスト ボックス 26">
@@ -23903,8 +23949,8 @@
           </a:p>
         </p:txBody>
       </p:sp>
-      <mc:AlternateContent xmlns:mc="http://schemas.openxmlformats.org/markup-compatibility/2006">
-        <mc:Choice xmlns:a14="http://schemas.microsoft.com/office/drawing/2010/main" Requires="a14">
+      <mc:AlternateContent xmlns:mc="http://schemas.openxmlformats.org/markup-compatibility/2006" xmlns:a14="http://schemas.microsoft.com/office/drawing/2010/main">
+        <mc:Choice Requires="a14">
           <p:sp>
             <p:nvSpPr>
               <p:cNvPr id="3" name="テキスト ボックス 2">
@@ -24079,7 +24125,7 @@
             </p:txBody>
           </p:sp>
         </mc:Choice>
-        <mc:Fallback>
+        <mc:Fallback xmlns="">
           <p:sp>
             <p:nvSpPr>
               <p:cNvPr id="3" name="テキスト ボックス 2">
@@ -24159,8 +24205,8 @@
           </a:p>
         </p:txBody>
       </p:sp>
-      <mc:AlternateContent xmlns:mc="http://schemas.openxmlformats.org/markup-compatibility/2006">
-        <mc:Choice xmlns:a14="http://schemas.microsoft.com/office/drawing/2010/main" Requires="a14">
+      <mc:AlternateContent xmlns:mc="http://schemas.openxmlformats.org/markup-compatibility/2006" xmlns:a14="http://schemas.microsoft.com/office/drawing/2010/main">
+        <mc:Choice Requires="a14">
           <p:sp>
             <p:nvSpPr>
               <p:cNvPr id="5" name="テキスト ボックス 4">
@@ -24220,7 +24266,7 @@
             </p:txBody>
           </p:sp>
         </mc:Choice>
-        <mc:Fallback>
+        <mc:Fallback xmlns="">
           <p:sp>
             <p:nvSpPr>
               <p:cNvPr id="5" name="テキスト ボックス 4">
@@ -24265,8 +24311,8 @@
           </p:sp>
         </mc:Fallback>
       </mc:AlternateContent>
-      <mc:AlternateContent xmlns:mc="http://schemas.openxmlformats.org/markup-compatibility/2006">
-        <mc:Choice xmlns:a14="http://schemas.microsoft.com/office/drawing/2010/main" Requires="a14">
+      <mc:AlternateContent xmlns:mc="http://schemas.openxmlformats.org/markup-compatibility/2006" xmlns:a14="http://schemas.microsoft.com/office/drawing/2010/main">
+        <mc:Choice Requires="a14">
           <p:sp>
             <p:nvSpPr>
               <p:cNvPr id="6" name="テキスト ボックス 5">
@@ -24485,7 +24531,7 @@
             </p:txBody>
           </p:sp>
         </mc:Choice>
-        <mc:Fallback>
+        <mc:Fallback xmlns="">
           <p:sp>
             <p:nvSpPr>
               <p:cNvPr id="6" name="テキスト ボックス 5">
@@ -24530,8 +24576,8 @@
           </p:sp>
         </mc:Fallback>
       </mc:AlternateContent>
-      <mc:AlternateContent xmlns:mc="http://schemas.openxmlformats.org/markup-compatibility/2006">
-        <mc:Choice xmlns:a14="http://schemas.microsoft.com/office/drawing/2010/main" Requires="a14">
+      <mc:AlternateContent xmlns:mc="http://schemas.openxmlformats.org/markup-compatibility/2006" xmlns:a14="http://schemas.microsoft.com/office/drawing/2010/main">
+        <mc:Choice Requires="a14">
           <p:sp>
             <p:nvSpPr>
               <p:cNvPr id="7" name="テキスト ボックス 6">
@@ -24560,6 +24606,7 @@
               </a:bodyPr>
               <a:lstStyle/>
               <a:p>
+                <a:pPr/>
                 <a14:m>
                   <m:oMathPara xmlns:m="http://schemas.openxmlformats.org/officeDocument/2006/math">
                     <m:oMathParaPr>
@@ -24592,7 +24639,7 @@
             </p:txBody>
           </p:sp>
         </mc:Choice>
-        <mc:Fallback>
+        <mc:Fallback xmlns="">
           <p:sp>
             <p:nvSpPr>
               <p:cNvPr id="7" name="テキスト ボックス 6">
@@ -24696,7 +24743,7 @@
         </p:nvSpPr>
         <p:spPr>
           <a:xfrm>
-            <a:off x="5060546" y="4077072"/>
+            <a:off x="5076056" y="4067780"/>
             <a:ext cx="447558" cy="369332"/>
           </a:xfrm>
           <a:prstGeom prst="rect">
@@ -24718,8 +24765,8 @@
           </a:p>
         </p:txBody>
       </p:sp>
-      <mc:AlternateContent xmlns:mc="http://schemas.openxmlformats.org/markup-compatibility/2006">
-        <mc:Choice xmlns:a14="http://schemas.microsoft.com/office/drawing/2010/main" Requires="a14">
+      <mc:AlternateContent xmlns:mc="http://schemas.openxmlformats.org/markup-compatibility/2006" xmlns:a14="http://schemas.microsoft.com/office/drawing/2010/main">
+        <mc:Choice Requires="a14">
           <p:sp>
             <p:nvSpPr>
               <p:cNvPr id="12" name="テキスト ボックス 11">
@@ -24903,7 +24950,7 @@
             </p:txBody>
           </p:sp>
         </mc:Choice>
-        <mc:Fallback>
+        <mc:Fallback xmlns="">
           <p:sp>
             <p:nvSpPr>
               <p:cNvPr id="12" name="テキスト ボックス 11">
@@ -25088,581 +25135,11 @@
           <a:p>
             <a:r>
               <a:rPr kumimoji="1" lang="ja-JP" altLang="en-US"/>
-              <a:t>変分原理</a:t>
+              <a:t>多粒子系の変分原理</a:t>
             </a:r>
           </a:p>
         </p:txBody>
       </p:sp>
-      <mc:AlternateContent xmlns:mc="http://schemas.openxmlformats.org/markup-compatibility/2006">
-        <mc:Choice xmlns:a14="http://schemas.microsoft.com/office/drawing/2010/main" Requires="a14">
-          <p:sp>
-            <p:nvSpPr>
-              <p:cNvPr id="3" name="テキスト ボックス 2">
-                <a:extLst>
-                  <a:ext uri="{FF2B5EF4-FFF2-40B4-BE49-F238E27FC236}">
-                    <a16:creationId xmlns:a16="http://schemas.microsoft.com/office/drawing/2014/main" id="{7B9DCF37-57B0-4E8A-AC78-94D6E4084F09}"/>
-                  </a:ext>
-                </a:extLst>
-              </p:cNvPr>
-              <p:cNvSpPr txBox="1"/>
-              <p:nvPr/>
-            </p:nvSpPr>
-            <p:spPr>
-              <a:xfrm>
-                <a:off x="395536" y="1988840"/>
-                <a:ext cx="8424936" cy="566117"/>
-              </a:xfrm>
-              <a:prstGeom prst="rect">
-                <a:avLst/>
-              </a:prstGeom>
-              <a:noFill/>
-            </p:spPr>
-            <p:txBody>
-              <a:bodyPr wrap="square">
-                <a:spAutoFit/>
-              </a:bodyPr>
-              <a:lstStyle/>
-              <a:p>
-                <a:pPr/>
-                <a14:m>
-                  <m:oMathPara xmlns:m="http://schemas.openxmlformats.org/officeDocument/2006/math">
-                    <m:oMathParaPr>
-                      <m:jc m:val="centerGroup"/>
-                    </m:oMathParaPr>
-                    <m:oMath xmlns:m="http://schemas.openxmlformats.org/officeDocument/2006/math">
-                      <m:r>
-                        <a:rPr kumimoji="1" lang="en-US" altLang="ja-JP" sz="2800" b="0" i="1" smtClean="0">
-                          <a:latin typeface="Cambria Math" panose="02040503050406030204" pitchFamily="18" charset="0"/>
-                        </a:rPr>
-                        <m:t>ℒ</m:t>
-                      </m:r>
-                      <m:r>
-                        <a:rPr lang="en-US" altLang="ja-JP" sz="2800" i="1">
-                          <a:latin typeface="Cambria Math" panose="02040503050406030204" pitchFamily="18" charset="0"/>
-                        </a:rPr>
-                        <m:t>(</m:t>
-                      </m:r>
-                      <m:sSubSup>
-                        <m:sSubSupPr>
-                          <m:ctrlPr>
-                            <a:rPr lang="en-US" altLang="ja-JP" sz="2800" i="1">
-                              <a:latin typeface="Cambria Math" panose="02040503050406030204" pitchFamily="18" charset="0"/>
-                            </a:rPr>
-                          </m:ctrlPr>
-                        </m:sSubSupPr>
-                        <m:e>
-                          <m:r>
-                            <a:rPr lang="en-US" altLang="ja-JP" sz="2800" i="1">
-                              <a:latin typeface="Cambria Math" panose="02040503050406030204" pitchFamily="18" charset="0"/>
-                            </a:rPr>
-                            <m:t>𝑟</m:t>
-                          </m:r>
-                        </m:e>
-                        <m:sub>
-                          <m:r>
-                            <a:rPr lang="en-US" altLang="ja-JP" sz="2800" i="1">
-                              <a:latin typeface="Cambria Math" panose="02040503050406030204" pitchFamily="18" charset="0"/>
-                            </a:rPr>
-                            <m:t>𝑥</m:t>
-                          </m:r>
-                        </m:sub>
-                        <m:sup>
-                          <m:r>
-                            <a:rPr lang="en-US" altLang="ja-JP" sz="2800" i="1">
-                              <a:latin typeface="Cambria Math" panose="02040503050406030204" pitchFamily="18" charset="0"/>
-                            </a:rPr>
-                            <m:t>1</m:t>
-                          </m:r>
-                        </m:sup>
-                      </m:sSubSup>
-                      <m:r>
-                        <a:rPr lang="en-US" altLang="ja-JP" sz="2800" i="1">
-                          <a:latin typeface="Cambria Math" panose="02040503050406030204" pitchFamily="18" charset="0"/>
-                        </a:rPr>
-                        <m:t>,</m:t>
-                      </m:r>
-                      <m:sSubSup>
-                        <m:sSubSupPr>
-                          <m:ctrlPr>
-                            <a:rPr lang="en-US" altLang="ja-JP" sz="2800" i="1">
-                              <a:latin typeface="Cambria Math" panose="02040503050406030204" pitchFamily="18" charset="0"/>
-                            </a:rPr>
-                          </m:ctrlPr>
-                        </m:sSubSupPr>
-                        <m:e>
-                          <m:r>
-                            <a:rPr lang="en-US" altLang="ja-JP" sz="2800" i="1">
-                              <a:latin typeface="Cambria Math" panose="02040503050406030204" pitchFamily="18" charset="0"/>
-                            </a:rPr>
-                            <m:t>𝑟</m:t>
-                          </m:r>
-                        </m:e>
-                        <m:sub>
-                          <m:r>
-                            <a:rPr lang="en-US" altLang="ja-JP" sz="2800" i="1">
-                              <a:latin typeface="Cambria Math" panose="02040503050406030204" pitchFamily="18" charset="0"/>
-                            </a:rPr>
-                            <m:t>𝑦</m:t>
-                          </m:r>
-                        </m:sub>
-                        <m:sup>
-                          <m:r>
-                            <a:rPr lang="en-US" altLang="ja-JP" sz="2800" i="1">
-                              <a:latin typeface="Cambria Math" panose="02040503050406030204" pitchFamily="18" charset="0"/>
-                            </a:rPr>
-                            <m:t>1</m:t>
-                          </m:r>
-                        </m:sup>
-                      </m:sSubSup>
-                      <m:r>
-                        <a:rPr lang="en-US" altLang="ja-JP" sz="2800" i="1">
-                          <a:latin typeface="Cambria Math" panose="02040503050406030204" pitchFamily="18" charset="0"/>
-                        </a:rPr>
-                        <m:t>,</m:t>
-                      </m:r>
-                      <m:sSubSup>
-                        <m:sSubSupPr>
-                          <m:ctrlPr>
-                            <a:rPr lang="en-US" altLang="ja-JP" sz="2800" i="1">
-                              <a:latin typeface="Cambria Math" panose="02040503050406030204" pitchFamily="18" charset="0"/>
-                            </a:rPr>
-                          </m:ctrlPr>
-                        </m:sSubSupPr>
-                        <m:e>
-                          <m:r>
-                            <a:rPr lang="en-US" altLang="ja-JP" sz="2800" i="1">
-                              <a:latin typeface="Cambria Math" panose="02040503050406030204" pitchFamily="18" charset="0"/>
-                            </a:rPr>
-                            <m:t>𝑟</m:t>
-                          </m:r>
-                        </m:e>
-                        <m:sub>
-                          <m:r>
-                            <a:rPr lang="en-US" altLang="ja-JP" sz="2800" i="1">
-                              <a:latin typeface="Cambria Math" panose="02040503050406030204" pitchFamily="18" charset="0"/>
-                            </a:rPr>
-                            <m:t>𝑧</m:t>
-                          </m:r>
-                        </m:sub>
-                        <m:sup>
-                          <m:r>
-                            <a:rPr lang="en-US" altLang="ja-JP" sz="2800" i="1">
-                              <a:latin typeface="Cambria Math" panose="02040503050406030204" pitchFamily="18" charset="0"/>
-                            </a:rPr>
-                            <m:t>1</m:t>
-                          </m:r>
-                        </m:sup>
-                      </m:sSubSup>
-                      <m:r>
-                        <a:rPr lang="en-US" altLang="ja-JP" sz="2800" i="1">
-                          <a:latin typeface="Cambria Math" panose="02040503050406030204" pitchFamily="18" charset="0"/>
-                        </a:rPr>
-                        <m:t>,⋯,</m:t>
-                      </m:r>
-                      <m:sSubSup>
-                        <m:sSubSupPr>
-                          <m:ctrlPr>
-                            <a:rPr lang="en-US" altLang="ja-JP" sz="2800" i="1">
-                              <a:latin typeface="Cambria Math" panose="02040503050406030204" pitchFamily="18" charset="0"/>
-                            </a:rPr>
-                          </m:ctrlPr>
-                        </m:sSubSupPr>
-                        <m:e>
-                          <m:r>
-                            <a:rPr lang="en-US" altLang="ja-JP" sz="2800" i="1">
-                              <a:latin typeface="Cambria Math" panose="02040503050406030204" pitchFamily="18" charset="0"/>
-                            </a:rPr>
-                            <m:t>𝑟</m:t>
-                          </m:r>
-                        </m:e>
-                        <m:sub>
-                          <m:r>
-                            <a:rPr lang="en-US" altLang="ja-JP" sz="2800" i="1">
-                              <a:latin typeface="Cambria Math" panose="02040503050406030204" pitchFamily="18" charset="0"/>
-                            </a:rPr>
-                            <m:t>𝑥</m:t>
-                          </m:r>
-                        </m:sub>
-                        <m:sup>
-                          <m:r>
-                            <a:rPr lang="en-US" altLang="ja-JP" sz="2800" i="1">
-                              <a:latin typeface="Cambria Math" panose="02040503050406030204" pitchFamily="18" charset="0"/>
-                            </a:rPr>
-                            <m:t>𝑁</m:t>
-                          </m:r>
-                        </m:sup>
-                      </m:sSubSup>
-                      <m:r>
-                        <a:rPr lang="en-US" altLang="ja-JP" sz="2800" i="1">
-                          <a:latin typeface="Cambria Math" panose="02040503050406030204" pitchFamily="18" charset="0"/>
-                        </a:rPr>
-                        <m:t>,</m:t>
-                      </m:r>
-                      <m:sSubSup>
-                        <m:sSubSupPr>
-                          <m:ctrlPr>
-                            <a:rPr lang="en-US" altLang="ja-JP" sz="2800" i="1">
-                              <a:latin typeface="Cambria Math" panose="02040503050406030204" pitchFamily="18" charset="0"/>
-                            </a:rPr>
-                          </m:ctrlPr>
-                        </m:sSubSupPr>
-                        <m:e>
-                          <m:r>
-                            <a:rPr lang="en-US" altLang="ja-JP" sz="2800" i="1">
-                              <a:latin typeface="Cambria Math" panose="02040503050406030204" pitchFamily="18" charset="0"/>
-                            </a:rPr>
-                            <m:t>𝑟</m:t>
-                          </m:r>
-                        </m:e>
-                        <m:sub>
-                          <m:r>
-                            <a:rPr lang="en-US" altLang="ja-JP" sz="2800" i="1">
-                              <a:latin typeface="Cambria Math" panose="02040503050406030204" pitchFamily="18" charset="0"/>
-                            </a:rPr>
-                            <m:t>𝑦</m:t>
-                          </m:r>
-                        </m:sub>
-                        <m:sup>
-                          <m:r>
-                            <a:rPr lang="en-US" altLang="ja-JP" sz="2800" i="1">
-                              <a:latin typeface="Cambria Math" panose="02040503050406030204" pitchFamily="18" charset="0"/>
-                            </a:rPr>
-                            <m:t>𝑁</m:t>
-                          </m:r>
-                        </m:sup>
-                      </m:sSubSup>
-                      <m:r>
-                        <a:rPr lang="en-US" altLang="ja-JP" sz="2800" i="1">
-                          <a:latin typeface="Cambria Math" panose="02040503050406030204" pitchFamily="18" charset="0"/>
-                        </a:rPr>
-                        <m:t>,</m:t>
-                      </m:r>
-                      <m:sSubSup>
-                        <m:sSubSupPr>
-                          <m:ctrlPr>
-                            <a:rPr lang="en-US" altLang="ja-JP" sz="2800" i="1">
-                              <a:latin typeface="Cambria Math" panose="02040503050406030204" pitchFamily="18" charset="0"/>
-                            </a:rPr>
-                          </m:ctrlPr>
-                        </m:sSubSupPr>
-                        <m:e>
-                          <m:r>
-                            <a:rPr lang="en-US" altLang="ja-JP" sz="2800" i="1">
-                              <a:latin typeface="Cambria Math" panose="02040503050406030204" pitchFamily="18" charset="0"/>
-                            </a:rPr>
-                            <m:t>𝑟</m:t>
-                          </m:r>
-                        </m:e>
-                        <m:sub>
-                          <m:r>
-                            <a:rPr lang="en-US" altLang="ja-JP" sz="2800" i="1">
-                              <a:latin typeface="Cambria Math" panose="02040503050406030204" pitchFamily="18" charset="0"/>
-                            </a:rPr>
-                            <m:t>𝑧</m:t>
-                          </m:r>
-                        </m:sub>
-                        <m:sup>
-                          <m:r>
-                            <a:rPr lang="en-US" altLang="ja-JP" sz="2800" i="1">
-                              <a:latin typeface="Cambria Math" panose="02040503050406030204" pitchFamily="18" charset="0"/>
-                            </a:rPr>
-                            <m:t>𝑁</m:t>
-                          </m:r>
-                        </m:sup>
-                      </m:sSubSup>
-                      <m:r>
-                        <a:rPr lang="en-US" altLang="ja-JP" sz="2800" i="1">
-                          <a:latin typeface="Cambria Math" panose="02040503050406030204" pitchFamily="18" charset="0"/>
-                        </a:rPr>
-                        <m:t>,</m:t>
-                      </m:r>
-                      <m:sSubSup>
-                        <m:sSubSupPr>
-                          <m:ctrlPr>
-                            <a:rPr lang="en-US" altLang="ja-JP" sz="2800" i="1">
-                              <a:latin typeface="Cambria Math" panose="02040503050406030204" pitchFamily="18" charset="0"/>
-                            </a:rPr>
-                          </m:ctrlPr>
-                        </m:sSubSupPr>
-                        <m:e>
-                          <m:r>
-                            <a:rPr lang="en-US" altLang="ja-JP" sz="2800" i="1">
-                              <a:latin typeface="Cambria Math" panose="02040503050406030204" pitchFamily="18" charset="0"/>
-                            </a:rPr>
-                            <m:t>𝑣</m:t>
-                          </m:r>
-                        </m:e>
-                        <m:sub>
-                          <m:r>
-                            <a:rPr lang="en-US" altLang="ja-JP" sz="2800" i="1">
-                              <a:latin typeface="Cambria Math" panose="02040503050406030204" pitchFamily="18" charset="0"/>
-                            </a:rPr>
-                            <m:t>𝑥</m:t>
-                          </m:r>
-                        </m:sub>
-                        <m:sup>
-                          <m:r>
-                            <a:rPr lang="en-US" altLang="ja-JP" sz="2800" i="1">
-                              <a:latin typeface="Cambria Math" panose="02040503050406030204" pitchFamily="18" charset="0"/>
-                            </a:rPr>
-                            <m:t>1</m:t>
-                          </m:r>
-                        </m:sup>
-                      </m:sSubSup>
-                      <m:r>
-                        <a:rPr lang="en-US" altLang="ja-JP" sz="2800" i="1">
-                          <a:latin typeface="Cambria Math" panose="02040503050406030204" pitchFamily="18" charset="0"/>
-                        </a:rPr>
-                        <m:t>,</m:t>
-                      </m:r>
-                      <m:sSubSup>
-                        <m:sSubSupPr>
-                          <m:ctrlPr>
-                            <a:rPr lang="en-US" altLang="ja-JP" sz="2800" i="1">
-                              <a:latin typeface="Cambria Math" panose="02040503050406030204" pitchFamily="18" charset="0"/>
-                            </a:rPr>
-                          </m:ctrlPr>
-                        </m:sSubSupPr>
-                        <m:e>
-                          <m:r>
-                            <a:rPr lang="en-US" altLang="ja-JP" sz="2800" i="1">
-                              <a:latin typeface="Cambria Math" panose="02040503050406030204" pitchFamily="18" charset="0"/>
-                            </a:rPr>
-                            <m:t>𝑣</m:t>
-                          </m:r>
-                        </m:e>
-                        <m:sub>
-                          <m:r>
-                            <a:rPr lang="en-US" altLang="ja-JP" sz="2800" i="1">
-                              <a:latin typeface="Cambria Math" panose="02040503050406030204" pitchFamily="18" charset="0"/>
-                            </a:rPr>
-                            <m:t>𝑦</m:t>
-                          </m:r>
-                        </m:sub>
-                        <m:sup>
-                          <m:r>
-                            <a:rPr lang="en-US" altLang="ja-JP" sz="2800" i="1">
-                              <a:latin typeface="Cambria Math" panose="02040503050406030204" pitchFamily="18" charset="0"/>
-                            </a:rPr>
-                            <m:t>1</m:t>
-                          </m:r>
-                        </m:sup>
-                      </m:sSubSup>
-                      <m:r>
-                        <a:rPr lang="en-US" altLang="ja-JP" sz="2800" i="1">
-                          <a:latin typeface="Cambria Math" panose="02040503050406030204" pitchFamily="18" charset="0"/>
-                        </a:rPr>
-                        <m:t>,</m:t>
-                      </m:r>
-                      <m:sSubSup>
-                        <m:sSubSupPr>
-                          <m:ctrlPr>
-                            <a:rPr lang="en-US" altLang="ja-JP" sz="2800" i="1">
-                              <a:latin typeface="Cambria Math" panose="02040503050406030204" pitchFamily="18" charset="0"/>
-                            </a:rPr>
-                          </m:ctrlPr>
-                        </m:sSubSupPr>
-                        <m:e>
-                          <m:r>
-                            <a:rPr lang="en-US" altLang="ja-JP" sz="2800" i="1">
-                              <a:latin typeface="Cambria Math" panose="02040503050406030204" pitchFamily="18" charset="0"/>
-                            </a:rPr>
-                            <m:t>𝑣</m:t>
-                          </m:r>
-                        </m:e>
-                        <m:sub>
-                          <m:r>
-                            <a:rPr lang="en-US" altLang="ja-JP" sz="2800" i="1">
-                              <a:latin typeface="Cambria Math" panose="02040503050406030204" pitchFamily="18" charset="0"/>
-                            </a:rPr>
-                            <m:t>𝑧</m:t>
-                          </m:r>
-                        </m:sub>
-                        <m:sup>
-                          <m:r>
-                            <a:rPr lang="en-US" altLang="ja-JP" sz="2800" i="1">
-                              <a:latin typeface="Cambria Math" panose="02040503050406030204" pitchFamily="18" charset="0"/>
-                            </a:rPr>
-                            <m:t>1</m:t>
-                          </m:r>
-                        </m:sup>
-                      </m:sSubSup>
-                      <m:r>
-                        <a:rPr lang="en-US" altLang="ja-JP" sz="2800" i="1">
-                          <a:latin typeface="Cambria Math" panose="02040503050406030204" pitchFamily="18" charset="0"/>
-                        </a:rPr>
-                        <m:t>,⋯,</m:t>
-                      </m:r>
-                      <m:sSubSup>
-                        <m:sSubSupPr>
-                          <m:ctrlPr>
-                            <a:rPr lang="en-US" altLang="ja-JP" sz="2800" i="1">
-                              <a:latin typeface="Cambria Math" panose="02040503050406030204" pitchFamily="18" charset="0"/>
-                            </a:rPr>
-                          </m:ctrlPr>
-                        </m:sSubSupPr>
-                        <m:e>
-                          <m:r>
-                            <a:rPr lang="en-US" altLang="ja-JP" sz="2800" i="1">
-                              <a:latin typeface="Cambria Math" panose="02040503050406030204" pitchFamily="18" charset="0"/>
-                            </a:rPr>
-                            <m:t>𝑣</m:t>
-                          </m:r>
-                        </m:e>
-                        <m:sub>
-                          <m:r>
-                            <a:rPr lang="en-US" altLang="ja-JP" sz="2800" i="1">
-                              <a:latin typeface="Cambria Math" panose="02040503050406030204" pitchFamily="18" charset="0"/>
-                            </a:rPr>
-                            <m:t>𝑥</m:t>
-                          </m:r>
-                        </m:sub>
-                        <m:sup>
-                          <m:r>
-                            <a:rPr lang="en-US" altLang="ja-JP" sz="2800" i="1">
-                              <a:latin typeface="Cambria Math" panose="02040503050406030204" pitchFamily="18" charset="0"/>
-                            </a:rPr>
-                            <m:t>𝑁</m:t>
-                          </m:r>
-                        </m:sup>
-                      </m:sSubSup>
-                      <m:r>
-                        <a:rPr lang="en-US" altLang="ja-JP" sz="2800" i="1">
-                          <a:latin typeface="Cambria Math" panose="02040503050406030204" pitchFamily="18" charset="0"/>
-                        </a:rPr>
-                        <m:t>,</m:t>
-                      </m:r>
-                      <m:sSubSup>
-                        <m:sSubSupPr>
-                          <m:ctrlPr>
-                            <a:rPr lang="en-US" altLang="ja-JP" sz="2800" i="1">
-                              <a:latin typeface="Cambria Math" panose="02040503050406030204" pitchFamily="18" charset="0"/>
-                            </a:rPr>
-                          </m:ctrlPr>
-                        </m:sSubSupPr>
-                        <m:e>
-                          <m:r>
-                            <a:rPr lang="en-US" altLang="ja-JP" sz="2800" i="1">
-                              <a:latin typeface="Cambria Math" panose="02040503050406030204" pitchFamily="18" charset="0"/>
-                            </a:rPr>
-                            <m:t>𝑣</m:t>
-                          </m:r>
-                        </m:e>
-                        <m:sub>
-                          <m:r>
-                            <a:rPr lang="en-US" altLang="ja-JP" sz="2800" i="1">
-                              <a:latin typeface="Cambria Math" panose="02040503050406030204" pitchFamily="18" charset="0"/>
-                            </a:rPr>
-                            <m:t>𝑦</m:t>
-                          </m:r>
-                        </m:sub>
-                        <m:sup>
-                          <m:r>
-                            <a:rPr lang="en-US" altLang="ja-JP" sz="2800" i="1">
-                              <a:latin typeface="Cambria Math" panose="02040503050406030204" pitchFamily="18" charset="0"/>
-                            </a:rPr>
-                            <m:t>𝑁</m:t>
-                          </m:r>
-                        </m:sup>
-                      </m:sSubSup>
-                      <m:r>
-                        <a:rPr lang="en-US" altLang="ja-JP" sz="2800" i="1">
-                          <a:latin typeface="Cambria Math" panose="02040503050406030204" pitchFamily="18" charset="0"/>
-                        </a:rPr>
-                        <m:t>,</m:t>
-                      </m:r>
-                      <m:sSubSup>
-                        <m:sSubSupPr>
-                          <m:ctrlPr>
-                            <a:rPr lang="en-US" altLang="ja-JP" sz="2800" i="1">
-                              <a:latin typeface="Cambria Math" panose="02040503050406030204" pitchFamily="18" charset="0"/>
-                            </a:rPr>
-                          </m:ctrlPr>
-                        </m:sSubSupPr>
-                        <m:e>
-                          <m:r>
-                            <a:rPr lang="en-US" altLang="ja-JP" sz="2800" i="1">
-                              <a:latin typeface="Cambria Math" panose="02040503050406030204" pitchFamily="18" charset="0"/>
-                            </a:rPr>
-                            <m:t>𝑣</m:t>
-                          </m:r>
-                        </m:e>
-                        <m:sub>
-                          <m:r>
-                            <a:rPr lang="en-US" altLang="ja-JP" sz="2800" i="1">
-                              <a:latin typeface="Cambria Math" panose="02040503050406030204" pitchFamily="18" charset="0"/>
-                            </a:rPr>
-                            <m:t>𝑧</m:t>
-                          </m:r>
-                        </m:sub>
-                        <m:sup>
-                          <m:r>
-                            <a:rPr lang="en-US" altLang="ja-JP" sz="2800" i="1">
-                              <a:latin typeface="Cambria Math" panose="02040503050406030204" pitchFamily="18" charset="0"/>
-                            </a:rPr>
-                            <m:t>𝑁</m:t>
-                          </m:r>
-                        </m:sup>
-                      </m:sSubSup>
-                      <m:r>
-                        <a:rPr lang="en-US" altLang="ja-JP" sz="2800" i="1">
-                          <a:latin typeface="Cambria Math" panose="02040503050406030204" pitchFamily="18" charset="0"/>
-                        </a:rPr>
-                        <m:t>)</m:t>
-                      </m:r>
-                    </m:oMath>
-                  </m:oMathPara>
-                </a14:m>
-                <a:endParaRPr lang="ja-JP" altLang="en-US" sz="2800"/>
-              </a:p>
-            </p:txBody>
-          </p:sp>
-        </mc:Choice>
-        <mc:Fallback>
-          <p:sp>
-            <p:nvSpPr>
-              <p:cNvPr id="3" name="テキスト ボックス 2">
-                <a:extLst>
-                  <a:ext uri="{FF2B5EF4-FFF2-40B4-BE49-F238E27FC236}">
-                    <a16:creationId xmlns:a16="http://schemas.microsoft.com/office/drawing/2014/main" id="{7B9DCF37-57B0-4E8A-AC78-94D6E4084F09}"/>
-                  </a:ext>
-                </a:extLst>
-              </p:cNvPr>
-              <p:cNvSpPr txBox="1">
-                <a:spLocks noRot="1" noChangeAspect="1" noMove="1" noResize="1" noEditPoints="1" noAdjustHandles="1" noChangeArrowheads="1" noChangeShapeType="1" noTextEdit="1"/>
-              </p:cNvSpPr>
-              <p:nvPr/>
-            </p:nvSpPr>
-            <p:spPr>
-              <a:xfrm>
-                <a:off x="395536" y="1988840"/>
-                <a:ext cx="8424936" cy="566117"/>
-              </a:xfrm>
-              <a:prstGeom prst="rect">
-                <a:avLst/>
-              </a:prstGeom>
-              <a:blipFill>
-                <a:blip r:embed="rId2"/>
-                <a:stretch>
-                  <a:fillRect/>
-                </a:stretch>
-              </a:blipFill>
-            </p:spPr>
-            <p:txBody>
-              <a:bodyPr/>
-              <a:lstStyle/>
-              <a:p>
-                <a:r>
-                  <a:rPr lang="ja-JP" altLang="en-US">
-                    <a:noFill/>
-                  </a:rPr>
-                  <a:t> </a:t>
-                </a:r>
-              </a:p>
-            </p:txBody>
-          </p:sp>
-        </mc:Fallback>
-      </mc:AlternateContent>
       <p:sp>
         <p:nvSpPr>
           <p:cNvPr id="4" name="テキスト ボックス 3">
@@ -25678,7 +25155,7 @@
         <p:spPr>
           <a:xfrm>
             <a:off x="323528" y="1196752"/>
-            <a:ext cx="2954655" cy="646331"/>
+            <a:ext cx="5922391" cy="523220"/>
           </a:xfrm>
           <a:prstGeom prst="rect">
             <a:avLst/>
@@ -25692,10 +25169,13 @@
           <a:lstStyle/>
           <a:p>
             <a:r>
-              <a:rPr lang="ja-JP" altLang="en-US" sz="3600"/>
-              <a:t>多変数の場合</a:t>
+              <a:rPr kumimoji="1" lang="en-US" altLang="ja-JP" sz="2800"/>
+              <a:t>x,y,z</a:t>
             </a:r>
-            <a:endParaRPr kumimoji="1" lang="ja-JP" altLang="en-US" sz="3600"/>
+            <a:r>
+              <a:rPr kumimoji="1" lang="ja-JP" altLang="en-US" sz="2800"/>
+              <a:t>方向を区別するのが面倒なので</a:t>
+            </a:r>
           </a:p>
         </p:txBody>
       </p:sp>
@@ -25715,8 +25195,8 @@
             </p:nvSpPr>
             <p:spPr>
               <a:xfrm>
-                <a:off x="683568" y="2924944"/>
-                <a:ext cx="8281050" cy="581057"/>
+                <a:off x="395536" y="1844824"/>
+                <a:ext cx="8086637" cy="581057"/>
               </a:xfrm>
               <a:prstGeom prst="rect">
                 <a:avLst/>
@@ -25783,7 +25263,7 @@
                           <a:rPr kumimoji="1" lang="en-US" altLang="ja-JP" sz="2800" b="0" i="1" smtClean="0">
                             <a:latin typeface="Cambria Math" panose="02040503050406030204" pitchFamily="18" charset="0"/>
                           </a:rPr>
-                          <m:t>𝑟</m:t>
+                          <m:t>𝑞</m:t>
                         </m:r>
                       </m:e>
                       <m:sub>
@@ -25856,10 +25336,10 @@
                       </m:sSubPr>
                       <m:e>
                         <m:r>
-                          <a:rPr lang="en-US" altLang="ja-JP" sz="2800" i="1">
+                          <a:rPr lang="en-US" altLang="ja-JP" sz="2800" b="0" i="1" smtClean="0">
                             <a:latin typeface="Cambria Math" panose="02040503050406030204" pitchFamily="18" charset="0"/>
                           </a:rPr>
-                          <m:t>𝑟</m:t>
+                          <m:t>𝑞</m:t>
                         </m:r>
                       </m:e>
                       <m:sub>
@@ -25946,10 +25426,10 @@
                       </m:sSubPr>
                       <m:e>
                         <m:r>
-                          <a:rPr lang="en-US" altLang="ja-JP" sz="2800" i="1">
+                          <a:rPr lang="en-US" altLang="ja-JP" sz="2800" b="0" i="1" smtClean="0">
                             <a:latin typeface="Cambria Math" panose="02040503050406030204" pitchFamily="18" charset="0"/>
                           </a:rPr>
-                          <m:t>𝑟</m:t>
+                          <m:t>𝑞</m:t>
                         </m:r>
                       </m:e>
                       <m:sub>
@@ -25969,13 +25449,7 @@
                           <a:rPr lang="en-US" altLang="ja-JP" sz="2800" i="1">
                             <a:latin typeface="Cambria Math" panose="02040503050406030204" pitchFamily="18" charset="0"/>
                           </a:rPr>
-                          <m:t>+</m:t>
-                        </m:r>
-                        <m:r>
-                          <a:rPr lang="en-US" altLang="ja-JP" sz="2800" b="0" i="1" smtClean="0">
-                            <a:latin typeface="Cambria Math" panose="02040503050406030204" pitchFamily="18" charset="0"/>
-                          </a:rPr>
-                          <m:t>2</m:t>
+                          <m:t>+2</m:t>
                         </m:r>
                       </m:sub>
                     </m:sSub>
@@ -25995,7 +25469,7 @@
                 </a14:m>
                 <a:r>
                   <a:rPr kumimoji="1" lang="ja-JP" altLang="en-US" sz="2800"/>
-                  <a:t>つけると</a:t>
+                  <a:t>つける</a:t>
                 </a:r>
               </a:p>
             </p:txBody>
@@ -26018,16 +25492,16 @@
             </p:nvSpPr>
             <p:spPr>
               <a:xfrm>
-                <a:off x="683568" y="2924944"/>
-                <a:ext cx="8281050" cy="581057"/>
+                <a:off x="395536" y="1844824"/>
+                <a:ext cx="8086637" cy="581057"/>
               </a:xfrm>
               <a:prstGeom prst="rect">
                 <a:avLst/>
               </a:prstGeom>
               <a:blipFill>
-                <a:blip r:embed="rId3"/>
+                <a:blip r:embed="rId2"/>
                 <a:stretch>
-                  <a:fillRect t="-11579" r="-442" b="-18947"/>
+                  <a:fillRect t="-11579" r="-528" b="-18947"/>
                 </a:stretch>
               </a:blipFill>
             </p:spPr>
@@ -26062,7 +25536,7 @@
             </p:nvSpPr>
             <p:spPr>
               <a:xfrm>
-                <a:off x="3851920" y="4221088"/>
+                <a:off x="3635896" y="3861048"/>
                 <a:ext cx="4589144" cy="1198854"/>
               </a:xfrm>
               <a:prstGeom prst="rect">
@@ -26286,14 +25760,14 @@
             </p:nvSpPr>
             <p:spPr>
               <a:xfrm>
-                <a:off x="3851920" y="4221088"/>
+                <a:off x="3635896" y="3861048"/>
                 <a:ext cx="4589144" cy="1198854"/>
               </a:xfrm>
               <a:prstGeom prst="rect">
                 <a:avLst/>
               </a:prstGeom>
               <a:blipFill>
-                <a:blip r:embed="rId4"/>
+                <a:blip r:embed="rId3"/>
                 <a:stretch>
                   <a:fillRect/>
                 </a:stretch>
@@ -26330,7 +25804,7 @@
             </p:nvSpPr>
             <p:spPr>
               <a:xfrm>
-                <a:off x="1187624" y="4509120"/>
+                <a:off x="971600" y="4149080"/>
                 <a:ext cx="2016224" cy="646331"/>
               </a:xfrm>
               <a:prstGeom prst="rect">
@@ -26394,14 +25868,14 @@
             </p:nvSpPr>
             <p:spPr>
               <a:xfrm>
-                <a:off x="1187624" y="4509120"/>
+                <a:off x="971600" y="4149080"/>
                 <a:ext cx="2016224" cy="646331"/>
               </a:xfrm>
               <a:prstGeom prst="rect">
                 <a:avLst/>
               </a:prstGeom>
               <a:blipFill>
-                <a:blip r:embed="rId5"/>
+                <a:blip r:embed="rId4"/>
                 <a:stretch>
                   <a:fillRect/>
                 </a:stretch>
@@ -26436,7 +25910,7 @@
         </p:nvSpPr>
         <p:spPr>
           <a:xfrm>
-            <a:off x="3347864" y="4581128"/>
+            <a:off x="3131840" y="4221088"/>
             <a:ext cx="648072" cy="556640"/>
           </a:xfrm>
           <a:prstGeom prst="rightArrow">
@@ -26490,7 +25964,7 @@
         </p:nvSpPr>
         <p:spPr>
           <a:xfrm>
-            <a:off x="971600" y="5661248"/>
+            <a:off x="1115616" y="5517232"/>
             <a:ext cx="6912768" cy="954107"/>
           </a:xfrm>
           <a:prstGeom prst="rect">
@@ -26512,10 +25986,816 @@
           </a:p>
         </p:txBody>
       </p:sp>
+      <mc:AlternateContent xmlns:mc="http://schemas.openxmlformats.org/markup-compatibility/2006">
+        <mc:Choice xmlns:a14="http://schemas.microsoft.com/office/drawing/2010/main" Requires="a14">
+          <p:sp>
+            <p:nvSpPr>
+              <p:cNvPr id="13" name="テキスト ボックス 12">
+                <a:extLst>
+                  <a:ext uri="{FF2B5EF4-FFF2-40B4-BE49-F238E27FC236}">
+                    <a16:creationId xmlns:a16="http://schemas.microsoft.com/office/drawing/2014/main" id="{55587D17-895E-4774-BE8E-7033CBEDBC8E}"/>
+                  </a:ext>
+                </a:extLst>
+              </p:cNvPr>
+              <p:cNvSpPr txBox="1"/>
+              <p:nvPr/>
+            </p:nvSpPr>
+            <p:spPr>
+              <a:xfrm>
+                <a:off x="1187624" y="2708920"/>
+                <a:ext cx="5544616" cy="707886"/>
+              </a:xfrm>
+              <a:prstGeom prst="rect">
+                <a:avLst/>
+              </a:prstGeom>
+              <a:noFill/>
+            </p:spPr>
+            <p:txBody>
+              <a:bodyPr wrap="square">
+                <a:spAutoFit/>
+              </a:bodyPr>
+              <a:lstStyle/>
+              <a:p>
+                <a:pPr/>
+                <a14:m>
+                  <m:oMathPara xmlns:m="http://schemas.openxmlformats.org/officeDocument/2006/math">
+                    <m:oMathParaPr>
+                      <m:jc m:val="centerGroup"/>
+                    </m:oMathParaPr>
+                    <m:oMath xmlns:m="http://schemas.openxmlformats.org/officeDocument/2006/math">
+                      <m:r>
+                        <a:rPr kumimoji="1" lang="en-US" altLang="ja-JP" sz="4000" b="0" i="1" smtClean="0">
+                          <a:latin typeface="Cambria Math" panose="02040503050406030204" pitchFamily="18" charset="0"/>
+                        </a:rPr>
+                        <m:t>ℒ</m:t>
+                      </m:r>
+                      <m:r>
+                        <a:rPr lang="en-US" altLang="ja-JP" sz="4000" i="1">
+                          <a:latin typeface="Cambria Math" panose="02040503050406030204" pitchFamily="18" charset="0"/>
+                        </a:rPr>
+                        <m:t>(</m:t>
+                      </m:r>
+                      <m:sSub>
+                        <m:sSubPr>
+                          <m:ctrlPr>
+                            <a:rPr kumimoji="1" lang="en-US" altLang="ja-JP" sz="4000" b="0" i="1" smtClean="0">
+                              <a:latin typeface="Cambria Math" panose="02040503050406030204" pitchFamily="18" charset="0"/>
+                            </a:rPr>
+                          </m:ctrlPr>
+                        </m:sSubPr>
+                        <m:e>
+                          <m:r>
+                            <a:rPr lang="en-US" altLang="ja-JP" sz="4000" b="0" i="1" smtClean="0">
+                              <a:latin typeface="Cambria Math" panose="02040503050406030204" pitchFamily="18" charset="0"/>
+                            </a:rPr>
+                            <m:t>𝑞</m:t>
+                          </m:r>
+                        </m:e>
+                        <m:sub>
+                          <m:r>
+                            <a:rPr lang="en-US" altLang="ja-JP" sz="4000" b="0" i="1" smtClean="0">
+                              <a:latin typeface="Cambria Math" panose="02040503050406030204" pitchFamily="18" charset="0"/>
+                            </a:rPr>
+                            <m:t>1</m:t>
+                          </m:r>
+                        </m:sub>
+                      </m:sSub>
+                      <m:r>
+                        <a:rPr lang="en-US" altLang="ja-JP" sz="4000" b="0" i="1" smtClean="0">
+                          <a:latin typeface="Cambria Math" panose="02040503050406030204" pitchFamily="18" charset="0"/>
+                        </a:rPr>
+                        <m:t>,⋯</m:t>
+                      </m:r>
+                      <m:sSub>
+                        <m:sSubPr>
+                          <m:ctrlPr>
+                            <a:rPr lang="en-US" altLang="ja-JP" sz="4000" b="0" i="1" smtClean="0">
+                              <a:latin typeface="Cambria Math" panose="02040503050406030204" pitchFamily="18" charset="0"/>
+                            </a:rPr>
+                          </m:ctrlPr>
+                        </m:sSubPr>
+                        <m:e>
+                          <m:r>
+                            <a:rPr lang="en-US" altLang="ja-JP" sz="4000" b="0" i="1" smtClean="0">
+                              <a:latin typeface="Cambria Math" panose="02040503050406030204" pitchFamily="18" charset="0"/>
+                            </a:rPr>
+                            <m:t>𝑞</m:t>
+                          </m:r>
+                        </m:e>
+                        <m:sub>
+                          <m:r>
+                            <a:rPr lang="en-US" altLang="ja-JP" sz="4000" b="0" i="1" smtClean="0">
+                              <a:latin typeface="Cambria Math" panose="02040503050406030204" pitchFamily="18" charset="0"/>
+                            </a:rPr>
+                            <m:t>3</m:t>
+                          </m:r>
+                          <m:r>
+                            <a:rPr lang="en-US" altLang="ja-JP" sz="4000" b="0" i="1" smtClean="0">
+                              <a:latin typeface="Cambria Math" panose="02040503050406030204" pitchFamily="18" charset="0"/>
+                            </a:rPr>
+                            <m:t>𝑁</m:t>
+                          </m:r>
+                        </m:sub>
+                      </m:sSub>
+                      <m:r>
+                        <a:rPr lang="en-US" altLang="ja-JP" sz="4000" i="1">
+                          <a:latin typeface="Cambria Math" panose="02040503050406030204" pitchFamily="18" charset="0"/>
+                        </a:rPr>
+                        <m:t>,</m:t>
+                      </m:r>
+                      <m:acc>
+                        <m:accPr>
+                          <m:chr m:val="̇"/>
+                          <m:ctrlPr>
+                            <a:rPr lang="en-US" altLang="ja-JP" sz="4000" b="0" i="1" smtClean="0">
+                              <a:latin typeface="Cambria Math" panose="02040503050406030204" pitchFamily="18" charset="0"/>
+                            </a:rPr>
+                          </m:ctrlPr>
+                        </m:accPr>
+                        <m:e>
+                          <m:sSub>
+                            <m:sSubPr>
+                              <m:ctrlPr>
+                                <a:rPr lang="en-US" altLang="ja-JP" sz="4000" b="0" i="1" smtClean="0">
+                                  <a:latin typeface="Cambria Math" panose="02040503050406030204" pitchFamily="18" charset="0"/>
+                                </a:rPr>
+                              </m:ctrlPr>
+                            </m:sSubPr>
+                            <m:e>
+                              <m:r>
+                                <a:rPr lang="en-US" altLang="ja-JP" sz="4000" b="0" i="1" smtClean="0">
+                                  <a:latin typeface="Cambria Math" panose="02040503050406030204" pitchFamily="18" charset="0"/>
+                                </a:rPr>
+                                <m:t>𝑞</m:t>
+                              </m:r>
+                            </m:e>
+                            <m:sub>
+                              <m:r>
+                                <a:rPr lang="en-US" altLang="ja-JP" sz="4000" b="0" i="1" smtClean="0">
+                                  <a:latin typeface="Cambria Math" panose="02040503050406030204" pitchFamily="18" charset="0"/>
+                                </a:rPr>
+                                <m:t>1</m:t>
+                              </m:r>
+                            </m:sub>
+                          </m:sSub>
+                        </m:e>
+                      </m:acc>
+                      <m:r>
+                        <a:rPr lang="en-US" altLang="ja-JP" sz="4000" b="0" i="1" smtClean="0">
+                          <a:latin typeface="Cambria Math" panose="02040503050406030204" pitchFamily="18" charset="0"/>
+                        </a:rPr>
+                        <m:t>,⋯,</m:t>
+                      </m:r>
+                      <m:sSub>
+                        <m:sSubPr>
+                          <m:ctrlPr>
+                            <a:rPr lang="en-US" altLang="ja-JP" sz="4000" b="0" i="1" smtClean="0">
+                              <a:latin typeface="Cambria Math" panose="02040503050406030204" pitchFamily="18" charset="0"/>
+                            </a:rPr>
+                          </m:ctrlPr>
+                        </m:sSubPr>
+                        <m:e>
+                          <m:acc>
+                            <m:accPr>
+                              <m:chr m:val="̇"/>
+                              <m:ctrlPr>
+                                <a:rPr lang="en-US" altLang="ja-JP" sz="4000" b="0" i="1" smtClean="0">
+                                  <a:latin typeface="Cambria Math" panose="02040503050406030204" pitchFamily="18" charset="0"/>
+                                </a:rPr>
+                              </m:ctrlPr>
+                            </m:accPr>
+                            <m:e>
+                              <m:r>
+                                <a:rPr lang="en-US" altLang="ja-JP" sz="4000" b="0" i="1" smtClean="0">
+                                  <a:latin typeface="Cambria Math" panose="02040503050406030204" pitchFamily="18" charset="0"/>
+                                </a:rPr>
+                                <m:t>𝑞</m:t>
+                              </m:r>
+                            </m:e>
+                          </m:acc>
+                        </m:e>
+                        <m:sub>
+                          <m:r>
+                            <a:rPr lang="en-US" altLang="ja-JP" sz="4000" b="0" i="1" smtClean="0">
+                              <a:latin typeface="Cambria Math" panose="02040503050406030204" pitchFamily="18" charset="0"/>
+                            </a:rPr>
+                            <m:t>3</m:t>
+                          </m:r>
+                          <m:r>
+                            <a:rPr lang="en-US" altLang="ja-JP" sz="4000" b="0" i="1" smtClean="0">
+                              <a:latin typeface="Cambria Math" panose="02040503050406030204" pitchFamily="18" charset="0"/>
+                            </a:rPr>
+                            <m:t>𝑁</m:t>
+                          </m:r>
+                        </m:sub>
+                      </m:sSub>
+                      <m:r>
+                        <a:rPr lang="en-US" altLang="ja-JP" sz="4000" i="1">
+                          <a:latin typeface="Cambria Math" panose="02040503050406030204" pitchFamily="18" charset="0"/>
+                        </a:rPr>
+                        <m:t>)</m:t>
+                      </m:r>
+                    </m:oMath>
+                  </m:oMathPara>
+                </a14:m>
+                <a:endParaRPr lang="ja-JP" altLang="en-US" sz="4000"/>
+              </a:p>
+            </p:txBody>
+          </p:sp>
+        </mc:Choice>
+        <mc:Fallback>
+          <p:sp>
+            <p:nvSpPr>
+              <p:cNvPr id="13" name="テキスト ボックス 12">
+                <a:extLst>
+                  <a:ext uri="{FF2B5EF4-FFF2-40B4-BE49-F238E27FC236}">
+                    <a16:creationId xmlns:a16="http://schemas.microsoft.com/office/drawing/2014/main" id="{55587D17-895E-4774-BE8E-7033CBEDBC8E}"/>
+                  </a:ext>
+                </a:extLst>
+              </p:cNvPr>
+              <p:cNvSpPr txBox="1">
+                <a:spLocks noRot="1" noChangeAspect="1" noMove="1" noResize="1" noEditPoints="1" noAdjustHandles="1" noChangeArrowheads="1" noChangeShapeType="1" noTextEdit="1"/>
+              </p:cNvSpPr>
+              <p:nvPr/>
+            </p:nvSpPr>
+            <p:spPr>
+              <a:xfrm>
+                <a:off x="1187624" y="2708920"/>
+                <a:ext cx="5544616" cy="707886"/>
+              </a:xfrm>
+              <a:prstGeom prst="rect">
+                <a:avLst/>
+              </a:prstGeom>
+              <a:blipFill>
+                <a:blip r:embed="rId5"/>
+                <a:stretch>
+                  <a:fillRect/>
+                </a:stretch>
+              </a:blipFill>
+            </p:spPr>
+            <p:txBody>
+              <a:bodyPr/>
+              <a:lstStyle/>
+              <a:p>
+                <a:r>
+                  <a:rPr lang="ja-JP" altLang="en-US">
+                    <a:noFill/>
+                  </a:rPr>
+                  <a:t> </a:t>
+                </a:r>
+              </a:p>
+            </p:txBody>
+          </p:sp>
+        </mc:Fallback>
+      </mc:AlternateContent>
     </p:spTree>
     <p:extLst>
       <p:ext uri="{BB962C8B-B14F-4D97-AF65-F5344CB8AC3E}">
         <p14:creationId xmlns:p14="http://schemas.microsoft.com/office/powerpoint/2010/main" val="2797537048"/>
+      </p:ext>
+    </p:extLst>
+  </p:cSld>
+  <p:clrMapOvr>
+    <a:masterClrMapping/>
+  </p:clrMapOvr>
+</p:sld>
+</file>
+
+<file path=ppt/slides/slide28.xml><?xml version="1.0" encoding="utf-8"?>
+<p:sld xmlns:a="http://schemas.openxmlformats.org/drawingml/2006/main" xmlns:r="http://schemas.openxmlformats.org/officeDocument/2006/relationships" xmlns:p="http://schemas.openxmlformats.org/presentationml/2006/main">
+  <p:cSld>
+    <p:spTree>
+      <p:nvGrpSpPr>
+        <p:cNvPr id="1" name=""/>
+        <p:cNvGrpSpPr/>
+        <p:nvPr/>
+      </p:nvGrpSpPr>
+      <p:grpSpPr>
+        <a:xfrm>
+          <a:off x="0" y="0"/>
+          <a:ext cx="0" cy="0"/>
+          <a:chOff x="0" y="0"/>
+          <a:chExt cx="0" cy="0"/>
+        </a:xfrm>
+      </p:grpSpPr>
+      <p:sp>
+        <p:nvSpPr>
+          <p:cNvPr id="2" name="テキスト プレースホルダー 1">
+            <a:extLst>
+              <a:ext uri="{FF2B5EF4-FFF2-40B4-BE49-F238E27FC236}">
+                <a16:creationId xmlns:a16="http://schemas.microsoft.com/office/drawing/2014/main" id="{84BFBFD6-12EF-4C63-A740-4984E3F9867E}"/>
+              </a:ext>
+            </a:extLst>
+          </p:cNvPr>
+          <p:cNvSpPr>
+            <a:spLocks noGrp="1"/>
+          </p:cNvSpPr>
+          <p:nvPr>
+            <p:ph type="body" sz="quarter" idx="10"/>
+          </p:nvPr>
+        </p:nvSpPr>
+        <p:spPr/>
+        <p:txBody>
+          <a:bodyPr/>
+          <a:lstStyle/>
+          <a:p>
+            <a:r>
+              <a:rPr kumimoji="1" lang="ja-JP" altLang="en-US"/>
+              <a:t>変分原理のまとめ</a:t>
+            </a:r>
+          </a:p>
+        </p:txBody>
+      </p:sp>
+      <p:sp>
+        <p:nvSpPr>
+          <p:cNvPr id="4" name="テキスト ボックス 3">
+            <a:extLst>
+              <a:ext uri="{FF2B5EF4-FFF2-40B4-BE49-F238E27FC236}">
+                <a16:creationId xmlns:a16="http://schemas.microsoft.com/office/drawing/2014/main" id="{F1F49322-9DA1-447D-826B-F13B2DEF24B1}"/>
+              </a:ext>
+            </a:extLst>
+          </p:cNvPr>
+          <p:cNvSpPr txBox="1"/>
+          <p:nvPr/>
+        </p:nvSpPr>
+        <p:spPr>
+          <a:xfrm>
+            <a:off x="107504" y="1340768"/>
+            <a:ext cx="8640960" cy="4524315"/>
+          </a:xfrm>
+          <a:prstGeom prst="rect">
+            <a:avLst/>
+          </a:prstGeom>
+          <a:noFill/>
+        </p:spPr>
+        <p:txBody>
+          <a:bodyPr wrap="square" rtlCol="0">
+            <a:spAutoFit/>
+          </a:bodyPr>
+          <a:lstStyle/>
+          <a:p>
+            <a:pPr marL="342900" indent="-342900">
+              <a:buFont typeface="Arial" panose="020B0604020202020204" pitchFamily="34" charset="0"/>
+              <a:buChar char="•"/>
+            </a:pPr>
+            <a:r>
+              <a:rPr kumimoji="1" lang="ja-JP" altLang="en-US" sz="3200"/>
+              <a:t>ラグランジアンは位相空間における「進みづらさ」を表す関数</a:t>
+            </a:r>
+            <a:endParaRPr kumimoji="1" lang="en-US" altLang="ja-JP" sz="3200"/>
+          </a:p>
+          <a:p>
+            <a:pPr marL="342900" indent="-342900">
+              <a:buFont typeface="Arial" panose="020B0604020202020204" pitchFamily="34" charset="0"/>
+              <a:buChar char="•"/>
+            </a:pPr>
+            <a:r>
+              <a:rPr lang="ja-JP" altLang="en-US" sz="3200"/>
+              <a:t>作用積分とは軌道に沿ったラグランジアンの線積分であり、作用とは進みづらさの総和を意味する</a:t>
+            </a:r>
+            <a:endParaRPr lang="en-US" altLang="ja-JP" sz="3200"/>
+          </a:p>
+          <a:p>
+            <a:pPr marL="342900" indent="-342900">
+              <a:buFont typeface="Arial" panose="020B0604020202020204" pitchFamily="34" charset="0"/>
+              <a:buChar char="•"/>
+            </a:pPr>
+            <a:r>
+              <a:rPr lang="ja-JP" altLang="en-US" sz="3200"/>
+              <a:t>多粒子系の運動方程式は連立微分方程式となるが、その全てが単一のスカラー関数であるラグランジアンの変分から得られる</a:t>
+            </a:r>
+            <a:r>
+              <a:rPr lang="en-US" altLang="ja-JP" sz="3200"/>
+              <a:t>(</a:t>
+            </a:r>
+            <a:r>
+              <a:rPr lang="ja-JP" altLang="en-US" sz="3200">
+                <a:solidFill>
+                  <a:srgbClr val="FF0000"/>
+                </a:solidFill>
+              </a:rPr>
+              <a:t>オイラー・ラグランジュ方程式</a:t>
+            </a:r>
+            <a:r>
+              <a:rPr lang="en-US" altLang="ja-JP" sz="3200"/>
+              <a:t>)</a:t>
+            </a:r>
+          </a:p>
+        </p:txBody>
+      </p:sp>
+    </p:spTree>
+    <p:extLst>
+      <p:ext uri="{BB962C8B-B14F-4D97-AF65-F5344CB8AC3E}">
+        <p14:creationId xmlns:p14="http://schemas.microsoft.com/office/powerpoint/2010/main" val="3280876207"/>
+      </p:ext>
+    </p:extLst>
+  </p:cSld>
+  <p:clrMapOvr>
+    <a:masterClrMapping/>
+  </p:clrMapOvr>
+</p:sld>
+</file>
+
+<file path=ppt/slides/slide29.xml><?xml version="1.0" encoding="utf-8"?>
+<p:sld xmlns:a="http://schemas.openxmlformats.org/drawingml/2006/main" xmlns:r="http://schemas.openxmlformats.org/officeDocument/2006/relationships" xmlns:p="http://schemas.openxmlformats.org/presentationml/2006/main">
+  <p:cSld>
+    <p:spTree>
+      <p:nvGrpSpPr>
+        <p:cNvPr id="1" name=""/>
+        <p:cNvGrpSpPr/>
+        <p:nvPr/>
+      </p:nvGrpSpPr>
+      <p:grpSpPr>
+        <a:xfrm>
+          <a:off x="0" y="0"/>
+          <a:ext cx="0" cy="0"/>
+          <a:chOff x="0" y="0"/>
+          <a:chExt cx="0" cy="0"/>
+        </a:xfrm>
+      </p:grpSpPr>
+      <p:sp>
+        <p:nvSpPr>
+          <p:cNvPr id="2" name="テキスト プレースホルダー 1">
+            <a:extLst>
+              <a:ext uri="{FF2B5EF4-FFF2-40B4-BE49-F238E27FC236}">
+                <a16:creationId xmlns:a16="http://schemas.microsoft.com/office/drawing/2014/main" id="{C524CFAE-5371-458C-9BBF-63B4AF523BC7}"/>
+              </a:ext>
+            </a:extLst>
+          </p:cNvPr>
+          <p:cNvSpPr>
+            <a:spLocks noGrp="1"/>
+          </p:cNvSpPr>
+          <p:nvPr>
+            <p:ph type="body" sz="quarter" idx="10"/>
+          </p:nvPr>
+        </p:nvSpPr>
+        <p:spPr/>
+        <p:txBody>
+          <a:bodyPr/>
+          <a:lstStyle/>
+          <a:p>
+            <a:r>
+              <a:rPr kumimoji="1" lang="ja-JP" altLang="en-US"/>
+              <a:t>ルジャンドル変換</a:t>
+            </a:r>
+          </a:p>
+        </p:txBody>
+      </p:sp>
+      <p:sp>
+        <p:nvSpPr>
+          <p:cNvPr id="3" name="テキスト ボックス 2">
+            <a:extLst>
+              <a:ext uri="{FF2B5EF4-FFF2-40B4-BE49-F238E27FC236}">
+                <a16:creationId xmlns:a16="http://schemas.microsoft.com/office/drawing/2014/main" id="{4990EEF6-66CA-45E4-8714-70EB4749145B}"/>
+              </a:ext>
+            </a:extLst>
+          </p:cNvPr>
+          <p:cNvSpPr txBox="1"/>
+          <p:nvPr/>
+        </p:nvSpPr>
+        <p:spPr>
+          <a:xfrm>
+            <a:off x="323528" y="1484784"/>
+            <a:ext cx="7848872" cy="523220"/>
+          </a:xfrm>
+          <a:prstGeom prst="rect">
+            <a:avLst/>
+          </a:prstGeom>
+          <a:noFill/>
+        </p:spPr>
+        <p:txBody>
+          <a:bodyPr wrap="square" rtlCol="0">
+            <a:spAutoFit/>
+          </a:bodyPr>
+          <a:lstStyle/>
+          <a:p>
+            <a:r>
+              <a:rPr kumimoji="1" lang="ja-JP" altLang="en-US" sz="2800"/>
+              <a:t>ラグランジアンの第一引数をルジャンドル変換</a:t>
+            </a:r>
+          </a:p>
+        </p:txBody>
+      </p:sp>
+      <mc:AlternateContent xmlns:mc="http://schemas.openxmlformats.org/markup-compatibility/2006">
+        <mc:Choice xmlns:a14="http://schemas.microsoft.com/office/drawing/2010/main" Requires="a14">
+          <p:sp>
+            <p:nvSpPr>
+              <p:cNvPr id="4" name="テキスト ボックス 3">
+                <a:extLst>
+                  <a:ext uri="{FF2B5EF4-FFF2-40B4-BE49-F238E27FC236}">
+                    <a16:creationId xmlns:a16="http://schemas.microsoft.com/office/drawing/2014/main" id="{7ADAB778-4797-4E70-8729-3035A51A8495}"/>
+                  </a:ext>
+                </a:extLst>
+              </p:cNvPr>
+              <p:cNvSpPr txBox="1"/>
+              <p:nvPr/>
+            </p:nvSpPr>
+            <p:spPr>
+              <a:xfrm>
+                <a:off x="1331640" y="2371527"/>
+                <a:ext cx="2013885" cy="769441"/>
+              </a:xfrm>
+              <a:prstGeom prst="rect">
+                <a:avLst/>
+              </a:prstGeom>
+              <a:noFill/>
+            </p:spPr>
+            <p:txBody>
+              <a:bodyPr wrap="none" rtlCol="0">
+                <a:spAutoFit/>
+              </a:bodyPr>
+              <a:lstStyle/>
+              <a:p>
+                <a14:m>
+                  <m:oMathPara xmlns:m="http://schemas.openxmlformats.org/officeDocument/2006/math">
+                    <m:oMathParaPr>
+                      <m:jc m:val="centerGroup"/>
+                    </m:oMathParaPr>
+                    <m:oMath xmlns:m="http://schemas.openxmlformats.org/officeDocument/2006/math">
+                      <m:r>
+                        <a:rPr kumimoji="1" lang="en-US" altLang="ja-JP" sz="4400" b="0" i="1" smtClean="0">
+                          <a:latin typeface="Cambria Math" panose="02040503050406030204" pitchFamily="18" charset="0"/>
+                        </a:rPr>
+                        <m:t>ℒ</m:t>
+                      </m:r>
+                      <m:r>
+                        <a:rPr kumimoji="1" lang="en-US" altLang="ja-JP" sz="4400" b="0" i="1" smtClean="0">
+                          <a:latin typeface="Cambria Math" panose="02040503050406030204" pitchFamily="18" charset="0"/>
+                        </a:rPr>
+                        <m:t>(</m:t>
+                      </m:r>
+                      <m:acc>
+                        <m:accPr>
+                          <m:chr m:val="̇"/>
+                          <m:ctrlPr>
+                            <a:rPr kumimoji="1" lang="en-US" altLang="ja-JP" sz="4400" b="0" i="1" smtClean="0">
+                              <a:latin typeface="Cambria Math" panose="02040503050406030204" pitchFamily="18" charset="0"/>
+                            </a:rPr>
+                          </m:ctrlPr>
+                        </m:accPr>
+                        <m:e>
+                          <m:r>
+                            <a:rPr kumimoji="1" lang="en-US" altLang="ja-JP" sz="4400" b="0" i="1" smtClean="0">
+                              <a:latin typeface="Cambria Math" panose="02040503050406030204" pitchFamily="18" charset="0"/>
+                            </a:rPr>
+                            <m:t>𝑞</m:t>
+                          </m:r>
+                        </m:e>
+                      </m:acc>
+                      <m:r>
+                        <a:rPr kumimoji="1" lang="en-US" altLang="ja-JP" sz="4400" b="0" i="1" smtClean="0">
+                          <a:latin typeface="Cambria Math" panose="02040503050406030204" pitchFamily="18" charset="0"/>
+                        </a:rPr>
+                        <m:t>,</m:t>
+                      </m:r>
+                      <m:r>
+                        <a:rPr kumimoji="1" lang="en-US" altLang="ja-JP" sz="4400" b="0" i="1" smtClean="0">
+                          <a:latin typeface="Cambria Math" panose="02040503050406030204" pitchFamily="18" charset="0"/>
+                        </a:rPr>
+                        <m:t>𝑞</m:t>
+                      </m:r>
+                      <m:r>
+                        <a:rPr kumimoji="1" lang="en-US" altLang="ja-JP" sz="4400" b="0" i="1" smtClean="0">
+                          <a:latin typeface="Cambria Math" panose="02040503050406030204" pitchFamily="18" charset="0"/>
+                        </a:rPr>
+                        <m:t>)</m:t>
+                      </m:r>
+                    </m:oMath>
+                  </m:oMathPara>
+                </a14:m>
+                <a:endParaRPr kumimoji="1" lang="ja-JP" altLang="en-US" sz="4400"/>
+              </a:p>
+            </p:txBody>
+          </p:sp>
+        </mc:Choice>
+        <mc:Fallback>
+          <p:sp>
+            <p:nvSpPr>
+              <p:cNvPr id="4" name="テキスト ボックス 3">
+                <a:extLst>
+                  <a:ext uri="{FF2B5EF4-FFF2-40B4-BE49-F238E27FC236}">
+                    <a16:creationId xmlns:a16="http://schemas.microsoft.com/office/drawing/2014/main" id="{7ADAB778-4797-4E70-8729-3035A51A8495}"/>
+                  </a:ext>
+                </a:extLst>
+              </p:cNvPr>
+              <p:cNvSpPr txBox="1">
+                <a:spLocks noRot="1" noChangeAspect="1" noMove="1" noResize="1" noEditPoints="1" noAdjustHandles="1" noChangeArrowheads="1" noChangeShapeType="1" noTextEdit="1"/>
+              </p:cNvSpPr>
+              <p:nvPr/>
+            </p:nvSpPr>
+            <p:spPr>
+              <a:xfrm>
+                <a:off x="1331640" y="2371527"/>
+                <a:ext cx="2013885" cy="769441"/>
+              </a:xfrm>
+              <a:prstGeom prst="rect">
+                <a:avLst/>
+              </a:prstGeom>
+              <a:blipFill>
+                <a:blip r:embed="rId2"/>
+                <a:stretch>
+                  <a:fillRect/>
+                </a:stretch>
+              </a:blipFill>
+            </p:spPr>
+            <p:txBody>
+              <a:bodyPr/>
+              <a:lstStyle/>
+              <a:p>
+                <a:r>
+                  <a:rPr lang="ja-JP" altLang="en-US">
+                    <a:noFill/>
+                  </a:rPr>
+                  <a:t> </a:t>
+                </a:r>
+              </a:p>
+            </p:txBody>
+          </p:sp>
+        </mc:Fallback>
+      </mc:AlternateContent>
+      <p:sp>
+        <p:nvSpPr>
+          <p:cNvPr id="5" name="矢印: 右 4">
+            <a:extLst>
+              <a:ext uri="{FF2B5EF4-FFF2-40B4-BE49-F238E27FC236}">
+                <a16:creationId xmlns:a16="http://schemas.microsoft.com/office/drawing/2014/main" id="{33500D05-839C-444A-A9FF-2ECAB78D1871}"/>
+              </a:ext>
+            </a:extLst>
+          </p:cNvPr>
+          <p:cNvSpPr/>
+          <p:nvPr/>
+        </p:nvSpPr>
+        <p:spPr>
+          <a:xfrm>
+            <a:off x="3635896" y="2492896"/>
+            <a:ext cx="978408" cy="484632"/>
+          </a:xfrm>
+          <a:prstGeom prst="rightArrow">
+            <a:avLst/>
+          </a:prstGeom>
+          <a:solidFill>
+            <a:srgbClr val="FF0000"/>
+          </a:solidFill>
+          <a:ln>
+            <a:solidFill>
+              <a:schemeClr val="tx1"/>
+            </a:solidFill>
+          </a:ln>
+        </p:spPr>
+        <p:style>
+          <a:lnRef idx="2">
+            <a:schemeClr val="accent1">
+              <a:shade val="50000"/>
+            </a:schemeClr>
+          </a:lnRef>
+          <a:fillRef idx="1">
+            <a:schemeClr val="accent1"/>
+          </a:fillRef>
+          <a:effectRef idx="0">
+            <a:schemeClr val="accent1"/>
+          </a:effectRef>
+          <a:fontRef idx="minor">
+            <a:schemeClr val="lt1"/>
+          </a:fontRef>
+        </p:style>
+        <p:txBody>
+          <a:bodyPr rtlCol="0" anchor="ctr"/>
+          <a:lstStyle/>
+          <a:p>
+            <a:pPr algn="ctr"/>
+            <a:endParaRPr kumimoji="1" lang="ja-JP" altLang="en-US"/>
+          </a:p>
+        </p:txBody>
+      </p:sp>
+      <mc:AlternateContent xmlns:mc="http://schemas.openxmlformats.org/markup-compatibility/2006">
+        <mc:Choice xmlns:a14="http://schemas.microsoft.com/office/drawing/2010/main" Requires="a14">
+          <p:sp>
+            <p:nvSpPr>
+              <p:cNvPr id="6" name="テキスト ボックス 5">
+                <a:extLst>
+                  <a:ext uri="{FF2B5EF4-FFF2-40B4-BE49-F238E27FC236}">
+                    <a16:creationId xmlns:a16="http://schemas.microsoft.com/office/drawing/2014/main" id="{AD80CCC9-BA11-46F6-8AA8-CF5884A0F624}"/>
+                  </a:ext>
+                </a:extLst>
+              </p:cNvPr>
+              <p:cNvSpPr txBox="1"/>
+              <p:nvPr/>
+            </p:nvSpPr>
+            <p:spPr>
+              <a:xfrm>
+                <a:off x="4788024" y="2348880"/>
+                <a:ext cx="2210413" cy="769441"/>
+              </a:xfrm>
+              <a:prstGeom prst="rect">
+                <a:avLst/>
+              </a:prstGeom>
+              <a:noFill/>
+            </p:spPr>
+            <p:txBody>
+              <a:bodyPr wrap="none" rtlCol="0">
+                <a:spAutoFit/>
+              </a:bodyPr>
+              <a:lstStyle/>
+              <a:p>
+                <a14:m>
+                  <m:oMathPara xmlns:m="http://schemas.openxmlformats.org/officeDocument/2006/math">
+                    <m:oMathParaPr>
+                      <m:jc m:val="centerGroup"/>
+                    </m:oMathParaPr>
+                    <m:oMath xmlns:m="http://schemas.openxmlformats.org/officeDocument/2006/math">
+                      <m:r>
+                        <a:rPr lang="en-US" altLang="ja-JP" sz="4400" i="1" smtClean="0">
+                          <a:latin typeface="Cambria Math" panose="02040503050406030204" pitchFamily="18" charset="0"/>
+                        </a:rPr>
+                        <m:t>ℋ</m:t>
+                      </m:r>
+                      <m:r>
+                        <a:rPr kumimoji="1" lang="en-US" altLang="ja-JP" sz="4400" b="0" i="1" smtClean="0">
+                          <a:latin typeface="Cambria Math" panose="02040503050406030204" pitchFamily="18" charset="0"/>
+                        </a:rPr>
+                        <m:t>(</m:t>
+                      </m:r>
+                      <m:r>
+                        <a:rPr kumimoji="1" lang="en-US" altLang="ja-JP" sz="4400" b="0" i="1" smtClean="0">
+                          <a:latin typeface="Cambria Math" panose="02040503050406030204" pitchFamily="18" charset="0"/>
+                        </a:rPr>
+                        <m:t>𝑝</m:t>
+                      </m:r>
+                      <m:r>
+                        <a:rPr kumimoji="1" lang="en-US" altLang="ja-JP" sz="4400" b="0" i="1" smtClean="0">
+                          <a:latin typeface="Cambria Math" panose="02040503050406030204" pitchFamily="18" charset="0"/>
+                        </a:rPr>
+                        <m:t>,</m:t>
+                      </m:r>
+                      <m:r>
+                        <a:rPr kumimoji="1" lang="en-US" altLang="ja-JP" sz="4400" b="0" i="1" smtClean="0">
+                          <a:latin typeface="Cambria Math" panose="02040503050406030204" pitchFamily="18" charset="0"/>
+                        </a:rPr>
+                        <m:t>𝑞</m:t>
+                      </m:r>
+                      <m:r>
+                        <a:rPr kumimoji="1" lang="en-US" altLang="ja-JP" sz="4400" b="0" i="1" smtClean="0">
+                          <a:latin typeface="Cambria Math" panose="02040503050406030204" pitchFamily="18" charset="0"/>
+                        </a:rPr>
+                        <m:t>)</m:t>
+                      </m:r>
+                    </m:oMath>
+                  </m:oMathPara>
+                </a14:m>
+                <a:endParaRPr kumimoji="1" lang="ja-JP" altLang="en-US" sz="4400"/>
+              </a:p>
+            </p:txBody>
+          </p:sp>
+        </mc:Choice>
+        <mc:Fallback>
+          <p:sp>
+            <p:nvSpPr>
+              <p:cNvPr id="6" name="テキスト ボックス 5">
+                <a:extLst>
+                  <a:ext uri="{FF2B5EF4-FFF2-40B4-BE49-F238E27FC236}">
+                    <a16:creationId xmlns:a16="http://schemas.microsoft.com/office/drawing/2014/main" id="{AD80CCC9-BA11-46F6-8AA8-CF5884A0F624}"/>
+                  </a:ext>
+                </a:extLst>
+              </p:cNvPr>
+              <p:cNvSpPr txBox="1">
+                <a:spLocks noRot="1" noChangeAspect="1" noMove="1" noResize="1" noEditPoints="1" noAdjustHandles="1" noChangeArrowheads="1" noChangeShapeType="1" noTextEdit="1"/>
+              </p:cNvSpPr>
+              <p:nvPr/>
+            </p:nvSpPr>
+            <p:spPr>
+              <a:xfrm>
+                <a:off x="4788024" y="2348880"/>
+                <a:ext cx="2210413" cy="769441"/>
+              </a:xfrm>
+              <a:prstGeom prst="rect">
+                <a:avLst/>
+              </a:prstGeom>
+              <a:blipFill>
+                <a:blip r:embed="rId3"/>
+                <a:stretch>
+                  <a:fillRect/>
+                </a:stretch>
+              </a:blipFill>
+            </p:spPr>
+            <p:txBody>
+              <a:bodyPr/>
+              <a:lstStyle/>
+              <a:p>
+                <a:r>
+                  <a:rPr lang="ja-JP" altLang="en-US">
+                    <a:noFill/>
+                  </a:rPr>
+                  <a:t> </a:t>
+                </a:r>
+              </a:p>
+            </p:txBody>
+          </p:sp>
+        </mc:Fallback>
+      </mc:AlternateContent>
+    </p:spTree>
+    <p:extLst>
+      <p:ext uri="{BB962C8B-B14F-4D97-AF65-F5344CB8AC3E}">
+        <p14:creationId xmlns:p14="http://schemas.microsoft.com/office/powerpoint/2010/main" val="3122102746"/>
       </p:ext>
     </p:extLst>
   </p:cSld>
